--- a/MIMAPS/presentation/Presentation.pptx
+++ b/MIMAPS/presentation/Presentation.pptx
@@ -220,7 +220,7 @@
           <a:p>
             <a:fld id="{9C547ADD-9021-4B56-9704-593FA2B92072}" type="datetimeFigureOut">
               <a:rPr lang="ru-RU" smtClean="0"/>
-              <a:t>15.03.2025</a:t>
+              <a:t>16.03.2025</a:t>
             </a:fld>
             <a:endParaRPr lang="ru-RU"/>
           </a:p>
@@ -615,6 +615,218 @@
           <a:bodyPr/>
           <a:lstStyle/>
           <a:p>
+            <a:pPr>
+              <a:spcBef>
+                <a:spcPts val="600"/>
+              </a:spcBef>
+              <a:spcAft>
+                <a:spcPts val="600"/>
+              </a:spcAft>
+            </a:pPr>
+            <a:r>
+              <a:rPr lang="ru-RU" sz="1800" b="1" dirty="0">
+                <a:effectLst/>
+                <a:latin typeface="Times New Roman" panose="02020603050405020304" pitchFamily="18" charset="0"/>
+                <a:ea typeface="Times New Roman" panose="02020603050405020304" pitchFamily="18" charset="0"/>
+              </a:rPr>
+              <a:t>Сборщик мусора </a:t>
+            </a:r>
+            <a:r>
+              <a:rPr lang="ru-RU" sz="1800" dirty="0">
+                <a:effectLst/>
+                <a:latin typeface="Times New Roman" panose="02020603050405020304" pitchFamily="18" charset="0"/>
+                <a:ea typeface="Times New Roman" panose="02020603050405020304" pitchFamily="18" charset="0"/>
+              </a:rPr>
+              <a:t>— это механизм автоматического управления памятью, который освобождает память, занятую объектами, больше не используемыми в программе. </a:t>
+            </a:r>
+          </a:p>
+          <a:p>
+            <a:pPr>
+              <a:spcBef>
+                <a:spcPts val="600"/>
+              </a:spcBef>
+              <a:spcAft>
+                <a:spcPts val="600"/>
+              </a:spcAft>
+            </a:pPr>
+            <a:r>
+              <a:rPr lang="ru-RU" sz="1800" dirty="0">
+                <a:effectLst/>
+                <a:latin typeface="Times New Roman" panose="02020603050405020304" pitchFamily="18" charset="0"/>
+                <a:ea typeface="Times New Roman" panose="02020603050405020304" pitchFamily="18" charset="0"/>
+              </a:rPr>
+              <a:t>Он избавляет разработчика от необходимости вручную освобождать память, что помогает избежать утечек памяти и ошибок, связанных с неправильным управлением памятью.</a:t>
+            </a:r>
+          </a:p>
+          <a:p>
+            <a:pPr>
+              <a:spcBef>
+                <a:spcPts val="600"/>
+              </a:spcBef>
+              <a:spcAft>
+                <a:spcPts val="600"/>
+              </a:spcAft>
+            </a:pPr>
+            <a:r>
+              <a:rPr lang="ru-RU" sz="1800" dirty="0">
+                <a:effectLst/>
+                <a:latin typeface="Times New Roman" panose="02020603050405020304" pitchFamily="18" charset="0"/>
+                <a:ea typeface="Times New Roman" panose="02020603050405020304" pitchFamily="18" charset="0"/>
+              </a:rPr>
+              <a:t>Основные этапы работы:</a:t>
+            </a:r>
+          </a:p>
+          <a:p>
+            <a:pPr marL="342900" lvl="0" indent="-342900">
+              <a:spcBef>
+                <a:spcPts val="600"/>
+              </a:spcBef>
+              <a:spcAft>
+                <a:spcPts val="600"/>
+              </a:spcAft>
+              <a:buFont typeface="Arial" panose="020B0604020202020204" pitchFamily="34" charset="0"/>
+              <a:buChar char="•"/>
+              <a:tabLst>
+                <a:tab pos="457200" algn="l"/>
+              </a:tabLst>
+            </a:pPr>
+            <a:r>
+              <a:rPr lang="ru-RU" sz="1800" dirty="0">
+                <a:effectLst/>
+                <a:latin typeface="Times New Roman" panose="02020603050405020304" pitchFamily="18" charset="0"/>
+                <a:ea typeface="Times New Roman" panose="02020603050405020304" pitchFamily="18" charset="0"/>
+              </a:rPr>
+              <a:t>Сборщик мусора начинает с корневого объекта наследованного от </a:t>
+            </a:r>
+            <a:r>
+              <a:rPr lang="en-US" sz="1800" b="1" dirty="0" err="1">
+                <a:effectLst/>
+                <a:latin typeface="Times New Roman" panose="02020603050405020304" pitchFamily="18" charset="0"/>
+                <a:ea typeface="Times New Roman" panose="02020603050405020304" pitchFamily="18" charset="0"/>
+              </a:rPr>
+              <a:t>RObject</a:t>
+            </a:r>
+            <a:endParaRPr lang="ru-RU" sz="1800" dirty="0">
+              <a:effectLst/>
+              <a:latin typeface="Times New Roman" panose="02020603050405020304" pitchFamily="18" charset="0"/>
+              <a:ea typeface="Times New Roman" panose="02020603050405020304" pitchFamily="18" charset="0"/>
+            </a:endParaRPr>
+          </a:p>
+          <a:p>
+            <a:pPr marL="342900" lvl="0" indent="-342900">
+              <a:spcBef>
+                <a:spcPts val="600"/>
+              </a:spcBef>
+              <a:spcAft>
+                <a:spcPts val="600"/>
+              </a:spcAft>
+              <a:buFont typeface="Arial" panose="020B0604020202020204" pitchFamily="34" charset="0"/>
+              <a:buChar char="•"/>
+              <a:tabLst>
+                <a:tab pos="457200" algn="l"/>
+              </a:tabLst>
+            </a:pPr>
+            <a:r>
+              <a:rPr lang="ru-RU" sz="1800" dirty="0">
+                <a:effectLst/>
+                <a:latin typeface="Times New Roman" panose="02020603050405020304" pitchFamily="18" charset="0"/>
+                <a:ea typeface="Times New Roman" panose="02020603050405020304" pitchFamily="18" charset="0"/>
+              </a:rPr>
+              <a:t>Он рекурсивно проходит по всем дочерним объектам, которые тоже наследуются от </a:t>
+            </a:r>
+            <a:r>
+              <a:rPr lang="en-US" sz="1800" b="1" dirty="0" err="1">
+                <a:effectLst/>
+                <a:latin typeface="Times New Roman" panose="02020603050405020304" pitchFamily="18" charset="0"/>
+                <a:ea typeface="Times New Roman" panose="02020603050405020304" pitchFamily="18" charset="0"/>
+              </a:rPr>
+              <a:t>RObject</a:t>
+            </a:r>
+            <a:r>
+              <a:rPr lang="ru-RU" sz="1800" dirty="0">
+                <a:effectLst/>
+                <a:latin typeface="Times New Roman" panose="02020603050405020304" pitchFamily="18" charset="0"/>
+                <a:ea typeface="Times New Roman" panose="02020603050405020304" pitchFamily="18" charset="0"/>
+              </a:rPr>
+              <a:t>, чтобы найти все достижимые объекты</a:t>
+            </a:r>
+          </a:p>
+          <a:p>
+            <a:pPr marL="342900" lvl="0" indent="-342900">
+              <a:spcBef>
+                <a:spcPts val="600"/>
+              </a:spcBef>
+              <a:spcAft>
+                <a:spcPts val="600"/>
+              </a:spcAft>
+              <a:buFont typeface="Arial" panose="020B0604020202020204" pitchFamily="34" charset="0"/>
+              <a:buChar char="•"/>
+              <a:tabLst>
+                <a:tab pos="457200" algn="l"/>
+              </a:tabLst>
+            </a:pPr>
+            <a:r>
+              <a:rPr lang="ru-RU" sz="1800" dirty="0">
+                <a:effectLst/>
+                <a:latin typeface="Times New Roman" panose="02020603050405020304" pitchFamily="18" charset="0"/>
+                <a:ea typeface="Times New Roman" panose="02020603050405020304" pitchFamily="18" charset="0"/>
+              </a:rPr>
+              <a:t>Объекты, которые не могут быть достигнуты через цепочку ссылок из корней, считаются </a:t>
+            </a:r>
+            <a:r>
+              <a:rPr lang="ru-RU" sz="1800" b="1" dirty="0">
+                <a:effectLst/>
+                <a:latin typeface="Times New Roman" panose="02020603050405020304" pitchFamily="18" charset="0"/>
+                <a:ea typeface="Times New Roman" panose="02020603050405020304" pitchFamily="18" charset="0"/>
+              </a:rPr>
+              <a:t>"мусором"</a:t>
+            </a:r>
+            <a:endParaRPr lang="ru-RU" sz="1800" dirty="0">
+              <a:effectLst/>
+              <a:latin typeface="Times New Roman" panose="02020603050405020304" pitchFamily="18" charset="0"/>
+              <a:ea typeface="Times New Roman" panose="02020603050405020304" pitchFamily="18" charset="0"/>
+            </a:endParaRPr>
+          </a:p>
+          <a:p>
+            <a:pPr marL="342900" lvl="0" indent="-342900">
+              <a:spcBef>
+                <a:spcPts val="600"/>
+              </a:spcBef>
+              <a:spcAft>
+                <a:spcPts val="600"/>
+              </a:spcAft>
+              <a:buFont typeface="Arial" panose="020B0604020202020204" pitchFamily="34" charset="0"/>
+              <a:buChar char="•"/>
+              <a:tabLst>
+                <a:tab pos="457200" algn="l"/>
+              </a:tabLst>
+            </a:pPr>
+            <a:r>
+              <a:rPr lang="ru-RU" sz="1800" dirty="0">
+                <a:effectLst/>
+                <a:latin typeface="Times New Roman" panose="02020603050405020304" pitchFamily="18" charset="0"/>
+                <a:ea typeface="Times New Roman" panose="02020603050405020304" pitchFamily="18" charset="0"/>
+              </a:rPr>
+              <a:t> </a:t>
+            </a:r>
+            <a:r>
+              <a:rPr lang="ru-RU" sz="1800" b="1" dirty="0">
+                <a:effectLst/>
+                <a:latin typeface="Times New Roman" panose="02020603050405020304" pitchFamily="18" charset="0"/>
+                <a:ea typeface="Times New Roman" panose="02020603050405020304" pitchFamily="18" charset="0"/>
+              </a:rPr>
+              <a:t>Освобождение памяти </a:t>
+            </a:r>
+            <a:r>
+              <a:rPr lang="ru-RU" sz="1800" dirty="0">
+                <a:effectLst/>
+                <a:latin typeface="Times New Roman" panose="02020603050405020304" pitchFamily="18" charset="0"/>
+                <a:ea typeface="Times New Roman" panose="02020603050405020304" pitchFamily="18" charset="0"/>
+              </a:rPr>
+              <a:t>всех "мусорных" указателей</a:t>
+            </a:r>
+          </a:p>
+          <a:p>
             <a:endParaRPr lang="ru-RU" dirty="0"/>
           </a:p>
         </p:txBody>
@@ -699,6 +911,124 @@
           <a:bodyPr/>
           <a:lstStyle/>
           <a:p>
+            <a:pPr marL="0" marR="0" lvl="0" indent="0" algn="l" defTabSz="914400" rtl="0" eaLnBrk="1" fontAlgn="auto" latinLnBrk="0" hangingPunct="1">
+              <a:lnSpc>
+                <a:spcPct val="100000"/>
+              </a:lnSpc>
+              <a:spcBef>
+                <a:spcPts val="0"/>
+              </a:spcBef>
+              <a:spcAft>
+                <a:spcPts val="0"/>
+              </a:spcAft>
+              <a:buClrTx/>
+              <a:buSzTx/>
+              <a:buFontTx/>
+              <a:buNone/>
+              <a:tabLst/>
+              <a:defRPr/>
+            </a:pPr>
+            <a:r>
+              <a:rPr lang="ru-RU" sz="1800" dirty="0">
+                <a:effectLst/>
+                <a:latin typeface="Times New Roman" panose="02020603050405020304" pitchFamily="18" charset="0"/>
+                <a:ea typeface="Calibri" panose="020F0502020204030204" pitchFamily="34" charset="0"/>
+                <a:cs typeface="Times New Roman" panose="02020603050405020304" pitchFamily="18" charset="0"/>
+              </a:rPr>
+              <a:t>В ходе выполнения данной работы были достигнуты все поставленные цели и задачи. </a:t>
+            </a:r>
+          </a:p>
+          <a:p>
+            <a:pPr marL="0" marR="0" lvl="0" indent="0" algn="l" defTabSz="914400" rtl="0" eaLnBrk="1" fontAlgn="auto" latinLnBrk="0" hangingPunct="1">
+              <a:lnSpc>
+                <a:spcPct val="100000"/>
+              </a:lnSpc>
+              <a:spcBef>
+                <a:spcPts val="0"/>
+              </a:spcBef>
+              <a:spcAft>
+                <a:spcPts val="0"/>
+              </a:spcAft>
+              <a:buClrTx/>
+              <a:buSzTx/>
+              <a:buFontTx/>
+              <a:buNone/>
+              <a:tabLst/>
+              <a:defRPr/>
+            </a:pPr>
+            <a:r>
+              <a:rPr lang="ru-RU" sz="1800" dirty="0">
+                <a:effectLst/>
+                <a:latin typeface="Times New Roman" panose="02020603050405020304" pitchFamily="18" charset="0"/>
+                <a:ea typeface="Calibri" panose="020F0502020204030204" pitchFamily="34" charset="0"/>
+                <a:cs typeface="Times New Roman" panose="02020603050405020304" pitchFamily="18" charset="0"/>
+              </a:rPr>
+              <a:t>В результате было создано эффективное и гибкое графическое программное обеспечение для визуализации трехмерных объектов на базе библиотеки OpenGL 4.6 и языка программирования C++. </a:t>
+            </a:r>
+          </a:p>
+          <a:p>
+            <a:pPr marL="0" marR="0" lvl="0" indent="0" algn="l" defTabSz="914400" rtl="0" eaLnBrk="1" fontAlgn="auto" latinLnBrk="0" hangingPunct="1">
+              <a:lnSpc>
+                <a:spcPct val="100000"/>
+              </a:lnSpc>
+              <a:spcBef>
+                <a:spcPts val="0"/>
+              </a:spcBef>
+              <a:spcAft>
+                <a:spcPts val="0"/>
+              </a:spcAft>
+              <a:buClrTx/>
+              <a:buSzTx/>
+              <a:buFontTx/>
+              <a:buNone/>
+              <a:tabLst/>
+              <a:defRPr/>
+            </a:pPr>
+            <a:r>
+              <a:rPr lang="ru-RU" sz="1800" dirty="0">
+                <a:effectLst/>
+                <a:latin typeface="Times New Roman" panose="02020603050405020304" pitchFamily="18" charset="0"/>
+                <a:ea typeface="Calibri" panose="020F0502020204030204" pitchFamily="34" charset="0"/>
+                <a:cs typeface="Times New Roman" panose="02020603050405020304" pitchFamily="18" charset="0"/>
+              </a:rPr>
+              <a:t>Результаты данной работы имеют высокую практическую значимость и могут быть успешно применены в различных сферах, требующих визуализации трехмерных объектов. </a:t>
+            </a:r>
+          </a:p>
+          <a:p>
+            <a:pPr marL="0" marR="0" lvl="0" indent="0" algn="l" defTabSz="914400" rtl="0" eaLnBrk="1" fontAlgn="auto" latinLnBrk="0" hangingPunct="1">
+              <a:lnSpc>
+                <a:spcPct val="100000"/>
+              </a:lnSpc>
+              <a:spcBef>
+                <a:spcPts val="0"/>
+              </a:spcBef>
+              <a:spcAft>
+                <a:spcPts val="0"/>
+              </a:spcAft>
+              <a:buClrTx/>
+              <a:buSzTx/>
+              <a:buFontTx/>
+              <a:buNone/>
+              <a:tabLst/>
+              <a:defRPr/>
+            </a:pPr>
+            <a:r>
+              <a:rPr lang="ru-RU" sz="1800" dirty="0">
+                <a:effectLst/>
+                <a:latin typeface="Times New Roman" panose="02020603050405020304" pitchFamily="18" charset="0"/>
+                <a:ea typeface="Calibri" panose="020F0502020204030204" pitchFamily="34" charset="0"/>
+                <a:cs typeface="Times New Roman" panose="02020603050405020304" pitchFamily="18" charset="0"/>
+              </a:rPr>
+              <a:t>На картинке можете увидеть разработанное графическое ПО.</a:t>
+            </a:r>
+            <a:endParaRPr lang="ru-RU" sz="1800" dirty="0">
+              <a:effectLst/>
+              <a:latin typeface="Calibri" panose="020F0502020204030204" pitchFamily="34" charset="0"/>
+              <a:ea typeface="Calibri" panose="020F0502020204030204" pitchFamily="34" charset="0"/>
+              <a:cs typeface="Times New Roman" panose="02020603050405020304" pitchFamily="18" charset="0"/>
+            </a:endParaRPr>
+          </a:p>
+          <a:p>
             <a:endParaRPr lang="ru-RU" dirty="0"/>
           </a:p>
         </p:txBody>
@@ -783,6 +1113,191 @@
           <a:bodyPr/>
           <a:lstStyle/>
           <a:p>
+            <a:pPr>
+              <a:lnSpc>
+                <a:spcPct val="107000"/>
+              </a:lnSpc>
+              <a:spcAft>
+                <a:spcPts val="800"/>
+              </a:spcAft>
+            </a:pPr>
+            <a:r>
+              <a:rPr lang="ru-RU" sz="1800" b="1" dirty="0">
+                <a:effectLst/>
+                <a:latin typeface="Times New Roman" panose="02020603050405020304" pitchFamily="18" charset="0"/>
+                <a:ea typeface="Calibri" panose="020F0502020204030204" pitchFamily="34" charset="0"/>
+                <a:cs typeface="Times New Roman" panose="02020603050405020304" pitchFamily="18" charset="0"/>
+              </a:rPr>
+              <a:t>Цель работы: </a:t>
+            </a:r>
+            <a:r>
+              <a:rPr lang="ru-RU" sz="1800" dirty="0">
+                <a:effectLst/>
+                <a:latin typeface="Times New Roman" panose="02020603050405020304" pitchFamily="18" charset="0"/>
+                <a:ea typeface="Calibri" panose="020F0502020204030204" pitchFamily="34" charset="0"/>
+                <a:cs typeface="Times New Roman" panose="02020603050405020304" pitchFamily="18" charset="0"/>
+              </a:rPr>
+              <a:t>Разработка графического программного обеспечения для визуализации трехмерных объектов.</a:t>
+            </a:r>
+            <a:endParaRPr lang="ru-RU" sz="1800" dirty="0">
+              <a:effectLst/>
+              <a:latin typeface="Calibri" panose="020F0502020204030204" pitchFamily="34" charset="0"/>
+              <a:ea typeface="Calibri" panose="020F0502020204030204" pitchFamily="34" charset="0"/>
+              <a:cs typeface="Times New Roman" panose="02020603050405020304" pitchFamily="18" charset="0"/>
+            </a:endParaRPr>
+          </a:p>
+          <a:p>
+            <a:pPr>
+              <a:lnSpc>
+                <a:spcPct val="107000"/>
+              </a:lnSpc>
+              <a:spcAft>
+                <a:spcPts val="800"/>
+              </a:spcAft>
+            </a:pPr>
+            <a:r>
+              <a:rPr lang="ru-RU" sz="1800" b="1" dirty="0">
+                <a:effectLst/>
+                <a:latin typeface="Times New Roman" panose="02020603050405020304" pitchFamily="18" charset="0"/>
+                <a:ea typeface="Calibri" panose="020F0502020204030204" pitchFamily="34" charset="0"/>
+                <a:cs typeface="Times New Roman" panose="02020603050405020304" pitchFamily="18" charset="0"/>
+              </a:rPr>
+              <a:t>Задачи:</a:t>
+            </a:r>
+            <a:endParaRPr lang="ru-RU" sz="1800" dirty="0">
+              <a:effectLst/>
+              <a:latin typeface="Calibri" panose="020F0502020204030204" pitchFamily="34" charset="0"/>
+              <a:ea typeface="Calibri" panose="020F0502020204030204" pitchFamily="34" charset="0"/>
+              <a:cs typeface="Times New Roman" panose="02020603050405020304" pitchFamily="18" charset="0"/>
+            </a:endParaRPr>
+          </a:p>
+          <a:p>
+            <a:pPr marL="342900" lvl="0" indent="-342900">
+              <a:lnSpc>
+                <a:spcPct val="107000"/>
+              </a:lnSpc>
+              <a:spcAft>
+                <a:spcPts val="800"/>
+              </a:spcAft>
+              <a:buFont typeface="Arial" panose="020B0604020202020204" pitchFamily="34" charset="0"/>
+              <a:buChar char="•"/>
+              <a:tabLst>
+                <a:tab pos="457200" algn="l"/>
+              </a:tabLst>
+            </a:pPr>
+            <a:r>
+              <a:rPr lang="ru-RU" sz="1800" dirty="0">
+                <a:effectLst/>
+                <a:latin typeface="Times New Roman" panose="02020603050405020304" pitchFamily="18" charset="0"/>
+                <a:ea typeface="Calibri" panose="020F0502020204030204" pitchFamily="34" charset="0"/>
+                <a:cs typeface="Times New Roman" panose="02020603050405020304" pitchFamily="18" charset="0"/>
+              </a:rPr>
+              <a:t>Отображение </a:t>
+            </a:r>
+            <a:r>
+              <a:rPr lang="ru-RU" sz="1800" b="1" dirty="0">
+                <a:effectLst/>
+                <a:latin typeface="Times New Roman" panose="02020603050405020304" pitchFamily="18" charset="0"/>
+                <a:ea typeface="Calibri" panose="020F0502020204030204" pitchFamily="34" charset="0"/>
+                <a:cs typeface="Times New Roman" panose="02020603050405020304" pitchFamily="18" charset="0"/>
+              </a:rPr>
+              <a:t>трехмерных объектов </a:t>
+            </a:r>
+            <a:r>
+              <a:rPr lang="ru-RU" sz="1800" dirty="0">
+                <a:effectLst/>
+                <a:latin typeface="Times New Roman" panose="02020603050405020304" pitchFamily="18" charset="0"/>
+                <a:ea typeface="Calibri" panose="020F0502020204030204" pitchFamily="34" charset="0"/>
+                <a:cs typeface="Times New Roman" panose="02020603050405020304" pitchFamily="18" charset="0"/>
+              </a:rPr>
+              <a:t>с возможностью кастомизации</a:t>
+            </a:r>
+            <a:endParaRPr lang="ru-RU" sz="1800" dirty="0">
+              <a:effectLst/>
+              <a:latin typeface="Calibri" panose="020F0502020204030204" pitchFamily="34" charset="0"/>
+              <a:ea typeface="Calibri" panose="020F0502020204030204" pitchFamily="34" charset="0"/>
+              <a:cs typeface="Times New Roman" panose="02020603050405020304" pitchFamily="18" charset="0"/>
+            </a:endParaRPr>
+          </a:p>
+          <a:p>
+            <a:pPr marL="342900" lvl="0" indent="-342900">
+              <a:lnSpc>
+                <a:spcPct val="107000"/>
+              </a:lnSpc>
+              <a:spcAft>
+                <a:spcPts val="800"/>
+              </a:spcAft>
+              <a:buFont typeface="Arial" panose="020B0604020202020204" pitchFamily="34" charset="0"/>
+              <a:buChar char="•"/>
+              <a:tabLst>
+                <a:tab pos="457200" algn="l"/>
+              </a:tabLst>
+            </a:pPr>
+            <a:r>
+              <a:rPr lang="ru-RU" sz="1800" b="1" dirty="0">
+                <a:effectLst/>
+                <a:latin typeface="Times New Roman" panose="02020603050405020304" pitchFamily="18" charset="0"/>
+                <a:ea typeface="Calibri" panose="020F0502020204030204" pitchFamily="34" charset="0"/>
+                <a:cs typeface="Times New Roman" panose="02020603050405020304" pitchFamily="18" charset="0"/>
+              </a:rPr>
+              <a:t>Система рефлексии </a:t>
+            </a:r>
+            <a:r>
+              <a:rPr lang="ru-RU" sz="1800" dirty="0">
+                <a:effectLst/>
+                <a:latin typeface="Times New Roman" panose="02020603050405020304" pitchFamily="18" charset="0"/>
+                <a:ea typeface="Calibri" panose="020F0502020204030204" pitchFamily="34" charset="0"/>
+                <a:cs typeface="Times New Roman" panose="02020603050405020304" pitchFamily="18" charset="0"/>
+              </a:rPr>
+              <a:t>пользовательских типов данных</a:t>
+            </a:r>
+            <a:endParaRPr lang="ru-RU" sz="1800" dirty="0">
+              <a:effectLst/>
+              <a:latin typeface="Calibri" panose="020F0502020204030204" pitchFamily="34" charset="0"/>
+              <a:ea typeface="Calibri" panose="020F0502020204030204" pitchFamily="34" charset="0"/>
+              <a:cs typeface="Times New Roman" panose="02020603050405020304" pitchFamily="18" charset="0"/>
+            </a:endParaRPr>
+          </a:p>
+          <a:p>
+            <a:pPr marL="342900" lvl="0" indent="-342900">
+              <a:lnSpc>
+                <a:spcPct val="107000"/>
+              </a:lnSpc>
+              <a:spcAft>
+                <a:spcPts val="800"/>
+              </a:spcAft>
+              <a:buFont typeface="Arial" panose="020B0604020202020204" pitchFamily="34" charset="0"/>
+              <a:buChar char="•"/>
+              <a:tabLst>
+                <a:tab pos="457200" algn="l"/>
+              </a:tabLst>
+            </a:pPr>
+            <a:r>
+              <a:rPr lang="ru-RU" sz="1800" b="1" dirty="0">
+                <a:effectLst/>
+                <a:latin typeface="Times New Roman" panose="02020603050405020304" pitchFamily="18" charset="0"/>
+                <a:ea typeface="Calibri" panose="020F0502020204030204" pitchFamily="34" charset="0"/>
+                <a:cs typeface="Times New Roman" panose="02020603050405020304" pitchFamily="18" charset="0"/>
+              </a:rPr>
+              <a:t>Сборщик мусора </a:t>
+            </a:r>
+            <a:r>
+              <a:rPr lang="ru-RU" sz="1800" dirty="0">
+                <a:effectLst/>
+                <a:latin typeface="Times New Roman" panose="02020603050405020304" pitchFamily="18" charset="0"/>
+                <a:ea typeface="Calibri" panose="020F0502020204030204" pitchFamily="34" charset="0"/>
+                <a:cs typeface="Times New Roman" panose="02020603050405020304" pitchFamily="18" charset="0"/>
+              </a:rPr>
+              <a:t>для контроля над пользовательскими данными</a:t>
+            </a:r>
+            <a:endParaRPr lang="ru-RU" sz="1800" dirty="0">
+              <a:effectLst/>
+              <a:latin typeface="Calibri" panose="020F0502020204030204" pitchFamily="34" charset="0"/>
+              <a:ea typeface="Calibri" panose="020F0502020204030204" pitchFamily="34" charset="0"/>
+              <a:cs typeface="Times New Roman" panose="02020603050405020304" pitchFamily="18" charset="0"/>
+            </a:endParaRPr>
+          </a:p>
+          <a:p>
             <a:endParaRPr lang="ru-RU" dirty="0"/>
           </a:p>
         </p:txBody>
@@ -867,6 +1382,220 @@
           <a:bodyPr/>
           <a:lstStyle/>
           <a:p>
+            <a:pPr>
+              <a:spcBef>
+                <a:spcPts val="600"/>
+              </a:spcBef>
+              <a:spcAft>
+                <a:spcPts val="600"/>
+              </a:spcAft>
+            </a:pPr>
+            <a:r>
+              <a:rPr lang="ru-RU" sz="1800" b="1" dirty="0">
+                <a:effectLst/>
+                <a:latin typeface="Times New Roman" panose="02020603050405020304" pitchFamily="18" charset="0"/>
+                <a:ea typeface="Times New Roman" panose="02020603050405020304" pitchFamily="18" charset="0"/>
+              </a:rPr>
+              <a:t>Существующие решения из наиболее популярных:</a:t>
+            </a:r>
+            <a:endParaRPr lang="ru-RU" sz="1800" dirty="0">
+              <a:effectLst/>
+              <a:latin typeface="Times New Roman" panose="02020603050405020304" pitchFamily="18" charset="0"/>
+              <a:ea typeface="Times New Roman" panose="02020603050405020304" pitchFamily="18" charset="0"/>
+            </a:endParaRPr>
+          </a:p>
+          <a:p>
+            <a:pPr marL="342900" lvl="0" indent="-342900">
+              <a:spcBef>
+                <a:spcPts val="600"/>
+              </a:spcBef>
+              <a:spcAft>
+                <a:spcPts val="600"/>
+              </a:spcAft>
+              <a:buFont typeface="Arial" panose="020B0604020202020204" pitchFamily="34" charset="0"/>
+              <a:buChar char="•"/>
+              <a:tabLst>
+                <a:tab pos="457200" algn="l"/>
+              </a:tabLst>
+            </a:pPr>
+            <a:r>
+              <a:rPr lang="en-US" sz="1800" dirty="0">
+                <a:effectLst/>
+                <a:latin typeface="Times New Roman" panose="02020603050405020304" pitchFamily="18" charset="0"/>
+                <a:ea typeface="Times New Roman" panose="02020603050405020304" pitchFamily="18" charset="0"/>
+                <a:cs typeface="Times New Roman" panose="02020603050405020304" pitchFamily="18" charset="0"/>
+              </a:rPr>
+              <a:t>Unreal Engine</a:t>
+            </a:r>
+            <a:endParaRPr lang="ru-RU" sz="1800" dirty="0">
+              <a:effectLst/>
+              <a:latin typeface="Times New Roman" panose="02020603050405020304" pitchFamily="18" charset="0"/>
+              <a:ea typeface="Times New Roman" panose="02020603050405020304" pitchFamily="18" charset="0"/>
+              <a:cs typeface="Times New Roman" panose="02020603050405020304" pitchFamily="18" charset="0"/>
+            </a:endParaRPr>
+          </a:p>
+          <a:p>
+            <a:pPr marL="342900" lvl="0" indent="-342900">
+              <a:spcBef>
+                <a:spcPts val="600"/>
+              </a:spcBef>
+              <a:spcAft>
+                <a:spcPts val="600"/>
+              </a:spcAft>
+              <a:buFont typeface="Arial" panose="020B0604020202020204" pitchFamily="34" charset="0"/>
+              <a:buChar char="•"/>
+              <a:tabLst>
+                <a:tab pos="457200" algn="l"/>
+              </a:tabLst>
+            </a:pPr>
+            <a:r>
+              <a:rPr lang="en-US" sz="1800" dirty="0">
+                <a:effectLst/>
+                <a:latin typeface="Times New Roman" panose="02020603050405020304" pitchFamily="18" charset="0"/>
+                <a:ea typeface="Times New Roman" panose="02020603050405020304" pitchFamily="18" charset="0"/>
+                <a:cs typeface="Times New Roman" panose="02020603050405020304" pitchFamily="18" charset="0"/>
+              </a:rPr>
+              <a:t>Unity</a:t>
+            </a:r>
+            <a:endParaRPr lang="ru-RU" sz="1800" dirty="0">
+              <a:effectLst/>
+              <a:latin typeface="Times New Roman" panose="02020603050405020304" pitchFamily="18" charset="0"/>
+              <a:ea typeface="Times New Roman" panose="02020603050405020304" pitchFamily="18" charset="0"/>
+              <a:cs typeface="Times New Roman" panose="02020603050405020304" pitchFamily="18" charset="0"/>
+            </a:endParaRPr>
+          </a:p>
+          <a:p>
+            <a:pPr marL="342900" lvl="0" indent="-342900">
+              <a:spcBef>
+                <a:spcPts val="600"/>
+              </a:spcBef>
+              <a:spcAft>
+                <a:spcPts val="600"/>
+              </a:spcAft>
+              <a:buFont typeface="Arial" panose="020B0604020202020204" pitchFamily="34" charset="0"/>
+              <a:buChar char="•"/>
+              <a:tabLst>
+                <a:tab pos="457200" algn="l"/>
+              </a:tabLst>
+            </a:pPr>
+            <a:r>
+              <a:rPr lang="en-US" sz="1800" dirty="0">
+                <a:effectLst/>
+                <a:latin typeface="Times New Roman" panose="02020603050405020304" pitchFamily="18" charset="0"/>
+                <a:ea typeface="Times New Roman" panose="02020603050405020304" pitchFamily="18" charset="0"/>
+                <a:cs typeface="Times New Roman" panose="02020603050405020304" pitchFamily="18" charset="0"/>
+              </a:rPr>
+              <a:t>CryEngine</a:t>
+            </a:r>
+            <a:endParaRPr lang="ru-RU" sz="1800" dirty="0">
+              <a:effectLst/>
+              <a:latin typeface="Times New Roman" panose="02020603050405020304" pitchFamily="18" charset="0"/>
+              <a:ea typeface="Times New Roman" panose="02020603050405020304" pitchFamily="18" charset="0"/>
+              <a:cs typeface="Times New Roman" panose="02020603050405020304" pitchFamily="18" charset="0"/>
+            </a:endParaRPr>
+          </a:p>
+          <a:p>
+            <a:pPr marL="342900" lvl="0" indent="-342900">
+              <a:spcBef>
+                <a:spcPts val="600"/>
+              </a:spcBef>
+              <a:spcAft>
+                <a:spcPts val="600"/>
+              </a:spcAft>
+              <a:buFont typeface="Arial" panose="020B0604020202020204" pitchFamily="34" charset="0"/>
+              <a:buChar char="•"/>
+              <a:tabLst>
+                <a:tab pos="457200" algn="l"/>
+              </a:tabLst>
+            </a:pPr>
+            <a:r>
+              <a:rPr lang="en-US" sz="1800" dirty="0">
+                <a:effectLst/>
+                <a:latin typeface="Times New Roman" panose="02020603050405020304" pitchFamily="18" charset="0"/>
+                <a:ea typeface="Times New Roman" panose="02020603050405020304" pitchFamily="18" charset="0"/>
+                <a:cs typeface="Times New Roman" panose="02020603050405020304" pitchFamily="18" charset="0"/>
+              </a:rPr>
+              <a:t>Godot</a:t>
+            </a:r>
+            <a:endParaRPr lang="ru-RU" sz="1800" dirty="0">
+              <a:effectLst/>
+              <a:latin typeface="Times New Roman" panose="02020603050405020304" pitchFamily="18" charset="0"/>
+              <a:ea typeface="Times New Roman" panose="02020603050405020304" pitchFamily="18" charset="0"/>
+              <a:cs typeface="Times New Roman" panose="02020603050405020304" pitchFamily="18" charset="0"/>
+            </a:endParaRPr>
+          </a:p>
+          <a:p>
+            <a:pPr>
+              <a:spcBef>
+                <a:spcPts val="600"/>
+              </a:spcBef>
+              <a:spcAft>
+                <a:spcPts val="600"/>
+              </a:spcAft>
+            </a:pPr>
+            <a:r>
+              <a:rPr lang="ru-RU" sz="1800" b="1" dirty="0">
+                <a:effectLst/>
+                <a:latin typeface="Times New Roman" panose="02020603050405020304" pitchFamily="18" charset="0"/>
+                <a:ea typeface="Times New Roman" panose="02020603050405020304" pitchFamily="18" charset="0"/>
+              </a:rPr>
+              <a:t>Актуальность, из-за различных обстоятельств:</a:t>
+            </a:r>
+            <a:endParaRPr lang="ru-RU" sz="1800" dirty="0">
+              <a:effectLst/>
+              <a:latin typeface="Times New Roman" panose="02020603050405020304" pitchFamily="18" charset="0"/>
+              <a:ea typeface="Times New Roman" panose="02020603050405020304" pitchFamily="18" charset="0"/>
+            </a:endParaRPr>
+          </a:p>
+          <a:p>
+            <a:pPr marL="342900" lvl="0" indent="-342900">
+              <a:spcBef>
+                <a:spcPts val="600"/>
+              </a:spcBef>
+              <a:spcAft>
+                <a:spcPts val="600"/>
+              </a:spcAft>
+              <a:buFont typeface="Arial" panose="020B0604020202020204" pitchFamily="34" charset="0"/>
+              <a:buChar char="•"/>
+              <a:tabLst>
+                <a:tab pos="457200" algn="l"/>
+              </a:tabLst>
+            </a:pPr>
+            <a:r>
+              <a:rPr lang="ru-RU" sz="1800" dirty="0">
+                <a:effectLst/>
+                <a:latin typeface="Times New Roman" panose="02020603050405020304" pitchFamily="18" charset="0"/>
+                <a:ea typeface="Times New Roman" panose="02020603050405020304" pitchFamily="18" charset="0"/>
+                <a:cs typeface="Times New Roman" panose="02020603050405020304" pitchFamily="18" charset="0"/>
+              </a:rPr>
+              <a:t>Отечественная разработка</a:t>
+            </a:r>
+          </a:p>
+          <a:p>
+            <a:pPr marL="342900" lvl="0" indent="-342900">
+              <a:spcBef>
+                <a:spcPts val="600"/>
+              </a:spcBef>
+              <a:spcAft>
+                <a:spcPts val="600"/>
+              </a:spcAft>
+              <a:buFont typeface="Arial" panose="020B0604020202020204" pitchFamily="34" charset="0"/>
+              <a:buChar char="•"/>
+              <a:tabLst>
+                <a:tab pos="457200" algn="l"/>
+              </a:tabLst>
+            </a:pPr>
+            <a:r>
+              <a:rPr lang="ru-RU" sz="1800" dirty="0">
+                <a:effectLst/>
+                <a:latin typeface="Times New Roman" panose="02020603050405020304" pitchFamily="18" charset="0"/>
+                <a:ea typeface="Times New Roman" panose="02020603050405020304" pitchFamily="18" charset="0"/>
+                <a:cs typeface="Times New Roman" panose="02020603050405020304" pitchFamily="18" charset="0"/>
+              </a:rPr>
+              <a:t>Импортозамещение</a:t>
+            </a:r>
+          </a:p>
+          <a:p>
             <a:endParaRPr lang="ru-RU" dirty="0"/>
           </a:p>
         </p:txBody>
@@ -951,6 +1680,352 @@
           <a:bodyPr/>
           <a:lstStyle/>
           <a:p>
+            <a:pPr>
+              <a:spcBef>
+                <a:spcPts val="600"/>
+              </a:spcBef>
+              <a:spcAft>
+                <a:spcPts val="600"/>
+              </a:spcAft>
+            </a:pPr>
+            <a:r>
+              <a:rPr lang="ru-RU" sz="1800" dirty="0">
+                <a:effectLst/>
+                <a:latin typeface="Times New Roman" panose="02020603050405020304" pitchFamily="18" charset="0"/>
+                <a:ea typeface="Times New Roman" panose="02020603050405020304" pitchFamily="18" charset="0"/>
+              </a:rPr>
+              <a:t>Для разработки графического программного обеспечения за пример взят игровой движок </a:t>
+            </a:r>
+            <a:r>
+              <a:rPr lang="ru-RU" sz="1800" b="1" dirty="0" err="1">
+                <a:effectLst/>
+                <a:latin typeface="Times New Roman" panose="02020603050405020304" pitchFamily="18" charset="0"/>
+                <a:ea typeface="Times New Roman" panose="02020603050405020304" pitchFamily="18" charset="0"/>
+              </a:rPr>
+              <a:t>Unreal</a:t>
+            </a:r>
+            <a:r>
+              <a:rPr lang="ru-RU" sz="1800" b="1" dirty="0">
+                <a:effectLst/>
+                <a:latin typeface="Times New Roman" panose="02020603050405020304" pitchFamily="18" charset="0"/>
+                <a:ea typeface="Times New Roman" panose="02020603050405020304" pitchFamily="18" charset="0"/>
+              </a:rPr>
+              <a:t> Engine 4</a:t>
+            </a:r>
+            <a:r>
+              <a:rPr lang="ru-RU" sz="1800" dirty="0">
+                <a:effectLst/>
+                <a:latin typeface="Times New Roman" panose="02020603050405020304" pitchFamily="18" charset="0"/>
+                <a:ea typeface="Times New Roman" panose="02020603050405020304" pitchFamily="18" charset="0"/>
+              </a:rPr>
+              <a:t>, в который входит:</a:t>
+            </a:r>
+          </a:p>
+          <a:p>
+            <a:pPr marL="342900" lvl="0" indent="-342900">
+              <a:lnSpc>
+                <a:spcPct val="107000"/>
+              </a:lnSpc>
+              <a:buFont typeface="Arial" panose="020B0604020202020204" pitchFamily="34" charset="0"/>
+              <a:buChar char="•"/>
+              <a:tabLst>
+                <a:tab pos="457200" algn="l"/>
+              </a:tabLst>
+            </a:pPr>
+            <a:r>
+              <a:rPr lang="ru-RU" sz="1800" dirty="0">
+                <a:effectLst/>
+                <a:latin typeface="Times New Roman" panose="02020603050405020304" pitchFamily="18" charset="0"/>
+                <a:ea typeface="Times New Roman" panose="02020603050405020304" pitchFamily="18" charset="0"/>
+                <a:cs typeface="Times New Roman" panose="02020603050405020304" pitchFamily="18" charset="0"/>
+              </a:rPr>
+              <a:t>Работа и интеграция с различными операционными системами, такими как Windows и Linux. Для поддержки кроссплатформенности взята библиотека </a:t>
+            </a:r>
+            <a:r>
+              <a:rPr lang="ru-RU" sz="1800" b="1" dirty="0">
+                <a:effectLst/>
+                <a:latin typeface="Times New Roman" panose="02020603050405020304" pitchFamily="18" charset="0"/>
+                <a:ea typeface="Times New Roman" panose="02020603050405020304" pitchFamily="18" charset="0"/>
+                <a:cs typeface="Times New Roman" panose="02020603050405020304" pitchFamily="18" charset="0"/>
+              </a:rPr>
+              <a:t>GLFW</a:t>
+            </a:r>
+            <a:r>
+              <a:rPr lang="ru-RU" sz="1800" dirty="0">
+                <a:effectLst/>
+                <a:latin typeface="Times New Roman" panose="02020603050405020304" pitchFamily="18" charset="0"/>
+                <a:ea typeface="Times New Roman" panose="02020603050405020304" pitchFamily="18" charset="0"/>
+                <a:cs typeface="Times New Roman" panose="02020603050405020304" pitchFamily="18" charset="0"/>
+              </a:rPr>
+              <a:t>.</a:t>
+            </a:r>
+            <a:endParaRPr lang="ru-RU" sz="1800" dirty="0">
+              <a:effectLst/>
+              <a:latin typeface="Calibri" panose="020F0502020204030204" pitchFamily="34" charset="0"/>
+              <a:ea typeface="Calibri" panose="020F0502020204030204" pitchFamily="34" charset="0"/>
+              <a:cs typeface="Times New Roman" panose="02020603050405020304" pitchFamily="18" charset="0"/>
+            </a:endParaRPr>
+          </a:p>
+          <a:p>
+            <a:pPr marL="342900" lvl="0" indent="-342900">
+              <a:lnSpc>
+                <a:spcPct val="107000"/>
+              </a:lnSpc>
+              <a:buFont typeface="Arial" panose="020B0604020202020204" pitchFamily="34" charset="0"/>
+              <a:buChar char="•"/>
+              <a:tabLst>
+                <a:tab pos="457200" algn="l"/>
+              </a:tabLst>
+            </a:pPr>
+            <a:r>
+              <a:rPr lang="ru-RU" sz="1800" dirty="0">
+                <a:effectLst/>
+                <a:latin typeface="Times New Roman" panose="02020603050405020304" pitchFamily="18" charset="0"/>
+                <a:ea typeface="Times New Roman" panose="02020603050405020304" pitchFamily="18" charset="0"/>
+                <a:cs typeface="Times New Roman" panose="02020603050405020304" pitchFamily="18" charset="0"/>
+              </a:rPr>
+              <a:t>Отображение трехмерных объектов на любой операционной системе. Для поддержки используется библиотека </a:t>
+            </a:r>
+            <a:r>
+              <a:rPr lang="ru-RU" sz="1800" b="1" dirty="0">
+                <a:effectLst/>
+                <a:latin typeface="Times New Roman" panose="02020603050405020304" pitchFamily="18" charset="0"/>
+                <a:ea typeface="Times New Roman" panose="02020603050405020304" pitchFamily="18" charset="0"/>
+                <a:cs typeface="Times New Roman" panose="02020603050405020304" pitchFamily="18" charset="0"/>
+              </a:rPr>
+              <a:t>OpenGL</a:t>
+            </a:r>
+            <a:r>
+              <a:rPr lang="ru-RU" sz="1800" dirty="0">
+                <a:effectLst/>
+                <a:latin typeface="Times New Roman" panose="02020603050405020304" pitchFamily="18" charset="0"/>
+                <a:ea typeface="Times New Roman" panose="02020603050405020304" pitchFamily="18" charset="0"/>
+                <a:cs typeface="Times New Roman" panose="02020603050405020304" pitchFamily="18" charset="0"/>
+              </a:rPr>
+              <a:t>.</a:t>
+            </a:r>
+            <a:endParaRPr lang="ru-RU" sz="1800" dirty="0">
+              <a:effectLst/>
+              <a:latin typeface="Calibri" panose="020F0502020204030204" pitchFamily="34" charset="0"/>
+              <a:ea typeface="Calibri" panose="020F0502020204030204" pitchFamily="34" charset="0"/>
+              <a:cs typeface="Times New Roman" panose="02020603050405020304" pitchFamily="18" charset="0"/>
+            </a:endParaRPr>
+          </a:p>
+          <a:p>
+            <a:pPr marL="342900" lvl="0" indent="-342900">
+              <a:lnSpc>
+                <a:spcPct val="107000"/>
+              </a:lnSpc>
+              <a:buFont typeface="Arial" panose="020B0604020202020204" pitchFamily="34" charset="0"/>
+              <a:buChar char="•"/>
+              <a:tabLst>
+                <a:tab pos="457200" algn="l"/>
+              </a:tabLst>
+            </a:pPr>
+            <a:r>
+              <a:rPr lang="ru-RU" sz="1800" dirty="0">
+                <a:effectLst/>
+                <a:latin typeface="Times New Roman" panose="02020603050405020304" pitchFamily="18" charset="0"/>
+                <a:ea typeface="Times New Roman" panose="02020603050405020304" pitchFamily="18" charset="0"/>
+                <a:cs typeface="Times New Roman" panose="02020603050405020304" pitchFamily="18" charset="0"/>
+              </a:rPr>
+              <a:t>Удобный и практичный интерфейс для работы с трехмерными объектами на сцене. Аналогом используется библиотека </a:t>
+            </a:r>
+            <a:r>
+              <a:rPr lang="ru-RU" sz="1800" b="1" dirty="0" err="1">
+                <a:effectLst/>
+                <a:latin typeface="Times New Roman" panose="02020603050405020304" pitchFamily="18" charset="0"/>
+                <a:ea typeface="Times New Roman" panose="02020603050405020304" pitchFamily="18" charset="0"/>
+                <a:cs typeface="Times New Roman" panose="02020603050405020304" pitchFamily="18" charset="0"/>
+              </a:rPr>
+              <a:t>ImGUI</a:t>
+            </a:r>
+            <a:r>
+              <a:rPr lang="ru-RU" sz="1800" dirty="0">
+                <a:effectLst/>
+                <a:latin typeface="Times New Roman" panose="02020603050405020304" pitchFamily="18" charset="0"/>
+                <a:ea typeface="Times New Roman" panose="02020603050405020304" pitchFamily="18" charset="0"/>
+                <a:cs typeface="Times New Roman" panose="02020603050405020304" pitchFamily="18" charset="0"/>
+              </a:rPr>
+              <a:t>.</a:t>
+            </a:r>
+            <a:endParaRPr lang="ru-RU" sz="1800" dirty="0">
+              <a:effectLst/>
+              <a:latin typeface="Calibri" panose="020F0502020204030204" pitchFamily="34" charset="0"/>
+              <a:ea typeface="Calibri" panose="020F0502020204030204" pitchFamily="34" charset="0"/>
+              <a:cs typeface="Times New Roman" panose="02020603050405020304" pitchFamily="18" charset="0"/>
+            </a:endParaRPr>
+          </a:p>
+          <a:p>
+            <a:pPr marL="342900" lvl="0" indent="-342900">
+              <a:lnSpc>
+                <a:spcPct val="107000"/>
+              </a:lnSpc>
+              <a:buFont typeface="Arial" panose="020B0604020202020204" pitchFamily="34" charset="0"/>
+              <a:buChar char="•"/>
+              <a:tabLst>
+                <a:tab pos="457200" algn="l"/>
+              </a:tabLst>
+            </a:pPr>
+            <a:r>
+              <a:rPr lang="ru-RU" sz="1800" dirty="0">
+                <a:effectLst/>
+                <a:latin typeface="Times New Roman" panose="02020603050405020304" pitchFamily="18" charset="0"/>
+                <a:ea typeface="Times New Roman" panose="02020603050405020304" pitchFamily="18" charset="0"/>
+                <a:cs typeface="Times New Roman" panose="02020603050405020304" pitchFamily="18" charset="0"/>
+              </a:rPr>
+              <a:t>Загрузка текстур. Используется </a:t>
+            </a:r>
+            <a:r>
+              <a:rPr lang="en-US" sz="1800" b="1" dirty="0">
+                <a:effectLst/>
+                <a:latin typeface="Times New Roman" panose="02020603050405020304" pitchFamily="18" charset="0"/>
+                <a:ea typeface="Times New Roman" panose="02020603050405020304" pitchFamily="18" charset="0"/>
+                <a:cs typeface="Times New Roman" panose="02020603050405020304" pitchFamily="18" charset="0"/>
+              </a:rPr>
+              <a:t>SOIL</a:t>
+            </a:r>
+            <a:r>
+              <a:rPr lang="en-US" sz="1800" dirty="0">
+                <a:effectLst/>
+                <a:latin typeface="Times New Roman" panose="02020603050405020304" pitchFamily="18" charset="0"/>
+                <a:ea typeface="Times New Roman" panose="02020603050405020304" pitchFamily="18" charset="0"/>
+                <a:cs typeface="Times New Roman" panose="02020603050405020304" pitchFamily="18" charset="0"/>
+              </a:rPr>
+              <a:t>.	</a:t>
+            </a:r>
+            <a:endParaRPr lang="ru-RU" sz="1800" dirty="0">
+              <a:effectLst/>
+              <a:latin typeface="Calibri" panose="020F0502020204030204" pitchFamily="34" charset="0"/>
+              <a:ea typeface="Calibri" panose="020F0502020204030204" pitchFamily="34" charset="0"/>
+              <a:cs typeface="Times New Roman" panose="02020603050405020304" pitchFamily="18" charset="0"/>
+            </a:endParaRPr>
+          </a:p>
+          <a:p>
+            <a:pPr marL="342900" lvl="0" indent="-342900">
+              <a:lnSpc>
+                <a:spcPct val="107000"/>
+              </a:lnSpc>
+              <a:buFont typeface="Arial" panose="020B0604020202020204" pitchFamily="34" charset="0"/>
+              <a:buChar char="•"/>
+              <a:tabLst>
+                <a:tab pos="457200" algn="l"/>
+              </a:tabLst>
+            </a:pPr>
+            <a:r>
+              <a:rPr lang="ru-RU" sz="1800" dirty="0">
+                <a:effectLst/>
+                <a:latin typeface="Times New Roman" panose="02020603050405020304" pitchFamily="18" charset="0"/>
+                <a:ea typeface="Times New Roman" panose="02020603050405020304" pitchFamily="18" charset="0"/>
+                <a:cs typeface="Times New Roman" panose="02020603050405020304" pitchFamily="18" charset="0"/>
+              </a:rPr>
+              <a:t>Загрузка сцены и различных трехмерных объектов. Используется библиотека </a:t>
+            </a:r>
+            <a:r>
+              <a:rPr lang="ru-RU" sz="1800" b="1" dirty="0" err="1">
+                <a:effectLst/>
+                <a:latin typeface="Times New Roman" panose="02020603050405020304" pitchFamily="18" charset="0"/>
+                <a:ea typeface="Times New Roman" panose="02020603050405020304" pitchFamily="18" charset="0"/>
+                <a:cs typeface="Times New Roman" panose="02020603050405020304" pitchFamily="18" charset="0"/>
+              </a:rPr>
+              <a:t>Assimp</a:t>
+            </a:r>
+            <a:r>
+              <a:rPr lang="ru-RU" sz="1800" dirty="0">
+                <a:effectLst/>
+                <a:latin typeface="Times New Roman" panose="02020603050405020304" pitchFamily="18" charset="0"/>
+                <a:ea typeface="Times New Roman" panose="02020603050405020304" pitchFamily="18" charset="0"/>
+                <a:cs typeface="Times New Roman" panose="02020603050405020304" pitchFamily="18" charset="0"/>
+              </a:rPr>
+              <a:t>.</a:t>
+            </a:r>
+            <a:endParaRPr lang="ru-RU" sz="1800" dirty="0">
+              <a:effectLst/>
+              <a:latin typeface="Calibri" panose="020F0502020204030204" pitchFamily="34" charset="0"/>
+              <a:ea typeface="Calibri" panose="020F0502020204030204" pitchFamily="34" charset="0"/>
+              <a:cs typeface="Times New Roman" panose="02020603050405020304" pitchFamily="18" charset="0"/>
+            </a:endParaRPr>
+          </a:p>
+          <a:p>
+            <a:pPr marL="342900" lvl="0" indent="-342900">
+              <a:lnSpc>
+                <a:spcPct val="107000"/>
+              </a:lnSpc>
+              <a:spcAft>
+                <a:spcPts val="800"/>
+              </a:spcAft>
+              <a:buFont typeface="Arial" panose="020B0604020202020204" pitchFamily="34" charset="0"/>
+              <a:buChar char="•"/>
+              <a:tabLst>
+                <a:tab pos="457200" algn="l"/>
+              </a:tabLst>
+            </a:pPr>
+            <a:r>
+              <a:rPr lang="ru-RU" sz="1800" dirty="0">
+                <a:effectLst/>
+                <a:latin typeface="Times New Roman" panose="02020603050405020304" pitchFamily="18" charset="0"/>
+                <a:ea typeface="Times New Roman" panose="02020603050405020304" pitchFamily="18" charset="0"/>
+                <a:cs typeface="Times New Roman" panose="02020603050405020304" pitchFamily="18" charset="0"/>
+              </a:rPr>
+              <a:t>Система рефлексии и сериализации данных. Для реализации используется библиотека </a:t>
+            </a:r>
+            <a:r>
+              <a:rPr lang="en-US" sz="1800" b="1" dirty="0">
+                <a:effectLst/>
+                <a:latin typeface="Times New Roman" panose="02020603050405020304" pitchFamily="18" charset="0"/>
+                <a:ea typeface="Times New Roman" panose="02020603050405020304" pitchFamily="18" charset="0"/>
+                <a:cs typeface="Times New Roman" panose="02020603050405020304" pitchFamily="18" charset="0"/>
+              </a:rPr>
+              <a:t>LLVM Clang</a:t>
+            </a:r>
+            <a:r>
+              <a:rPr lang="ru-RU" sz="1800" dirty="0">
+                <a:effectLst/>
+                <a:latin typeface="Times New Roman" panose="02020603050405020304" pitchFamily="18" charset="0"/>
+                <a:ea typeface="Times New Roman" panose="02020603050405020304" pitchFamily="18" charset="0"/>
+                <a:cs typeface="Times New Roman" panose="02020603050405020304" pitchFamily="18" charset="0"/>
+              </a:rPr>
+              <a:t>.</a:t>
+            </a:r>
+            <a:endParaRPr lang="ru-RU" sz="1800" dirty="0">
+              <a:effectLst/>
+              <a:latin typeface="Calibri" panose="020F0502020204030204" pitchFamily="34" charset="0"/>
+              <a:ea typeface="Calibri" panose="020F0502020204030204" pitchFamily="34" charset="0"/>
+              <a:cs typeface="Times New Roman" panose="02020603050405020304" pitchFamily="18" charset="0"/>
+            </a:endParaRPr>
+          </a:p>
+          <a:p>
+            <a:pPr marL="285750" indent="-285750">
+              <a:buFont typeface="Arial" panose="020B0604020202020204" pitchFamily="34" charset="0"/>
+              <a:buChar char="•"/>
+            </a:pPr>
+            <a:r>
+              <a:rPr lang="ru-RU" sz="1800" dirty="0">
+                <a:effectLst/>
+                <a:latin typeface="Calibri" panose="020F0502020204030204" pitchFamily="34" charset="0"/>
+                <a:ea typeface="Calibri" panose="020F0502020204030204" pitchFamily="34" charset="0"/>
+                <a:cs typeface="Times New Roman" panose="02020603050405020304" pitchFamily="18" charset="0"/>
+              </a:rPr>
+              <a:t>  Сборщик мусора</a:t>
+            </a:r>
+            <a:r>
+              <a:rPr lang="en-US" sz="1800" dirty="0">
+                <a:effectLst/>
+                <a:latin typeface="Calibri" panose="020F0502020204030204" pitchFamily="34" charset="0"/>
+                <a:ea typeface="Calibri" panose="020F0502020204030204" pitchFamily="34" charset="0"/>
+                <a:cs typeface="Times New Roman" panose="02020603050405020304" pitchFamily="18" charset="0"/>
+              </a:rPr>
+              <a:t>. </a:t>
+            </a:r>
+            <a:r>
+              <a:rPr lang="ru-RU" sz="1800" dirty="0">
+                <a:effectLst/>
+                <a:latin typeface="Calibri" panose="020F0502020204030204" pitchFamily="34" charset="0"/>
+                <a:ea typeface="Calibri" panose="020F0502020204030204" pitchFamily="34" charset="0"/>
+                <a:cs typeface="Times New Roman" panose="02020603050405020304" pitchFamily="18" charset="0"/>
+              </a:rPr>
+              <a:t>Собственная реализация.</a:t>
+            </a:r>
             <a:endParaRPr lang="ru-RU" dirty="0"/>
           </a:p>
         </p:txBody>
@@ -1035,6 +2110,162 @@
           <a:bodyPr/>
           <a:lstStyle/>
           <a:p>
+            <a:pPr marL="0" marR="0" lvl="0" indent="0" algn="l" defTabSz="914400" rtl="0" eaLnBrk="1" fontAlgn="auto" latinLnBrk="0" hangingPunct="1">
+              <a:lnSpc>
+                <a:spcPct val="100000"/>
+              </a:lnSpc>
+              <a:spcBef>
+                <a:spcPts val="0"/>
+              </a:spcBef>
+              <a:spcAft>
+                <a:spcPts val="0"/>
+              </a:spcAft>
+              <a:buClrTx/>
+              <a:buSzTx/>
+              <a:buFontTx/>
+              <a:buNone/>
+              <a:tabLst/>
+              <a:defRPr/>
+            </a:pPr>
+            <a:r>
+              <a:rPr lang="ru-RU" sz="1800" dirty="0">
+                <a:effectLst/>
+                <a:latin typeface="Times New Roman" panose="02020603050405020304" pitchFamily="18" charset="0"/>
+                <a:ea typeface="Times New Roman" panose="02020603050405020304" pitchFamily="18" charset="0"/>
+              </a:rPr>
+              <a:t>Для отображения окна была использована библиотека </a:t>
+            </a:r>
+            <a:r>
+              <a:rPr lang="ru-RU" sz="1800" b="1" dirty="0">
+                <a:effectLst/>
+                <a:latin typeface="Times New Roman" panose="02020603050405020304" pitchFamily="18" charset="0"/>
+                <a:ea typeface="Times New Roman" panose="02020603050405020304" pitchFamily="18" charset="0"/>
+              </a:rPr>
+              <a:t>Graphics Library Framework</a:t>
+            </a:r>
+            <a:r>
+              <a:rPr lang="ru-RU" sz="1800" dirty="0">
+                <a:effectLst/>
+                <a:latin typeface="Times New Roman" panose="02020603050405020304" pitchFamily="18" charset="0"/>
+                <a:ea typeface="Times New Roman" panose="02020603050405020304" pitchFamily="18" charset="0"/>
+              </a:rPr>
+              <a:t>. </a:t>
+            </a:r>
+          </a:p>
+          <a:p>
+            <a:pPr marL="0" marR="0" lvl="0" indent="0" algn="l" defTabSz="914400" rtl="0" eaLnBrk="1" fontAlgn="auto" latinLnBrk="0" hangingPunct="1">
+              <a:lnSpc>
+                <a:spcPct val="100000"/>
+              </a:lnSpc>
+              <a:spcBef>
+                <a:spcPts val="0"/>
+              </a:spcBef>
+              <a:spcAft>
+                <a:spcPts val="0"/>
+              </a:spcAft>
+              <a:buClrTx/>
+              <a:buSzTx/>
+              <a:buFontTx/>
+              <a:buNone/>
+              <a:tabLst/>
+              <a:defRPr/>
+            </a:pPr>
+            <a:r>
+              <a:rPr lang="ru-RU" sz="1800" dirty="0">
+                <a:effectLst/>
+                <a:latin typeface="Times New Roman" panose="02020603050405020304" pitchFamily="18" charset="0"/>
+                <a:ea typeface="Times New Roman" panose="02020603050405020304" pitchFamily="18" charset="0"/>
+              </a:rPr>
+              <a:t>Она представляет собой библиотеку, написанную на языке программирования C, предназначенную для обеспечения </a:t>
+            </a:r>
+            <a:r>
+              <a:rPr lang="ru-RU" sz="1800" b="1" dirty="0">
+                <a:effectLst/>
+                <a:latin typeface="Times New Roman" panose="02020603050405020304" pitchFamily="18" charset="0"/>
+                <a:ea typeface="Times New Roman" panose="02020603050405020304" pitchFamily="18" charset="0"/>
+              </a:rPr>
+              <a:t>OpenGL</a:t>
+            </a:r>
+            <a:r>
+              <a:rPr lang="ru-RU" sz="1800" dirty="0">
+                <a:effectLst/>
+                <a:latin typeface="Times New Roman" panose="02020603050405020304" pitchFamily="18" charset="0"/>
+                <a:ea typeface="Times New Roman" panose="02020603050405020304" pitchFamily="18" charset="0"/>
+              </a:rPr>
+              <a:t> необходимыми </a:t>
+            </a:r>
+            <a:r>
+              <a:rPr lang="ru-RU" sz="1800" dirty="0" err="1">
+                <a:effectLst/>
+                <a:latin typeface="Times New Roman" panose="02020603050405020304" pitchFamily="18" charset="0"/>
+                <a:ea typeface="Times New Roman" panose="02020603050405020304" pitchFamily="18" charset="0"/>
+              </a:rPr>
+              <a:t>функциональностями</a:t>
+            </a:r>
+            <a:r>
+              <a:rPr lang="ru-RU" sz="1800" dirty="0">
+                <a:effectLst/>
+                <a:latin typeface="Times New Roman" panose="02020603050405020304" pitchFamily="18" charset="0"/>
+                <a:ea typeface="Times New Roman" panose="02020603050405020304" pitchFamily="18" charset="0"/>
+              </a:rPr>
+              <a:t> для отрисовки контента на экране. </a:t>
+            </a:r>
+          </a:p>
+          <a:p>
+            <a:pPr marL="0" marR="0" lvl="0" indent="0" algn="l" defTabSz="914400" rtl="0" eaLnBrk="1" fontAlgn="auto" latinLnBrk="0" hangingPunct="1">
+              <a:lnSpc>
+                <a:spcPct val="100000"/>
+              </a:lnSpc>
+              <a:spcBef>
+                <a:spcPts val="0"/>
+              </a:spcBef>
+              <a:spcAft>
+                <a:spcPts val="0"/>
+              </a:spcAft>
+              <a:buClrTx/>
+              <a:buSzTx/>
+              <a:buFontTx/>
+              <a:buNone/>
+              <a:tabLst/>
+              <a:defRPr/>
+            </a:pPr>
+            <a:r>
+              <a:rPr lang="ru-RU" sz="1800" dirty="0">
+                <a:effectLst/>
+                <a:latin typeface="Times New Roman" panose="02020603050405020304" pitchFamily="18" charset="0"/>
+                <a:ea typeface="Times New Roman" panose="02020603050405020304" pitchFamily="18" charset="0"/>
+              </a:rPr>
+              <a:t>Данная библиотека позволяет создавать контекст, задавать параметры окна и обрабатывать пользовательский ввод. </a:t>
+            </a:r>
+          </a:p>
+          <a:p>
+            <a:pPr marL="0" marR="0" lvl="0" indent="0" algn="l" defTabSz="914400" rtl="0" eaLnBrk="1" fontAlgn="auto" latinLnBrk="0" hangingPunct="1">
+              <a:lnSpc>
+                <a:spcPct val="100000"/>
+              </a:lnSpc>
+              <a:spcBef>
+                <a:spcPts val="0"/>
+              </a:spcBef>
+              <a:spcAft>
+                <a:spcPts val="0"/>
+              </a:spcAft>
+              <a:buClrTx/>
+              <a:buSzTx/>
+              <a:buFontTx/>
+              <a:buNone/>
+              <a:tabLst/>
+              <a:defRPr/>
+            </a:pPr>
+            <a:r>
+              <a:rPr lang="ru-RU" sz="1800" dirty="0">
+                <a:effectLst/>
+                <a:latin typeface="Times New Roman" panose="02020603050405020304" pitchFamily="18" charset="0"/>
+                <a:ea typeface="Times New Roman" panose="02020603050405020304" pitchFamily="18" charset="0"/>
+              </a:rPr>
+              <a:t>На картинке представлено оконное приложение, для отображения которого использовалась данная библиотека.</a:t>
+            </a:r>
+          </a:p>
+          <a:p>
             <a:endParaRPr lang="ru-RU" dirty="0"/>
           </a:p>
         </p:txBody>
@@ -1119,6 +2350,200 @@
           <a:bodyPr/>
           <a:lstStyle/>
           <a:p>
+            <a:pPr>
+              <a:spcBef>
+                <a:spcPts val="600"/>
+              </a:spcBef>
+              <a:spcAft>
+                <a:spcPts val="600"/>
+              </a:spcAft>
+            </a:pPr>
+            <a:r>
+              <a:rPr lang="ru-RU" sz="1800" dirty="0">
+                <a:effectLst/>
+                <a:latin typeface="Times New Roman" panose="02020603050405020304" pitchFamily="18" charset="0"/>
+                <a:ea typeface="Times New Roman" panose="02020603050405020304" pitchFamily="18" charset="0"/>
+              </a:rPr>
+              <a:t>В </a:t>
+            </a:r>
+            <a:r>
+              <a:rPr lang="ru-RU" sz="1800" b="1" dirty="0">
+                <a:effectLst/>
+                <a:latin typeface="Times New Roman" panose="02020603050405020304" pitchFamily="18" charset="0"/>
+                <a:ea typeface="Times New Roman" panose="02020603050405020304" pitchFamily="18" charset="0"/>
+              </a:rPr>
+              <a:t>OpenGL</a:t>
+            </a:r>
+            <a:r>
+              <a:rPr lang="ru-RU" sz="1800" dirty="0">
+                <a:effectLst/>
+                <a:latin typeface="Times New Roman" panose="02020603050405020304" pitchFamily="18" charset="0"/>
+                <a:ea typeface="Times New Roman" panose="02020603050405020304" pitchFamily="18" charset="0"/>
+              </a:rPr>
+              <a:t> все объекты находятся в трёхмерном пространстве, однако экран и окно представляют собой двумерную матрицу пикселей. Следовательно, значительная часть задач OpenGL связана с преобразованием трёхмерных координат в двумерные для отображения на экране. Этот процесс преобразования управляется </a:t>
+            </a:r>
+            <a:r>
+              <a:rPr lang="ru-RU" sz="1800" b="1" dirty="0">
+                <a:effectLst/>
+                <a:latin typeface="Times New Roman" panose="02020603050405020304" pitchFamily="18" charset="0"/>
+                <a:ea typeface="Times New Roman" panose="02020603050405020304" pitchFamily="18" charset="0"/>
+              </a:rPr>
+              <a:t>графическим конвейером OpenGL</a:t>
+            </a:r>
+            <a:r>
+              <a:rPr lang="ru-RU" sz="1800" dirty="0">
+                <a:effectLst/>
+                <a:latin typeface="Times New Roman" panose="02020603050405020304" pitchFamily="18" charset="0"/>
+                <a:ea typeface="Times New Roman" panose="02020603050405020304" pitchFamily="18" charset="0"/>
+              </a:rPr>
+              <a:t>. Графический конвейер состоит из 6 этапов:</a:t>
+            </a:r>
+          </a:p>
+          <a:p>
+            <a:pPr marL="342900" lvl="0" indent="-342900">
+              <a:spcBef>
+                <a:spcPts val="600"/>
+              </a:spcBef>
+              <a:spcAft>
+                <a:spcPts val="600"/>
+              </a:spcAft>
+              <a:buFont typeface="Arial" panose="020B0604020202020204" pitchFamily="34" charset="0"/>
+              <a:buChar char="•"/>
+              <a:tabLst>
+                <a:tab pos="457200" algn="l"/>
+              </a:tabLst>
+            </a:pPr>
+            <a:r>
+              <a:rPr lang="ru-RU" sz="1800" dirty="0">
+                <a:effectLst/>
+                <a:latin typeface="Times New Roman" panose="02020603050405020304" pitchFamily="18" charset="0"/>
+                <a:ea typeface="Times New Roman" panose="02020603050405020304" pitchFamily="18" charset="0"/>
+                <a:cs typeface="Times New Roman" panose="02020603050405020304" pitchFamily="18" charset="0"/>
+              </a:rPr>
+              <a:t>Вершинный шейдер. На вход которого приходят вершинные данные, на выход набор трехмерных координат.</a:t>
+            </a:r>
+          </a:p>
+          <a:p>
+            <a:pPr marL="342900" lvl="0" indent="-342900">
+              <a:spcBef>
+                <a:spcPts val="600"/>
+              </a:spcBef>
+              <a:spcAft>
+                <a:spcPts val="600"/>
+              </a:spcAft>
+              <a:buFont typeface="Arial" panose="020B0604020202020204" pitchFamily="34" charset="0"/>
+              <a:buChar char="•"/>
+              <a:tabLst>
+                <a:tab pos="457200" algn="l"/>
+              </a:tabLst>
+            </a:pPr>
+            <a:r>
+              <a:rPr lang="ru-RU" sz="1800" dirty="0">
+                <a:effectLst/>
+                <a:latin typeface="Times New Roman" panose="02020603050405020304" pitchFamily="18" charset="0"/>
+                <a:ea typeface="Times New Roman" panose="02020603050405020304" pitchFamily="18" charset="0"/>
+                <a:cs typeface="Times New Roman" panose="02020603050405020304" pitchFamily="18" charset="0"/>
+              </a:rPr>
+              <a:t>Формирование формы. Формирование набора вершин по которой будет строится геометрия.</a:t>
+            </a:r>
+          </a:p>
+          <a:p>
+            <a:pPr marL="342900" lvl="0" indent="-342900">
+              <a:spcBef>
+                <a:spcPts val="600"/>
+              </a:spcBef>
+              <a:spcAft>
+                <a:spcPts val="600"/>
+              </a:spcAft>
+              <a:buFont typeface="Arial" panose="020B0604020202020204" pitchFamily="34" charset="0"/>
+              <a:buChar char="•"/>
+              <a:tabLst>
+                <a:tab pos="457200" algn="l"/>
+              </a:tabLst>
+            </a:pPr>
+            <a:r>
+              <a:rPr lang="ru-RU" sz="1800" dirty="0">
+                <a:effectLst/>
+                <a:latin typeface="Times New Roman" panose="02020603050405020304" pitchFamily="18" charset="0"/>
+                <a:ea typeface="Times New Roman" panose="02020603050405020304" pitchFamily="18" charset="0"/>
+                <a:cs typeface="Times New Roman" panose="02020603050405020304" pitchFamily="18" charset="0"/>
+              </a:rPr>
+              <a:t>Геометрический шейдер. Из набора вершин формируются примитивы.</a:t>
+            </a:r>
+          </a:p>
+          <a:p>
+            <a:pPr marL="342900" lvl="0" indent="-342900">
+              <a:spcBef>
+                <a:spcPts val="600"/>
+              </a:spcBef>
+              <a:spcAft>
+                <a:spcPts val="600"/>
+              </a:spcAft>
+              <a:buFont typeface="Arial" panose="020B0604020202020204" pitchFamily="34" charset="0"/>
+              <a:buChar char="•"/>
+              <a:tabLst>
+                <a:tab pos="457200" algn="l"/>
+              </a:tabLst>
+            </a:pPr>
+            <a:r>
+              <a:rPr lang="ru-RU" sz="1800" dirty="0">
+                <a:effectLst/>
+                <a:latin typeface="Times New Roman" panose="02020603050405020304" pitchFamily="18" charset="0"/>
+                <a:ea typeface="Times New Roman" panose="02020603050405020304" pitchFamily="18" charset="0"/>
+                <a:cs typeface="Times New Roman" panose="02020603050405020304" pitchFamily="18" charset="0"/>
+              </a:rPr>
+              <a:t>Растеризация. Результат работы геометрического шейдера передаётся на этап растеризации, где результирующие примитивы соотносятся с пикселями на экране, формируя фрагменты.</a:t>
+            </a:r>
+          </a:p>
+          <a:p>
+            <a:pPr marL="342900" lvl="0" indent="-342900">
+              <a:spcBef>
+                <a:spcPts val="600"/>
+              </a:spcBef>
+              <a:spcAft>
+                <a:spcPts val="600"/>
+              </a:spcAft>
+              <a:buFont typeface="Arial" panose="020B0604020202020204" pitchFamily="34" charset="0"/>
+              <a:buChar char="•"/>
+              <a:tabLst>
+                <a:tab pos="457200" algn="l"/>
+              </a:tabLst>
+            </a:pPr>
+            <a:r>
+              <a:rPr lang="ru-RU" sz="1800" dirty="0">
+                <a:effectLst/>
+                <a:latin typeface="Times New Roman" panose="02020603050405020304" pitchFamily="18" charset="0"/>
+                <a:ea typeface="Times New Roman" panose="02020603050405020304" pitchFamily="18" charset="0"/>
+                <a:cs typeface="Times New Roman" panose="02020603050405020304" pitchFamily="18" charset="0"/>
+              </a:rPr>
+              <a:t>Фрагментный шейдер. Основная задача фрагментного шейдера заключается в вычислении конечного цвета пикселя, и именно на этом этапе чаще всего реализуются различные дополнительные эффекты.</a:t>
+            </a:r>
+          </a:p>
+          <a:p>
+            <a:pPr marL="342900" lvl="0" indent="-342900">
+              <a:spcBef>
+                <a:spcPts val="600"/>
+              </a:spcBef>
+              <a:spcAft>
+                <a:spcPts val="600"/>
+              </a:spcAft>
+              <a:buFont typeface="Arial" panose="020B0604020202020204" pitchFamily="34" charset="0"/>
+              <a:buChar char="•"/>
+              <a:tabLst>
+                <a:tab pos="457200" algn="l"/>
+              </a:tabLst>
+            </a:pPr>
+            <a:r>
+              <a:rPr lang="ru-RU" sz="1800" dirty="0">
+                <a:effectLst/>
+                <a:latin typeface="Times New Roman" panose="02020603050405020304" pitchFamily="18" charset="0"/>
+                <a:ea typeface="Times New Roman" panose="02020603050405020304" pitchFamily="18" charset="0"/>
+                <a:cs typeface="Times New Roman" panose="02020603050405020304" pitchFamily="18" charset="0"/>
+              </a:rPr>
+              <a:t>Тесты и смешивание. Этот этап проверяет значение глубины (и шаблона) фрагмента и использует их для определения местоположения фрагмента относительно других объектов: находится ли он спереди или сзади. Также выполняется проверка значений прозрачности и смешивание цветов</a:t>
+            </a:r>
+          </a:p>
+          <a:p>
             <a:endParaRPr lang="ru-RU" dirty="0"/>
           </a:p>
         </p:txBody>
@@ -1188,25 +2613,560 @@
         </p:nvSpPr>
         <p:spPr/>
       </p:sp>
-      <p:sp>
-        <p:nvSpPr>
-          <p:cNvPr id="3" name="Заметки 2"/>
-          <p:cNvSpPr>
-            <a:spLocks noGrp="1"/>
-          </p:cNvSpPr>
-          <p:nvPr>
-            <p:ph type="body" idx="1"/>
-          </p:nvPr>
-        </p:nvSpPr>
-        <p:spPr/>
-        <p:txBody>
-          <a:bodyPr/>
-          <a:lstStyle/>
-          <a:p>
-            <a:endParaRPr lang="ru-RU" dirty="0"/>
-          </a:p>
-        </p:txBody>
-      </p:sp>
+      <mc:AlternateContent xmlns:mc="http://schemas.openxmlformats.org/markup-compatibility/2006">
+        <mc:Choice xmlns:a14="http://schemas.microsoft.com/office/drawing/2010/main" Requires="a14">
+          <p:sp>
+            <p:nvSpPr>
+              <p:cNvPr id="3" name="Заметки 2"/>
+              <p:cNvSpPr>
+                <a:spLocks noGrp="1"/>
+              </p:cNvSpPr>
+              <p:nvPr>
+                <p:ph type="body" idx="1"/>
+              </p:nvPr>
+            </p:nvSpPr>
+            <p:spPr/>
+            <p:txBody>
+              <a:bodyPr/>
+              <a:lstStyle/>
+              <a:p>
+                <a:pPr>
+                  <a:spcBef>
+                    <a:spcPts val="600"/>
+                  </a:spcBef>
+                  <a:spcAft>
+                    <a:spcPts val="600"/>
+                  </a:spcAft>
+                </a:pPr>
+                <a:r>
+                  <a:rPr lang="ru-RU" sz="1800" dirty="0">
+                    <a:effectLst/>
+                    <a:latin typeface="Times New Roman" panose="02020603050405020304" pitchFamily="18" charset="0"/>
+                    <a:ea typeface="Times New Roman" panose="02020603050405020304" pitchFamily="18" charset="0"/>
+                  </a:rPr>
+                  <a:t>Преобразование координат происходит в несколько этапов: </a:t>
+                </a:r>
+              </a:p>
+              <a:p>
+                <a:pPr>
+                  <a:spcBef>
+                    <a:spcPts val="600"/>
+                  </a:spcBef>
+                  <a:spcAft>
+                    <a:spcPts val="600"/>
+                  </a:spcAft>
+                </a:pPr>
+                <a:r>
+                  <a:rPr lang="ru-RU" sz="1800" dirty="0">
+                    <a:effectLst/>
+                    <a:latin typeface="Times New Roman" panose="02020603050405020304" pitchFamily="18" charset="0"/>
+                    <a:ea typeface="Times New Roman" panose="02020603050405020304" pitchFamily="18" charset="0"/>
+                  </a:rPr>
+                  <a:t>из нормализованных координат в экранные координаты через промежуточные координатные системы. </a:t>
+                </a:r>
+              </a:p>
+              <a:p>
+                <a:pPr>
+                  <a:spcBef>
+                    <a:spcPts val="600"/>
+                  </a:spcBef>
+                  <a:spcAft>
+                    <a:spcPts val="600"/>
+                  </a:spcAft>
+                </a:pPr>
+                <a:r>
+                  <a:rPr lang="ru-RU" sz="1800" dirty="0">
+                    <a:effectLst/>
+                    <a:latin typeface="Times New Roman" panose="02020603050405020304" pitchFamily="18" charset="0"/>
+                    <a:ea typeface="Times New Roman" panose="02020603050405020304" pitchFamily="18" charset="0"/>
+                  </a:rPr>
+                  <a:t>Для преобразования координат из одного пространства в другое используются несколько матриц трансформации, среди которых являются матрицы </a:t>
+                </a:r>
+                <a:r>
+                  <a:rPr lang="ru-RU" sz="1800" b="1" dirty="0">
+                    <a:effectLst/>
+                    <a:latin typeface="Times New Roman" panose="02020603050405020304" pitchFamily="18" charset="0"/>
+                    <a:ea typeface="Times New Roman" panose="02020603050405020304" pitchFamily="18" charset="0"/>
+                  </a:rPr>
+                  <a:t>Модели</a:t>
+                </a:r>
+                <a:r>
+                  <a:rPr lang="ru-RU" sz="1800" dirty="0">
+                    <a:effectLst/>
+                    <a:latin typeface="Times New Roman" panose="02020603050405020304" pitchFamily="18" charset="0"/>
+                    <a:ea typeface="Times New Roman" panose="02020603050405020304" pitchFamily="18" charset="0"/>
+                  </a:rPr>
+                  <a:t>, </a:t>
+                </a:r>
+                <a:r>
+                  <a:rPr lang="ru-RU" sz="1800" b="1" dirty="0">
+                    <a:effectLst/>
+                    <a:latin typeface="Times New Roman" panose="02020603050405020304" pitchFamily="18" charset="0"/>
+                    <a:ea typeface="Times New Roman" panose="02020603050405020304" pitchFamily="18" charset="0"/>
+                  </a:rPr>
+                  <a:t>Вида</a:t>
+                </a:r>
+                <a:r>
+                  <a:rPr lang="ru-RU" sz="1800" dirty="0">
+                    <a:effectLst/>
+                    <a:latin typeface="Times New Roman" panose="02020603050405020304" pitchFamily="18" charset="0"/>
+                    <a:ea typeface="Times New Roman" panose="02020603050405020304" pitchFamily="18" charset="0"/>
+                  </a:rPr>
+                  <a:t> и </a:t>
+                </a:r>
+                <a:r>
+                  <a:rPr lang="ru-RU" sz="1800" b="1" dirty="0">
+                    <a:effectLst/>
+                    <a:latin typeface="Times New Roman" panose="02020603050405020304" pitchFamily="18" charset="0"/>
+                    <a:ea typeface="Times New Roman" panose="02020603050405020304" pitchFamily="18" charset="0"/>
+                  </a:rPr>
+                  <a:t>Проекции</a:t>
+                </a:r>
+                <a:r>
+                  <a:rPr lang="ru-RU" sz="1800" dirty="0">
+                    <a:effectLst/>
+                    <a:latin typeface="Times New Roman" panose="02020603050405020304" pitchFamily="18" charset="0"/>
+                    <a:ea typeface="Times New Roman" panose="02020603050405020304" pitchFamily="18" charset="0"/>
+                  </a:rPr>
+                  <a:t>. </a:t>
+                </a:r>
+              </a:p>
+              <a:p>
+                <a:pPr>
+                  <a:spcBef>
+                    <a:spcPts val="600"/>
+                  </a:spcBef>
+                  <a:spcAft>
+                    <a:spcPts val="600"/>
+                  </a:spcAft>
+                </a:pPr>
+                <a:r>
+                  <a:rPr lang="ru-RU" sz="1800" dirty="0">
+                    <a:effectLst/>
+                    <a:latin typeface="Times New Roman" panose="02020603050405020304" pitchFamily="18" charset="0"/>
+                    <a:ea typeface="Times New Roman" panose="02020603050405020304" pitchFamily="18" charset="0"/>
+                  </a:rPr>
+                  <a:t>Координата вершины преобразуется в координаты пространства отсечения следующим образом:</a:t>
+                </a:r>
+              </a:p>
+              <a:p>
+                <a:pPr>
+                  <a:spcBef>
+                    <a:spcPts val="600"/>
+                  </a:spcBef>
+                  <a:spcAft>
+                    <a:spcPts val="600"/>
+                  </a:spcAft>
+                </a:pPr>
+                <a14:m>
+                  <m:oMathPara xmlns:m="http://schemas.openxmlformats.org/officeDocument/2006/math">
+                    <m:oMathParaPr>
+                      <m:jc m:val="centerGroup"/>
+                    </m:oMathParaPr>
+                    <m:oMath xmlns:m="http://schemas.openxmlformats.org/officeDocument/2006/math">
+                      <m:sSub>
+                        <m:sSubPr>
+                          <m:ctrlPr>
+                            <a:rPr lang="ru-RU" sz="1800" i="1">
+                              <a:effectLst/>
+                              <a:latin typeface="Cambria Math" panose="02040503050406030204" pitchFamily="18" charset="0"/>
+                              <a:ea typeface="Times New Roman" panose="02020603050405020304" pitchFamily="18" charset="0"/>
+                            </a:rPr>
+                          </m:ctrlPr>
+                        </m:sSubPr>
+                        <m:e>
+                          <m:r>
+                            <a:rPr lang="ru-RU" sz="1800" b="1" i="1">
+                              <a:effectLst/>
+                              <a:latin typeface="Cambria Math" panose="02040503050406030204" pitchFamily="18" charset="0"/>
+                              <a:ea typeface="Times New Roman" panose="02020603050405020304" pitchFamily="18" charset="0"/>
+                            </a:rPr>
+                            <m:t>𝑽</m:t>
+                          </m:r>
+                        </m:e>
+                        <m:sub>
+                          <m:r>
+                            <a:rPr lang="ru-RU" sz="1800" b="1" i="1">
+                              <a:effectLst/>
+                              <a:latin typeface="Cambria Math" panose="02040503050406030204" pitchFamily="18" charset="0"/>
+                              <a:ea typeface="Times New Roman" panose="02020603050405020304" pitchFamily="18" charset="0"/>
+                            </a:rPr>
+                            <m:t>𝒄𝒍𝒊𝒑</m:t>
+                          </m:r>
+                        </m:sub>
+                      </m:sSub>
+                      <m:r>
+                        <a:rPr lang="ru-RU" sz="1800" b="1" i="1">
+                          <a:effectLst/>
+                          <a:latin typeface="Cambria Math" panose="02040503050406030204" pitchFamily="18" charset="0"/>
+                          <a:ea typeface="Times New Roman" panose="02020603050405020304" pitchFamily="18" charset="0"/>
+                        </a:rPr>
+                        <m:t>= </m:t>
+                      </m:r>
+                      <m:sSub>
+                        <m:sSubPr>
+                          <m:ctrlPr>
+                            <a:rPr lang="ru-RU" sz="1800" i="1">
+                              <a:effectLst/>
+                              <a:latin typeface="Cambria Math" panose="02040503050406030204" pitchFamily="18" charset="0"/>
+                              <a:ea typeface="Times New Roman" panose="02020603050405020304" pitchFamily="18" charset="0"/>
+                            </a:rPr>
+                          </m:ctrlPr>
+                        </m:sSubPr>
+                        <m:e>
+                          <m:r>
+                            <a:rPr lang="ru-RU" sz="1800" b="1" i="1">
+                              <a:effectLst/>
+                              <a:latin typeface="Cambria Math" panose="02040503050406030204" pitchFamily="18" charset="0"/>
+                              <a:ea typeface="Times New Roman" panose="02020603050405020304" pitchFamily="18" charset="0"/>
+                            </a:rPr>
+                            <m:t>𝑴</m:t>
+                          </m:r>
+                        </m:e>
+                        <m:sub>
+                          <m:r>
+                            <a:rPr lang="ru-RU" sz="1800" b="1" i="1">
+                              <a:effectLst/>
+                              <a:latin typeface="Cambria Math" panose="02040503050406030204" pitchFamily="18" charset="0"/>
+                              <a:ea typeface="Times New Roman" panose="02020603050405020304" pitchFamily="18" charset="0"/>
+                            </a:rPr>
+                            <m:t>𝒑𝒓𝒐𝒋𝒆𝒄𝒕𝒊𝒐𝒏</m:t>
+                          </m:r>
+                        </m:sub>
+                      </m:sSub>
+                      <m:r>
+                        <a:rPr lang="ru-RU" sz="1800" b="1" i="1">
+                          <a:effectLst/>
+                          <a:latin typeface="Cambria Math" panose="02040503050406030204" pitchFamily="18" charset="0"/>
+                          <a:ea typeface="Times New Roman" panose="02020603050405020304" pitchFamily="18" charset="0"/>
+                        </a:rPr>
+                        <m:t>∙</m:t>
+                      </m:r>
+                      <m:sSub>
+                        <m:sSubPr>
+                          <m:ctrlPr>
+                            <a:rPr lang="ru-RU" sz="1800" i="1">
+                              <a:effectLst/>
+                              <a:latin typeface="Cambria Math" panose="02040503050406030204" pitchFamily="18" charset="0"/>
+                              <a:ea typeface="Times New Roman" panose="02020603050405020304" pitchFamily="18" charset="0"/>
+                            </a:rPr>
+                          </m:ctrlPr>
+                        </m:sSubPr>
+                        <m:e>
+                          <m:r>
+                            <a:rPr lang="ru-RU" sz="1800" b="1" i="1">
+                              <a:effectLst/>
+                              <a:latin typeface="Cambria Math" panose="02040503050406030204" pitchFamily="18" charset="0"/>
+                              <a:ea typeface="Times New Roman" panose="02020603050405020304" pitchFamily="18" charset="0"/>
+                            </a:rPr>
+                            <m:t>𝑴</m:t>
+                          </m:r>
+                        </m:e>
+                        <m:sub>
+                          <m:r>
+                            <a:rPr lang="ru-RU" sz="1800" b="1" i="1">
+                              <a:effectLst/>
+                              <a:latin typeface="Cambria Math" panose="02040503050406030204" pitchFamily="18" charset="0"/>
+                              <a:ea typeface="Times New Roman" panose="02020603050405020304" pitchFamily="18" charset="0"/>
+                            </a:rPr>
+                            <m:t>𝒗𝒊𝒆𝒘</m:t>
+                          </m:r>
+                        </m:sub>
+                      </m:sSub>
+                      <m:r>
+                        <a:rPr lang="ru-RU" sz="1800" b="1" i="1">
+                          <a:effectLst/>
+                          <a:latin typeface="Cambria Math" panose="02040503050406030204" pitchFamily="18" charset="0"/>
+                          <a:ea typeface="Times New Roman" panose="02020603050405020304" pitchFamily="18" charset="0"/>
+                        </a:rPr>
+                        <m:t>∙</m:t>
+                      </m:r>
+                      <m:sSub>
+                        <m:sSubPr>
+                          <m:ctrlPr>
+                            <a:rPr lang="ru-RU" sz="1800" i="1">
+                              <a:effectLst/>
+                              <a:latin typeface="Cambria Math" panose="02040503050406030204" pitchFamily="18" charset="0"/>
+                              <a:ea typeface="Times New Roman" panose="02020603050405020304" pitchFamily="18" charset="0"/>
+                            </a:rPr>
+                          </m:ctrlPr>
+                        </m:sSubPr>
+                        <m:e>
+                          <m:r>
+                            <a:rPr lang="ru-RU" sz="1800" b="1" i="1">
+                              <a:effectLst/>
+                              <a:latin typeface="Cambria Math" panose="02040503050406030204" pitchFamily="18" charset="0"/>
+                              <a:ea typeface="Times New Roman" panose="02020603050405020304" pitchFamily="18" charset="0"/>
+                            </a:rPr>
+                            <m:t>𝑴</m:t>
+                          </m:r>
+                        </m:e>
+                        <m:sub>
+                          <m:r>
+                            <a:rPr lang="ru-RU" sz="1800" b="1" i="1">
+                              <a:effectLst/>
+                              <a:latin typeface="Cambria Math" panose="02040503050406030204" pitchFamily="18" charset="0"/>
+                              <a:ea typeface="Times New Roman" panose="02020603050405020304" pitchFamily="18" charset="0"/>
+                            </a:rPr>
+                            <m:t>𝒎𝒐𝒅𝒆𝒍</m:t>
+                          </m:r>
+                        </m:sub>
+                      </m:sSub>
+                      <m:r>
+                        <a:rPr lang="ru-RU" sz="1800" b="1" i="1">
+                          <a:effectLst/>
+                          <a:latin typeface="Cambria Math" panose="02040503050406030204" pitchFamily="18" charset="0"/>
+                          <a:ea typeface="Times New Roman" panose="02020603050405020304" pitchFamily="18" charset="0"/>
+                        </a:rPr>
+                        <m:t>∙</m:t>
+                      </m:r>
+                      <m:sSub>
+                        <m:sSubPr>
+                          <m:ctrlPr>
+                            <a:rPr lang="ru-RU" sz="1800" i="1">
+                              <a:effectLst/>
+                              <a:latin typeface="Cambria Math" panose="02040503050406030204" pitchFamily="18" charset="0"/>
+                              <a:ea typeface="Times New Roman" panose="02020603050405020304" pitchFamily="18" charset="0"/>
+                            </a:rPr>
+                          </m:ctrlPr>
+                        </m:sSubPr>
+                        <m:e>
+                          <m:r>
+                            <a:rPr lang="ru-RU" sz="1800" b="1" i="1">
+                              <a:effectLst/>
+                              <a:latin typeface="Cambria Math" panose="02040503050406030204" pitchFamily="18" charset="0"/>
+                              <a:ea typeface="Times New Roman" panose="02020603050405020304" pitchFamily="18" charset="0"/>
+                            </a:rPr>
+                            <m:t>𝑽</m:t>
+                          </m:r>
+                        </m:e>
+                        <m:sub>
+                          <m:r>
+                            <a:rPr lang="ru-RU" sz="1800" b="1" i="1">
+                              <a:effectLst/>
+                              <a:latin typeface="Cambria Math" panose="02040503050406030204" pitchFamily="18" charset="0"/>
+                              <a:ea typeface="Times New Roman" panose="02020603050405020304" pitchFamily="18" charset="0"/>
+                            </a:rPr>
+                            <m:t>𝒍𝒐𝒄𝒂𝒍</m:t>
+                          </m:r>
+                        </m:sub>
+                      </m:sSub>
+                    </m:oMath>
+                  </m:oMathPara>
+                </a14:m>
+                <a:endParaRPr lang="ru-RU" sz="1800" dirty="0">
+                  <a:effectLst/>
+                  <a:latin typeface="Times New Roman" panose="02020603050405020304" pitchFamily="18" charset="0"/>
+                  <a:ea typeface="Times New Roman" panose="02020603050405020304" pitchFamily="18" charset="0"/>
+                </a:endParaRPr>
+              </a:p>
+              <a:p>
+                <a:pPr algn="just">
+                  <a:spcBef>
+                    <a:spcPts val="600"/>
+                  </a:spcBef>
+                  <a:spcAft>
+                    <a:spcPts val="600"/>
+                  </a:spcAft>
+                </a:pPr>
+                <a:r>
+                  <a:rPr lang="ru-RU" sz="1800" dirty="0">
+                    <a:effectLst/>
+                    <a:latin typeface="Times New Roman" panose="02020603050405020304" pitchFamily="18" charset="0"/>
+                    <a:ea typeface="Times New Roman" panose="02020603050405020304" pitchFamily="18" charset="0"/>
+                  </a:rPr>
+                  <a:t>На картинке представлены переходы: из локальных в глобальные координаты, из глобальных в видовые, из видовых в перспективную или ортографическую проекцию.</a:t>
+                </a:r>
+              </a:p>
+              <a:p>
+                <a:endParaRPr lang="ru-RU" dirty="0"/>
+              </a:p>
+            </p:txBody>
+          </p:sp>
+        </mc:Choice>
+        <mc:Fallback>
+          <p:sp>
+            <p:nvSpPr>
+              <p:cNvPr id="3" name="Заметки 2"/>
+              <p:cNvSpPr>
+                <a:spLocks noGrp="1"/>
+              </p:cNvSpPr>
+              <p:nvPr>
+                <p:ph type="body" idx="1"/>
+              </p:nvPr>
+            </p:nvSpPr>
+            <p:spPr/>
+            <p:txBody>
+              <a:bodyPr/>
+              <a:lstStyle/>
+              <a:p>
+                <a:pPr>
+                  <a:spcBef>
+                    <a:spcPts val="600"/>
+                  </a:spcBef>
+                  <a:spcAft>
+                    <a:spcPts val="600"/>
+                  </a:spcAft>
+                </a:pPr>
+                <a:r>
+                  <a:rPr lang="ru-RU" sz="1800" dirty="0">
+                    <a:effectLst/>
+                    <a:latin typeface="Times New Roman" panose="02020603050405020304" pitchFamily="18" charset="0"/>
+                    <a:ea typeface="Times New Roman" panose="02020603050405020304" pitchFamily="18" charset="0"/>
+                  </a:rPr>
+                  <a:t>Преобразование координат происходит в несколько этапов: </a:t>
+                </a:r>
+              </a:p>
+              <a:p>
+                <a:pPr>
+                  <a:spcBef>
+                    <a:spcPts val="600"/>
+                  </a:spcBef>
+                  <a:spcAft>
+                    <a:spcPts val="600"/>
+                  </a:spcAft>
+                </a:pPr>
+                <a:r>
+                  <a:rPr lang="ru-RU" sz="1800" dirty="0">
+                    <a:effectLst/>
+                    <a:latin typeface="Times New Roman" panose="02020603050405020304" pitchFamily="18" charset="0"/>
+                    <a:ea typeface="Times New Roman" panose="02020603050405020304" pitchFamily="18" charset="0"/>
+                  </a:rPr>
+                  <a:t>из нормализованных координат в экранные координаты через промежуточные координатные системы. </a:t>
+                </a:r>
+              </a:p>
+              <a:p>
+                <a:pPr>
+                  <a:spcBef>
+                    <a:spcPts val="600"/>
+                  </a:spcBef>
+                  <a:spcAft>
+                    <a:spcPts val="600"/>
+                  </a:spcAft>
+                </a:pPr>
+                <a:r>
+                  <a:rPr lang="ru-RU" sz="1800" dirty="0">
+                    <a:effectLst/>
+                    <a:latin typeface="Times New Roman" panose="02020603050405020304" pitchFamily="18" charset="0"/>
+                    <a:ea typeface="Times New Roman" panose="02020603050405020304" pitchFamily="18" charset="0"/>
+                  </a:rPr>
+                  <a:t>Для преобразования координат из одного пространства в другое используются несколько матриц трансформации, среди которых являются матрицы </a:t>
+                </a:r>
+                <a:r>
+                  <a:rPr lang="ru-RU" sz="1800" b="1" dirty="0">
+                    <a:effectLst/>
+                    <a:latin typeface="Times New Roman" panose="02020603050405020304" pitchFamily="18" charset="0"/>
+                    <a:ea typeface="Times New Roman" panose="02020603050405020304" pitchFamily="18" charset="0"/>
+                  </a:rPr>
+                  <a:t>Модели</a:t>
+                </a:r>
+                <a:r>
+                  <a:rPr lang="ru-RU" sz="1800" dirty="0">
+                    <a:effectLst/>
+                    <a:latin typeface="Times New Roman" panose="02020603050405020304" pitchFamily="18" charset="0"/>
+                    <a:ea typeface="Times New Roman" panose="02020603050405020304" pitchFamily="18" charset="0"/>
+                  </a:rPr>
+                  <a:t>, </a:t>
+                </a:r>
+                <a:r>
+                  <a:rPr lang="ru-RU" sz="1800" b="1" dirty="0">
+                    <a:effectLst/>
+                    <a:latin typeface="Times New Roman" panose="02020603050405020304" pitchFamily="18" charset="0"/>
+                    <a:ea typeface="Times New Roman" panose="02020603050405020304" pitchFamily="18" charset="0"/>
+                  </a:rPr>
+                  <a:t>Вида</a:t>
+                </a:r>
+                <a:r>
+                  <a:rPr lang="ru-RU" sz="1800" dirty="0">
+                    <a:effectLst/>
+                    <a:latin typeface="Times New Roman" panose="02020603050405020304" pitchFamily="18" charset="0"/>
+                    <a:ea typeface="Times New Roman" panose="02020603050405020304" pitchFamily="18" charset="0"/>
+                  </a:rPr>
+                  <a:t> и </a:t>
+                </a:r>
+                <a:r>
+                  <a:rPr lang="ru-RU" sz="1800" b="1" dirty="0">
+                    <a:effectLst/>
+                    <a:latin typeface="Times New Roman" panose="02020603050405020304" pitchFamily="18" charset="0"/>
+                    <a:ea typeface="Times New Roman" panose="02020603050405020304" pitchFamily="18" charset="0"/>
+                  </a:rPr>
+                  <a:t>Проекции</a:t>
+                </a:r>
+                <a:r>
+                  <a:rPr lang="ru-RU" sz="1800" dirty="0">
+                    <a:effectLst/>
+                    <a:latin typeface="Times New Roman" panose="02020603050405020304" pitchFamily="18" charset="0"/>
+                    <a:ea typeface="Times New Roman" panose="02020603050405020304" pitchFamily="18" charset="0"/>
+                  </a:rPr>
+                  <a:t>. </a:t>
+                </a:r>
+              </a:p>
+              <a:p>
+                <a:pPr>
+                  <a:spcBef>
+                    <a:spcPts val="600"/>
+                  </a:spcBef>
+                  <a:spcAft>
+                    <a:spcPts val="600"/>
+                  </a:spcAft>
+                </a:pPr>
+                <a:r>
+                  <a:rPr lang="ru-RU" sz="1800" dirty="0">
+                    <a:effectLst/>
+                    <a:latin typeface="Times New Roman" panose="02020603050405020304" pitchFamily="18" charset="0"/>
+                    <a:ea typeface="Times New Roman" panose="02020603050405020304" pitchFamily="18" charset="0"/>
+                  </a:rPr>
+                  <a:t>Координата вершины преобразуется в координаты пространства отсечения следующим образом:</a:t>
+                </a:r>
+              </a:p>
+              <a:p>
+                <a:pPr>
+                  <a:spcBef>
+                    <a:spcPts val="600"/>
+                  </a:spcBef>
+                  <a:spcAft>
+                    <a:spcPts val="600"/>
+                  </a:spcAft>
+                </a:pPr>
+                <a:r>
+                  <a:rPr lang="ru-RU" sz="1800" b="1" i="0">
+                    <a:effectLst/>
+                    <a:latin typeface="Cambria Math" panose="02040503050406030204" pitchFamily="18" charset="0"/>
+                    <a:ea typeface="Times New Roman" panose="02020603050405020304" pitchFamily="18" charset="0"/>
+                  </a:rPr>
+                  <a:t>𝑽_𝒄𝒍𝒊𝒑= 𝑴_𝒑𝒓𝒐𝒋𝒆𝒄𝒕𝒊𝒐𝒏∙𝑴_𝒗𝒊𝒆𝒘∙𝑴_𝒎𝒐𝒅𝒆𝒍∙𝑽_𝒍𝒐𝒄𝒂𝒍</a:t>
+                </a:r>
+                <a:endParaRPr lang="ru-RU" sz="1800" dirty="0">
+                  <a:effectLst/>
+                  <a:latin typeface="Times New Roman" panose="02020603050405020304" pitchFamily="18" charset="0"/>
+                  <a:ea typeface="Times New Roman" panose="02020603050405020304" pitchFamily="18" charset="0"/>
+                </a:endParaRPr>
+              </a:p>
+              <a:p>
+                <a:pPr algn="just">
+                  <a:spcBef>
+                    <a:spcPts val="600"/>
+                  </a:spcBef>
+                  <a:spcAft>
+                    <a:spcPts val="600"/>
+                  </a:spcAft>
+                </a:pPr>
+                <a:r>
+                  <a:rPr lang="ru-RU" sz="1800" dirty="0">
+                    <a:effectLst/>
+                    <a:latin typeface="Times New Roman" panose="02020603050405020304" pitchFamily="18" charset="0"/>
+                    <a:ea typeface="Times New Roman" panose="02020603050405020304" pitchFamily="18" charset="0"/>
+                  </a:rPr>
+                  <a:t>На картинке представлены переходы: из локальных в глобальные координаты, из глобальных в видовые, из видовых в перспективную или ортографическую проекцию.</a:t>
+                </a:r>
+              </a:p>
+              <a:p>
+                <a:endParaRPr lang="ru-RU" dirty="0"/>
+              </a:p>
+            </p:txBody>
+          </p:sp>
+        </mc:Fallback>
+      </mc:AlternateContent>
       <p:sp>
         <p:nvSpPr>
           <p:cNvPr id="4" name="Номер слайда 3"/>
@@ -1287,6 +3247,441 @@
           <a:bodyPr/>
           <a:lstStyle/>
           <a:p>
+            <a:pPr algn="just">
+              <a:lnSpc>
+                <a:spcPct val="150000"/>
+              </a:lnSpc>
+              <a:spcBef>
+                <a:spcPts val="600"/>
+              </a:spcBef>
+              <a:spcAft>
+                <a:spcPts val="600"/>
+              </a:spcAft>
+            </a:pPr>
+            <a:r>
+              <a:rPr lang="ru-RU" sz="1800" b="0" dirty="0">
+                <a:solidFill>
+                  <a:srgbClr val="000000"/>
+                </a:solidFill>
+                <a:effectLst/>
+                <a:latin typeface="Times New Roman" panose="02020603050405020304" pitchFamily="18" charset="0"/>
+                <a:ea typeface="Times New Roman" panose="02020603050405020304" pitchFamily="18" charset="0"/>
+                <a:cs typeface="Times New Roman" panose="02020603050405020304" pitchFamily="18" charset="0"/>
+              </a:rPr>
+              <a:t>Распространение света в реальном мире представляет собой чрезвычайно сложное явление, зависящее от множества факторов. </a:t>
+            </a:r>
+          </a:p>
+          <a:p>
+            <a:pPr algn="just">
+              <a:lnSpc>
+                <a:spcPct val="150000"/>
+              </a:lnSpc>
+              <a:spcBef>
+                <a:spcPts val="600"/>
+              </a:spcBef>
+              <a:spcAft>
+                <a:spcPts val="600"/>
+              </a:spcAft>
+            </a:pPr>
+            <a:r>
+              <a:rPr lang="ru-RU" sz="1800" b="0" dirty="0">
+                <a:solidFill>
+                  <a:srgbClr val="000000"/>
+                </a:solidFill>
+                <a:effectLst/>
+                <a:latin typeface="Times New Roman" panose="02020603050405020304" pitchFamily="18" charset="0"/>
+                <a:ea typeface="Times New Roman" panose="02020603050405020304" pitchFamily="18" charset="0"/>
+                <a:cs typeface="Times New Roman" panose="02020603050405020304" pitchFamily="18" charset="0"/>
+              </a:rPr>
+              <a:t>В условиях ограниченных вычислительных ресурсов мы не можем позволить себе учитывать все нюансы в расчетах. </a:t>
+            </a:r>
+          </a:p>
+          <a:p>
+            <a:pPr algn="just">
+              <a:lnSpc>
+                <a:spcPct val="150000"/>
+              </a:lnSpc>
+              <a:spcBef>
+                <a:spcPts val="600"/>
+              </a:spcBef>
+              <a:spcAft>
+                <a:spcPts val="600"/>
+              </a:spcAft>
+            </a:pPr>
+            <a:r>
+              <a:rPr lang="ru-RU" sz="1800" b="0" dirty="0">
+                <a:solidFill>
+                  <a:srgbClr val="000000"/>
+                </a:solidFill>
+                <a:effectLst/>
+                <a:latin typeface="Times New Roman" panose="02020603050405020304" pitchFamily="18" charset="0"/>
+                <a:ea typeface="Times New Roman" panose="02020603050405020304" pitchFamily="18" charset="0"/>
+                <a:cs typeface="Times New Roman" panose="02020603050405020304" pitchFamily="18" charset="0"/>
+              </a:rPr>
+              <a:t>Поэтому освещение в OpenGL базируется на использовании упрощенных математических моделей, приближенных к реальности. </a:t>
+            </a:r>
+          </a:p>
+          <a:p>
+            <a:pPr algn="just">
+              <a:lnSpc>
+                <a:spcPct val="150000"/>
+              </a:lnSpc>
+              <a:spcBef>
+                <a:spcPts val="600"/>
+              </a:spcBef>
+              <a:spcAft>
+                <a:spcPts val="600"/>
+              </a:spcAft>
+            </a:pPr>
+            <a:r>
+              <a:rPr lang="ru-RU" sz="1800" b="0" dirty="0">
+                <a:solidFill>
+                  <a:srgbClr val="000000"/>
+                </a:solidFill>
+                <a:effectLst/>
+                <a:latin typeface="Times New Roman" panose="02020603050405020304" pitchFamily="18" charset="0"/>
+                <a:ea typeface="Times New Roman" panose="02020603050405020304" pitchFamily="18" charset="0"/>
+                <a:cs typeface="Times New Roman" panose="02020603050405020304" pitchFamily="18" charset="0"/>
+              </a:rPr>
+              <a:t>Эти модели описывают физику света на основе нашего понимания его природы и рассчитываются гораздо проще по сравнению с полным учетом всех факторов. </a:t>
+            </a:r>
+          </a:p>
+          <a:p>
+            <a:pPr algn="just">
+              <a:lnSpc>
+                <a:spcPct val="150000"/>
+              </a:lnSpc>
+              <a:spcBef>
+                <a:spcPts val="600"/>
+              </a:spcBef>
+              <a:spcAft>
+                <a:spcPts val="600"/>
+              </a:spcAft>
+            </a:pPr>
+            <a:r>
+              <a:rPr lang="ru-RU" sz="1800" b="0" dirty="0">
+                <a:solidFill>
+                  <a:srgbClr val="000000"/>
+                </a:solidFill>
+                <a:effectLst/>
+                <a:latin typeface="Times New Roman" panose="02020603050405020304" pitchFamily="18" charset="0"/>
+                <a:ea typeface="Times New Roman" panose="02020603050405020304" pitchFamily="18" charset="0"/>
+                <a:cs typeface="Times New Roman" panose="02020603050405020304" pitchFamily="18" charset="0"/>
+              </a:rPr>
+              <a:t>Одной из таких моделей является модель освещения по </a:t>
+            </a:r>
+            <a:r>
+              <a:rPr lang="ru-RU" sz="1800" b="1" dirty="0" err="1">
+                <a:solidFill>
+                  <a:srgbClr val="000000"/>
+                </a:solidFill>
+                <a:effectLst/>
+                <a:latin typeface="Times New Roman" panose="02020603050405020304" pitchFamily="18" charset="0"/>
+                <a:ea typeface="Times New Roman" panose="02020603050405020304" pitchFamily="18" charset="0"/>
+                <a:cs typeface="Times New Roman" panose="02020603050405020304" pitchFamily="18" charset="0"/>
+              </a:rPr>
+              <a:t>Фонгу</a:t>
+            </a:r>
+            <a:r>
+              <a:rPr lang="ru-RU" sz="1800" b="0" dirty="0">
+                <a:solidFill>
+                  <a:srgbClr val="000000"/>
+                </a:solidFill>
+                <a:effectLst/>
+                <a:latin typeface="Times New Roman" panose="02020603050405020304" pitchFamily="18" charset="0"/>
+                <a:ea typeface="Times New Roman" panose="02020603050405020304" pitchFamily="18" charset="0"/>
+                <a:cs typeface="Times New Roman" panose="02020603050405020304" pitchFamily="18" charset="0"/>
+              </a:rPr>
+              <a:t> (</a:t>
+            </a:r>
+            <a:r>
+              <a:rPr lang="ru-RU" sz="1800" b="1" dirty="0" err="1">
+                <a:solidFill>
+                  <a:srgbClr val="000000"/>
+                </a:solidFill>
+                <a:effectLst/>
+                <a:latin typeface="Times New Roman" panose="02020603050405020304" pitchFamily="18" charset="0"/>
+                <a:ea typeface="Times New Roman" panose="02020603050405020304" pitchFamily="18" charset="0"/>
+                <a:cs typeface="Times New Roman" panose="02020603050405020304" pitchFamily="18" charset="0"/>
+              </a:rPr>
+              <a:t>Phong</a:t>
+            </a:r>
+            <a:r>
+              <a:rPr lang="ru-RU" sz="1800" b="0" dirty="0">
+                <a:solidFill>
+                  <a:srgbClr val="000000"/>
+                </a:solidFill>
+                <a:effectLst/>
+                <a:latin typeface="Times New Roman" panose="02020603050405020304" pitchFamily="18" charset="0"/>
+                <a:ea typeface="Times New Roman" panose="02020603050405020304" pitchFamily="18" charset="0"/>
+                <a:cs typeface="Times New Roman" panose="02020603050405020304" pitchFamily="18" charset="0"/>
+              </a:rPr>
+              <a:t>). </a:t>
+            </a:r>
+          </a:p>
+          <a:p>
+            <a:pPr algn="just">
+              <a:lnSpc>
+                <a:spcPct val="150000"/>
+              </a:lnSpc>
+              <a:spcBef>
+                <a:spcPts val="600"/>
+              </a:spcBef>
+              <a:spcAft>
+                <a:spcPts val="600"/>
+              </a:spcAft>
+            </a:pPr>
+            <a:r>
+              <a:rPr lang="ru-RU" sz="1800" b="0" dirty="0">
+                <a:solidFill>
+                  <a:srgbClr val="000000"/>
+                </a:solidFill>
+                <a:effectLst/>
+                <a:latin typeface="Times New Roman" panose="02020603050405020304" pitchFamily="18" charset="0"/>
+                <a:ea typeface="Times New Roman" panose="02020603050405020304" pitchFamily="18" charset="0"/>
+                <a:cs typeface="Times New Roman" panose="02020603050405020304" pitchFamily="18" charset="0"/>
+              </a:rPr>
+              <a:t>Она состоит из трех основных компонентов:</a:t>
+            </a:r>
+            <a:endParaRPr lang="ru-RU" sz="1800" b="1" dirty="0">
+              <a:solidFill>
+                <a:srgbClr val="000000"/>
+              </a:solidFill>
+              <a:effectLst/>
+              <a:latin typeface="Times New Roman" panose="02020603050405020304" pitchFamily="18" charset="0"/>
+              <a:ea typeface="Times New Roman" panose="02020603050405020304" pitchFamily="18" charset="0"/>
+              <a:cs typeface="Times New Roman" panose="02020603050405020304" pitchFamily="18" charset="0"/>
+            </a:endParaRPr>
+          </a:p>
+          <a:p>
+            <a:pPr marL="342900" lvl="0" indent="-342900" algn="just">
+              <a:lnSpc>
+                <a:spcPct val="150000"/>
+              </a:lnSpc>
+              <a:spcBef>
+                <a:spcPts val="600"/>
+              </a:spcBef>
+              <a:spcAft>
+                <a:spcPts val="600"/>
+              </a:spcAft>
+              <a:buFont typeface="+mj-lt"/>
+              <a:buAutoNum type="arabicParenR"/>
+              <a:tabLst>
+                <a:tab pos="457200" algn="l"/>
+              </a:tabLst>
+            </a:pPr>
+            <a:r>
+              <a:rPr lang="ru-RU" sz="1800" b="0" dirty="0">
+                <a:solidFill>
+                  <a:srgbClr val="000000"/>
+                </a:solidFill>
+                <a:effectLst/>
+                <a:latin typeface="Times New Roman" panose="02020603050405020304" pitchFamily="18" charset="0"/>
+                <a:ea typeface="Times New Roman" panose="02020603050405020304" pitchFamily="18" charset="0"/>
+                <a:cs typeface="Times New Roman" panose="02020603050405020304" pitchFamily="18" charset="0"/>
+              </a:rPr>
+              <a:t>Фоновое освещение (</a:t>
+            </a:r>
+            <a:r>
+              <a:rPr lang="ru-RU" sz="1800" b="1" dirty="0" err="1">
+                <a:solidFill>
+                  <a:srgbClr val="000000"/>
+                </a:solidFill>
+                <a:effectLst/>
+                <a:latin typeface="Times New Roman" panose="02020603050405020304" pitchFamily="18" charset="0"/>
+                <a:ea typeface="Times New Roman" panose="02020603050405020304" pitchFamily="18" charset="0"/>
+                <a:cs typeface="Times New Roman" panose="02020603050405020304" pitchFamily="18" charset="0"/>
+              </a:rPr>
+              <a:t>ambient</a:t>
+            </a:r>
+            <a:r>
+              <a:rPr lang="ru-RU" sz="1800" b="0" dirty="0">
+                <a:solidFill>
+                  <a:srgbClr val="000000"/>
+                </a:solidFill>
+                <a:effectLst/>
+                <a:latin typeface="Times New Roman" panose="02020603050405020304" pitchFamily="18" charset="0"/>
+                <a:ea typeface="Times New Roman" panose="02020603050405020304" pitchFamily="18" charset="0"/>
+                <a:cs typeface="Times New Roman" panose="02020603050405020304" pitchFamily="18" charset="0"/>
+              </a:rPr>
+              <a:t>): описывает общее освещение, которое равномерно распределяется по поверхности объекта.</a:t>
+            </a:r>
+            <a:endParaRPr lang="ru-RU" sz="1800" b="1" dirty="0">
+              <a:solidFill>
+                <a:srgbClr val="000000"/>
+              </a:solidFill>
+              <a:effectLst/>
+              <a:latin typeface="Times New Roman" panose="02020603050405020304" pitchFamily="18" charset="0"/>
+              <a:ea typeface="Times New Roman" panose="02020603050405020304" pitchFamily="18" charset="0"/>
+              <a:cs typeface="Times New Roman" panose="02020603050405020304" pitchFamily="18" charset="0"/>
+            </a:endParaRPr>
+          </a:p>
+          <a:p>
+            <a:pPr marL="342900" lvl="0" indent="-342900" algn="just">
+              <a:lnSpc>
+                <a:spcPct val="150000"/>
+              </a:lnSpc>
+              <a:spcBef>
+                <a:spcPts val="600"/>
+              </a:spcBef>
+              <a:spcAft>
+                <a:spcPts val="600"/>
+              </a:spcAft>
+              <a:buFont typeface="+mj-lt"/>
+              <a:buAutoNum type="arabicParenR"/>
+              <a:tabLst>
+                <a:tab pos="457200" algn="l"/>
+              </a:tabLst>
+            </a:pPr>
+            <a:r>
+              <a:rPr lang="ru-RU" sz="1800" b="0" dirty="0">
+                <a:solidFill>
+                  <a:srgbClr val="000000"/>
+                </a:solidFill>
+                <a:effectLst/>
+                <a:latin typeface="Times New Roman" panose="02020603050405020304" pitchFamily="18" charset="0"/>
+                <a:ea typeface="Times New Roman" panose="02020603050405020304" pitchFamily="18" charset="0"/>
+                <a:cs typeface="Times New Roman" panose="02020603050405020304" pitchFamily="18" charset="0"/>
+              </a:rPr>
+              <a:t>Рассеянное/диффузное освещение (</a:t>
+            </a:r>
+            <a:r>
+              <a:rPr lang="ru-RU" sz="1800" b="1" dirty="0" err="1">
+                <a:solidFill>
+                  <a:srgbClr val="000000"/>
+                </a:solidFill>
+                <a:effectLst/>
+                <a:latin typeface="Times New Roman" panose="02020603050405020304" pitchFamily="18" charset="0"/>
+                <a:ea typeface="Times New Roman" panose="02020603050405020304" pitchFamily="18" charset="0"/>
+                <a:cs typeface="Times New Roman" panose="02020603050405020304" pitchFamily="18" charset="0"/>
+              </a:rPr>
+              <a:t>diffuse</a:t>
+            </a:r>
+            <a:r>
+              <a:rPr lang="ru-RU" sz="1800" b="0" dirty="0">
+                <a:solidFill>
+                  <a:srgbClr val="000000"/>
+                </a:solidFill>
+                <a:effectLst/>
+                <a:latin typeface="Times New Roman" panose="02020603050405020304" pitchFamily="18" charset="0"/>
+                <a:ea typeface="Times New Roman" panose="02020603050405020304" pitchFamily="18" charset="0"/>
+                <a:cs typeface="Times New Roman" panose="02020603050405020304" pitchFamily="18" charset="0"/>
+              </a:rPr>
+              <a:t>): учитывает свет, рассеивающийся равномерно по всем направлениям от источника света.</a:t>
+            </a:r>
+            <a:endParaRPr lang="ru-RU" sz="1800" b="1" dirty="0">
+              <a:solidFill>
+                <a:srgbClr val="000000"/>
+              </a:solidFill>
+              <a:effectLst/>
+              <a:latin typeface="Times New Roman" panose="02020603050405020304" pitchFamily="18" charset="0"/>
+              <a:ea typeface="Times New Roman" panose="02020603050405020304" pitchFamily="18" charset="0"/>
+              <a:cs typeface="Times New Roman" panose="02020603050405020304" pitchFamily="18" charset="0"/>
+            </a:endParaRPr>
+          </a:p>
+          <a:p>
+            <a:pPr marL="342900" lvl="0" indent="-342900" algn="just">
+              <a:lnSpc>
+                <a:spcPct val="150000"/>
+              </a:lnSpc>
+              <a:spcBef>
+                <a:spcPts val="600"/>
+              </a:spcBef>
+              <a:spcAft>
+                <a:spcPts val="600"/>
+              </a:spcAft>
+              <a:buFont typeface="+mj-lt"/>
+              <a:buAutoNum type="arabicParenR"/>
+              <a:tabLst>
+                <a:tab pos="457200" algn="l"/>
+              </a:tabLst>
+            </a:pPr>
+            <a:r>
+              <a:rPr lang="ru-RU" sz="1800" b="0" dirty="0">
+                <a:solidFill>
+                  <a:srgbClr val="000000"/>
+                </a:solidFill>
+                <a:effectLst/>
+                <a:latin typeface="Times New Roman" panose="02020603050405020304" pitchFamily="18" charset="0"/>
+                <a:ea typeface="Times New Roman" panose="02020603050405020304" pitchFamily="18" charset="0"/>
+                <a:cs typeface="Times New Roman" panose="02020603050405020304" pitchFamily="18" charset="0"/>
+              </a:rPr>
+              <a:t>Бликовое освещение (</a:t>
+            </a:r>
+            <a:r>
+              <a:rPr lang="ru-RU" sz="1800" b="1" dirty="0" err="1">
+                <a:solidFill>
+                  <a:srgbClr val="000000"/>
+                </a:solidFill>
+                <a:effectLst/>
+                <a:latin typeface="Times New Roman" panose="02020603050405020304" pitchFamily="18" charset="0"/>
+                <a:ea typeface="Times New Roman" panose="02020603050405020304" pitchFamily="18" charset="0"/>
+                <a:cs typeface="Times New Roman" panose="02020603050405020304" pitchFamily="18" charset="0"/>
+              </a:rPr>
+              <a:t>specular</a:t>
+            </a:r>
+            <a:r>
+              <a:rPr lang="ru-RU" sz="1800" b="0" dirty="0">
+                <a:solidFill>
+                  <a:srgbClr val="000000"/>
+                </a:solidFill>
+                <a:effectLst/>
+                <a:latin typeface="Times New Roman" panose="02020603050405020304" pitchFamily="18" charset="0"/>
+                <a:ea typeface="Times New Roman" panose="02020603050405020304" pitchFamily="18" charset="0"/>
+                <a:cs typeface="Times New Roman" panose="02020603050405020304" pitchFamily="18" charset="0"/>
+              </a:rPr>
+              <a:t>): моделирует яркие блики, возникающие на поверхности объекта в направлении источника света.</a:t>
+            </a:r>
+            <a:endParaRPr lang="ru-RU" sz="1800" b="1" dirty="0">
+              <a:solidFill>
+                <a:srgbClr val="000000"/>
+              </a:solidFill>
+              <a:effectLst/>
+              <a:latin typeface="Times New Roman" panose="02020603050405020304" pitchFamily="18" charset="0"/>
+              <a:ea typeface="Times New Roman" panose="02020603050405020304" pitchFamily="18" charset="0"/>
+              <a:cs typeface="Times New Roman" panose="02020603050405020304" pitchFamily="18" charset="0"/>
+            </a:endParaRPr>
+          </a:p>
+          <a:p>
+            <a:pPr marL="0" lvl="0" indent="0" algn="just">
+              <a:lnSpc>
+                <a:spcPct val="150000"/>
+              </a:lnSpc>
+              <a:spcBef>
+                <a:spcPts val="600"/>
+              </a:spcBef>
+              <a:spcAft>
+                <a:spcPts val="600"/>
+              </a:spcAft>
+              <a:buFont typeface="+mj-lt"/>
+              <a:buNone/>
+              <a:tabLst>
+                <a:tab pos="457200" algn="l"/>
+              </a:tabLst>
+            </a:pPr>
+            <a:r>
+              <a:rPr lang="ru-RU" sz="1800" b="0" dirty="0">
+                <a:solidFill>
+                  <a:srgbClr val="000000"/>
+                </a:solidFill>
+                <a:effectLst/>
+                <a:latin typeface="Times New Roman" panose="02020603050405020304" pitchFamily="18" charset="0"/>
+                <a:ea typeface="Times New Roman" panose="02020603050405020304" pitchFamily="18" charset="0"/>
+                <a:cs typeface="Times New Roman" panose="02020603050405020304" pitchFamily="18" charset="0"/>
+              </a:rPr>
+              <a:t>Эти компоненты вместе позволяют создать визуально реалистичное представление освещения объектов. На картинке можете видеть, что они из себя представляют.</a:t>
+            </a:r>
+            <a:endParaRPr lang="ru-RU" sz="1800" b="1" dirty="0">
+              <a:solidFill>
+                <a:srgbClr val="000000"/>
+              </a:solidFill>
+              <a:effectLst/>
+              <a:latin typeface="Times New Roman" panose="02020603050405020304" pitchFamily="18" charset="0"/>
+              <a:ea typeface="Times New Roman" panose="02020603050405020304" pitchFamily="18" charset="0"/>
+              <a:cs typeface="Times New Roman" panose="02020603050405020304" pitchFamily="18" charset="0"/>
+            </a:endParaRPr>
+          </a:p>
+          <a:p>
             <a:endParaRPr lang="ru-RU" dirty="0"/>
           </a:p>
         </p:txBody>
@@ -1370,6 +3765,249 @@
         <p:txBody>
           <a:bodyPr/>
           <a:lstStyle/>
+          <a:p>
+            <a:pPr>
+              <a:lnSpc>
+                <a:spcPct val="107000"/>
+              </a:lnSpc>
+              <a:spcAft>
+                <a:spcPts val="800"/>
+              </a:spcAft>
+            </a:pPr>
+            <a:r>
+              <a:rPr lang="ru-RU" sz="1800" b="1" dirty="0">
+                <a:effectLst/>
+                <a:latin typeface="Times New Roman" panose="02020603050405020304" pitchFamily="18" charset="0"/>
+                <a:ea typeface="Calibri" panose="020F0502020204030204" pitchFamily="34" charset="0"/>
+                <a:cs typeface="Times New Roman" panose="02020603050405020304" pitchFamily="18" charset="0"/>
+              </a:rPr>
+              <a:t>Система рефлексии </a:t>
+            </a:r>
+            <a:r>
+              <a:rPr lang="ru-RU" sz="1800" dirty="0">
+                <a:effectLst/>
+                <a:latin typeface="Times New Roman" panose="02020603050405020304" pitchFamily="18" charset="0"/>
+                <a:ea typeface="Calibri" panose="020F0502020204030204" pitchFamily="34" charset="0"/>
+                <a:cs typeface="Times New Roman" panose="02020603050405020304" pitchFamily="18" charset="0"/>
+              </a:rPr>
+              <a:t>— это механизм, позволяющий программе анализировать и взаимодействовать с собственными типами данных, функциями и структурами во время выполнения. </a:t>
+            </a:r>
+          </a:p>
+          <a:p>
+            <a:pPr>
+              <a:lnSpc>
+                <a:spcPct val="107000"/>
+              </a:lnSpc>
+              <a:spcAft>
+                <a:spcPts val="800"/>
+              </a:spcAft>
+            </a:pPr>
+            <a:r>
+              <a:rPr lang="ru-RU" sz="1800" dirty="0">
+                <a:effectLst/>
+                <a:latin typeface="Times New Roman" panose="02020603050405020304" pitchFamily="18" charset="0"/>
+                <a:ea typeface="Calibri" panose="020F0502020204030204" pitchFamily="34" charset="0"/>
+                <a:cs typeface="Times New Roman" panose="02020603050405020304" pitchFamily="18" charset="0"/>
+              </a:rPr>
+              <a:t>C++ не имеет встроенной поддержки рефлексии, поэтому её реализация требует ручного подхода. </a:t>
+            </a:r>
+          </a:p>
+          <a:p>
+            <a:pPr>
+              <a:lnSpc>
+                <a:spcPct val="107000"/>
+              </a:lnSpc>
+              <a:spcAft>
+                <a:spcPts val="800"/>
+              </a:spcAft>
+            </a:pPr>
+            <a:r>
+              <a:rPr lang="ru-RU" sz="1800" dirty="0">
+                <a:effectLst/>
+                <a:latin typeface="Times New Roman" panose="02020603050405020304" pitchFamily="18" charset="0"/>
+                <a:ea typeface="Calibri" panose="020F0502020204030204" pitchFamily="34" charset="0"/>
+                <a:cs typeface="Times New Roman" panose="02020603050405020304" pitchFamily="18" charset="0"/>
+              </a:rPr>
+              <a:t>Одним, из которых является обработка абстрактного синтаксического дерева (</a:t>
+            </a:r>
+            <a:r>
+              <a:rPr lang="en-US" sz="1800" b="1" dirty="0">
+                <a:effectLst/>
+                <a:latin typeface="Times New Roman" panose="02020603050405020304" pitchFamily="18" charset="0"/>
+                <a:ea typeface="Calibri" panose="020F0502020204030204" pitchFamily="34" charset="0"/>
+                <a:cs typeface="Times New Roman" panose="02020603050405020304" pitchFamily="18" charset="0"/>
+              </a:rPr>
+              <a:t>AST</a:t>
+            </a:r>
+            <a:r>
+              <a:rPr lang="ru-RU" sz="1800" dirty="0">
+                <a:effectLst/>
+                <a:latin typeface="Times New Roman" panose="02020603050405020304" pitchFamily="18" charset="0"/>
+                <a:ea typeface="Calibri" panose="020F0502020204030204" pitchFamily="34" charset="0"/>
+                <a:cs typeface="Times New Roman" panose="02020603050405020304" pitchFamily="18" charset="0"/>
+              </a:rPr>
+              <a:t>), которая предоставляет библиотека </a:t>
+            </a:r>
+            <a:r>
+              <a:rPr lang="en-US" sz="1800" b="1" dirty="0">
+                <a:effectLst/>
+                <a:latin typeface="Times New Roman" panose="02020603050405020304" pitchFamily="18" charset="0"/>
+                <a:ea typeface="Calibri" panose="020F0502020204030204" pitchFamily="34" charset="0"/>
+                <a:cs typeface="Times New Roman" panose="02020603050405020304" pitchFamily="18" charset="0"/>
+              </a:rPr>
+              <a:t>LLVM Clang</a:t>
+            </a:r>
+            <a:r>
+              <a:rPr lang="ru-RU" sz="1800" dirty="0">
+                <a:effectLst/>
+                <a:latin typeface="Times New Roman" panose="02020603050405020304" pitchFamily="18" charset="0"/>
+                <a:ea typeface="Calibri" panose="020F0502020204030204" pitchFamily="34" charset="0"/>
+                <a:cs typeface="Times New Roman" panose="02020603050405020304" pitchFamily="18" charset="0"/>
+              </a:rPr>
+              <a:t>. </a:t>
+            </a:r>
+          </a:p>
+          <a:p>
+            <a:pPr>
+              <a:lnSpc>
+                <a:spcPct val="107000"/>
+              </a:lnSpc>
+              <a:spcAft>
+                <a:spcPts val="800"/>
+              </a:spcAft>
+            </a:pPr>
+            <a:r>
+              <a:rPr lang="ru-RU" sz="1800" dirty="0">
+                <a:effectLst/>
+                <a:latin typeface="Times New Roman" panose="02020603050405020304" pitchFamily="18" charset="0"/>
+                <a:ea typeface="Calibri" panose="020F0502020204030204" pitchFamily="34" charset="0"/>
+                <a:cs typeface="Times New Roman" panose="02020603050405020304" pitchFamily="18" charset="0"/>
+              </a:rPr>
+              <a:t>AST содержит полную информацию о структуре программы, включая типы данных, функции, классы, поля и методы. </a:t>
+            </a:r>
+            <a:endParaRPr lang="ru-RU" sz="1800" dirty="0">
+              <a:effectLst/>
+              <a:latin typeface="Calibri" panose="020F0502020204030204" pitchFamily="34" charset="0"/>
+              <a:ea typeface="Calibri" panose="020F0502020204030204" pitchFamily="34" charset="0"/>
+              <a:cs typeface="Times New Roman" panose="02020603050405020304" pitchFamily="18" charset="0"/>
+            </a:endParaRPr>
+          </a:p>
+          <a:p>
+            <a:pPr>
+              <a:lnSpc>
+                <a:spcPct val="107000"/>
+              </a:lnSpc>
+              <a:spcAft>
+                <a:spcPts val="800"/>
+              </a:spcAft>
+            </a:pPr>
+            <a:r>
+              <a:rPr lang="ru-RU" sz="1800" dirty="0">
+                <a:effectLst/>
+                <a:latin typeface="Times New Roman" panose="02020603050405020304" pitchFamily="18" charset="0"/>
+                <a:ea typeface="Calibri" panose="020F0502020204030204" pitchFamily="34" charset="0"/>
+                <a:cs typeface="Times New Roman" panose="02020603050405020304" pitchFamily="18" charset="0"/>
+              </a:rPr>
+              <a:t>На картинках можете рассмотреть два класса помеченных для рефлексии макросом </a:t>
+            </a:r>
+            <a:r>
+              <a:rPr lang="en-US" sz="1800" dirty="0">
+                <a:effectLst/>
+                <a:latin typeface="Times New Roman" panose="02020603050405020304" pitchFamily="18" charset="0"/>
+                <a:ea typeface="Calibri" panose="020F0502020204030204" pitchFamily="34" charset="0"/>
+                <a:cs typeface="Times New Roman" panose="02020603050405020304" pitchFamily="18" charset="0"/>
+              </a:rPr>
+              <a:t>CLASS</a:t>
+            </a:r>
+            <a:r>
+              <a:rPr lang="ru-RU" sz="1800" dirty="0">
+                <a:effectLst/>
+                <a:latin typeface="Times New Roman" panose="02020603050405020304" pitchFamily="18" charset="0"/>
+                <a:ea typeface="Calibri" panose="020F0502020204030204" pitchFamily="34" charset="0"/>
+                <a:cs typeface="Times New Roman" panose="02020603050405020304" pitchFamily="18" charset="0"/>
+              </a:rPr>
+              <a:t>(), свойства помеченные </a:t>
+            </a:r>
+            <a:r>
+              <a:rPr lang="en-US" sz="1800" dirty="0">
+                <a:effectLst/>
+                <a:latin typeface="Times New Roman" panose="02020603050405020304" pitchFamily="18" charset="0"/>
+                <a:ea typeface="Calibri" panose="020F0502020204030204" pitchFamily="34" charset="0"/>
+                <a:cs typeface="Times New Roman" panose="02020603050405020304" pitchFamily="18" charset="0"/>
+              </a:rPr>
+              <a:t>PROPERTY</a:t>
+            </a:r>
+            <a:r>
+              <a:rPr lang="ru-RU" sz="1800" dirty="0">
+                <a:effectLst/>
+                <a:latin typeface="Times New Roman" panose="02020603050405020304" pitchFamily="18" charset="0"/>
+                <a:ea typeface="Calibri" panose="020F0502020204030204" pitchFamily="34" charset="0"/>
+                <a:cs typeface="Times New Roman" panose="02020603050405020304" pitchFamily="18" charset="0"/>
+              </a:rPr>
+              <a:t>() и методы помеченные </a:t>
+            </a:r>
+            <a:r>
+              <a:rPr lang="en-US" sz="1800" dirty="0">
+                <a:effectLst/>
+                <a:latin typeface="Times New Roman" panose="02020603050405020304" pitchFamily="18" charset="0"/>
+                <a:ea typeface="Calibri" panose="020F0502020204030204" pitchFamily="34" charset="0"/>
+                <a:cs typeface="Times New Roman" panose="02020603050405020304" pitchFamily="18" charset="0"/>
+              </a:rPr>
+              <a:t>FUNCTION</a:t>
+            </a:r>
+            <a:r>
+              <a:rPr lang="ru-RU" sz="1800" dirty="0">
+                <a:effectLst/>
+                <a:latin typeface="Times New Roman" panose="02020603050405020304" pitchFamily="18" charset="0"/>
+                <a:ea typeface="Calibri" panose="020F0502020204030204" pitchFamily="34" charset="0"/>
+                <a:cs typeface="Times New Roman" panose="02020603050405020304" pitchFamily="18" charset="0"/>
+              </a:rPr>
+              <a:t>(). </a:t>
+            </a:r>
+          </a:p>
+          <a:p>
+            <a:pPr>
+              <a:lnSpc>
+                <a:spcPct val="107000"/>
+              </a:lnSpc>
+              <a:spcAft>
+                <a:spcPts val="800"/>
+              </a:spcAft>
+            </a:pPr>
+            <a:r>
+              <a:rPr lang="ru-RU" sz="1800" dirty="0">
+                <a:effectLst/>
+                <a:latin typeface="Times New Roman" panose="02020603050405020304" pitchFamily="18" charset="0"/>
+                <a:ea typeface="Calibri" panose="020F0502020204030204" pitchFamily="34" charset="0"/>
+                <a:cs typeface="Times New Roman" panose="02020603050405020304" pitchFamily="18" charset="0"/>
+              </a:rPr>
+              <a:t>И на последней картинке можно посмотреть вывод системы рефлексии, где </a:t>
+            </a:r>
+            <a:r>
+              <a:rPr lang="ru-RU" sz="1800" dirty="0" err="1">
+                <a:effectLst/>
+                <a:latin typeface="Times New Roman" panose="02020603050405020304" pitchFamily="18" charset="0"/>
+                <a:ea typeface="Calibri" panose="020F0502020204030204" pitchFamily="34" charset="0"/>
+                <a:cs typeface="Times New Roman" panose="02020603050405020304" pitchFamily="18" charset="0"/>
+              </a:rPr>
+              <a:t>парсятся</a:t>
+            </a:r>
+            <a:r>
+              <a:rPr lang="ru-RU" sz="1800" dirty="0">
+                <a:effectLst/>
+                <a:latin typeface="Times New Roman" panose="02020603050405020304" pitchFamily="18" charset="0"/>
+                <a:ea typeface="Calibri" panose="020F0502020204030204" pitchFamily="34" charset="0"/>
+                <a:cs typeface="Times New Roman" panose="02020603050405020304" pitchFamily="18" charset="0"/>
+              </a:rPr>
+              <a:t> только помеченные классы, свойства и методы.</a:t>
+            </a:r>
+            <a:endParaRPr lang="ru-RU" sz="1800" dirty="0">
+              <a:effectLst/>
+              <a:latin typeface="Calibri" panose="020F0502020204030204" pitchFamily="34" charset="0"/>
+              <a:ea typeface="Calibri" panose="020F0502020204030204" pitchFamily="34" charset="0"/>
+              <a:cs typeface="Times New Roman" panose="02020603050405020304" pitchFamily="18" charset="0"/>
+            </a:endParaRPr>
+          </a:p>
           <a:p>
             <a:endParaRPr lang="ru-RU" dirty="0"/>
           </a:p>
@@ -1550,7 +4188,7 @@
           <a:p>
             <a:fld id="{A334AF77-F83F-4B7A-BC30-FB4C8B0C2E6D}" type="datetime1">
               <a:rPr lang="en-US" smtClean="0"/>
-              <a:t>3/15/2025</a:t>
+              <a:t>3/16/2025</a:t>
             </a:fld>
             <a:endParaRPr lang="en-US"/>
           </a:p>
@@ -1752,7 +4390,7 @@
           <a:p>
             <a:fld id="{10906F32-FF44-4D02-A0DA-740A7ACE4701}" type="datetime1">
               <a:rPr lang="en-US" smtClean="0"/>
-              <a:t>3/15/2025</a:t>
+              <a:t>3/16/2025</a:t>
             </a:fld>
             <a:endParaRPr lang="en-US" dirty="0"/>
           </a:p>
@@ -1991,7 +4629,7 @@
           <a:p>
             <a:fld id="{13771AAB-9748-4352-89BC-2D6829189A04}" type="datetime1">
               <a:rPr lang="en-US" smtClean="0"/>
-              <a:t>3/15/2025</a:t>
+              <a:t>3/16/2025</a:t>
             </a:fld>
             <a:endParaRPr lang="en-US" dirty="0"/>
           </a:p>
@@ -2161,7 +4799,7 @@
           <a:p>
             <a:fld id="{380C9450-8257-4AFA-AEDA-B66AA15BB2C9}" type="datetime1">
               <a:rPr lang="en-US" smtClean="0"/>
-              <a:t>3/15/2025</a:t>
+              <a:t>3/16/2025</a:t>
             </a:fld>
             <a:endParaRPr lang="en-US"/>
           </a:p>
@@ -2306,7 +4944,7 @@
           <a:p>
             <a:fld id="{395F9B47-F893-44A8-A979-42A19B9058C9}" type="datetime1">
               <a:rPr lang="en-US" smtClean="0"/>
-              <a:t>3/15/2025</a:t>
+              <a:t>3/16/2025</a:t>
             </a:fld>
             <a:endParaRPr lang="en-US"/>
           </a:p>
@@ -2579,7 +5217,7 @@
           <a:p>
             <a:fld id="{A6FEEA81-1057-47F2-BF74-B383739667C0}" type="datetime1">
               <a:rPr lang="en-US" smtClean="0"/>
-              <a:t>3/15/2025</a:t>
+              <a:t>3/16/2025</a:t>
             </a:fld>
             <a:endParaRPr lang="en-US" dirty="0"/>
           </a:p>
@@ -2918,7 +5556,9 @@
             <a:bodyPr wrap="square" lIns="0" tIns="0" rIns="0" bIns="0" rtlCol="0"/>
             <a:lstStyle/>
             <a:p>
-              <a:endParaRPr/>
+              <a:endParaRPr>
+                <a:latin typeface="Fira Sans Condensed" panose="020B0503050000020004" pitchFamily="34" charset="0"/>
+              </a:endParaRPr>
             </a:p>
           </p:txBody>
         </p:sp>
@@ -2968,7 +5608,9 @@
             <a:bodyPr wrap="square" lIns="0" tIns="0" rIns="0" bIns="0" rtlCol="0"/>
             <a:lstStyle/>
             <a:p>
-              <a:endParaRPr dirty="0"/>
+              <a:endParaRPr dirty="0">
+                <a:latin typeface="Fira Sans Condensed" panose="020B0503050000020004" pitchFamily="34" charset="0"/>
+              </a:endParaRPr>
             </a:p>
           </p:txBody>
         </p:sp>
@@ -3007,13 +5649,15 @@
               </a:spcBef>
             </a:pPr>
             <a:r>
-              <a:rPr lang="ru-RU" sz="1600" b="1" dirty="0">
-                <a:latin typeface="Times New Roman" panose="02020603050405020304" pitchFamily="18" charset="0"/>
+              <a:rPr lang="ru-RU" sz="1600" dirty="0">
+                <a:latin typeface="Fira Sans Condensed" panose="020B0503050000020004" pitchFamily="34" charset="0"/>
                 <a:cs typeface="Times New Roman" panose="02020603050405020304" pitchFamily="18" charset="0"/>
               </a:rPr>
               <a:t>Разработка графического программного обеспечения для визуализации трехмерных объектов</a:t>
             </a:r>
-            <a:endParaRPr lang="ru-RU" sz="1600" dirty="0"/>
+            <a:endParaRPr lang="ru-RU" sz="1600" dirty="0">
+              <a:latin typeface="Fira Sans Condensed" panose="020B0503050000020004" pitchFamily="34" charset="0"/>
+            </a:endParaRPr>
           </a:p>
         </p:txBody>
       </p:sp>
@@ -3040,41 +5684,41 @@
           <a:p>
             <a:r>
               <a:rPr lang="ru-RU" sz="1000" dirty="0">
-                <a:latin typeface="Times New Roman" panose="02020603050405020304" pitchFamily="18" charset="0"/>
+                <a:latin typeface="Fira Sans Condensed" panose="020B0503050000020004" pitchFamily="34" charset="0"/>
                 <a:cs typeface="Times New Roman" panose="02020603050405020304" pitchFamily="18" charset="0"/>
               </a:rPr>
               <a:t>Студент:		Губанов Д.А.</a:t>
             </a:r>
             <a:endParaRPr lang="en-US" sz="1000" dirty="0">
-              <a:latin typeface="Times New Roman" panose="02020603050405020304" pitchFamily="18" charset="0"/>
+              <a:latin typeface="Fira Sans Condensed" panose="020B0503050000020004" pitchFamily="34" charset="0"/>
               <a:cs typeface="Times New Roman" panose="02020603050405020304" pitchFamily="18" charset="0"/>
             </a:endParaRPr>
           </a:p>
           <a:p>
             <a:r>
               <a:rPr lang="ru-RU" sz="1000" dirty="0">
-                <a:latin typeface="Times New Roman" panose="02020603050405020304" pitchFamily="18" charset="0"/>
+                <a:latin typeface="Fira Sans Condensed" panose="020B0503050000020004" pitchFamily="34" charset="0"/>
                 <a:cs typeface="Times New Roman" panose="02020603050405020304" pitchFamily="18" charset="0"/>
               </a:rPr>
               <a:t>Научный руководитель: </a:t>
             </a:r>
             <a:r>
               <a:rPr lang="en-US" sz="1000" dirty="0">
-                <a:latin typeface="Times New Roman" panose="02020603050405020304" pitchFamily="18" charset="0"/>
+                <a:latin typeface="Fira Sans Condensed" panose="020B0503050000020004" pitchFamily="34" charset="0"/>
                 <a:cs typeface="Times New Roman" panose="02020603050405020304" pitchFamily="18" charset="0"/>
               </a:rPr>
               <a:t>	</a:t>
             </a:r>
             <a:r>
               <a:rPr lang="ru-RU" sz="1000" dirty="0" err="1">
-                <a:latin typeface="Times New Roman" panose="02020603050405020304" pitchFamily="18" charset="0"/>
+                <a:latin typeface="Fira Sans Condensed" panose="020B0503050000020004" pitchFamily="34" charset="0"/>
                 <a:cs typeface="Times New Roman" panose="02020603050405020304" pitchFamily="18" charset="0"/>
               </a:rPr>
               <a:t>Витюков</a:t>
             </a:r>
             <a:r>
               <a:rPr lang="ru-RU" sz="1000" dirty="0">
-                <a:latin typeface="Times New Roman" panose="02020603050405020304" pitchFamily="18" charset="0"/>
+                <a:latin typeface="Fira Sans Condensed" panose="020B0503050000020004" pitchFamily="34" charset="0"/>
                 <a:cs typeface="Times New Roman" panose="02020603050405020304" pitchFamily="18" charset="0"/>
               </a:rPr>
               <a:t> Ф.А.</a:t>
@@ -3113,7 +5757,7 @@
             <a:pPr algn="ctr"/>
             <a:r>
               <a:rPr lang="ru-RU" sz="1000" dirty="0">
-                <a:latin typeface="Times New Roman" panose="02020603050405020304" pitchFamily="18" charset="0"/>
+                <a:latin typeface="Fira Sans Condensed" panose="020B0503050000020004" pitchFamily="34" charset="0"/>
                 <a:cs typeface="Times New Roman" panose="02020603050405020304" pitchFamily="18" charset="0"/>
               </a:rPr>
               <a:t>Федеральное государственное автономное образовательное учреждение высшего образования</a:t>
@@ -3123,7 +5767,7 @@
             <a:pPr algn="ctr"/>
             <a:r>
               <a:rPr lang="ru-RU" sz="1000" dirty="0">
-                <a:latin typeface="Times New Roman" panose="02020603050405020304" pitchFamily="18" charset="0"/>
+                <a:latin typeface="Fira Sans Condensed" panose="020B0503050000020004" pitchFamily="34" charset="0"/>
                 <a:cs typeface="Times New Roman" panose="02020603050405020304" pitchFamily="18" charset="0"/>
               </a:rPr>
               <a:t>«МОСКОВСКИЙ ГОСУДАРСТВЕННЫЙ ТЕХНИЧЕСКИЙ УНИВЕРСИТЕТ ИМЕНИ Н.Э.БАУМАНА»</a:t>
@@ -3133,7 +5777,7 @@
             <a:pPr algn="ctr"/>
             <a:r>
               <a:rPr lang="ru-RU" sz="1000" dirty="0">
-                <a:latin typeface="Times New Roman" panose="02020603050405020304" pitchFamily="18" charset="0"/>
+                <a:latin typeface="Fira Sans Condensed" panose="020B0503050000020004" pitchFamily="34" charset="0"/>
                 <a:cs typeface="Times New Roman" panose="02020603050405020304" pitchFamily="18" charset="0"/>
               </a:rPr>
               <a:t>(МГТУ им. Н.Э. Баумана)</a:t>
@@ -3171,7 +5815,7 @@
           <a:p>
             <a:r>
               <a:rPr lang="ru-RU" sz="1000" dirty="0">
-                <a:latin typeface="Times New Roman" panose="02020603050405020304" pitchFamily="18" charset="0"/>
+                <a:latin typeface="Fira Sans Condensed" panose="020B0503050000020004" pitchFamily="34" charset="0"/>
                 <a:cs typeface="Times New Roman" panose="02020603050405020304" pitchFamily="18" charset="0"/>
               </a:rPr>
               <a:t>Москва, 2025</a:t>
@@ -3245,13 +5889,13 @@
                 <a:solidFill>
                   <a:schemeClr val="tx1"/>
                 </a:solidFill>
-                <a:latin typeface="Times New Roman" panose="02020603050405020304" pitchFamily="18" charset="0"/>
+                <a:latin typeface="Fira Sans Condensed" panose="020B0503050000020004" pitchFamily="34" charset="0"/>
                 <a:cs typeface="Times New Roman" panose="02020603050405020304" pitchFamily="18" charset="0"/>
               </a:rPr>
               <a:t>Система рефлексии</a:t>
             </a:r>
             <a:endParaRPr lang="ru-RU" sz="1200" spc="-40" dirty="0">
-              <a:latin typeface="Times New Roman" panose="02020603050405020304" pitchFamily="18" charset="0"/>
+              <a:latin typeface="Fira Sans Condensed" panose="020B0503050000020004" pitchFamily="34" charset="0"/>
               <a:cs typeface="Times New Roman" panose="02020603050405020304" pitchFamily="18" charset="0"/>
             </a:endParaRPr>
           </a:p>
@@ -3388,6 +6032,7 @@
                 <a:solidFill>
                   <a:srgbClr val="0070C0"/>
                 </a:solidFill>
+                <a:latin typeface="Fira Sans Condensed" panose="020B0503050000020004" pitchFamily="34" charset="0"/>
               </a:rPr>
               <a:pPr marL="38100">
                 <a:spcBef>
@@ -3400,6 +6045,7 @@
               <a:solidFill>
                 <a:srgbClr val="0070C0"/>
               </a:solidFill>
+              <a:latin typeface="Fira Sans Condensed" panose="020B0503050000020004" pitchFamily="34" charset="0"/>
             </a:endParaRPr>
           </a:p>
         </p:txBody>
@@ -3487,14 +6133,14 @@
                     <a:lumMod val="75000"/>
                   </a:schemeClr>
                 </a:solidFill>
-                <a:latin typeface="Times New Roman" panose="02020603050405020304" pitchFamily="18" charset="0"/>
+                <a:latin typeface="Fira Sans Condensed" panose="020B0503050000020004" pitchFamily="34" charset="0"/>
                 <a:cs typeface="Times New Roman" panose="02020603050405020304" pitchFamily="18" charset="0"/>
               </a:rPr>
               <a:t>Введение</a:t>
             </a:r>
             <a:r>
               <a:rPr lang="ru-RU" sz="800" dirty="0">
-                <a:latin typeface="Times New Roman" panose="02020603050405020304" pitchFamily="18" charset="0"/>
+                <a:latin typeface="Fira Sans Condensed" panose="020B0503050000020004" pitchFamily="34" charset="0"/>
                 <a:cs typeface="Times New Roman" panose="02020603050405020304" pitchFamily="18" charset="0"/>
               </a:rPr>
               <a:t> </a:t>
@@ -3506,7 +6152,7 @@
                     <a:lumMod val="75000"/>
                   </a:schemeClr>
                 </a:solidFill>
-                <a:latin typeface="Times New Roman" panose="02020603050405020304" pitchFamily="18" charset="0"/>
+                <a:latin typeface="Fira Sans Condensed" panose="020B0503050000020004" pitchFamily="34" charset="0"/>
                 <a:cs typeface="Times New Roman" panose="02020603050405020304" pitchFamily="18" charset="0"/>
               </a:rPr>
               <a:t>| </a:t>
@@ -3518,7 +6164,7 @@
                     <a:lumMod val="75000"/>
                   </a:schemeClr>
                 </a:solidFill>
-                <a:latin typeface="Times New Roman" panose="02020603050405020304" pitchFamily="18" charset="0"/>
+                <a:latin typeface="Fira Sans Condensed" panose="020B0503050000020004" pitchFamily="34" charset="0"/>
                 <a:cs typeface="Times New Roman" panose="02020603050405020304" pitchFamily="18" charset="0"/>
               </a:rPr>
               <a:t>Постановка задачи</a:t>
@@ -3530,7 +6176,7 @@
                     <a:lumMod val="75000"/>
                   </a:schemeClr>
                 </a:solidFill>
-                <a:latin typeface="Times New Roman" panose="02020603050405020304" pitchFamily="18" charset="0"/>
+                <a:latin typeface="Fira Sans Condensed" panose="020B0503050000020004" pitchFamily="34" charset="0"/>
                 <a:cs typeface="Times New Roman" panose="02020603050405020304" pitchFamily="18" charset="0"/>
               </a:rPr>
               <a:t> | </a:t>
@@ -3542,7 +6188,7 @@
                     <a:lumMod val="75000"/>
                   </a:schemeClr>
                 </a:solidFill>
-                <a:latin typeface="Times New Roman" panose="02020603050405020304" pitchFamily="18" charset="0"/>
+                <a:latin typeface="Fira Sans Condensed" panose="020B0503050000020004" pitchFamily="34" charset="0"/>
                 <a:cs typeface="Times New Roman" panose="02020603050405020304" pitchFamily="18" charset="0"/>
               </a:rPr>
               <a:t>Актуальность и обзор существующих решений </a:t>
@@ -3554,7 +6200,7 @@
                     <a:lumMod val="75000"/>
                   </a:schemeClr>
                 </a:solidFill>
-                <a:latin typeface="Times New Roman" panose="02020603050405020304" pitchFamily="18" charset="0"/>
+                <a:latin typeface="Fira Sans Condensed" panose="020B0503050000020004" pitchFamily="34" charset="0"/>
                 <a:cs typeface="Times New Roman" panose="02020603050405020304" pitchFamily="18" charset="0"/>
               </a:rPr>
               <a:t>| </a:t>
@@ -3566,7 +6212,7 @@
                     <a:lumMod val="75000"/>
                   </a:schemeClr>
                 </a:solidFill>
-                <a:latin typeface="Times New Roman" panose="02020603050405020304" pitchFamily="18" charset="0"/>
+                <a:latin typeface="Fira Sans Condensed" panose="020B0503050000020004" pitchFamily="34" charset="0"/>
                 <a:cs typeface="Times New Roman" panose="02020603050405020304" pitchFamily="18" charset="0"/>
               </a:rPr>
               <a:t>Прототипирование </a:t>
@@ -3578,7 +6224,7 @@
                     <a:lumMod val="75000"/>
                   </a:schemeClr>
                 </a:solidFill>
-                <a:latin typeface="Times New Roman" panose="02020603050405020304" pitchFamily="18" charset="0"/>
+                <a:latin typeface="Fira Sans Condensed" panose="020B0503050000020004" pitchFamily="34" charset="0"/>
                 <a:cs typeface="Times New Roman" panose="02020603050405020304" pitchFamily="18" charset="0"/>
               </a:rPr>
               <a:t>| </a:t>
@@ -3590,7 +6236,7 @@
                     <a:lumMod val="75000"/>
                   </a:schemeClr>
                 </a:solidFill>
-                <a:latin typeface="Times New Roman" panose="02020603050405020304" pitchFamily="18" charset="0"/>
+                <a:latin typeface="Fira Sans Condensed" panose="020B0503050000020004" pitchFamily="34" charset="0"/>
                 <a:cs typeface="Times New Roman" panose="02020603050405020304" pitchFamily="18" charset="0"/>
               </a:rPr>
               <a:t>Графическое окно </a:t>
@@ -3602,7 +6248,7 @@
                     <a:lumMod val="75000"/>
                   </a:schemeClr>
                 </a:solidFill>
-                <a:latin typeface="Times New Roman" panose="02020603050405020304" pitchFamily="18" charset="0"/>
+                <a:latin typeface="Fira Sans Condensed" panose="020B0503050000020004" pitchFamily="34" charset="0"/>
                 <a:cs typeface="Times New Roman" panose="02020603050405020304" pitchFamily="18" charset="0"/>
               </a:rPr>
               <a:t>| </a:t>
@@ -3614,7 +6260,7 @@
                     <a:lumMod val="75000"/>
                   </a:schemeClr>
                 </a:solidFill>
-                <a:latin typeface="Times New Roman" panose="02020603050405020304" pitchFamily="18" charset="0"/>
+                <a:latin typeface="Fira Sans Condensed" panose="020B0503050000020004" pitchFamily="34" charset="0"/>
                 <a:cs typeface="Times New Roman" panose="02020603050405020304" pitchFamily="18" charset="0"/>
               </a:rPr>
               <a:t>Графический конвейер </a:t>
@@ -3626,7 +6272,7 @@
                     <a:lumMod val="75000"/>
                   </a:schemeClr>
                 </a:solidFill>
-                <a:latin typeface="Times New Roman" panose="02020603050405020304" pitchFamily="18" charset="0"/>
+                <a:latin typeface="Fira Sans Condensed" panose="020B0503050000020004" pitchFamily="34" charset="0"/>
                 <a:cs typeface="Times New Roman" panose="02020603050405020304" pitchFamily="18" charset="0"/>
               </a:rPr>
               <a:t>|</a:t>
@@ -3638,7 +6284,7 @@
                     <a:lumMod val="75000"/>
                   </a:schemeClr>
                 </a:solidFill>
-                <a:latin typeface="Times New Roman" panose="02020603050405020304" pitchFamily="18" charset="0"/>
+                <a:latin typeface="Fira Sans Condensed" panose="020B0503050000020004" pitchFamily="34" charset="0"/>
                 <a:cs typeface="Times New Roman" panose="02020603050405020304" pitchFamily="18" charset="0"/>
               </a:rPr>
               <a:t> Системы координат </a:t>
@@ -3650,7 +6296,7 @@
                     <a:lumMod val="75000"/>
                   </a:schemeClr>
                 </a:solidFill>
-                <a:latin typeface="Times New Roman" panose="02020603050405020304" pitchFamily="18" charset="0"/>
+                <a:latin typeface="Fira Sans Condensed" panose="020B0503050000020004" pitchFamily="34" charset="0"/>
                 <a:cs typeface="Times New Roman" panose="02020603050405020304" pitchFamily="18" charset="0"/>
               </a:rPr>
               <a:t>| </a:t>
@@ -3662,7 +6308,7 @@
                     <a:lumMod val="75000"/>
                   </a:schemeClr>
                 </a:solidFill>
-                <a:latin typeface="Times New Roman" panose="02020603050405020304" pitchFamily="18" charset="0"/>
+                <a:latin typeface="Fira Sans Condensed" panose="020B0503050000020004" pitchFamily="34" charset="0"/>
                 <a:cs typeface="Times New Roman" panose="02020603050405020304" pitchFamily="18" charset="0"/>
               </a:rPr>
               <a:t>Освещение</a:t>
@@ -3674,14 +6320,14 @@
                     <a:lumMod val="75000"/>
                   </a:schemeClr>
                 </a:solidFill>
-                <a:latin typeface="Times New Roman" panose="02020603050405020304" pitchFamily="18" charset="0"/>
+                <a:latin typeface="Fira Sans Condensed" panose="020B0503050000020004" pitchFamily="34" charset="0"/>
                 <a:cs typeface="Times New Roman" panose="02020603050405020304" pitchFamily="18" charset="0"/>
               </a:rPr>
               <a:t> | </a:t>
             </a:r>
             <a:r>
               <a:rPr lang="ru-RU" sz="800" dirty="0">
-                <a:latin typeface="Times New Roman" panose="02020603050405020304" pitchFamily="18" charset="0"/>
+                <a:latin typeface="Fira Sans Condensed" panose="020B0503050000020004" pitchFamily="34" charset="0"/>
                 <a:cs typeface="Times New Roman" panose="02020603050405020304" pitchFamily="18" charset="0"/>
               </a:rPr>
               <a:t>Система рефлексии </a:t>
@@ -3693,7 +6339,7 @@
                     <a:lumMod val="75000"/>
                   </a:schemeClr>
                 </a:solidFill>
-                <a:latin typeface="Times New Roman" panose="02020603050405020304" pitchFamily="18" charset="0"/>
+                <a:latin typeface="Fira Sans Condensed" panose="020B0503050000020004" pitchFamily="34" charset="0"/>
                 <a:cs typeface="Times New Roman" panose="02020603050405020304" pitchFamily="18" charset="0"/>
               </a:rPr>
               <a:t>|</a:t>
@@ -3708,7 +6354,7 @@
                     <a:lumMod val="75000"/>
                   </a:schemeClr>
                 </a:solidFill>
-                <a:latin typeface="Times New Roman" panose="02020603050405020304" pitchFamily="18" charset="0"/>
+                <a:latin typeface="Fira Sans Condensed" panose="020B0503050000020004" pitchFamily="34" charset="0"/>
                 <a:cs typeface="Times New Roman" panose="02020603050405020304" pitchFamily="18" charset="0"/>
               </a:rPr>
               <a:t>Сборщик мусора</a:t>
@@ -3720,7 +6366,7 @@
                     <a:lumMod val="75000"/>
                   </a:schemeClr>
                 </a:solidFill>
-                <a:latin typeface="Times New Roman" panose="02020603050405020304" pitchFamily="18" charset="0"/>
+                <a:latin typeface="Fira Sans Condensed" panose="020B0503050000020004" pitchFamily="34" charset="0"/>
                 <a:cs typeface="Times New Roman" panose="02020603050405020304" pitchFamily="18" charset="0"/>
               </a:rPr>
               <a:t> | </a:t>
@@ -3732,7 +6378,7 @@
                     <a:lumMod val="75000"/>
                   </a:schemeClr>
                 </a:solidFill>
-                <a:latin typeface="Times New Roman" panose="02020603050405020304" pitchFamily="18" charset="0"/>
+                <a:latin typeface="Fira Sans Condensed" panose="020B0503050000020004" pitchFamily="34" charset="0"/>
                 <a:cs typeface="Times New Roman" panose="02020603050405020304" pitchFamily="18" charset="0"/>
               </a:rPr>
               <a:t>Заключение</a:t>
@@ -3797,7 +6443,7 @@
                     <a:lumMod val="50000"/>
                   </a:schemeClr>
                 </a:solidFill>
-                <a:latin typeface="Times New Roman" panose="02020603050405020304" pitchFamily="18" charset="0"/>
+                <a:latin typeface="Fira Sans Condensed" panose="020B0503050000020004" pitchFamily="34" charset="0"/>
                 <a:cs typeface="Times New Roman" panose="02020603050405020304" pitchFamily="18" charset="0"/>
               </a:rPr>
               <a:t>Разработка графического программного обеспечения для визуализации трехмерных объектов</a:t>
@@ -3808,6 +6454,7 @@
                   <a:lumMod val="50000"/>
                 </a:schemeClr>
               </a:solidFill>
+              <a:latin typeface="Fira Sans Condensed" panose="020B0503050000020004" pitchFamily="34" charset="0"/>
             </a:endParaRPr>
           </a:p>
         </p:txBody>
@@ -3851,14 +6498,14 @@
             </a:pPr>
             <a:r>
               <a:rPr lang="ru-RU" sz="900" b="1" dirty="0">
-                <a:latin typeface="Times New Roman" panose="02020603050405020304" pitchFamily="18" charset="0"/>
+                <a:latin typeface="Fira Sans Condensed" panose="020B0503050000020004" pitchFamily="34" charset="0"/>
                 <a:cs typeface="Times New Roman" panose="02020603050405020304" pitchFamily="18" charset="0"/>
               </a:rPr>
               <a:t>Система рефлексии</a:t>
             </a:r>
             <a:r>
               <a:rPr lang="en-US" sz="900" b="1" dirty="0">
-                <a:latin typeface="Times New Roman" panose="02020603050405020304" pitchFamily="18" charset="0"/>
+                <a:latin typeface="Fira Sans Condensed" panose="020B0503050000020004" pitchFamily="34" charset="0"/>
                 <a:cs typeface="Times New Roman" panose="02020603050405020304" pitchFamily="18" charset="0"/>
               </a:rPr>
               <a:t> </a:t>
@@ -3868,7 +6515,7 @@
                 <a:solidFill>
                   <a:schemeClr val="tx1"/>
                 </a:solidFill>
-                <a:latin typeface="Times New Roman" panose="02020603050405020304" pitchFamily="18" charset="0"/>
+                <a:latin typeface="Fira Sans Condensed" panose="020B0503050000020004" pitchFamily="34" charset="0"/>
                 <a:cs typeface="Times New Roman" panose="02020603050405020304" pitchFamily="18" charset="0"/>
               </a:rPr>
               <a:t>— это механизм, позволяющий программе анализировать и взаимодействовать с собственными типами данных, функциями и структурами во время выполнения. C++ не имеет встроенной поддержки рефлексии, поэтому её реализация требует ручного подхода. Одним, из которых является обработка абстрактного синтаксического дерева</a:t>
@@ -3878,7 +6525,7 @@
                 <a:solidFill>
                   <a:schemeClr val="tx1"/>
                 </a:solidFill>
-                <a:latin typeface="Times New Roman" panose="02020603050405020304" pitchFamily="18" charset="0"/>
+                <a:latin typeface="Fira Sans Condensed" panose="020B0503050000020004" pitchFamily="34" charset="0"/>
                 <a:cs typeface="Times New Roman" panose="02020603050405020304" pitchFamily="18" charset="0"/>
               </a:rPr>
               <a:t> (</a:t>
@@ -3888,7 +6535,7 @@
                 <a:solidFill>
                   <a:schemeClr val="tx1"/>
                 </a:solidFill>
-                <a:latin typeface="Times New Roman" panose="02020603050405020304" pitchFamily="18" charset="0"/>
+                <a:latin typeface="Fira Sans Condensed" panose="020B0503050000020004" pitchFamily="34" charset="0"/>
                 <a:cs typeface="Times New Roman" panose="02020603050405020304" pitchFamily="18" charset="0"/>
               </a:rPr>
               <a:t>AST</a:t>
@@ -3898,7 +6545,7 @@
                 <a:solidFill>
                   <a:schemeClr val="tx1"/>
                 </a:solidFill>
-                <a:latin typeface="Times New Roman" panose="02020603050405020304" pitchFamily="18" charset="0"/>
+                <a:latin typeface="Fira Sans Condensed" panose="020B0503050000020004" pitchFamily="34" charset="0"/>
                 <a:cs typeface="Times New Roman" panose="02020603050405020304" pitchFamily="18" charset="0"/>
               </a:rPr>
               <a:t>)</a:t>
@@ -3908,7 +6555,7 @@
                 <a:solidFill>
                   <a:schemeClr val="tx1"/>
                 </a:solidFill>
-                <a:latin typeface="Times New Roman" panose="02020603050405020304" pitchFamily="18" charset="0"/>
+                <a:latin typeface="Fira Sans Condensed" panose="020B0503050000020004" pitchFamily="34" charset="0"/>
                 <a:cs typeface="Times New Roman" panose="02020603050405020304" pitchFamily="18" charset="0"/>
               </a:rPr>
               <a:t>, которая предоставляет библиотека </a:t>
@@ -3918,7 +6565,7 @@
                 <a:solidFill>
                   <a:schemeClr val="tx1"/>
                 </a:solidFill>
-                <a:latin typeface="Times New Roman" panose="02020603050405020304" pitchFamily="18" charset="0"/>
+                <a:latin typeface="Fira Sans Condensed" panose="020B0503050000020004" pitchFamily="34" charset="0"/>
                 <a:cs typeface="Times New Roman" panose="02020603050405020304" pitchFamily="18" charset="0"/>
               </a:rPr>
               <a:t>LLVM Clang</a:t>
@@ -3928,7 +6575,7 @@
                 <a:solidFill>
                   <a:schemeClr val="tx1"/>
                 </a:solidFill>
-                <a:latin typeface="Times New Roman" panose="02020603050405020304" pitchFamily="18" charset="0"/>
+                <a:latin typeface="Fira Sans Condensed" panose="020B0503050000020004" pitchFamily="34" charset="0"/>
                 <a:cs typeface="Times New Roman" panose="02020603050405020304" pitchFamily="18" charset="0"/>
               </a:rPr>
               <a:t>.</a:t>
@@ -3938,7 +6585,7 @@
                 <a:solidFill>
                   <a:schemeClr val="tx1"/>
                 </a:solidFill>
-                <a:latin typeface="Times New Roman" panose="02020603050405020304" pitchFamily="18" charset="0"/>
+                <a:latin typeface="Fira Sans Condensed" panose="020B0503050000020004" pitchFamily="34" charset="0"/>
                 <a:cs typeface="Times New Roman" panose="02020603050405020304" pitchFamily="18" charset="0"/>
               </a:rPr>
               <a:t> AST содержит полную информацию о структуре программы, включая типы данных, функции, классы, поля и методы. </a:t>
@@ -4018,7 +6665,7 @@
             </a:pPr>
             <a:r>
               <a:rPr lang="ru-RU" sz="800" dirty="0">
-                <a:latin typeface="Times New Roman" panose="02020603050405020304" pitchFamily="18" charset="0"/>
+                <a:latin typeface="Fira Sans Condensed" panose="020B0503050000020004" pitchFamily="34" charset="0"/>
                 <a:cs typeface="Times New Roman" panose="02020603050405020304" pitchFamily="18" charset="0"/>
               </a:rPr>
               <a:t>Первый класс</a:t>
@@ -4027,7 +6674,7 @@
               <a:solidFill>
                 <a:schemeClr val="tx1"/>
               </a:solidFill>
-              <a:latin typeface="Times New Roman" panose="02020603050405020304" pitchFamily="18" charset="0"/>
+              <a:latin typeface="Fira Sans Condensed" panose="020B0503050000020004" pitchFamily="34" charset="0"/>
               <a:cs typeface="Times New Roman" panose="02020603050405020304" pitchFamily="18" charset="0"/>
             </a:endParaRPr>
           </a:p>
@@ -4075,7 +6722,7 @@
             </a:pPr>
             <a:r>
               <a:rPr lang="ru-RU" sz="800" dirty="0">
-                <a:latin typeface="Times New Roman" panose="02020603050405020304" pitchFamily="18" charset="0"/>
+                <a:latin typeface="Fira Sans Condensed" panose="020B0503050000020004" pitchFamily="34" charset="0"/>
                 <a:cs typeface="Times New Roman" panose="02020603050405020304" pitchFamily="18" charset="0"/>
               </a:rPr>
               <a:t>Второй класс</a:t>
@@ -4084,7 +6731,7 @@
               <a:solidFill>
                 <a:schemeClr val="tx1"/>
               </a:solidFill>
-              <a:latin typeface="Times New Roman" panose="02020603050405020304" pitchFamily="18" charset="0"/>
+              <a:latin typeface="Fira Sans Condensed" panose="020B0503050000020004" pitchFamily="34" charset="0"/>
               <a:cs typeface="Times New Roman" panose="02020603050405020304" pitchFamily="18" charset="0"/>
             </a:endParaRPr>
           </a:p>
@@ -4165,7 +6812,7 @@
         <p:spPr>
           <a:xfrm>
             <a:off x="2914650" y="2983657"/>
-            <a:ext cx="1401651" cy="307746"/>
+            <a:ext cx="1524000" cy="307746"/>
           </a:xfrm>
           <a:prstGeom prst="rect">
             <a:avLst/>
@@ -4192,7 +6839,7 @@
             </a:pPr>
             <a:r>
               <a:rPr lang="ru-RU" sz="800" dirty="0">
-                <a:latin typeface="Times New Roman" panose="02020603050405020304" pitchFamily="18" charset="0"/>
+                <a:latin typeface="Fira Sans Condensed" panose="020B0503050000020004" pitchFamily="34" charset="0"/>
                 <a:cs typeface="Times New Roman" panose="02020603050405020304" pitchFamily="18" charset="0"/>
               </a:rPr>
               <a:t>Вывод информации классов</a:t>
@@ -4201,7 +6848,7 @@
               <a:solidFill>
                 <a:schemeClr val="tx1"/>
               </a:solidFill>
-              <a:latin typeface="Times New Roman" panose="02020603050405020304" pitchFamily="18" charset="0"/>
+              <a:latin typeface="Fira Sans Condensed" panose="020B0503050000020004" pitchFamily="34" charset="0"/>
               <a:cs typeface="Times New Roman" panose="02020603050405020304" pitchFamily="18" charset="0"/>
             </a:endParaRPr>
           </a:p>
@@ -4275,7 +6922,7 @@
             </a:pPr>
             <a:r>
               <a:rPr lang="ru-RU" sz="1200" spc="-40" dirty="0">
-                <a:latin typeface="Times New Roman" panose="02020603050405020304" pitchFamily="18" charset="0"/>
+                <a:latin typeface="Fira Sans Condensed" panose="020B0503050000020004" pitchFamily="34" charset="0"/>
                 <a:cs typeface="Times New Roman" panose="02020603050405020304" pitchFamily="18" charset="0"/>
               </a:rPr>
               <a:t>Сборщик мусора </a:t>
@@ -4414,6 +7061,7 @@
                 <a:solidFill>
                   <a:srgbClr val="0070C0"/>
                 </a:solidFill>
+                <a:latin typeface="Fira Sans Condensed" panose="020B0503050000020004" pitchFamily="34" charset="0"/>
               </a:rPr>
               <a:pPr marL="38100">
                 <a:spcBef>
@@ -4426,6 +7074,7 @@
               <a:solidFill>
                 <a:srgbClr val="0070C0"/>
               </a:solidFill>
+              <a:latin typeface="Fira Sans Condensed" panose="020B0503050000020004" pitchFamily="34" charset="0"/>
             </a:endParaRPr>
           </a:p>
         </p:txBody>
@@ -4507,7 +7156,7 @@
                 <a:solidFill>
                   <a:schemeClr val="tx1"/>
                 </a:solidFill>
-                <a:latin typeface="Times New Roman" panose="02020603050405020304" pitchFamily="18" charset="0"/>
+                <a:latin typeface="Fira Sans Condensed" panose="020B0503050000020004" pitchFamily="34" charset="0"/>
                 <a:cs typeface="Times New Roman" panose="02020603050405020304" pitchFamily="18" charset="0"/>
               </a:rPr>
               <a:t>Сборщик мусора </a:t>
@@ -4517,7 +7166,7 @@
                 <a:solidFill>
                   <a:schemeClr val="tx1"/>
                 </a:solidFill>
-                <a:latin typeface="Times New Roman" panose="02020603050405020304" pitchFamily="18" charset="0"/>
+                <a:latin typeface="Fira Sans Condensed" panose="020B0503050000020004" pitchFamily="34" charset="0"/>
                 <a:cs typeface="Times New Roman" panose="02020603050405020304" pitchFamily="18" charset="0"/>
               </a:rPr>
               <a:t>— это механизм автоматического управления памятью, который освобождает память, занятую объектами, больше не используемыми в программе. Он избавляет разработчика от необходимости вручную освобождать память, что помогает избежать утечек памяти и ошибок, связанных с неправильным управлением памятью.</a:t>
@@ -4529,7 +7178,7 @@
               <a:solidFill>
                 <a:schemeClr val="tx1"/>
               </a:solidFill>
-              <a:latin typeface="Times New Roman" panose="02020603050405020304" pitchFamily="18" charset="0"/>
+              <a:latin typeface="Fira Sans Condensed" panose="020B0503050000020004" pitchFamily="34" charset="0"/>
               <a:cs typeface="Times New Roman" panose="02020603050405020304" pitchFamily="18" charset="0"/>
             </a:endParaRPr>
           </a:p>
@@ -4540,7 +7189,7 @@
                 <a:solidFill>
                   <a:schemeClr val="tx1"/>
                 </a:solidFill>
-                <a:latin typeface="Times" pitchFamily="2" charset="0"/>
+                <a:latin typeface="Fira Sans Condensed" panose="020B0503050000020004" pitchFamily="34" charset="0"/>
               </a:rPr>
               <a:t>Основные этапы работы:</a:t>
             </a:r>
@@ -4555,18 +7204,18 @@
                 <a:solidFill>
                   <a:schemeClr val="tx1"/>
                 </a:solidFill>
-                <a:latin typeface="Times" pitchFamily="2" charset="0"/>
+                <a:latin typeface="Fira Sans Condensed" panose="020B0503050000020004" pitchFamily="34" charset="0"/>
               </a:rPr>
               <a:t>Сборщик мусора начинает с корневого объекта наследованного от </a:t>
             </a:r>
             <a:r>
               <a:rPr lang="en-US" sz="900" b="1" dirty="0" err="1">
-                <a:latin typeface="Times" pitchFamily="2" charset="0"/>
+                <a:latin typeface="Fira Sans Condensed" panose="020B0503050000020004" pitchFamily="34" charset="0"/>
               </a:rPr>
               <a:t>RObject</a:t>
             </a:r>
             <a:endParaRPr lang="ru-RU" sz="900" b="1" dirty="0">
-              <a:latin typeface="Times" pitchFamily="2" charset="0"/>
+              <a:latin typeface="Fira Sans Condensed" panose="020B0503050000020004" pitchFamily="34" charset="0"/>
             </a:endParaRPr>
           </a:p>
           <a:p>
@@ -4579,7 +7228,7 @@
                 <a:solidFill>
                   <a:schemeClr val="tx1"/>
                 </a:solidFill>
-                <a:latin typeface="Times" pitchFamily="2" charset="0"/>
+                <a:latin typeface="Fira Sans Condensed" panose="020B0503050000020004" pitchFamily="34" charset="0"/>
               </a:rPr>
               <a:t>Он рекурсивно проходит по всем дочерним объектам, которые тоже наследуются от </a:t>
             </a:r>
@@ -4588,7 +7237,7 @@
                 <a:solidFill>
                   <a:schemeClr val="tx1"/>
                 </a:solidFill>
-                <a:latin typeface="Times" pitchFamily="2" charset="0"/>
+                <a:latin typeface="Fira Sans Condensed" panose="020B0503050000020004" pitchFamily="34" charset="0"/>
               </a:rPr>
               <a:t>RObject</a:t>
             </a:r>
@@ -4597,7 +7246,7 @@
                 <a:solidFill>
                   <a:schemeClr val="tx1"/>
                 </a:solidFill>
-                <a:latin typeface="Times" pitchFamily="2" charset="0"/>
+                <a:latin typeface="Fira Sans Condensed" panose="020B0503050000020004" pitchFamily="34" charset="0"/>
               </a:rPr>
               <a:t>, чтобы найти все достижимые объекты</a:t>
             </a:r>
@@ -4612,7 +7261,7 @@
                 <a:solidFill>
                   <a:schemeClr val="tx1"/>
                 </a:solidFill>
-                <a:latin typeface="Times" pitchFamily="2" charset="0"/>
+                <a:latin typeface="Fira Sans Condensed" panose="020B0503050000020004" pitchFamily="34" charset="0"/>
               </a:rPr>
               <a:t>Объекты, которые не могут быть достигнуты через цепочку ссылок из корней, считаются </a:t>
             </a:r>
@@ -4621,7 +7270,7 @@
                 <a:solidFill>
                   <a:schemeClr val="tx1"/>
                 </a:solidFill>
-                <a:latin typeface="Times" pitchFamily="2" charset="0"/>
+                <a:latin typeface="Fira Sans Condensed" panose="020B0503050000020004" pitchFamily="34" charset="0"/>
               </a:rPr>
               <a:t>"мусором"</a:t>
             </a:r>
@@ -4636,7 +7285,7 @@
                 <a:solidFill>
                   <a:schemeClr val="tx1"/>
                 </a:solidFill>
-                <a:latin typeface="Times" pitchFamily="2" charset="0"/>
+                <a:latin typeface="Fira Sans Condensed" panose="020B0503050000020004" pitchFamily="34" charset="0"/>
               </a:rPr>
               <a:t> </a:t>
             </a:r>
@@ -4645,7 +7294,7 @@
                 <a:solidFill>
                   <a:schemeClr val="tx1"/>
                 </a:solidFill>
-                <a:latin typeface="Times" pitchFamily="2" charset="0"/>
+                <a:latin typeface="Fira Sans Condensed" panose="020B0503050000020004" pitchFamily="34" charset="0"/>
               </a:rPr>
               <a:t>Освобождение памяти </a:t>
             </a:r>
@@ -4654,7 +7303,7 @@
                 <a:solidFill>
                   <a:schemeClr val="tx1"/>
                 </a:solidFill>
-                <a:latin typeface="Times" pitchFamily="2" charset="0"/>
+                <a:latin typeface="Fira Sans Condensed" panose="020B0503050000020004" pitchFamily="34" charset="0"/>
               </a:rPr>
               <a:t>всех "мусорных" указателей</a:t>
             </a:r>
@@ -4668,7 +7317,7 @@
               <a:solidFill>
                 <a:schemeClr val="tx1"/>
               </a:solidFill>
-              <a:latin typeface="Times" pitchFamily="2" charset="0"/>
+              <a:latin typeface="Fira Sans Condensed" panose="020B0503050000020004" pitchFamily="34" charset="0"/>
             </a:endParaRPr>
           </a:p>
         </p:txBody>
@@ -4713,14 +7362,14 @@
                     <a:lumMod val="75000"/>
                   </a:schemeClr>
                 </a:solidFill>
-                <a:latin typeface="Times New Roman" panose="02020603050405020304" pitchFamily="18" charset="0"/>
+                <a:latin typeface="Fira Sans Condensed" panose="020B0503050000020004" pitchFamily="34" charset="0"/>
                 <a:cs typeface="Times New Roman" panose="02020603050405020304" pitchFamily="18" charset="0"/>
               </a:rPr>
               <a:t>Введение</a:t>
             </a:r>
             <a:r>
               <a:rPr lang="ru-RU" sz="800" dirty="0">
-                <a:latin typeface="Times New Roman" panose="02020603050405020304" pitchFamily="18" charset="0"/>
+                <a:latin typeface="Fira Sans Condensed" panose="020B0503050000020004" pitchFamily="34" charset="0"/>
                 <a:cs typeface="Times New Roman" panose="02020603050405020304" pitchFamily="18" charset="0"/>
               </a:rPr>
               <a:t> </a:t>
@@ -4732,7 +7381,7 @@
                     <a:lumMod val="75000"/>
                   </a:schemeClr>
                 </a:solidFill>
-                <a:latin typeface="Times New Roman" panose="02020603050405020304" pitchFamily="18" charset="0"/>
+                <a:latin typeface="Fira Sans Condensed" panose="020B0503050000020004" pitchFamily="34" charset="0"/>
                 <a:cs typeface="Times New Roman" panose="02020603050405020304" pitchFamily="18" charset="0"/>
               </a:rPr>
               <a:t>| </a:t>
@@ -4744,7 +7393,7 @@
                     <a:lumMod val="75000"/>
                   </a:schemeClr>
                 </a:solidFill>
-                <a:latin typeface="Times New Roman" panose="02020603050405020304" pitchFamily="18" charset="0"/>
+                <a:latin typeface="Fira Sans Condensed" panose="020B0503050000020004" pitchFamily="34" charset="0"/>
                 <a:cs typeface="Times New Roman" panose="02020603050405020304" pitchFamily="18" charset="0"/>
               </a:rPr>
               <a:t>Постановка задачи</a:t>
@@ -4756,7 +7405,7 @@
                     <a:lumMod val="75000"/>
                   </a:schemeClr>
                 </a:solidFill>
-                <a:latin typeface="Times New Roman" panose="02020603050405020304" pitchFamily="18" charset="0"/>
+                <a:latin typeface="Fira Sans Condensed" panose="020B0503050000020004" pitchFamily="34" charset="0"/>
                 <a:cs typeface="Times New Roman" panose="02020603050405020304" pitchFamily="18" charset="0"/>
               </a:rPr>
               <a:t> | </a:t>
@@ -4768,7 +7417,7 @@
                     <a:lumMod val="75000"/>
                   </a:schemeClr>
                 </a:solidFill>
-                <a:latin typeface="Times New Roman" panose="02020603050405020304" pitchFamily="18" charset="0"/>
+                <a:latin typeface="Fira Sans Condensed" panose="020B0503050000020004" pitchFamily="34" charset="0"/>
                 <a:cs typeface="Times New Roman" panose="02020603050405020304" pitchFamily="18" charset="0"/>
               </a:rPr>
               <a:t>Актуальность и обзор существующих решений </a:t>
@@ -4780,7 +7429,7 @@
                     <a:lumMod val="75000"/>
                   </a:schemeClr>
                 </a:solidFill>
-                <a:latin typeface="Times New Roman" panose="02020603050405020304" pitchFamily="18" charset="0"/>
+                <a:latin typeface="Fira Sans Condensed" panose="020B0503050000020004" pitchFamily="34" charset="0"/>
                 <a:cs typeface="Times New Roman" panose="02020603050405020304" pitchFamily="18" charset="0"/>
               </a:rPr>
               <a:t>| </a:t>
@@ -4792,7 +7441,7 @@
                     <a:lumMod val="75000"/>
                   </a:schemeClr>
                 </a:solidFill>
-                <a:latin typeface="Times New Roman" panose="02020603050405020304" pitchFamily="18" charset="0"/>
+                <a:latin typeface="Fira Sans Condensed" panose="020B0503050000020004" pitchFamily="34" charset="0"/>
                 <a:cs typeface="Times New Roman" panose="02020603050405020304" pitchFamily="18" charset="0"/>
               </a:rPr>
               <a:t>Прототипирование </a:t>
@@ -4804,7 +7453,7 @@
                     <a:lumMod val="75000"/>
                   </a:schemeClr>
                 </a:solidFill>
-                <a:latin typeface="Times New Roman" panose="02020603050405020304" pitchFamily="18" charset="0"/>
+                <a:latin typeface="Fira Sans Condensed" panose="020B0503050000020004" pitchFamily="34" charset="0"/>
                 <a:cs typeface="Times New Roman" panose="02020603050405020304" pitchFamily="18" charset="0"/>
               </a:rPr>
               <a:t>| </a:t>
@@ -4816,7 +7465,7 @@
                     <a:lumMod val="75000"/>
                   </a:schemeClr>
                 </a:solidFill>
-                <a:latin typeface="Times New Roman" panose="02020603050405020304" pitchFamily="18" charset="0"/>
+                <a:latin typeface="Fira Sans Condensed" panose="020B0503050000020004" pitchFamily="34" charset="0"/>
                 <a:cs typeface="Times New Roman" panose="02020603050405020304" pitchFamily="18" charset="0"/>
               </a:rPr>
               <a:t>Графическое окно </a:t>
@@ -4828,7 +7477,7 @@
                     <a:lumMod val="75000"/>
                   </a:schemeClr>
                 </a:solidFill>
-                <a:latin typeface="Times New Roman" panose="02020603050405020304" pitchFamily="18" charset="0"/>
+                <a:latin typeface="Fira Sans Condensed" panose="020B0503050000020004" pitchFamily="34" charset="0"/>
                 <a:cs typeface="Times New Roman" panose="02020603050405020304" pitchFamily="18" charset="0"/>
               </a:rPr>
               <a:t>| </a:t>
@@ -4840,7 +7489,7 @@
                     <a:lumMod val="75000"/>
                   </a:schemeClr>
                 </a:solidFill>
-                <a:latin typeface="Times New Roman" panose="02020603050405020304" pitchFamily="18" charset="0"/>
+                <a:latin typeface="Fira Sans Condensed" panose="020B0503050000020004" pitchFamily="34" charset="0"/>
                 <a:cs typeface="Times New Roman" panose="02020603050405020304" pitchFamily="18" charset="0"/>
               </a:rPr>
               <a:t>Графический конвейер </a:t>
@@ -4852,7 +7501,7 @@
                     <a:lumMod val="75000"/>
                   </a:schemeClr>
                 </a:solidFill>
-                <a:latin typeface="Times New Roman" panose="02020603050405020304" pitchFamily="18" charset="0"/>
+                <a:latin typeface="Fira Sans Condensed" panose="020B0503050000020004" pitchFamily="34" charset="0"/>
                 <a:cs typeface="Times New Roman" panose="02020603050405020304" pitchFamily="18" charset="0"/>
               </a:rPr>
               <a:t>|</a:t>
@@ -4864,7 +7513,7 @@
                     <a:lumMod val="75000"/>
                   </a:schemeClr>
                 </a:solidFill>
-                <a:latin typeface="Times New Roman" panose="02020603050405020304" pitchFamily="18" charset="0"/>
+                <a:latin typeface="Fira Sans Condensed" panose="020B0503050000020004" pitchFamily="34" charset="0"/>
                 <a:cs typeface="Times New Roman" panose="02020603050405020304" pitchFamily="18" charset="0"/>
               </a:rPr>
               <a:t> Системы координат </a:t>
@@ -4876,7 +7525,7 @@
                     <a:lumMod val="75000"/>
                   </a:schemeClr>
                 </a:solidFill>
-                <a:latin typeface="Times New Roman" panose="02020603050405020304" pitchFamily="18" charset="0"/>
+                <a:latin typeface="Fira Sans Condensed" panose="020B0503050000020004" pitchFamily="34" charset="0"/>
                 <a:cs typeface="Times New Roman" panose="02020603050405020304" pitchFamily="18" charset="0"/>
               </a:rPr>
               <a:t>| </a:t>
@@ -4888,7 +7537,7 @@
                     <a:lumMod val="75000"/>
                   </a:schemeClr>
                 </a:solidFill>
-                <a:latin typeface="Times New Roman" panose="02020603050405020304" pitchFamily="18" charset="0"/>
+                <a:latin typeface="Fira Sans Condensed" panose="020B0503050000020004" pitchFamily="34" charset="0"/>
                 <a:cs typeface="Times New Roman" panose="02020603050405020304" pitchFamily="18" charset="0"/>
               </a:rPr>
               <a:t>Освещение</a:t>
@@ -4900,7 +7549,7 @@
                     <a:lumMod val="75000"/>
                   </a:schemeClr>
                 </a:solidFill>
-                <a:latin typeface="Times New Roman" panose="02020603050405020304" pitchFamily="18" charset="0"/>
+                <a:latin typeface="Fira Sans Condensed" panose="020B0503050000020004" pitchFamily="34" charset="0"/>
                 <a:cs typeface="Times New Roman" panose="02020603050405020304" pitchFamily="18" charset="0"/>
               </a:rPr>
               <a:t> | </a:t>
@@ -4912,7 +7561,7 @@
                     <a:lumMod val="75000"/>
                   </a:schemeClr>
                 </a:solidFill>
-                <a:latin typeface="Times New Roman" panose="02020603050405020304" pitchFamily="18" charset="0"/>
+                <a:latin typeface="Fira Sans Condensed" panose="020B0503050000020004" pitchFamily="34" charset="0"/>
                 <a:cs typeface="Times New Roman" panose="02020603050405020304" pitchFamily="18" charset="0"/>
               </a:rPr>
               <a:t>Система рефлексии </a:t>
@@ -4924,7 +7573,7 @@
                     <a:lumMod val="75000"/>
                   </a:schemeClr>
                 </a:solidFill>
-                <a:latin typeface="Times New Roman" panose="02020603050405020304" pitchFamily="18" charset="0"/>
+                <a:latin typeface="Fira Sans Condensed" panose="020B0503050000020004" pitchFamily="34" charset="0"/>
                 <a:cs typeface="Times New Roman" panose="02020603050405020304" pitchFamily="18" charset="0"/>
               </a:rPr>
               <a:t>|</a:t>
@@ -4934,14 +7583,14 @@
             <a:pPr algn="just"/>
             <a:r>
               <a:rPr lang="ru-RU" sz="800" dirty="0">
-                <a:latin typeface="Times New Roman" panose="02020603050405020304" pitchFamily="18" charset="0"/>
+                <a:latin typeface="Fira Sans Condensed" panose="020B0503050000020004" pitchFamily="34" charset="0"/>
                 <a:cs typeface="Times New Roman" panose="02020603050405020304" pitchFamily="18" charset="0"/>
               </a:rPr>
               <a:t>Сборщик мусора</a:t>
             </a:r>
             <a:r>
               <a:rPr lang="en-US" sz="800" dirty="0">
-                <a:latin typeface="Times New Roman" panose="02020603050405020304" pitchFamily="18" charset="0"/>
+                <a:latin typeface="Fira Sans Condensed" panose="020B0503050000020004" pitchFamily="34" charset="0"/>
                 <a:cs typeface="Times New Roman" panose="02020603050405020304" pitchFamily="18" charset="0"/>
               </a:rPr>
               <a:t> </a:t>
@@ -4953,7 +7602,7 @@
                     <a:lumMod val="75000"/>
                   </a:schemeClr>
                 </a:solidFill>
-                <a:latin typeface="Times New Roman" panose="02020603050405020304" pitchFamily="18" charset="0"/>
+                <a:latin typeface="Fira Sans Condensed" panose="020B0503050000020004" pitchFamily="34" charset="0"/>
                 <a:cs typeface="Times New Roman" panose="02020603050405020304" pitchFamily="18" charset="0"/>
               </a:rPr>
               <a:t>| </a:t>
@@ -4965,7 +7614,7 @@
                     <a:lumMod val="75000"/>
                   </a:schemeClr>
                 </a:solidFill>
-                <a:latin typeface="Times New Roman" panose="02020603050405020304" pitchFamily="18" charset="0"/>
+                <a:latin typeface="Fira Sans Condensed" panose="020B0503050000020004" pitchFamily="34" charset="0"/>
                 <a:cs typeface="Times New Roman" panose="02020603050405020304" pitchFamily="18" charset="0"/>
               </a:rPr>
               <a:t>Заключение</a:t>
@@ -5030,7 +7679,7 @@
                     <a:lumMod val="50000"/>
                   </a:schemeClr>
                 </a:solidFill>
-                <a:latin typeface="Times New Roman" panose="02020603050405020304" pitchFamily="18" charset="0"/>
+                <a:latin typeface="Fira Sans Condensed" panose="020B0503050000020004" pitchFamily="34" charset="0"/>
                 <a:cs typeface="Times New Roman" panose="02020603050405020304" pitchFamily="18" charset="0"/>
               </a:rPr>
               <a:t>Разработка графического программного обеспечения для визуализации трехмерных объектов</a:t>
@@ -5041,6 +7690,7 @@
                   <a:lumMod val="50000"/>
                 </a:schemeClr>
               </a:solidFill>
+              <a:latin typeface="Fira Sans Condensed" panose="020B0503050000020004" pitchFamily="34" charset="0"/>
             </a:endParaRPr>
           </a:p>
         </p:txBody>
@@ -5209,6 +7859,7 @@
                 <a:solidFill>
                   <a:srgbClr val="0070C0"/>
                 </a:solidFill>
+                <a:latin typeface="Fira Sans Condensed" panose="020B0503050000020004" pitchFamily="34" charset="0"/>
               </a:rPr>
               <a:pPr marL="38100">
                 <a:spcBef>
@@ -5221,6 +7872,7 @@
               <a:solidFill>
                 <a:srgbClr val="0070C0"/>
               </a:solidFill>
+              <a:latin typeface="Fira Sans Condensed" panose="020B0503050000020004" pitchFamily="34" charset="0"/>
             </a:endParaRPr>
           </a:p>
         </p:txBody>
@@ -5299,16 +7951,16 @@
             <a:pPr algn="just"/>
             <a:r>
               <a:rPr lang="ru-RU" sz="900" dirty="0">
-                <a:latin typeface="Times New Roman" panose="02020603050405020304" pitchFamily="18" charset="0"/>
-                <a:cs typeface="Times New Roman" panose="02020603050405020304" pitchFamily="18" charset="0"/>
-              </a:rPr>
-              <a:t>В ходе выполнения данной работы были достигнуты все поставленные цели и задачи. В результате было создано эффективное и гибкое графическое программное обеспечение для визуализации трехмерных объектов на базе библиотеки OpenGL 4.6 и языка программирования C++. результаты данной работы имеют высокую практическую значимость и могут быть успешно применены в различных сферах, требующих визуализации трехмерных объектов.</a:t>
+                <a:latin typeface="Fira Sans Condensed" panose="020B0503050000020004" pitchFamily="34" charset="0"/>
+                <a:cs typeface="Times New Roman" panose="02020603050405020304" pitchFamily="18" charset="0"/>
+              </a:rPr>
+              <a:t>В ходе выполнения данной работы были достигнуты все поставленные цели и задачи. В результате было создано эффективное и гибкое графическое программное обеспечение для визуализации трехмерных объектов на базе библиотеки OpenGL 4.6 и языка программирования C++. Результаты данной работы имеют высокую практическую значимость и могут быть успешно применены в различных сферах, требующих визуализации трехмерных объектов.</a:t>
             </a:r>
             <a:endParaRPr lang="ru-RU" sz="900" dirty="0">
               <a:solidFill>
                 <a:schemeClr val="tx1"/>
               </a:solidFill>
-              <a:latin typeface="Times" pitchFamily="2" charset="0"/>
+              <a:latin typeface="Fira Sans Condensed" panose="020B0503050000020004" pitchFamily="34" charset="0"/>
             </a:endParaRPr>
           </a:p>
         </p:txBody>
@@ -5360,13 +8012,13 @@
             </a:pPr>
             <a:r>
               <a:rPr lang="ru-RU" sz="1200" spc="-40" dirty="0">
-                <a:latin typeface="Times New Roman" panose="02020603050405020304" pitchFamily="18" charset="0"/>
+                <a:latin typeface="Fira Sans Condensed" panose="020B0503050000020004" pitchFamily="34" charset="0"/>
                 <a:cs typeface="Times New Roman" panose="02020603050405020304" pitchFamily="18" charset="0"/>
               </a:rPr>
               <a:t>Заключение</a:t>
             </a:r>
             <a:endParaRPr lang="ru-RU" sz="1200" kern="0" spc="-40" dirty="0">
-              <a:latin typeface="Times New Roman" panose="02020603050405020304" pitchFamily="18" charset="0"/>
+              <a:latin typeface="Fira Sans Condensed" panose="020B0503050000020004" pitchFamily="34" charset="0"/>
               <a:cs typeface="Times New Roman" panose="02020603050405020304" pitchFamily="18" charset="0"/>
             </a:endParaRPr>
           </a:p>
@@ -5412,14 +8064,14 @@
                     <a:lumMod val="75000"/>
                   </a:schemeClr>
                 </a:solidFill>
-                <a:latin typeface="Times New Roman" panose="02020603050405020304" pitchFamily="18" charset="0"/>
+                <a:latin typeface="Fira Sans Condensed" panose="020B0503050000020004" pitchFamily="34" charset="0"/>
                 <a:cs typeface="Times New Roman" panose="02020603050405020304" pitchFamily="18" charset="0"/>
               </a:rPr>
               <a:t>Введение</a:t>
             </a:r>
             <a:r>
               <a:rPr lang="ru-RU" sz="800" dirty="0">
-                <a:latin typeface="Times New Roman" panose="02020603050405020304" pitchFamily="18" charset="0"/>
+                <a:latin typeface="Fira Sans Condensed" panose="020B0503050000020004" pitchFamily="34" charset="0"/>
                 <a:cs typeface="Times New Roman" panose="02020603050405020304" pitchFamily="18" charset="0"/>
               </a:rPr>
               <a:t> </a:t>
@@ -5431,7 +8083,7 @@
                     <a:lumMod val="75000"/>
                   </a:schemeClr>
                 </a:solidFill>
-                <a:latin typeface="Times New Roman" panose="02020603050405020304" pitchFamily="18" charset="0"/>
+                <a:latin typeface="Fira Sans Condensed" panose="020B0503050000020004" pitchFamily="34" charset="0"/>
                 <a:cs typeface="Times New Roman" panose="02020603050405020304" pitchFamily="18" charset="0"/>
               </a:rPr>
               <a:t>| </a:t>
@@ -5443,7 +8095,7 @@
                     <a:lumMod val="75000"/>
                   </a:schemeClr>
                 </a:solidFill>
-                <a:latin typeface="Times New Roman" panose="02020603050405020304" pitchFamily="18" charset="0"/>
+                <a:latin typeface="Fira Sans Condensed" panose="020B0503050000020004" pitchFamily="34" charset="0"/>
                 <a:cs typeface="Times New Roman" panose="02020603050405020304" pitchFamily="18" charset="0"/>
               </a:rPr>
               <a:t>Постановка задачи</a:t>
@@ -5455,7 +8107,7 @@
                     <a:lumMod val="75000"/>
                   </a:schemeClr>
                 </a:solidFill>
-                <a:latin typeface="Times New Roman" panose="02020603050405020304" pitchFamily="18" charset="0"/>
+                <a:latin typeface="Fira Sans Condensed" panose="020B0503050000020004" pitchFamily="34" charset="0"/>
                 <a:cs typeface="Times New Roman" panose="02020603050405020304" pitchFamily="18" charset="0"/>
               </a:rPr>
               <a:t> | </a:t>
@@ -5467,7 +8119,7 @@
                     <a:lumMod val="75000"/>
                   </a:schemeClr>
                 </a:solidFill>
-                <a:latin typeface="Times New Roman" panose="02020603050405020304" pitchFamily="18" charset="0"/>
+                <a:latin typeface="Fira Sans Condensed" panose="020B0503050000020004" pitchFamily="34" charset="0"/>
                 <a:cs typeface="Times New Roman" panose="02020603050405020304" pitchFamily="18" charset="0"/>
               </a:rPr>
               <a:t>Актуальность и обзор существующих решений </a:t>
@@ -5479,7 +8131,7 @@
                     <a:lumMod val="75000"/>
                   </a:schemeClr>
                 </a:solidFill>
-                <a:latin typeface="Times New Roman" panose="02020603050405020304" pitchFamily="18" charset="0"/>
+                <a:latin typeface="Fira Sans Condensed" panose="020B0503050000020004" pitchFamily="34" charset="0"/>
                 <a:cs typeface="Times New Roman" panose="02020603050405020304" pitchFamily="18" charset="0"/>
               </a:rPr>
               <a:t>| </a:t>
@@ -5491,7 +8143,7 @@
                     <a:lumMod val="75000"/>
                   </a:schemeClr>
                 </a:solidFill>
-                <a:latin typeface="Times New Roman" panose="02020603050405020304" pitchFamily="18" charset="0"/>
+                <a:latin typeface="Fira Sans Condensed" panose="020B0503050000020004" pitchFamily="34" charset="0"/>
                 <a:cs typeface="Times New Roman" panose="02020603050405020304" pitchFamily="18" charset="0"/>
               </a:rPr>
               <a:t>Прототипирование </a:t>
@@ -5503,7 +8155,7 @@
                     <a:lumMod val="75000"/>
                   </a:schemeClr>
                 </a:solidFill>
-                <a:latin typeface="Times New Roman" panose="02020603050405020304" pitchFamily="18" charset="0"/>
+                <a:latin typeface="Fira Sans Condensed" panose="020B0503050000020004" pitchFamily="34" charset="0"/>
                 <a:cs typeface="Times New Roman" panose="02020603050405020304" pitchFamily="18" charset="0"/>
               </a:rPr>
               <a:t>| </a:t>
@@ -5515,7 +8167,7 @@
                     <a:lumMod val="75000"/>
                   </a:schemeClr>
                 </a:solidFill>
-                <a:latin typeface="Times New Roman" panose="02020603050405020304" pitchFamily="18" charset="0"/>
+                <a:latin typeface="Fira Sans Condensed" panose="020B0503050000020004" pitchFamily="34" charset="0"/>
                 <a:cs typeface="Times New Roman" panose="02020603050405020304" pitchFamily="18" charset="0"/>
               </a:rPr>
               <a:t>Графическое окно </a:t>
@@ -5527,7 +8179,7 @@
                     <a:lumMod val="75000"/>
                   </a:schemeClr>
                 </a:solidFill>
-                <a:latin typeface="Times New Roman" panose="02020603050405020304" pitchFamily="18" charset="0"/>
+                <a:latin typeface="Fira Sans Condensed" panose="020B0503050000020004" pitchFamily="34" charset="0"/>
                 <a:cs typeface="Times New Roman" panose="02020603050405020304" pitchFamily="18" charset="0"/>
               </a:rPr>
               <a:t>| </a:t>
@@ -5539,7 +8191,7 @@
                     <a:lumMod val="75000"/>
                   </a:schemeClr>
                 </a:solidFill>
-                <a:latin typeface="Times New Roman" panose="02020603050405020304" pitchFamily="18" charset="0"/>
+                <a:latin typeface="Fira Sans Condensed" panose="020B0503050000020004" pitchFamily="34" charset="0"/>
                 <a:cs typeface="Times New Roman" panose="02020603050405020304" pitchFamily="18" charset="0"/>
               </a:rPr>
               <a:t>Графический конвейер </a:t>
@@ -5551,7 +8203,7 @@
                     <a:lumMod val="75000"/>
                   </a:schemeClr>
                 </a:solidFill>
-                <a:latin typeface="Times New Roman" panose="02020603050405020304" pitchFamily="18" charset="0"/>
+                <a:latin typeface="Fira Sans Condensed" panose="020B0503050000020004" pitchFamily="34" charset="0"/>
                 <a:cs typeface="Times New Roman" panose="02020603050405020304" pitchFamily="18" charset="0"/>
               </a:rPr>
               <a:t>|</a:t>
@@ -5563,7 +8215,7 @@
                     <a:lumMod val="75000"/>
                   </a:schemeClr>
                 </a:solidFill>
-                <a:latin typeface="Times New Roman" panose="02020603050405020304" pitchFamily="18" charset="0"/>
+                <a:latin typeface="Fira Sans Condensed" panose="020B0503050000020004" pitchFamily="34" charset="0"/>
                 <a:cs typeface="Times New Roman" panose="02020603050405020304" pitchFamily="18" charset="0"/>
               </a:rPr>
               <a:t> Системы координат </a:t>
@@ -5575,7 +8227,7 @@
                     <a:lumMod val="75000"/>
                   </a:schemeClr>
                 </a:solidFill>
-                <a:latin typeface="Times New Roman" panose="02020603050405020304" pitchFamily="18" charset="0"/>
+                <a:latin typeface="Fira Sans Condensed" panose="020B0503050000020004" pitchFamily="34" charset="0"/>
                 <a:cs typeface="Times New Roman" panose="02020603050405020304" pitchFamily="18" charset="0"/>
               </a:rPr>
               <a:t>| </a:t>
@@ -5587,7 +8239,7 @@
                     <a:lumMod val="75000"/>
                   </a:schemeClr>
                 </a:solidFill>
-                <a:latin typeface="Times New Roman" panose="02020603050405020304" pitchFamily="18" charset="0"/>
+                <a:latin typeface="Fira Sans Condensed" panose="020B0503050000020004" pitchFamily="34" charset="0"/>
                 <a:cs typeface="Times New Roman" panose="02020603050405020304" pitchFamily="18" charset="0"/>
               </a:rPr>
               <a:t>Освещение</a:t>
@@ -5599,7 +8251,7 @@
                     <a:lumMod val="75000"/>
                   </a:schemeClr>
                 </a:solidFill>
-                <a:latin typeface="Times New Roman" panose="02020603050405020304" pitchFamily="18" charset="0"/>
+                <a:latin typeface="Fira Sans Condensed" panose="020B0503050000020004" pitchFamily="34" charset="0"/>
                 <a:cs typeface="Times New Roman" panose="02020603050405020304" pitchFamily="18" charset="0"/>
               </a:rPr>
               <a:t> | </a:t>
@@ -5611,7 +8263,7 @@
                     <a:lumMod val="75000"/>
                   </a:schemeClr>
                 </a:solidFill>
-                <a:latin typeface="Times New Roman" panose="02020603050405020304" pitchFamily="18" charset="0"/>
+                <a:latin typeface="Fira Sans Condensed" panose="020B0503050000020004" pitchFamily="34" charset="0"/>
                 <a:cs typeface="Times New Roman" panose="02020603050405020304" pitchFamily="18" charset="0"/>
               </a:rPr>
               <a:t>Система рефлексии </a:t>
@@ -5623,7 +8275,7 @@
                     <a:lumMod val="75000"/>
                   </a:schemeClr>
                 </a:solidFill>
-                <a:latin typeface="Times New Roman" panose="02020603050405020304" pitchFamily="18" charset="0"/>
+                <a:latin typeface="Fira Sans Condensed" panose="020B0503050000020004" pitchFamily="34" charset="0"/>
                 <a:cs typeface="Times New Roman" panose="02020603050405020304" pitchFamily="18" charset="0"/>
               </a:rPr>
               <a:t>|</a:t>
@@ -5638,7 +8290,7 @@
                     <a:lumMod val="75000"/>
                   </a:schemeClr>
                 </a:solidFill>
-                <a:latin typeface="Times New Roman" panose="02020603050405020304" pitchFamily="18" charset="0"/>
+                <a:latin typeface="Fira Sans Condensed" panose="020B0503050000020004" pitchFamily="34" charset="0"/>
                 <a:cs typeface="Times New Roman" panose="02020603050405020304" pitchFamily="18" charset="0"/>
               </a:rPr>
               <a:t>Сборщик мусора</a:t>
@@ -5650,14 +8302,14 @@
                     <a:lumMod val="75000"/>
                   </a:schemeClr>
                 </a:solidFill>
-                <a:latin typeface="Times New Roman" panose="02020603050405020304" pitchFamily="18" charset="0"/>
+                <a:latin typeface="Fira Sans Condensed" panose="020B0503050000020004" pitchFamily="34" charset="0"/>
                 <a:cs typeface="Times New Roman" panose="02020603050405020304" pitchFamily="18" charset="0"/>
               </a:rPr>
               <a:t> | </a:t>
             </a:r>
             <a:r>
               <a:rPr lang="ru-RU" sz="800" dirty="0">
-                <a:latin typeface="Times New Roman" panose="02020603050405020304" pitchFamily="18" charset="0"/>
+                <a:latin typeface="Fira Sans Condensed" panose="020B0503050000020004" pitchFamily="34" charset="0"/>
                 <a:cs typeface="Times New Roman" panose="02020603050405020304" pitchFamily="18" charset="0"/>
               </a:rPr>
               <a:t>Заключение</a:t>
@@ -5722,7 +8374,7 @@
                     <a:lumMod val="50000"/>
                   </a:schemeClr>
                 </a:solidFill>
-                <a:latin typeface="Times New Roman" panose="02020603050405020304" pitchFamily="18" charset="0"/>
+                <a:latin typeface="Fira Sans Condensed" panose="020B0503050000020004" pitchFamily="34" charset="0"/>
                 <a:cs typeface="Times New Roman" panose="02020603050405020304" pitchFamily="18" charset="0"/>
               </a:rPr>
               <a:t>Разработка графического программного обеспечения для визуализации трехмерных объектов</a:t>
@@ -5733,6 +8385,7 @@
                   <a:lumMod val="50000"/>
                 </a:schemeClr>
               </a:solidFill>
+              <a:latin typeface="Fira Sans Condensed" panose="020B0503050000020004" pitchFamily="34" charset="0"/>
             </a:endParaRPr>
           </a:p>
         </p:txBody>
@@ -5809,7 +8462,7 @@
             </a:pPr>
             <a:r>
               <a:rPr lang="ru-RU" sz="800" dirty="0">
-                <a:latin typeface="Times New Roman" panose="02020603050405020304" pitchFamily="18" charset="0"/>
+                <a:latin typeface="Fira Sans Condensed" panose="020B0503050000020004" pitchFamily="34" charset="0"/>
                 <a:cs typeface="Times New Roman" panose="02020603050405020304" pitchFamily="18" charset="0"/>
               </a:rPr>
               <a:t>Графическое ПО</a:t>
@@ -5818,7 +8471,7 @@
               <a:solidFill>
                 <a:schemeClr val="tx1"/>
               </a:solidFill>
-              <a:latin typeface="Times New Roman" panose="02020603050405020304" pitchFamily="18" charset="0"/>
+              <a:latin typeface="Fira Sans Condensed" panose="020B0503050000020004" pitchFamily="34" charset="0"/>
               <a:cs typeface="Times New Roman" panose="02020603050405020304" pitchFamily="18" charset="0"/>
             </a:endParaRPr>
           </a:p>
@@ -5841,7 +8494,7 @@
 </file>
 
 <file path=ppt/slides/slide13.xml><?xml version="1.0" encoding="utf-8"?>
-<p:sld xmlns:a="http://schemas.openxmlformats.org/drawingml/2006/main" xmlns:r="http://schemas.openxmlformats.org/officeDocument/2006/relationships" xmlns:p="http://schemas.openxmlformats.org/presentationml/2006/main" show="0">
+<p:sld xmlns:a="http://schemas.openxmlformats.org/drawingml/2006/main" xmlns:r="http://schemas.openxmlformats.org/officeDocument/2006/relationships" xmlns:p="http://schemas.openxmlformats.org/presentationml/2006/main">
   <p:cSld>
     <p:spTree>
       <p:nvGrpSpPr>
@@ -5865,7 +8518,7 @@
         </p:nvGrpSpPr>
         <p:grpSpPr>
           <a:xfrm>
-            <a:off x="-4141" y="282575"/>
+            <a:off x="-3828" y="0"/>
             <a:ext cx="4608003" cy="3456304"/>
             <a:chOff x="0" y="0"/>
             <a:chExt cx="4608003" cy="3456304"/>
@@ -5961,7 +8614,9 @@
             <a:bodyPr wrap="square" lIns="0" tIns="0" rIns="0" bIns="0" rtlCol="0"/>
             <a:lstStyle/>
             <a:p>
-              <a:endParaRPr/>
+              <a:endParaRPr>
+                <a:latin typeface="Fira Sans Condensed" panose="020B0503050000020004" pitchFamily="34" charset="0"/>
+              </a:endParaRPr>
             </a:p>
           </p:txBody>
         </p:sp>
@@ -6011,7 +8666,9 @@
             <a:bodyPr wrap="square" lIns="0" tIns="0" rIns="0" bIns="0" rtlCol="0"/>
             <a:lstStyle/>
             <a:p>
-              <a:endParaRPr/>
+              <a:endParaRPr>
+                <a:latin typeface="Fira Sans Condensed" panose="020B0503050000020004" pitchFamily="34" charset="0"/>
+              </a:endParaRPr>
             </a:p>
           </p:txBody>
         </p:sp>
@@ -6050,13 +8707,15 @@
               </a:spcBef>
             </a:pPr>
             <a:r>
-              <a:rPr lang="ru-RU" sz="1600" b="1" dirty="0">
-                <a:latin typeface="Times New Roman" panose="02020603050405020304" pitchFamily="18" charset="0"/>
+              <a:rPr lang="ru-RU" sz="1600" dirty="0">
+                <a:latin typeface="Fira Sans Condensed" panose="020B0503050000020004" pitchFamily="34" charset="0"/>
                 <a:cs typeface="Times New Roman" panose="02020603050405020304" pitchFamily="18" charset="0"/>
               </a:rPr>
               <a:t>Разработка графического программного обеспечения для визуализации трехмерных объектов</a:t>
             </a:r>
-            <a:endParaRPr lang="ru-RU" sz="1600" dirty="0"/>
+            <a:endParaRPr lang="ru-RU" sz="1600" dirty="0">
+              <a:latin typeface="Fira Sans Condensed" panose="020B0503050000020004" pitchFamily="34" charset="0"/>
+            </a:endParaRPr>
           </a:p>
         </p:txBody>
       </p:sp>
@@ -6083,41 +8742,41 @@
           <a:p>
             <a:r>
               <a:rPr lang="ru-RU" sz="1000" dirty="0">
-                <a:latin typeface="Times New Roman" panose="02020603050405020304" pitchFamily="18" charset="0"/>
+                <a:latin typeface="Fira Sans Condensed" panose="020B0503050000020004" pitchFamily="34" charset="0"/>
                 <a:cs typeface="Times New Roman" panose="02020603050405020304" pitchFamily="18" charset="0"/>
               </a:rPr>
               <a:t>Студент:		Губанов Д.А.</a:t>
             </a:r>
             <a:endParaRPr lang="en-US" sz="1000" dirty="0">
-              <a:latin typeface="Times New Roman" panose="02020603050405020304" pitchFamily="18" charset="0"/>
+              <a:latin typeface="Fira Sans Condensed" panose="020B0503050000020004" pitchFamily="34" charset="0"/>
               <a:cs typeface="Times New Roman" panose="02020603050405020304" pitchFamily="18" charset="0"/>
             </a:endParaRPr>
           </a:p>
           <a:p>
             <a:r>
               <a:rPr lang="ru-RU" sz="1000" dirty="0">
-                <a:latin typeface="Times New Roman" panose="02020603050405020304" pitchFamily="18" charset="0"/>
+                <a:latin typeface="Fira Sans Condensed" panose="020B0503050000020004" pitchFamily="34" charset="0"/>
                 <a:cs typeface="Times New Roman" panose="02020603050405020304" pitchFamily="18" charset="0"/>
               </a:rPr>
               <a:t>Научный руководитель: </a:t>
             </a:r>
             <a:r>
               <a:rPr lang="en-US" sz="1000" dirty="0">
-                <a:latin typeface="Times New Roman" panose="02020603050405020304" pitchFamily="18" charset="0"/>
+                <a:latin typeface="Fira Sans Condensed" panose="020B0503050000020004" pitchFamily="34" charset="0"/>
                 <a:cs typeface="Times New Roman" panose="02020603050405020304" pitchFamily="18" charset="0"/>
               </a:rPr>
               <a:t>	</a:t>
             </a:r>
             <a:r>
               <a:rPr lang="ru-RU" sz="1000" dirty="0" err="1">
-                <a:latin typeface="Times New Roman" panose="02020603050405020304" pitchFamily="18" charset="0"/>
+                <a:latin typeface="Fira Sans Condensed" panose="020B0503050000020004" pitchFamily="34" charset="0"/>
                 <a:cs typeface="Times New Roman" panose="02020603050405020304" pitchFamily="18" charset="0"/>
               </a:rPr>
               <a:t>Витюков</a:t>
             </a:r>
             <a:r>
               <a:rPr lang="ru-RU" sz="1000" dirty="0">
-                <a:latin typeface="Times New Roman" panose="02020603050405020304" pitchFamily="18" charset="0"/>
+                <a:latin typeface="Fira Sans Condensed" panose="020B0503050000020004" pitchFamily="34" charset="0"/>
                 <a:cs typeface="Times New Roman" panose="02020603050405020304" pitchFamily="18" charset="0"/>
               </a:rPr>
               <a:t> Ф.А.</a:t>
@@ -6162,42 +8821,42 @@
               </a:spcBef>
             </a:pPr>
             <a:r>
-              <a:rPr lang="ru-RU" sz="2000" spc="-30" dirty="0">
-                <a:latin typeface="Times New Roman" panose="02020603050405020304" pitchFamily="18" charset="0"/>
+              <a:rPr lang="ru-RU" sz="2000" b="1" spc="-30" dirty="0">
+                <a:latin typeface="Fira Sans Condensed" panose="020B0503050000020004" pitchFamily="34" charset="0"/>
                 <a:cs typeface="Times New Roman" panose="02020603050405020304" pitchFamily="18" charset="0"/>
               </a:rPr>
               <a:t>Спасибо</a:t>
             </a:r>
             <a:r>
-              <a:rPr lang="ru-RU" sz="2000" spc="-60" dirty="0">
-                <a:latin typeface="Times New Roman" panose="02020603050405020304" pitchFamily="18" charset="0"/>
+              <a:rPr lang="ru-RU" sz="2000" b="1" spc="-60" dirty="0">
+                <a:latin typeface="Fira Sans Condensed" panose="020B0503050000020004" pitchFamily="34" charset="0"/>
                 <a:cs typeface="Times New Roman" panose="02020603050405020304" pitchFamily="18" charset="0"/>
               </a:rPr>
               <a:t> </a:t>
             </a:r>
             <a:r>
-              <a:rPr lang="ru-RU" sz="2000" spc="-30" dirty="0">
-                <a:latin typeface="Times New Roman" panose="02020603050405020304" pitchFamily="18" charset="0"/>
+              <a:rPr lang="ru-RU" sz="2000" b="1" spc="-30" dirty="0">
+                <a:latin typeface="Fira Sans Condensed" panose="020B0503050000020004" pitchFamily="34" charset="0"/>
                 <a:cs typeface="Times New Roman" panose="02020603050405020304" pitchFamily="18" charset="0"/>
               </a:rPr>
               <a:t>за</a:t>
             </a:r>
             <a:r>
-              <a:rPr lang="ru-RU" sz="2000" spc="-60" dirty="0">
-                <a:latin typeface="Times New Roman" panose="02020603050405020304" pitchFamily="18" charset="0"/>
+              <a:rPr lang="ru-RU" sz="2000" b="1" spc="-60" dirty="0">
+                <a:latin typeface="Fira Sans Condensed" panose="020B0503050000020004" pitchFamily="34" charset="0"/>
                 <a:cs typeface="Times New Roman" panose="02020603050405020304" pitchFamily="18" charset="0"/>
               </a:rPr>
               <a:t> </a:t>
             </a:r>
             <a:r>
-              <a:rPr lang="ru-RU" sz="2000" spc="-30" dirty="0">
-                <a:latin typeface="Times New Roman" panose="02020603050405020304" pitchFamily="18" charset="0"/>
+              <a:rPr lang="ru-RU" sz="2000" b="1" spc="-30" dirty="0">
+                <a:latin typeface="Fira Sans Condensed" panose="020B0503050000020004" pitchFamily="34" charset="0"/>
                 <a:cs typeface="Times New Roman" panose="02020603050405020304" pitchFamily="18" charset="0"/>
               </a:rPr>
               <a:t>внимание</a:t>
             </a:r>
-            <a:endParaRPr lang="ru-RU" sz="2000" dirty="0">
-              <a:latin typeface="Times New Roman" panose="02020603050405020304" pitchFamily="18" charset="0"/>
+            <a:endParaRPr lang="ru-RU" sz="2000" b="1" dirty="0">
+              <a:latin typeface="Fira Sans Condensed" panose="020B0503050000020004" pitchFamily="34" charset="0"/>
               <a:cs typeface="Times New Roman" panose="02020603050405020304" pitchFamily="18" charset="0"/>
             </a:endParaRPr>
           </a:p>
@@ -6233,7 +8892,7 @@
           <a:p>
             <a:r>
               <a:rPr lang="ru-RU" sz="1000" dirty="0">
-                <a:latin typeface="Times New Roman" panose="02020603050405020304" pitchFamily="18" charset="0"/>
+                <a:latin typeface="Fira Sans Condensed" panose="020B0503050000020004" pitchFamily="34" charset="0"/>
                 <a:cs typeface="Times New Roman" panose="02020603050405020304" pitchFamily="18" charset="0"/>
               </a:rPr>
               <a:t>Москва, 2025</a:t>
@@ -6331,7 +8990,7 @@
                     <a:lumMod val="50000"/>
                   </a:schemeClr>
                 </a:solidFill>
-                <a:latin typeface="Times New Roman" panose="02020603050405020304" pitchFamily="18" charset="0"/>
+                <a:latin typeface="Fira Sans Condensed" panose="020B0503050000020004" pitchFamily="34" charset="0"/>
                 <a:cs typeface="Times New Roman" panose="02020603050405020304" pitchFamily="18" charset="0"/>
               </a:rPr>
               <a:t>Разработка графического программного обеспечения для визуализации трехмерных объектов</a:t>
@@ -6342,6 +9001,7 @@
                   <a:lumMod val="50000"/>
                 </a:schemeClr>
               </a:solidFill>
+              <a:latin typeface="Fira Sans Condensed" panose="020B0503050000020004" pitchFamily="34" charset="0"/>
             </a:endParaRPr>
           </a:p>
         </p:txBody>
@@ -6380,42 +9040,14 @@
               </a:spcBef>
             </a:pPr>
             <a:r>
-              <a:rPr sz="1200" spc="-80" dirty="0" err="1">
-                <a:latin typeface="Times New Roman" panose="02020603050405020304" pitchFamily="18" charset="0"/>
-                <a:cs typeface="Times New Roman" panose="02020603050405020304" pitchFamily="18" charset="0"/>
-              </a:rPr>
-              <a:t>С</a:t>
-            </a:r>
-            <a:r>
-              <a:rPr sz="1200" spc="-25" dirty="0" err="1">
-                <a:latin typeface="Times New Roman" panose="02020603050405020304" pitchFamily="18" charset="0"/>
-                <a:cs typeface="Times New Roman" panose="02020603050405020304" pitchFamily="18" charset="0"/>
-              </a:rPr>
-              <a:t>оде</a:t>
-            </a:r>
-            <a:r>
-              <a:rPr sz="1200" spc="-35" dirty="0" err="1">
-                <a:latin typeface="Times New Roman" panose="02020603050405020304" pitchFamily="18" charset="0"/>
-                <a:cs typeface="Times New Roman" panose="02020603050405020304" pitchFamily="18" charset="0"/>
-              </a:rPr>
-              <a:t>р</a:t>
-            </a:r>
-            <a:r>
-              <a:rPr sz="1200" spc="-40" dirty="0" err="1">
-                <a:latin typeface="Times New Roman" panose="02020603050405020304" pitchFamily="18" charset="0"/>
-                <a:cs typeface="Times New Roman" panose="02020603050405020304" pitchFamily="18" charset="0"/>
-              </a:rPr>
-              <a:t>жани</a:t>
-            </a:r>
-            <a:r>
-              <a:rPr lang="ru-RU" sz="1200" spc="-40" dirty="0">
-                <a:latin typeface="Times New Roman" panose="02020603050405020304" pitchFamily="18" charset="0"/>
-                <a:cs typeface="Times New Roman" panose="02020603050405020304" pitchFamily="18" charset="0"/>
-              </a:rPr>
-              <a:t>е</a:t>
+              <a:rPr lang="ru-RU" sz="1200" spc="-80" dirty="0">
+                <a:latin typeface="Fira Sans Condensed" panose="020B0503050000020004" pitchFamily="34" charset="0"/>
+                <a:cs typeface="Times New Roman" panose="02020603050405020304" pitchFamily="18" charset="0"/>
+              </a:rPr>
+              <a:t>Содержание</a:t>
             </a:r>
             <a:endParaRPr sz="1200" spc="-40" dirty="0">
-              <a:latin typeface="Times New Roman" panose="02020603050405020304" pitchFamily="18" charset="0"/>
+              <a:latin typeface="Fira Sans Condensed" panose="020B0503050000020004" pitchFamily="34" charset="0"/>
               <a:cs typeface="Times New Roman" panose="02020603050405020304" pitchFamily="18" charset="0"/>
             </a:endParaRPr>
           </a:p>
@@ -6552,6 +9184,7 @@
                 <a:solidFill>
                   <a:srgbClr val="0070C0"/>
                 </a:solidFill>
+                <a:latin typeface="Fira Sans Condensed" panose="020B0503050000020004" pitchFamily="34" charset="0"/>
               </a:rPr>
               <a:pPr marL="38100">
                 <a:spcBef>
@@ -6564,6 +9197,7 @@
               <a:solidFill>
                 <a:srgbClr val="0070C0"/>
               </a:solidFill>
+              <a:latin typeface="Fira Sans Condensed" panose="020B0503050000020004" pitchFamily="34" charset="0"/>
             </a:endParaRPr>
           </a:p>
         </p:txBody>
@@ -6603,7 +9237,7 @@
             <a:pPr algn="just"/>
             <a:r>
               <a:rPr lang="ru-RU" sz="800" dirty="0">
-                <a:latin typeface="Times New Roman" panose="02020603050405020304" pitchFamily="18" charset="0"/>
+                <a:latin typeface="Fira Sans Condensed" panose="020B0503050000020004" pitchFamily="34" charset="0"/>
                 <a:cs typeface="Times New Roman" panose="02020603050405020304" pitchFamily="18" charset="0"/>
               </a:rPr>
               <a:t>Введение </a:t>
@@ -6615,7 +9249,7 @@
                     <a:lumMod val="75000"/>
                   </a:schemeClr>
                 </a:solidFill>
-                <a:latin typeface="Times New Roman" panose="02020603050405020304" pitchFamily="18" charset="0"/>
+                <a:latin typeface="Fira Sans Condensed" panose="020B0503050000020004" pitchFamily="34" charset="0"/>
                 <a:cs typeface="Times New Roman" panose="02020603050405020304" pitchFamily="18" charset="0"/>
               </a:rPr>
               <a:t>| </a:t>
@@ -6627,7 +9261,7 @@
                     <a:lumMod val="75000"/>
                   </a:schemeClr>
                 </a:solidFill>
-                <a:latin typeface="Times New Roman" panose="02020603050405020304" pitchFamily="18" charset="0"/>
+                <a:latin typeface="Fira Sans Condensed" panose="020B0503050000020004" pitchFamily="34" charset="0"/>
                 <a:cs typeface="Times New Roman" panose="02020603050405020304" pitchFamily="18" charset="0"/>
               </a:rPr>
               <a:t>Постановка задачи</a:t>
@@ -6639,7 +9273,7 @@
                     <a:lumMod val="75000"/>
                   </a:schemeClr>
                 </a:solidFill>
-                <a:latin typeface="Times New Roman" panose="02020603050405020304" pitchFamily="18" charset="0"/>
+                <a:latin typeface="Fira Sans Condensed" panose="020B0503050000020004" pitchFamily="34" charset="0"/>
                 <a:cs typeface="Times New Roman" panose="02020603050405020304" pitchFamily="18" charset="0"/>
               </a:rPr>
               <a:t> | </a:t>
@@ -6651,7 +9285,7 @@
                     <a:lumMod val="75000"/>
                   </a:schemeClr>
                 </a:solidFill>
-                <a:latin typeface="Times New Roman" panose="02020603050405020304" pitchFamily="18" charset="0"/>
+                <a:latin typeface="Fira Sans Condensed" panose="020B0503050000020004" pitchFamily="34" charset="0"/>
                 <a:cs typeface="Times New Roman" panose="02020603050405020304" pitchFamily="18" charset="0"/>
               </a:rPr>
               <a:t>Актуальность и обзор существующих решений </a:t>
@@ -6663,7 +9297,7 @@
                     <a:lumMod val="75000"/>
                   </a:schemeClr>
                 </a:solidFill>
-                <a:latin typeface="Times New Roman" panose="02020603050405020304" pitchFamily="18" charset="0"/>
+                <a:latin typeface="Fira Sans Condensed" panose="020B0503050000020004" pitchFamily="34" charset="0"/>
                 <a:cs typeface="Times New Roman" panose="02020603050405020304" pitchFamily="18" charset="0"/>
               </a:rPr>
               <a:t>| </a:t>
@@ -6675,7 +9309,7 @@
                     <a:lumMod val="75000"/>
                   </a:schemeClr>
                 </a:solidFill>
-                <a:latin typeface="Times New Roman" panose="02020603050405020304" pitchFamily="18" charset="0"/>
+                <a:latin typeface="Fira Sans Condensed" panose="020B0503050000020004" pitchFamily="34" charset="0"/>
                 <a:cs typeface="Times New Roman" panose="02020603050405020304" pitchFamily="18" charset="0"/>
               </a:rPr>
               <a:t>Прототипирование </a:t>
@@ -6687,7 +9321,7 @@
                     <a:lumMod val="75000"/>
                   </a:schemeClr>
                 </a:solidFill>
-                <a:latin typeface="Times New Roman" panose="02020603050405020304" pitchFamily="18" charset="0"/>
+                <a:latin typeface="Fira Sans Condensed" panose="020B0503050000020004" pitchFamily="34" charset="0"/>
                 <a:cs typeface="Times New Roman" panose="02020603050405020304" pitchFamily="18" charset="0"/>
               </a:rPr>
               <a:t>| </a:t>
@@ -6699,7 +9333,7 @@
                     <a:lumMod val="75000"/>
                   </a:schemeClr>
                 </a:solidFill>
-                <a:latin typeface="Times New Roman" panose="02020603050405020304" pitchFamily="18" charset="0"/>
+                <a:latin typeface="Fira Sans Condensed" panose="020B0503050000020004" pitchFamily="34" charset="0"/>
                 <a:cs typeface="Times New Roman" panose="02020603050405020304" pitchFamily="18" charset="0"/>
               </a:rPr>
               <a:t>Графическое окно </a:t>
@@ -6711,7 +9345,7 @@
                     <a:lumMod val="75000"/>
                   </a:schemeClr>
                 </a:solidFill>
-                <a:latin typeface="Times New Roman" panose="02020603050405020304" pitchFamily="18" charset="0"/>
+                <a:latin typeface="Fira Sans Condensed" panose="020B0503050000020004" pitchFamily="34" charset="0"/>
                 <a:cs typeface="Times New Roman" panose="02020603050405020304" pitchFamily="18" charset="0"/>
               </a:rPr>
               <a:t>| </a:t>
@@ -6723,7 +9357,7 @@
                     <a:lumMod val="75000"/>
                   </a:schemeClr>
                 </a:solidFill>
-                <a:latin typeface="Times New Roman" panose="02020603050405020304" pitchFamily="18" charset="0"/>
+                <a:latin typeface="Fira Sans Condensed" panose="020B0503050000020004" pitchFamily="34" charset="0"/>
                 <a:cs typeface="Times New Roman" panose="02020603050405020304" pitchFamily="18" charset="0"/>
               </a:rPr>
               <a:t>Графический конвейер </a:t>
@@ -6735,7 +9369,7 @@
                     <a:lumMod val="75000"/>
                   </a:schemeClr>
                 </a:solidFill>
-                <a:latin typeface="Times New Roman" panose="02020603050405020304" pitchFamily="18" charset="0"/>
+                <a:latin typeface="Fira Sans Condensed" panose="020B0503050000020004" pitchFamily="34" charset="0"/>
                 <a:cs typeface="Times New Roman" panose="02020603050405020304" pitchFamily="18" charset="0"/>
               </a:rPr>
               <a:t>|</a:t>
@@ -6747,7 +9381,7 @@
                     <a:lumMod val="75000"/>
                   </a:schemeClr>
                 </a:solidFill>
-                <a:latin typeface="Times New Roman" panose="02020603050405020304" pitchFamily="18" charset="0"/>
+                <a:latin typeface="Fira Sans Condensed" panose="020B0503050000020004" pitchFamily="34" charset="0"/>
                 <a:cs typeface="Times New Roman" panose="02020603050405020304" pitchFamily="18" charset="0"/>
               </a:rPr>
               <a:t> Системы координат </a:t>
@@ -6759,7 +9393,7 @@
                     <a:lumMod val="75000"/>
                   </a:schemeClr>
                 </a:solidFill>
-                <a:latin typeface="Times New Roman" panose="02020603050405020304" pitchFamily="18" charset="0"/>
+                <a:latin typeface="Fira Sans Condensed" panose="020B0503050000020004" pitchFamily="34" charset="0"/>
                 <a:cs typeface="Times New Roman" panose="02020603050405020304" pitchFamily="18" charset="0"/>
               </a:rPr>
               <a:t>| </a:t>
@@ -6771,7 +9405,7 @@
                     <a:lumMod val="75000"/>
                   </a:schemeClr>
                 </a:solidFill>
-                <a:latin typeface="Times New Roman" panose="02020603050405020304" pitchFamily="18" charset="0"/>
+                <a:latin typeface="Fira Sans Condensed" panose="020B0503050000020004" pitchFamily="34" charset="0"/>
                 <a:cs typeface="Times New Roman" panose="02020603050405020304" pitchFamily="18" charset="0"/>
               </a:rPr>
               <a:t>Освещение</a:t>
@@ -6783,7 +9417,7 @@
                     <a:lumMod val="75000"/>
                   </a:schemeClr>
                 </a:solidFill>
-                <a:latin typeface="Times New Roman" panose="02020603050405020304" pitchFamily="18" charset="0"/>
+                <a:latin typeface="Fira Sans Condensed" panose="020B0503050000020004" pitchFamily="34" charset="0"/>
                 <a:cs typeface="Times New Roman" panose="02020603050405020304" pitchFamily="18" charset="0"/>
               </a:rPr>
               <a:t> | </a:t>
@@ -6795,7 +9429,7 @@
                     <a:lumMod val="75000"/>
                   </a:schemeClr>
                 </a:solidFill>
-                <a:latin typeface="Times New Roman" panose="02020603050405020304" pitchFamily="18" charset="0"/>
+                <a:latin typeface="Fira Sans Condensed" panose="020B0503050000020004" pitchFamily="34" charset="0"/>
                 <a:cs typeface="Times New Roman" panose="02020603050405020304" pitchFamily="18" charset="0"/>
               </a:rPr>
               <a:t>Система рефлексии </a:t>
@@ -6807,7 +9441,7 @@
                     <a:lumMod val="75000"/>
                   </a:schemeClr>
                 </a:solidFill>
-                <a:latin typeface="Times New Roman" panose="02020603050405020304" pitchFamily="18" charset="0"/>
+                <a:latin typeface="Fira Sans Condensed" panose="020B0503050000020004" pitchFamily="34" charset="0"/>
                 <a:cs typeface="Times New Roman" panose="02020603050405020304" pitchFamily="18" charset="0"/>
               </a:rPr>
               <a:t>|</a:t>
@@ -6822,7 +9456,7 @@
                     <a:lumMod val="75000"/>
                   </a:schemeClr>
                 </a:solidFill>
-                <a:latin typeface="Times New Roman" panose="02020603050405020304" pitchFamily="18" charset="0"/>
+                <a:latin typeface="Fira Sans Condensed" panose="020B0503050000020004" pitchFamily="34" charset="0"/>
                 <a:cs typeface="Times New Roman" panose="02020603050405020304" pitchFamily="18" charset="0"/>
               </a:rPr>
               <a:t>Сборщик мусора</a:t>
@@ -6834,7 +9468,7 @@
                     <a:lumMod val="75000"/>
                   </a:schemeClr>
                 </a:solidFill>
-                <a:latin typeface="Times New Roman" panose="02020603050405020304" pitchFamily="18" charset="0"/>
+                <a:latin typeface="Fira Sans Condensed" panose="020B0503050000020004" pitchFamily="34" charset="0"/>
                 <a:cs typeface="Times New Roman" panose="02020603050405020304" pitchFamily="18" charset="0"/>
               </a:rPr>
               <a:t> | </a:t>
@@ -6846,7 +9480,7 @@
                     <a:lumMod val="75000"/>
                   </a:schemeClr>
                 </a:solidFill>
-                <a:latin typeface="Times New Roman" panose="02020603050405020304" pitchFamily="18" charset="0"/>
+                <a:latin typeface="Fira Sans Condensed" panose="020B0503050000020004" pitchFamily="34" charset="0"/>
                 <a:cs typeface="Times New Roman" panose="02020603050405020304" pitchFamily="18" charset="0"/>
               </a:rPr>
               <a:t>Заключение</a:t>
@@ -6934,7 +9568,7 @@
             </a:pPr>
             <a:r>
               <a:rPr lang="ru-RU" sz="900" dirty="0">
-                <a:latin typeface="Times New Roman" panose="02020603050405020304" pitchFamily="18" charset="0"/>
+                <a:latin typeface="Fira Sans Condensed" panose="020B0503050000020004" pitchFamily="34" charset="0"/>
                 <a:cs typeface="Times New Roman" panose="02020603050405020304" pitchFamily="18" charset="0"/>
               </a:rPr>
               <a:t>Постановка задачи</a:t>
@@ -6949,7 +9583,7 @@
             </a:pPr>
             <a:r>
               <a:rPr lang="ru-RU" sz="900" dirty="0">
-                <a:latin typeface="Times New Roman" panose="02020603050405020304" pitchFamily="18" charset="0"/>
+                <a:latin typeface="Fira Sans Condensed" panose="020B0503050000020004" pitchFamily="34" charset="0"/>
                 <a:cs typeface="Times New Roman" panose="02020603050405020304" pitchFamily="18" charset="0"/>
               </a:rPr>
               <a:t>Актуальность и обзор существующих решений</a:t>
@@ -6964,7 +9598,7 @@
             </a:pPr>
             <a:r>
               <a:rPr lang="ru-RU" sz="900" dirty="0">
-                <a:latin typeface="Times New Roman" panose="02020603050405020304" pitchFamily="18" charset="0"/>
+                <a:latin typeface="Fira Sans Condensed" panose="020B0503050000020004" pitchFamily="34" charset="0"/>
                 <a:cs typeface="Times New Roman" panose="02020603050405020304" pitchFamily="18" charset="0"/>
               </a:rPr>
               <a:t>Прототипирование</a:t>
@@ -6979,7 +9613,7 @@
             </a:pPr>
             <a:r>
               <a:rPr lang="ru-RU" sz="900" dirty="0">
-                <a:latin typeface="Times New Roman" panose="02020603050405020304" pitchFamily="18" charset="0"/>
+                <a:latin typeface="Fira Sans Condensed" panose="020B0503050000020004" pitchFamily="34" charset="0"/>
                 <a:cs typeface="Times New Roman" panose="02020603050405020304" pitchFamily="18" charset="0"/>
               </a:rPr>
               <a:t>Графическое окно</a:t>
@@ -6994,7 +9628,7 @@
             </a:pPr>
             <a:r>
               <a:rPr lang="ru-RU" sz="900" dirty="0">
-                <a:latin typeface="Times New Roman" panose="02020603050405020304" pitchFamily="18" charset="0"/>
+                <a:latin typeface="Fira Sans Condensed" panose="020B0503050000020004" pitchFamily="34" charset="0"/>
                 <a:cs typeface="Times New Roman" panose="02020603050405020304" pitchFamily="18" charset="0"/>
               </a:rPr>
               <a:t>Графический конвейер</a:t>
@@ -7009,7 +9643,7 @@
             </a:pPr>
             <a:r>
               <a:rPr lang="ru-RU" sz="900" dirty="0">
-                <a:latin typeface="Times New Roman" panose="02020603050405020304" pitchFamily="18" charset="0"/>
+                <a:latin typeface="Fira Sans Condensed" panose="020B0503050000020004" pitchFamily="34" charset="0"/>
                 <a:cs typeface="Times New Roman" panose="02020603050405020304" pitchFamily="18" charset="0"/>
               </a:rPr>
               <a:t>Системы координат</a:t>
@@ -7024,7 +9658,7 @@
             </a:pPr>
             <a:r>
               <a:rPr lang="ru-RU" sz="900" dirty="0">
-                <a:latin typeface="Times New Roman" panose="02020603050405020304" pitchFamily="18" charset="0"/>
+                <a:latin typeface="Fira Sans Condensed" panose="020B0503050000020004" pitchFamily="34" charset="0"/>
                 <a:cs typeface="Times New Roman" panose="02020603050405020304" pitchFamily="18" charset="0"/>
               </a:rPr>
               <a:t>Освещение</a:t>
@@ -7039,7 +9673,7 @@
             </a:pPr>
             <a:r>
               <a:rPr lang="ru-RU" sz="900" dirty="0">
-                <a:latin typeface="Times New Roman" panose="02020603050405020304" pitchFamily="18" charset="0"/>
+                <a:latin typeface="Fira Sans Condensed" panose="020B0503050000020004" pitchFamily="34" charset="0"/>
                 <a:cs typeface="Times New Roman" panose="02020603050405020304" pitchFamily="18" charset="0"/>
               </a:rPr>
               <a:t>Система рефлексии</a:t>
@@ -7054,7 +9688,7 @@
             </a:pPr>
             <a:r>
               <a:rPr lang="ru-RU" sz="900" dirty="0">
-                <a:latin typeface="Times New Roman" panose="02020603050405020304" pitchFamily="18" charset="0"/>
+                <a:latin typeface="Fira Sans Condensed" panose="020B0503050000020004" pitchFamily="34" charset="0"/>
                 <a:cs typeface="Times New Roman" panose="02020603050405020304" pitchFamily="18" charset="0"/>
               </a:rPr>
               <a:t>Сборщик мусора</a:t>
@@ -7069,7 +9703,7 @@
             </a:pPr>
             <a:r>
               <a:rPr lang="ru-RU" sz="900" dirty="0">
-                <a:latin typeface="Times New Roman" panose="02020603050405020304" pitchFamily="18" charset="0"/>
+                <a:latin typeface="Fira Sans Condensed" panose="020B0503050000020004" pitchFamily="34" charset="0"/>
                 <a:cs typeface="Times New Roman" panose="02020603050405020304" pitchFamily="18" charset="0"/>
               </a:rPr>
               <a:t>Заключение</a:t>
@@ -7145,13 +9779,13 @@
             </a:pPr>
             <a:r>
               <a:rPr lang="ru" sz="1200" dirty="0">
-                <a:latin typeface="Times New Roman" panose="02020603050405020304" pitchFamily="18" charset="0"/>
+                <a:latin typeface="Fira Sans Condensed" panose="020B0503050000020004" pitchFamily="34" charset="0"/>
                 <a:cs typeface="Times New Roman" panose="02020603050405020304" pitchFamily="18" charset="0"/>
               </a:rPr>
               <a:t>Постановка задачи</a:t>
             </a:r>
             <a:endParaRPr sz="1200" spc="-40" dirty="0">
-              <a:latin typeface="Times New Roman" panose="02020603050405020304" pitchFamily="18" charset="0"/>
+              <a:latin typeface="Fira Sans Condensed" panose="020B0503050000020004" pitchFamily="34" charset="0"/>
               <a:cs typeface="Times New Roman" panose="02020603050405020304" pitchFamily="18" charset="0"/>
             </a:endParaRPr>
           </a:p>
@@ -7288,6 +9922,7 @@
                 <a:solidFill>
                   <a:srgbClr val="0070C0"/>
                 </a:solidFill>
+                <a:latin typeface="Fira Sans Condensed" panose="020B0503050000020004" pitchFamily="34" charset="0"/>
               </a:rPr>
               <a:pPr marL="38100">
                 <a:spcBef>
@@ -7300,6 +9935,7 @@
               <a:solidFill>
                 <a:srgbClr val="0070C0"/>
               </a:solidFill>
+              <a:latin typeface="Fira Sans Condensed" panose="020B0503050000020004" pitchFamily="34" charset="0"/>
             </a:endParaRPr>
           </a:p>
         </p:txBody>
@@ -7386,14 +10022,14 @@
             </a:pPr>
             <a:r>
               <a:rPr lang="ru-RU" sz="900" b="1" dirty="0">
-                <a:latin typeface="Times New Roman" panose="02020603050405020304" pitchFamily="18" charset="0"/>
+                <a:latin typeface="Fira Sans Condensed" panose="020B0503050000020004" pitchFamily="34" charset="0"/>
                 <a:cs typeface="Times New Roman" panose="02020603050405020304" pitchFamily="18" charset="0"/>
               </a:rPr>
               <a:t>Цель работы</a:t>
             </a:r>
             <a:r>
               <a:rPr lang="en-US" sz="900" b="1" dirty="0">
-                <a:latin typeface="Times New Roman" panose="02020603050405020304" pitchFamily="18" charset="0"/>
+                <a:latin typeface="Fira Sans Condensed" panose="020B0503050000020004" pitchFamily="34" charset="0"/>
                 <a:cs typeface="Times New Roman" panose="02020603050405020304" pitchFamily="18" charset="0"/>
               </a:rPr>
               <a:t>:</a:t>
@@ -7403,7 +10039,7 @@
                 <a:solidFill>
                   <a:schemeClr val="tx1"/>
                 </a:solidFill>
-                <a:latin typeface="Times New Roman" panose="02020603050405020304" pitchFamily="18" charset="0"/>
+                <a:latin typeface="Fira Sans Condensed" panose="020B0503050000020004" pitchFamily="34" charset="0"/>
                 <a:cs typeface="Times New Roman" panose="02020603050405020304" pitchFamily="18" charset="0"/>
               </a:rPr>
               <a:t> </a:t>
@@ -7413,14 +10049,14 @@
                 <a:solidFill>
                   <a:schemeClr val="tx1"/>
                 </a:solidFill>
-                <a:latin typeface="Times New Roman" panose="02020603050405020304" pitchFamily="18" charset="0"/>
+                <a:latin typeface="Fira Sans Condensed" panose="020B0503050000020004" pitchFamily="34" charset="0"/>
                 <a:cs typeface="Times New Roman" panose="02020603050405020304" pitchFamily="18" charset="0"/>
               </a:rPr>
               <a:t>Разработка графического программного обеспечения для визуализации трехмерных объектов</a:t>
             </a:r>
             <a:r>
               <a:rPr lang="en-US" sz="900" dirty="0">
-                <a:latin typeface="Times New Roman" panose="02020603050405020304" pitchFamily="18" charset="0"/>
+                <a:latin typeface="Fira Sans Condensed" panose="020B0503050000020004" pitchFamily="34" charset="0"/>
                 <a:cs typeface="Times New Roman" panose="02020603050405020304" pitchFamily="18" charset="0"/>
               </a:rPr>
               <a:t>.</a:t>
@@ -7429,7 +10065,7 @@
               <a:solidFill>
                 <a:schemeClr val="tx1"/>
               </a:solidFill>
-              <a:latin typeface="Times New Roman" panose="02020603050405020304" pitchFamily="18" charset="0"/>
+              <a:latin typeface="Fira Sans Condensed" panose="020B0503050000020004" pitchFamily="34" charset="0"/>
               <a:cs typeface="Times New Roman" panose="02020603050405020304" pitchFamily="18" charset="0"/>
             </a:endParaRPr>
           </a:p>
@@ -7448,13 +10084,13 @@
                 <a:solidFill>
                   <a:schemeClr val="tx1"/>
                 </a:solidFill>
-                <a:latin typeface="Times New Roman" panose="02020603050405020304" pitchFamily="18" charset="0"/>
+                <a:latin typeface="Fira Sans Condensed" panose="020B0503050000020004" pitchFamily="34" charset="0"/>
                 <a:cs typeface="Times New Roman" panose="02020603050405020304" pitchFamily="18" charset="0"/>
               </a:rPr>
               <a:t>Задачи:</a:t>
             </a:r>
             <a:endParaRPr lang="ru-RU" sz="900" dirty="0">
-              <a:latin typeface="Times New Roman" panose="02020603050405020304" pitchFamily="18" charset="0"/>
+              <a:latin typeface="Fira Sans Condensed" panose="020B0503050000020004" pitchFamily="34" charset="0"/>
               <a:cs typeface="Times New Roman" panose="02020603050405020304" pitchFamily="18" charset="0"/>
             </a:endParaRPr>
           </a:p>
@@ -7474,14 +10110,14 @@
                 <a:solidFill>
                   <a:schemeClr val="tx1"/>
                 </a:solidFill>
-                <a:latin typeface="Times New Roman" panose="02020603050405020304" pitchFamily="18" charset="0"/>
+                <a:latin typeface="Fira Sans Condensed" panose="020B0503050000020004" pitchFamily="34" charset="0"/>
                 <a:cs typeface="Times New Roman" panose="02020603050405020304" pitchFamily="18" charset="0"/>
               </a:rPr>
               <a:t>Отображени</a:t>
             </a:r>
             <a:r>
               <a:rPr lang="ru-RU" sz="900" dirty="0">
-                <a:latin typeface="Times New Roman" panose="02020603050405020304" pitchFamily="18" charset="0"/>
+                <a:latin typeface="Fira Sans Condensed" panose="020B0503050000020004" pitchFamily="34" charset="0"/>
                 <a:cs typeface="Times New Roman" panose="02020603050405020304" pitchFamily="18" charset="0"/>
               </a:rPr>
               <a:t>е</a:t>
@@ -7491,7 +10127,7 @@
                 <a:solidFill>
                   <a:schemeClr val="tx1"/>
                 </a:solidFill>
-                <a:latin typeface="Times New Roman" panose="02020603050405020304" pitchFamily="18" charset="0"/>
+                <a:latin typeface="Fira Sans Condensed" panose="020B0503050000020004" pitchFamily="34" charset="0"/>
                 <a:cs typeface="Times New Roman" panose="02020603050405020304" pitchFamily="18" charset="0"/>
               </a:rPr>
               <a:t> </a:t>
@@ -7501,7 +10137,7 @@
                 <a:solidFill>
                   <a:schemeClr val="tx1"/>
                 </a:solidFill>
-                <a:latin typeface="Times New Roman" panose="02020603050405020304" pitchFamily="18" charset="0"/>
+                <a:latin typeface="Fira Sans Condensed" panose="020B0503050000020004" pitchFamily="34" charset="0"/>
                 <a:cs typeface="Times New Roman" panose="02020603050405020304" pitchFamily="18" charset="0"/>
               </a:rPr>
               <a:t>трехмерных объектов </a:t>
@@ -7511,7 +10147,7 @@
                 <a:solidFill>
                   <a:schemeClr val="tx1"/>
                 </a:solidFill>
-                <a:latin typeface="Times New Roman" panose="02020603050405020304" pitchFamily="18" charset="0"/>
+                <a:latin typeface="Fira Sans Condensed" panose="020B0503050000020004" pitchFamily="34" charset="0"/>
                 <a:cs typeface="Times New Roman" panose="02020603050405020304" pitchFamily="18" charset="0"/>
               </a:rPr>
               <a:t>с возможностью кастомизации</a:t>
@@ -7532,7 +10168,7 @@
               <a:solidFill>
                 <a:schemeClr val="tx1"/>
               </a:solidFill>
-              <a:latin typeface="Times New Roman" panose="02020603050405020304" pitchFamily="18" charset="0"/>
+              <a:latin typeface="Fira Sans Condensed" panose="020B0503050000020004" pitchFamily="34" charset="0"/>
               <a:cs typeface="Times New Roman" panose="02020603050405020304" pitchFamily="18" charset="0"/>
             </a:endParaRPr>
           </a:p>
@@ -7552,7 +10188,7 @@
                 <a:solidFill>
                   <a:schemeClr val="tx1"/>
                 </a:solidFill>
-                <a:latin typeface="Times New Roman" panose="02020603050405020304" pitchFamily="18" charset="0"/>
+                <a:latin typeface="Fira Sans Condensed" panose="020B0503050000020004" pitchFamily="34" charset="0"/>
                 <a:cs typeface="Times New Roman" panose="02020603050405020304" pitchFamily="18" charset="0"/>
               </a:rPr>
               <a:t>Система рефлексии </a:t>
@@ -7562,7 +10198,7 @@
                 <a:solidFill>
                   <a:schemeClr val="tx1"/>
                 </a:solidFill>
-                <a:latin typeface="Times New Roman" panose="02020603050405020304" pitchFamily="18" charset="0"/>
+                <a:latin typeface="Fira Sans Condensed" panose="020B0503050000020004" pitchFamily="34" charset="0"/>
                 <a:cs typeface="Times New Roman" panose="02020603050405020304" pitchFamily="18" charset="0"/>
               </a:rPr>
               <a:t>пользовательских типов данных</a:t>
@@ -7583,7 +10219,7 @@
               <a:solidFill>
                 <a:schemeClr val="tx1"/>
               </a:solidFill>
-              <a:latin typeface="Times New Roman" panose="02020603050405020304" pitchFamily="18" charset="0"/>
+              <a:latin typeface="Fira Sans Condensed" panose="020B0503050000020004" pitchFamily="34" charset="0"/>
               <a:cs typeface="Times New Roman" panose="02020603050405020304" pitchFamily="18" charset="0"/>
             </a:endParaRPr>
           </a:p>
@@ -7603,7 +10239,7 @@
                 <a:solidFill>
                   <a:schemeClr val="tx1"/>
                 </a:solidFill>
-                <a:latin typeface="Times New Roman" panose="02020603050405020304" pitchFamily="18" charset="0"/>
+                <a:latin typeface="Fira Sans Condensed" panose="020B0503050000020004" pitchFamily="34" charset="0"/>
                 <a:cs typeface="Times New Roman" panose="02020603050405020304" pitchFamily="18" charset="0"/>
               </a:rPr>
               <a:t>Сборщик мусора </a:t>
@@ -7613,7 +10249,7 @@
                 <a:solidFill>
                   <a:schemeClr val="tx1"/>
                 </a:solidFill>
-                <a:latin typeface="Times New Roman" panose="02020603050405020304" pitchFamily="18" charset="0"/>
+                <a:latin typeface="Fira Sans Condensed" panose="020B0503050000020004" pitchFamily="34" charset="0"/>
                 <a:cs typeface="Times New Roman" panose="02020603050405020304" pitchFamily="18" charset="0"/>
               </a:rPr>
               <a:t>для контроля над пользовательскими  данными</a:t>
@@ -7661,14 +10297,14 @@
                     <a:lumMod val="75000"/>
                   </a:schemeClr>
                 </a:solidFill>
-                <a:latin typeface="Times New Roman" panose="02020603050405020304" pitchFamily="18" charset="0"/>
+                <a:latin typeface="Fira Sans Condensed" panose="020B0503050000020004" pitchFamily="34" charset="0"/>
                 <a:cs typeface="Times New Roman" panose="02020603050405020304" pitchFamily="18" charset="0"/>
               </a:rPr>
               <a:t>Введение</a:t>
             </a:r>
             <a:r>
               <a:rPr lang="ru-RU" sz="800" dirty="0">
-                <a:latin typeface="Times New Roman" panose="02020603050405020304" pitchFamily="18" charset="0"/>
+                <a:latin typeface="Fira Sans Condensed" panose="020B0503050000020004" pitchFamily="34" charset="0"/>
                 <a:cs typeface="Times New Roman" panose="02020603050405020304" pitchFamily="18" charset="0"/>
               </a:rPr>
               <a:t> </a:t>
@@ -7680,7 +10316,7 @@
                     <a:lumMod val="75000"/>
                   </a:schemeClr>
                 </a:solidFill>
-                <a:latin typeface="Times New Roman" panose="02020603050405020304" pitchFamily="18" charset="0"/>
+                <a:latin typeface="Fira Sans Condensed" panose="020B0503050000020004" pitchFamily="34" charset="0"/>
                 <a:cs typeface="Times New Roman" panose="02020603050405020304" pitchFamily="18" charset="0"/>
               </a:rPr>
               <a:t>| </a:t>
@@ -7690,7 +10326,7 @@
                 <a:solidFill>
                   <a:srgbClr val="000000"/>
                 </a:solidFill>
-                <a:latin typeface="Times New Roman" panose="02020603050405020304" pitchFamily="18" charset="0"/>
+                <a:latin typeface="Fira Sans Condensed" panose="020B0503050000020004" pitchFamily="34" charset="0"/>
                 <a:cs typeface="Times New Roman" panose="02020603050405020304" pitchFamily="18" charset="0"/>
               </a:rPr>
               <a:t>Постановка задачи</a:t>
@@ -7700,7 +10336,7 @@
                 <a:solidFill>
                   <a:srgbClr val="000000"/>
                 </a:solidFill>
-                <a:latin typeface="Times New Roman" panose="02020603050405020304" pitchFamily="18" charset="0"/>
+                <a:latin typeface="Fira Sans Condensed" panose="020B0503050000020004" pitchFamily="34" charset="0"/>
                 <a:cs typeface="Times New Roman" panose="02020603050405020304" pitchFamily="18" charset="0"/>
               </a:rPr>
               <a:t> </a:t>
@@ -7712,7 +10348,7 @@
                     <a:lumMod val="75000"/>
                   </a:schemeClr>
                 </a:solidFill>
-                <a:latin typeface="Times New Roman" panose="02020603050405020304" pitchFamily="18" charset="0"/>
+                <a:latin typeface="Fira Sans Condensed" panose="020B0503050000020004" pitchFamily="34" charset="0"/>
                 <a:cs typeface="Times New Roman" panose="02020603050405020304" pitchFamily="18" charset="0"/>
               </a:rPr>
               <a:t>| </a:t>
@@ -7724,7 +10360,7 @@
                     <a:lumMod val="75000"/>
                   </a:schemeClr>
                 </a:solidFill>
-                <a:latin typeface="Times New Roman" panose="02020603050405020304" pitchFamily="18" charset="0"/>
+                <a:latin typeface="Fira Sans Condensed" panose="020B0503050000020004" pitchFamily="34" charset="0"/>
                 <a:cs typeface="Times New Roman" panose="02020603050405020304" pitchFamily="18" charset="0"/>
               </a:rPr>
               <a:t>Актуальность и обзор существующих решений </a:t>
@@ -7736,7 +10372,7 @@
                     <a:lumMod val="75000"/>
                   </a:schemeClr>
                 </a:solidFill>
-                <a:latin typeface="Times New Roman" panose="02020603050405020304" pitchFamily="18" charset="0"/>
+                <a:latin typeface="Fira Sans Condensed" panose="020B0503050000020004" pitchFamily="34" charset="0"/>
                 <a:cs typeface="Times New Roman" panose="02020603050405020304" pitchFamily="18" charset="0"/>
               </a:rPr>
               <a:t>| </a:t>
@@ -7748,7 +10384,7 @@
                     <a:lumMod val="75000"/>
                   </a:schemeClr>
                 </a:solidFill>
-                <a:latin typeface="Times New Roman" panose="02020603050405020304" pitchFamily="18" charset="0"/>
+                <a:latin typeface="Fira Sans Condensed" panose="020B0503050000020004" pitchFamily="34" charset="0"/>
                 <a:cs typeface="Times New Roman" panose="02020603050405020304" pitchFamily="18" charset="0"/>
               </a:rPr>
               <a:t>Прототипирование </a:t>
@@ -7760,7 +10396,7 @@
                     <a:lumMod val="75000"/>
                   </a:schemeClr>
                 </a:solidFill>
-                <a:latin typeface="Times New Roman" panose="02020603050405020304" pitchFamily="18" charset="0"/>
+                <a:latin typeface="Fira Sans Condensed" panose="020B0503050000020004" pitchFamily="34" charset="0"/>
                 <a:cs typeface="Times New Roman" panose="02020603050405020304" pitchFamily="18" charset="0"/>
               </a:rPr>
               <a:t>| </a:t>
@@ -7772,7 +10408,7 @@
                     <a:lumMod val="75000"/>
                   </a:schemeClr>
                 </a:solidFill>
-                <a:latin typeface="Times New Roman" panose="02020603050405020304" pitchFamily="18" charset="0"/>
+                <a:latin typeface="Fira Sans Condensed" panose="020B0503050000020004" pitchFamily="34" charset="0"/>
                 <a:cs typeface="Times New Roman" panose="02020603050405020304" pitchFamily="18" charset="0"/>
               </a:rPr>
               <a:t>Графическое окно </a:t>
@@ -7784,7 +10420,7 @@
                     <a:lumMod val="75000"/>
                   </a:schemeClr>
                 </a:solidFill>
-                <a:latin typeface="Times New Roman" panose="02020603050405020304" pitchFamily="18" charset="0"/>
+                <a:latin typeface="Fira Sans Condensed" panose="020B0503050000020004" pitchFamily="34" charset="0"/>
                 <a:cs typeface="Times New Roman" panose="02020603050405020304" pitchFamily="18" charset="0"/>
               </a:rPr>
               <a:t>| </a:t>
@@ -7796,7 +10432,7 @@
                     <a:lumMod val="75000"/>
                   </a:schemeClr>
                 </a:solidFill>
-                <a:latin typeface="Times New Roman" panose="02020603050405020304" pitchFamily="18" charset="0"/>
+                <a:latin typeface="Fira Sans Condensed" panose="020B0503050000020004" pitchFamily="34" charset="0"/>
                 <a:cs typeface="Times New Roman" panose="02020603050405020304" pitchFamily="18" charset="0"/>
               </a:rPr>
               <a:t>Графический конвейер </a:t>
@@ -7808,7 +10444,7 @@
                     <a:lumMod val="75000"/>
                   </a:schemeClr>
                 </a:solidFill>
-                <a:latin typeface="Times New Roman" panose="02020603050405020304" pitchFamily="18" charset="0"/>
+                <a:latin typeface="Fira Sans Condensed" panose="020B0503050000020004" pitchFamily="34" charset="0"/>
                 <a:cs typeface="Times New Roman" panose="02020603050405020304" pitchFamily="18" charset="0"/>
               </a:rPr>
               <a:t>|</a:t>
@@ -7820,7 +10456,7 @@
                     <a:lumMod val="75000"/>
                   </a:schemeClr>
                 </a:solidFill>
-                <a:latin typeface="Times New Roman" panose="02020603050405020304" pitchFamily="18" charset="0"/>
+                <a:latin typeface="Fira Sans Condensed" panose="020B0503050000020004" pitchFamily="34" charset="0"/>
                 <a:cs typeface="Times New Roman" panose="02020603050405020304" pitchFamily="18" charset="0"/>
               </a:rPr>
               <a:t> Системы координат </a:t>
@@ -7832,7 +10468,7 @@
                     <a:lumMod val="75000"/>
                   </a:schemeClr>
                 </a:solidFill>
-                <a:latin typeface="Times New Roman" panose="02020603050405020304" pitchFamily="18" charset="0"/>
+                <a:latin typeface="Fira Sans Condensed" panose="020B0503050000020004" pitchFamily="34" charset="0"/>
                 <a:cs typeface="Times New Roman" panose="02020603050405020304" pitchFamily="18" charset="0"/>
               </a:rPr>
               <a:t>| </a:t>
@@ -7844,7 +10480,7 @@
                     <a:lumMod val="75000"/>
                   </a:schemeClr>
                 </a:solidFill>
-                <a:latin typeface="Times New Roman" panose="02020603050405020304" pitchFamily="18" charset="0"/>
+                <a:latin typeface="Fira Sans Condensed" panose="020B0503050000020004" pitchFamily="34" charset="0"/>
                 <a:cs typeface="Times New Roman" panose="02020603050405020304" pitchFamily="18" charset="0"/>
               </a:rPr>
               <a:t>Освещение</a:t>
@@ -7856,7 +10492,7 @@
                     <a:lumMod val="75000"/>
                   </a:schemeClr>
                 </a:solidFill>
-                <a:latin typeface="Times New Roman" panose="02020603050405020304" pitchFamily="18" charset="0"/>
+                <a:latin typeface="Fira Sans Condensed" panose="020B0503050000020004" pitchFamily="34" charset="0"/>
                 <a:cs typeface="Times New Roman" panose="02020603050405020304" pitchFamily="18" charset="0"/>
               </a:rPr>
               <a:t> | </a:t>
@@ -7868,7 +10504,7 @@
                     <a:lumMod val="75000"/>
                   </a:schemeClr>
                 </a:solidFill>
-                <a:latin typeface="Times New Roman" panose="02020603050405020304" pitchFamily="18" charset="0"/>
+                <a:latin typeface="Fira Sans Condensed" panose="020B0503050000020004" pitchFamily="34" charset="0"/>
                 <a:cs typeface="Times New Roman" panose="02020603050405020304" pitchFamily="18" charset="0"/>
               </a:rPr>
               <a:t>Система рефлексии </a:t>
@@ -7880,7 +10516,7 @@
                     <a:lumMod val="75000"/>
                   </a:schemeClr>
                 </a:solidFill>
-                <a:latin typeface="Times New Roman" panose="02020603050405020304" pitchFamily="18" charset="0"/>
+                <a:latin typeface="Fira Sans Condensed" panose="020B0503050000020004" pitchFamily="34" charset="0"/>
                 <a:cs typeface="Times New Roman" panose="02020603050405020304" pitchFamily="18" charset="0"/>
               </a:rPr>
               <a:t>|</a:t>
@@ -7895,7 +10531,7 @@
                     <a:lumMod val="75000"/>
                   </a:schemeClr>
                 </a:solidFill>
-                <a:latin typeface="Times New Roman" panose="02020603050405020304" pitchFamily="18" charset="0"/>
+                <a:latin typeface="Fira Sans Condensed" panose="020B0503050000020004" pitchFamily="34" charset="0"/>
                 <a:cs typeface="Times New Roman" panose="02020603050405020304" pitchFamily="18" charset="0"/>
               </a:rPr>
               <a:t>Сборщик мусора</a:t>
@@ -7907,7 +10543,7 @@
                     <a:lumMod val="75000"/>
                   </a:schemeClr>
                 </a:solidFill>
-                <a:latin typeface="Times New Roman" panose="02020603050405020304" pitchFamily="18" charset="0"/>
+                <a:latin typeface="Fira Sans Condensed" panose="020B0503050000020004" pitchFamily="34" charset="0"/>
                 <a:cs typeface="Times New Roman" panose="02020603050405020304" pitchFamily="18" charset="0"/>
               </a:rPr>
               <a:t> | </a:t>
@@ -7919,7 +10555,7 @@
                     <a:lumMod val="75000"/>
                   </a:schemeClr>
                 </a:solidFill>
-                <a:latin typeface="Times New Roman" panose="02020603050405020304" pitchFamily="18" charset="0"/>
+                <a:latin typeface="Fira Sans Condensed" panose="020B0503050000020004" pitchFamily="34" charset="0"/>
                 <a:cs typeface="Times New Roman" panose="02020603050405020304" pitchFamily="18" charset="0"/>
               </a:rPr>
               <a:t>Заключение</a:t>
@@ -7984,7 +10620,7 @@
                     <a:lumMod val="50000"/>
                   </a:schemeClr>
                 </a:solidFill>
-                <a:latin typeface="Times New Roman" panose="02020603050405020304" pitchFamily="18" charset="0"/>
+                <a:latin typeface="Fira Sans Condensed" panose="020B0503050000020004" pitchFamily="34" charset="0"/>
                 <a:cs typeface="Times New Roman" panose="02020603050405020304" pitchFamily="18" charset="0"/>
               </a:rPr>
               <a:t>Разработка графического программного обеспечения для визуализации трехмерных объектов</a:t>
@@ -7995,6 +10631,7 @@
                   <a:lumMod val="50000"/>
                 </a:schemeClr>
               </a:solidFill>
+              <a:latin typeface="Fira Sans Condensed" panose="020B0503050000020004" pitchFamily="34" charset="0"/>
             </a:endParaRPr>
           </a:p>
         </p:txBody>
@@ -8067,13 +10704,13 @@
             </a:pPr>
             <a:r>
               <a:rPr lang="ru-RU" sz="1200" dirty="0">
-                <a:latin typeface="Times New Roman" panose="02020603050405020304" pitchFamily="18" charset="0"/>
+                <a:latin typeface="Fira Sans Condensed" panose="020B0503050000020004" pitchFamily="34" charset="0"/>
                 <a:cs typeface="Times New Roman" panose="02020603050405020304" pitchFamily="18" charset="0"/>
               </a:rPr>
               <a:t>Актуальность и обзор существующих решений </a:t>
             </a:r>
             <a:endParaRPr lang="ru-RU" sz="1200" spc="-40" dirty="0">
-              <a:latin typeface="Times New Roman" panose="02020603050405020304" pitchFamily="18" charset="0"/>
+              <a:latin typeface="Fira Sans Condensed" panose="020B0503050000020004" pitchFamily="34" charset="0"/>
               <a:cs typeface="Times New Roman" panose="02020603050405020304" pitchFamily="18" charset="0"/>
             </a:endParaRPr>
           </a:p>
@@ -8210,6 +10847,7 @@
                 <a:solidFill>
                   <a:srgbClr val="0070C0"/>
                 </a:solidFill>
+                <a:latin typeface="Fira Sans Condensed" panose="020B0503050000020004" pitchFamily="34" charset="0"/>
               </a:rPr>
               <a:pPr marL="38100">
                 <a:spcBef>
@@ -8222,6 +10860,7 @@
               <a:solidFill>
                 <a:srgbClr val="0070C0"/>
               </a:solidFill>
+              <a:latin typeface="Fira Sans Condensed" panose="020B0503050000020004" pitchFamily="34" charset="0"/>
             </a:endParaRPr>
           </a:p>
         </p:txBody>
@@ -8311,7 +10950,7 @@
                 <a:solidFill>
                   <a:schemeClr val="tx1"/>
                 </a:solidFill>
-                <a:latin typeface="Times New Roman" panose="02020603050405020304" pitchFamily="18" charset="0"/>
+                <a:latin typeface="Fira Sans Condensed" panose="020B0503050000020004" pitchFamily="34" charset="0"/>
                 <a:cs typeface="Times New Roman" panose="02020603050405020304" pitchFamily="18" charset="0"/>
               </a:rPr>
               <a:t>Актуальность</a:t>
@@ -8321,7 +10960,7 @@
                 <a:solidFill>
                   <a:schemeClr val="tx1"/>
                 </a:solidFill>
-                <a:latin typeface="Times New Roman" panose="02020603050405020304" pitchFamily="18" charset="0"/>
+                <a:latin typeface="Fira Sans Condensed" panose="020B0503050000020004" pitchFamily="34" charset="0"/>
                 <a:cs typeface="Times New Roman" panose="02020603050405020304" pitchFamily="18" charset="0"/>
               </a:rPr>
               <a:t>:</a:t>
@@ -8343,14 +10982,14 @@
                 <a:solidFill>
                   <a:schemeClr val="tx1"/>
                 </a:solidFill>
-                <a:latin typeface="Times New Roman" panose="02020603050405020304" pitchFamily="18" charset="0"/>
+                <a:latin typeface="Fira Sans Condensed" panose="020B0503050000020004" pitchFamily="34" charset="0"/>
                 <a:cs typeface="Times New Roman" panose="02020603050405020304" pitchFamily="18" charset="0"/>
               </a:rPr>
               <a:t>Оте</a:t>
             </a:r>
             <a:r>
               <a:rPr lang="ru-RU" sz="900" dirty="0">
-                <a:latin typeface="Times New Roman" panose="02020603050405020304" pitchFamily="18" charset="0"/>
+                <a:latin typeface="Fira Sans Condensed" panose="020B0503050000020004" pitchFamily="34" charset="0"/>
                 <a:cs typeface="Times New Roman" panose="02020603050405020304" pitchFamily="18" charset="0"/>
               </a:rPr>
               <a:t>чественная разработка</a:t>
@@ -8372,7 +11011,7 @@
                 <a:solidFill>
                   <a:schemeClr val="tx1"/>
                 </a:solidFill>
-                <a:latin typeface="Times New Roman" panose="02020603050405020304" pitchFamily="18" charset="0"/>
+                <a:latin typeface="Fira Sans Condensed" panose="020B0503050000020004" pitchFamily="34" charset="0"/>
                 <a:cs typeface="Times New Roman" panose="02020603050405020304" pitchFamily="18" charset="0"/>
               </a:rPr>
               <a:t>Импортозамещение</a:t>
@@ -8381,7 +11020,7 @@
               <a:solidFill>
                 <a:schemeClr val="tx1"/>
               </a:solidFill>
-              <a:latin typeface="Times New Roman" panose="02020603050405020304" pitchFamily="18" charset="0"/>
+              <a:latin typeface="Fira Sans Condensed" panose="020B0503050000020004" pitchFamily="34" charset="0"/>
               <a:cs typeface="Times New Roman" panose="02020603050405020304" pitchFamily="18" charset="0"/>
             </a:endParaRPr>
           </a:p>
@@ -8399,7 +11038,7 @@
               <a:solidFill>
                 <a:schemeClr val="tx1"/>
               </a:solidFill>
-              <a:latin typeface="Times New Roman" panose="02020603050405020304" pitchFamily="18" charset="0"/>
+              <a:latin typeface="Fira Sans Condensed" panose="020B0503050000020004" pitchFamily="34" charset="0"/>
               <a:cs typeface="Times New Roman" panose="02020603050405020304" pitchFamily="18" charset="0"/>
             </a:endParaRPr>
           </a:p>
@@ -8445,14 +11084,14 @@
                     <a:lumMod val="75000"/>
                   </a:schemeClr>
                 </a:solidFill>
-                <a:latin typeface="Times New Roman" panose="02020603050405020304" pitchFamily="18" charset="0"/>
+                <a:latin typeface="Fira Sans Condensed" panose="020B0503050000020004" pitchFamily="34" charset="0"/>
                 <a:cs typeface="Times New Roman" panose="02020603050405020304" pitchFamily="18" charset="0"/>
               </a:rPr>
               <a:t>Введение</a:t>
             </a:r>
             <a:r>
               <a:rPr lang="ru-RU" sz="800" dirty="0">
-                <a:latin typeface="Times New Roman" panose="02020603050405020304" pitchFamily="18" charset="0"/>
+                <a:latin typeface="Fira Sans Condensed" panose="020B0503050000020004" pitchFamily="34" charset="0"/>
                 <a:cs typeface="Times New Roman" panose="02020603050405020304" pitchFamily="18" charset="0"/>
               </a:rPr>
               <a:t> </a:t>
@@ -8464,7 +11103,7 @@
                     <a:lumMod val="75000"/>
                   </a:schemeClr>
                 </a:solidFill>
-                <a:latin typeface="Times New Roman" panose="02020603050405020304" pitchFamily="18" charset="0"/>
+                <a:latin typeface="Fira Sans Condensed" panose="020B0503050000020004" pitchFamily="34" charset="0"/>
                 <a:cs typeface="Times New Roman" panose="02020603050405020304" pitchFamily="18" charset="0"/>
               </a:rPr>
               <a:t>| </a:t>
@@ -8476,7 +11115,7 @@
                     <a:lumMod val="75000"/>
                   </a:schemeClr>
                 </a:solidFill>
-                <a:latin typeface="Times New Roman" panose="02020603050405020304" pitchFamily="18" charset="0"/>
+                <a:latin typeface="Fira Sans Condensed" panose="020B0503050000020004" pitchFamily="34" charset="0"/>
                 <a:cs typeface="Times New Roman" panose="02020603050405020304" pitchFamily="18" charset="0"/>
               </a:rPr>
               <a:t>Постановка задачи</a:t>
@@ -8488,7 +11127,7 @@
                     <a:lumMod val="75000"/>
                   </a:schemeClr>
                 </a:solidFill>
-                <a:latin typeface="Times New Roman" panose="02020603050405020304" pitchFamily="18" charset="0"/>
+                <a:latin typeface="Fira Sans Condensed" panose="020B0503050000020004" pitchFamily="34" charset="0"/>
                 <a:cs typeface="Times New Roman" panose="02020603050405020304" pitchFamily="18" charset="0"/>
               </a:rPr>
               <a:t> | </a:t>
@@ -8498,7 +11137,7 @@
                 <a:solidFill>
                   <a:srgbClr val="000000"/>
                 </a:solidFill>
-                <a:latin typeface="Times New Roman" panose="02020603050405020304" pitchFamily="18" charset="0"/>
+                <a:latin typeface="Fira Sans Condensed" panose="020B0503050000020004" pitchFamily="34" charset="0"/>
                 <a:cs typeface="Times New Roman" panose="02020603050405020304" pitchFamily="18" charset="0"/>
               </a:rPr>
               <a:t>Актуальность и обзор существующих решений </a:t>
@@ -8510,7 +11149,7 @@
                     <a:lumMod val="75000"/>
                   </a:schemeClr>
                 </a:solidFill>
-                <a:latin typeface="Times New Roman" panose="02020603050405020304" pitchFamily="18" charset="0"/>
+                <a:latin typeface="Fira Sans Condensed" panose="020B0503050000020004" pitchFamily="34" charset="0"/>
                 <a:cs typeface="Times New Roman" panose="02020603050405020304" pitchFamily="18" charset="0"/>
               </a:rPr>
               <a:t>| </a:t>
@@ -8522,7 +11161,7 @@
                     <a:lumMod val="75000"/>
                   </a:schemeClr>
                 </a:solidFill>
-                <a:latin typeface="Times New Roman" panose="02020603050405020304" pitchFamily="18" charset="0"/>
+                <a:latin typeface="Fira Sans Condensed" panose="020B0503050000020004" pitchFamily="34" charset="0"/>
                 <a:cs typeface="Times New Roman" panose="02020603050405020304" pitchFamily="18" charset="0"/>
               </a:rPr>
               <a:t>Прототипирование </a:t>
@@ -8534,7 +11173,7 @@
                     <a:lumMod val="75000"/>
                   </a:schemeClr>
                 </a:solidFill>
-                <a:latin typeface="Times New Roman" panose="02020603050405020304" pitchFamily="18" charset="0"/>
+                <a:latin typeface="Fira Sans Condensed" panose="020B0503050000020004" pitchFamily="34" charset="0"/>
                 <a:cs typeface="Times New Roman" panose="02020603050405020304" pitchFamily="18" charset="0"/>
               </a:rPr>
               <a:t>| </a:t>
@@ -8546,7 +11185,7 @@
                     <a:lumMod val="75000"/>
                   </a:schemeClr>
                 </a:solidFill>
-                <a:latin typeface="Times New Roman" panose="02020603050405020304" pitchFamily="18" charset="0"/>
+                <a:latin typeface="Fira Sans Condensed" panose="020B0503050000020004" pitchFamily="34" charset="0"/>
                 <a:cs typeface="Times New Roman" panose="02020603050405020304" pitchFamily="18" charset="0"/>
               </a:rPr>
               <a:t>Графическое окно </a:t>
@@ -8558,7 +11197,7 @@
                     <a:lumMod val="75000"/>
                   </a:schemeClr>
                 </a:solidFill>
-                <a:latin typeface="Times New Roman" panose="02020603050405020304" pitchFamily="18" charset="0"/>
+                <a:latin typeface="Fira Sans Condensed" panose="020B0503050000020004" pitchFamily="34" charset="0"/>
                 <a:cs typeface="Times New Roman" panose="02020603050405020304" pitchFamily="18" charset="0"/>
               </a:rPr>
               <a:t>| </a:t>
@@ -8570,7 +11209,7 @@
                     <a:lumMod val="75000"/>
                   </a:schemeClr>
                 </a:solidFill>
-                <a:latin typeface="Times New Roman" panose="02020603050405020304" pitchFamily="18" charset="0"/>
+                <a:latin typeface="Fira Sans Condensed" panose="020B0503050000020004" pitchFamily="34" charset="0"/>
                 <a:cs typeface="Times New Roman" panose="02020603050405020304" pitchFamily="18" charset="0"/>
               </a:rPr>
               <a:t>Графический конвейер </a:t>
@@ -8582,7 +11221,7 @@
                     <a:lumMod val="75000"/>
                   </a:schemeClr>
                 </a:solidFill>
-                <a:latin typeface="Times New Roman" panose="02020603050405020304" pitchFamily="18" charset="0"/>
+                <a:latin typeface="Fira Sans Condensed" panose="020B0503050000020004" pitchFamily="34" charset="0"/>
                 <a:cs typeface="Times New Roman" panose="02020603050405020304" pitchFamily="18" charset="0"/>
               </a:rPr>
               <a:t>|</a:t>
@@ -8594,7 +11233,7 @@
                     <a:lumMod val="75000"/>
                   </a:schemeClr>
                 </a:solidFill>
-                <a:latin typeface="Times New Roman" panose="02020603050405020304" pitchFamily="18" charset="0"/>
+                <a:latin typeface="Fira Sans Condensed" panose="020B0503050000020004" pitchFamily="34" charset="0"/>
                 <a:cs typeface="Times New Roman" panose="02020603050405020304" pitchFamily="18" charset="0"/>
               </a:rPr>
               <a:t> Системы координат </a:t>
@@ -8606,7 +11245,7 @@
                     <a:lumMod val="75000"/>
                   </a:schemeClr>
                 </a:solidFill>
-                <a:latin typeface="Times New Roman" panose="02020603050405020304" pitchFamily="18" charset="0"/>
+                <a:latin typeface="Fira Sans Condensed" panose="020B0503050000020004" pitchFamily="34" charset="0"/>
                 <a:cs typeface="Times New Roman" panose="02020603050405020304" pitchFamily="18" charset="0"/>
               </a:rPr>
               <a:t>| </a:t>
@@ -8618,7 +11257,7 @@
                     <a:lumMod val="75000"/>
                   </a:schemeClr>
                 </a:solidFill>
-                <a:latin typeface="Times New Roman" panose="02020603050405020304" pitchFamily="18" charset="0"/>
+                <a:latin typeface="Fira Sans Condensed" panose="020B0503050000020004" pitchFamily="34" charset="0"/>
                 <a:cs typeface="Times New Roman" panose="02020603050405020304" pitchFamily="18" charset="0"/>
               </a:rPr>
               <a:t>Освещение</a:t>
@@ -8630,7 +11269,7 @@
                     <a:lumMod val="75000"/>
                   </a:schemeClr>
                 </a:solidFill>
-                <a:latin typeface="Times New Roman" panose="02020603050405020304" pitchFamily="18" charset="0"/>
+                <a:latin typeface="Fira Sans Condensed" panose="020B0503050000020004" pitchFamily="34" charset="0"/>
                 <a:cs typeface="Times New Roman" panose="02020603050405020304" pitchFamily="18" charset="0"/>
               </a:rPr>
               <a:t> | </a:t>
@@ -8642,7 +11281,7 @@
                     <a:lumMod val="75000"/>
                   </a:schemeClr>
                 </a:solidFill>
-                <a:latin typeface="Times New Roman" panose="02020603050405020304" pitchFamily="18" charset="0"/>
+                <a:latin typeface="Fira Sans Condensed" panose="020B0503050000020004" pitchFamily="34" charset="0"/>
                 <a:cs typeface="Times New Roman" panose="02020603050405020304" pitchFamily="18" charset="0"/>
               </a:rPr>
               <a:t>Система рефлексии </a:t>
@@ -8654,7 +11293,7 @@
                     <a:lumMod val="75000"/>
                   </a:schemeClr>
                 </a:solidFill>
-                <a:latin typeface="Times New Roman" panose="02020603050405020304" pitchFamily="18" charset="0"/>
+                <a:latin typeface="Fira Sans Condensed" panose="020B0503050000020004" pitchFamily="34" charset="0"/>
                 <a:cs typeface="Times New Roman" panose="02020603050405020304" pitchFamily="18" charset="0"/>
               </a:rPr>
               <a:t>|</a:t>
@@ -8669,7 +11308,7 @@
                     <a:lumMod val="75000"/>
                   </a:schemeClr>
                 </a:solidFill>
-                <a:latin typeface="Times New Roman" panose="02020603050405020304" pitchFamily="18" charset="0"/>
+                <a:latin typeface="Fira Sans Condensed" panose="020B0503050000020004" pitchFamily="34" charset="0"/>
                 <a:cs typeface="Times New Roman" panose="02020603050405020304" pitchFamily="18" charset="0"/>
               </a:rPr>
               <a:t>Сборщик мусора</a:t>
@@ -8681,7 +11320,7 @@
                     <a:lumMod val="75000"/>
                   </a:schemeClr>
                 </a:solidFill>
-                <a:latin typeface="Times New Roman" panose="02020603050405020304" pitchFamily="18" charset="0"/>
+                <a:latin typeface="Fira Sans Condensed" panose="020B0503050000020004" pitchFamily="34" charset="0"/>
                 <a:cs typeface="Times New Roman" panose="02020603050405020304" pitchFamily="18" charset="0"/>
               </a:rPr>
               <a:t> | </a:t>
@@ -8693,7 +11332,7 @@
                     <a:lumMod val="75000"/>
                   </a:schemeClr>
                 </a:solidFill>
-                <a:latin typeface="Times New Roman" panose="02020603050405020304" pitchFamily="18" charset="0"/>
+                <a:latin typeface="Fira Sans Condensed" panose="020B0503050000020004" pitchFamily="34" charset="0"/>
                 <a:cs typeface="Times New Roman" panose="02020603050405020304" pitchFamily="18" charset="0"/>
               </a:rPr>
               <a:t>Заключение</a:t>
@@ -8758,7 +11397,7 @@
                     <a:lumMod val="50000"/>
                   </a:schemeClr>
                 </a:solidFill>
-                <a:latin typeface="Times New Roman" panose="02020603050405020304" pitchFamily="18" charset="0"/>
+                <a:latin typeface="Fira Sans Condensed" panose="020B0503050000020004" pitchFamily="34" charset="0"/>
                 <a:cs typeface="Times New Roman" panose="02020603050405020304" pitchFamily="18" charset="0"/>
               </a:rPr>
               <a:t>Разработка графического программного обеспечения для визуализации трехмерных объектов</a:t>
@@ -8769,6 +11408,7 @@
                   <a:lumMod val="50000"/>
                 </a:schemeClr>
               </a:solidFill>
+              <a:latin typeface="Fira Sans Condensed" panose="020B0503050000020004" pitchFamily="34" charset="0"/>
             </a:endParaRPr>
           </a:p>
         </p:txBody>
@@ -8815,7 +11455,7 @@
                 <a:solidFill>
                   <a:schemeClr val="tx1"/>
                 </a:solidFill>
-                <a:latin typeface="Times New Roman" panose="02020603050405020304" pitchFamily="18" charset="0"/>
+                <a:latin typeface="Fira Sans Condensed" panose="020B0503050000020004" pitchFamily="34" charset="0"/>
                 <a:cs typeface="Times New Roman" panose="02020603050405020304" pitchFamily="18" charset="0"/>
               </a:rPr>
               <a:t>Существующие решения</a:t>
@@ -8825,7 +11465,7 @@
                 <a:solidFill>
                   <a:schemeClr val="tx1"/>
                 </a:solidFill>
-                <a:latin typeface="Times New Roman" panose="02020603050405020304" pitchFamily="18" charset="0"/>
+                <a:latin typeface="Fira Sans Condensed" panose="020B0503050000020004" pitchFamily="34" charset="0"/>
                 <a:cs typeface="Times New Roman" panose="02020603050405020304" pitchFamily="18" charset="0"/>
               </a:rPr>
               <a:t>:</a:t>
@@ -8844,7 +11484,7 @@
             </a:pPr>
             <a:r>
               <a:rPr lang="en-US" sz="900" dirty="0">
-                <a:latin typeface="Times New Roman" panose="02020603050405020304" pitchFamily="18" charset="0"/>
+                <a:latin typeface="Fira Sans Condensed" panose="020B0503050000020004" pitchFamily="34" charset="0"/>
                 <a:cs typeface="Times New Roman" panose="02020603050405020304" pitchFamily="18" charset="0"/>
               </a:rPr>
               <a:t>Unreal Engine</a:t>
@@ -8863,7 +11503,7 @@
             </a:pPr>
             <a:r>
               <a:rPr lang="en-US" sz="900" dirty="0">
-                <a:latin typeface="Times New Roman" panose="02020603050405020304" pitchFamily="18" charset="0"/>
+                <a:latin typeface="Fira Sans Condensed" panose="020B0503050000020004" pitchFamily="34" charset="0"/>
                 <a:cs typeface="Times New Roman" panose="02020603050405020304" pitchFamily="18" charset="0"/>
               </a:rPr>
               <a:t>Unity</a:t>
@@ -8885,7 +11525,7 @@
                 <a:solidFill>
                   <a:schemeClr val="tx1"/>
                 </a:solidFill>
-                <a:latin typeface="Times New Roman" panose="02020603050405020304" pitchFamily="18" charset="0"/>
+                <a:latin typeface="Fira Sans Condensed" panose="020B0503050000020004" pitchFamily="34" charset="0"/>
                 <a:cs typeface="Times New Roman" panose="02020603050405020304" pitchFamily="18" charset="0"/>
               </a:rPr>
               <a:t>CryEngine</a:t>
@@ -8904,7 +11544,7 @@
             </a:pPr>
             <a:r>
               <a:rPr lang="en-US" sz="900" dirty="0">
-                <a:latin typeface="Times New Roman" panose="02020603050405020304" pitchFamily="18" charset="0"/>
+                <a:latin typeface="Fira Sans Condensed" panose="020B0503050000020004" pitchFamily="34" charset="0"/>
                 <a:cs typeface="Times New Roman" panose="02020603050405020304" pitchFamily="18" charset="0"/>
               </a:rPr>
               <a:t>Godot</a:t>
@@ -8913,7 +11553,7 @@
               <a:solidFill>
                 <a:schemeClr val="tx1"/>
               </a:solidFill>
-              <a:latin typeface="Times New Roman" panose="02020603050405020304" pitchFamily="18" charset="0"/>
+              <a:latin typeface="Fira Sans Condensed" panose="020B0503050000020004" pitchFamily="34" charset="0"/>
               <a:cs typeface="Times New Roman" panose="02020603050405020304" pitchFamily="18" charset="0"/>
             </a:endParaRPr>
           </a:p>
@@ -9081,13 +11721,13 @@
             </a:pPr>
             <a:r>
               <a:rPr lang="ru-RU" sz="1200" spc="-40" dirty="0">
-                <a:latin typeface="Times New Roman" panose="02020603050405020304" pitchFamily="18" charset="0"/>
+                <a:latin typeface="Fira Sans Condensed" panose="020B0503050000020004" pitchFamily="34" charset="0"/>
                 <a:cs typeface="Times New Roman" panose="02020603050405020304" pitchFamily="18" charset="0"/>
               </a:rPr>
               <a:t>Прототипирование</a:t>
             </a:r>
             <a:endParaRPr sz="1200" spc="-40" dirty="0">
-              <a:latin typeface="Times New Roman" panose="02020603050405020304" pitchFamily="18" charset="0"/>
+              <a:latin typeface="Fira Sans Condensed" panose="020B0503050000020004" pitchFamily="34" charset="0"/>
               <a:cs typeface="Times New Roman" panose="02020603050405020304" pitchFamily="18" charset="0"/>
             </a:endParaRPr>
           </a:p>
@@ -9224,6 +11864,7 @@
                 <a:solidFill>
                   <a:srgbClr val="0070C0"/>
                 </a:solidFill>
+                <a:latin typeface="Fira Sans Condensed" panose="020B0503050000020004" pitchFamily="34" charset="0"/>
               </a:rPr>
               <a:pPr marL="38100">
                 <a:spcBef>
@@ -9236,6 +11877,7 @@
               <a:solidFill>
                 <a:srgbClr val="0070C0"/>
               </a:solidFill>
+              <a:latin typeface="Fira Sans Condensed" panose="020B0503050000020004" pitchFamily="34" charset="0"/>
             </a:endParaRPr>
           </a:p>
         </p:txBody>
@@ -9325,7 +11967,7 @@
                 <a:solidFill>
                   <a:schemeClr val="tx1"/>
                 </a:solidFill>
-                <a:latin typeface="Times New Roman" panose="02020603050405020304" pitchFamily="18" charset="0"/>
+                <a:latin typeface="Fira Sans Condensed" panose="020B0503050000020004" pitchFamily="34" charset="0"/>
                 <a:cs typeface="Times New Roman" panose="02020603050405020304" pitchFamily="18" charset="0"/>
               </a:rPr>
               <a:t>Для разработки графического программного обеспечения за пример взят игровой движок </a:t>
@@ -9335,7 +11977,7 @@
                 <a:solidFill>
                   <a:schemeClr val="tx1"/>
                 </a:solidFill>
-                <a:latin typeface="Times New Roman" panose="02020603050405020304" pitchFamily="18" charset="0"/>
+                <a:latin typeface="Fira Sans Condensed" panose="020B0503050000020004" pitchFamily="34" charset="0"/>
                 <a:cs typeface="Times New Roman" panose="02020603050405020304" pitchFamily="18" charset="0"/>
               </a:rPr>
               <a:t>Unreal</a:t>
@@ -9345,7 +11987,7 @@
                 <a:solidFill>
                   <a:schemeClr val="tx1"/>
                 </a:solidFill>
-                <a:latin typeface="Times New Roman" panose="02020603050405020304" pitchFamily="18" charset="0"/>
+                <a:latin typeface="Fira Sans Condensed" panose="020B0503050000020004" pitchFamily="34" charset="0"/>
                 <a:cs typeface="Times New Roman" panose="02020603050405020304" pitchFamily="18" charset="0"/>
               </a:rPr>
               <a:t> Engine 4</a:t>
@@ -9355,7 +11997,7 @@
                 <a:solidFill>
                   <a:schemeClr val="tx1"/>
                 </a:solidFill>
-                <a:latin typeface="Times New Roman" panose="02020603050405020304" pitchFamily="18" charset="0"/>
+                <a:latin typeface="Fira Sans Condensed" panose="020B0503050000020004" pitchFamily="34" charset="0"/>
                 <a:cs typeface="Times New Roman" panose="02020603050405020304" pitchFamily="18" charset="0"/>
               </a:rPr>
               <a:t>, в который входит:</a:t>
@@ -9377,21 +12019,21 @@
                 <a:solidFill>
                   <a:schemeClr val="tx1"/>
                 </a:solidFill>
-                <a:latin typeface="Times New Roman" panose="02020603050405020304" pitchFamily="18" charset="0"/>
+                <a:latin typeface="Fira Sans Condensed" panose="020B0503050000020004" pitchFamily="34" charset="0"/>
                 <a:cs typeface="Times New Roman" panose="02020603050405020304" pitchFamily="18" charset="0"/>
               </a:rPr>
               <a:t>Интеграция с операцио</a:t>
             </a:r>
             <a:r>
               <a:rPr lang="ru-RU" sz="900" dirty="0">
-                <a:latin typeface="Times New Roman" panose="02020603050405020304" pitchFamily="18" charset="0"/>
+                <a:latin typeface="Fira Sans Condensed" panose="020B0503050000020004" pitchFamily="34" charset="0"/>
                 <a:cs typeface="Times New Roman" panose="02020603050405020304" pitchFamily="18" charset="0"/>
               </a:rPr>
               <a:t>нными системами – </a:t>
             </a:r>
             <a:r>
               <a:rPr lang="en-US" sz="900" b="1" dirty="0">
-                <a:latin typeface="Times New Roman" panose="02020603050405020304" pitchFamily="18" charset="0"/>
+                <a:latin typeface="Fira Sans Condensed" panose="020B0503050000020004" pitchFamily="34" charset="0"/>
                 <a:cs typeface="Times New Roman" panose="02020603050405020304" pitchFamily="18" charset="0"/>
               </a:rPr>
               <a:t>GLFW</a:t>
@@ -9413,7 +12055,7 @@
                 <a:solidFill>
                   <a:schemeClr val="tx1"/>
                 </a:solidFill>
-                <a:latin typeface="Times New Roman" panose="02020603050405020304" pitchFamily="18" charset="0"/>
+                <a:latin typeface="Fira Sans Condensed" panose="020B0503050000020004" pitchFamily="34" charset="0"/>
                 <a:cs typeface="Times New Roman" panose="02020603050405020304" pitchFamily="18" charset="0"/>
               </a:rPr>
               <a:t>Отображение трехмерных объектов </a:t>
@@ -9423,7 +12065,7 @@
                 <a:solidFill>
                   <a:schemeClr val="tx1"/>
                 </a:solidFill>
-                <a:latin typeface="Times New Roman" panose="02020603050405020304" pitchFamily="18" charset="0"/>
+                <a:latin typeface="Fira Sans Condensed" panose="020B0503050000020004" pitchFamily="34" charset="0"/>
                 <a:cs typeface="Times New Roman" panose="02020603050405020304" pitchFamily="18" charset="0"/>
               </a:rPr>
               <a:t>– </a:t>
@@ -9433,7 +12075,7 @@
                 <a:solidFill>
                   <a:schemeClr val="tx1"/>
                 </a:solidFill>
-                <a:latin typeface="Times New Roman" panose="02020603050405020304" pitchFamily="18" charset="0"/>
+                <a:latin typeface="Fira Sans Condensed" panose="020B0503050000020004" pitchFamily="34" charset="0"/>
                 <a:cs typeface="Times New Roman" panose="02020603050405020304" pitchFamily="18" charset="0"/>
               </a:rPr>
               <a:t>OpenGL</a:t>
@@ -9452,20 +12094,20 @@
             </a:pPr>
             <a:r>
               <a:rPr lang="ru-RU" sz="900" dirty="0">
-                <a:latin typeface="Times New Roman" panose="02020603050405020304" pitchFamily="18" charset="0"/>
+                <a:latin typeface="Fira Sans Condensed" panose="020B0503050000020004" pitchFamily="34" charset="0"/>
                 <a:cs typeface="Times New Roman" panose="02020603050405020304" pitchFamily="18" charset="0"/>
               </a:rPr>
               <a:t>Интерфейс – </a:t>
             </a:r>
             <a:r>
               <a:rPr lang="en-US" sz="900" b="1" dirty="0" err="1">
-                <a:latin typeface="Times New Roman" panose="02020603050405020304" pitchFamily="18" charset="0"/>
+                <a:latin typeface="Fira Sans Condensed" panose="020B0503050000020004" pitchFamily="34" charset="0"/>
                 <a:cs typeface="Times New Roman" panose="02020603050405020304" pitchFamily="18" charset="0"/>
               </a:rPr>
               <a:t>ImGUI</a:t>
             </a:r>
             <a:endParaRPr lang="en-US" sz="900" b="1" dirty="0">
-              <a:latin typeface="Times New Roman" panose="02020603050405020304" pitchFamily="18" charset="0"/>
+              <a:latin typeface="Fira Sans Condensed" panose="020B0503050000020004" pitchFamily="34" charset="0"/>
               <a:cs typeface="Times New Roman" panose="02020603050405020304" pitchFamily="18" charset="0"/>
             </a:endParaRPr>
           </a:p>
@@ -9485,62 +12127,62 @@
                 <a:solidFill>
                   <a:schemeClr val="tx1"/>
                 </a:solidFill>
-                <a:latin typeface="Times New Roman" panose="02020603050405020304" pitchFamily="18" charset="0"/>
+                <a:latin typeface="Fira Sans Condensed" panose="020B0503050000020004" pitchFamily="34" charset="0"/>
                 <a:cs typeface="Times New Roman" panose="02020603050405020304" pitchFamily="18" charset="0"/>
               </a:rPr>
               <a:t>З</a:t>
             </a:r>
             <a:r>
               <a:rPr lang="ru-RU" sz="900" dirty="0">
-                <a:latin typeface="Times New Roman" panose="02020603050405020304" pitchFamily="18" charset="0"/>
+                <a:latin typeface="Fira Sans Condensed" panose="020B0503050000020004" pitchFamily="34" charset="0"/>
                 <a:cs typeface="Times New Roman" panose="02020603050405020304" pitchFamily="18" charset="0"/>
               </a:rPr>
               <a:t>агрузка текстур и </a:t>
             </a:r>
             <a:r>
               <a:rPr lang="en-US" sz="900" dirty="0">
-                <a:latin typeface="Times New Roman" panose="02020603050405020304" pitchFamily="18" charset="0"/>
+                <a:latin typeface="Fira Sans Condensed" panose="020B0503050000020004" pitchFamily="34" charset="0"/>
                 <a:cs typeface="Times New Roman" panose="02020603050405020304" pitchFamily="18" charset="0"/>
               </a:rPr>
               <a:t>3D</a:t>
             </a:r>
             <a:r>
               <a:rPr lang="ru-RU" sz="900" dirty="0">
-                <a:latin typeface="Times New Roman" panose="02020603050405020304" pitchFamily="18" charset="0"/>
+                <a:latin typeface="Fira Sans Condensed" panose="020B0503050000020004" pitchFamily="34" charset="0"/>
                 <a:cs typeface="Times New Roman" panose="02020603050405020304" pitchFamily="18" charset="0"/>
               </a:rPr>
               <a:t>-объектов – </a:t>
             </a:r>
             <a:r>
               <a:rPr lang="en-US" sz="900" b="1" dirty="0">
-                <a:latin typeface="Times New Roman" panose="02020603050405020304" pitchFamily="18" charset="0"/>
+                <a:latin typeface="Fira Sans Condensed" panose="020B0503050000020004" pitchFamily="34" charset="0"/>
                 <a:cs typeface="Times New Roman" panose="02020603050405020304" pitchFamily="18" charset="0"/>
               </a:rPr>
               <a:t>SOIL</a:t>
             </a:r>
             <a:r>
               <a:rPr lang="en-US" sz="900" dirty="0">
-                <a:latin typeface="Times New Roman" panose="02020603050405020304" pitchFamily="18" charset="0"/>
+                <a:latin typeface="Fira Sans Condensed" panose="020B0503050000020004" pitchFamily="34" charset="0"/>
                 <a:cs typeface="Times New Roman" panose="02020603050405020304" pitchFamily="18" charset="0"/>
               </a:rPr>
               <a:t> </a:t>
             </a:r>
             <a:r>
               <a:rPr lang="ru-RU" sz="900" dirty="0">
-                <a:latin typeface="Times New Roman" panose="02020603050405020304" pitchFamily="18" charset="0"/>
+                <a:latin typeface="Fira Sans Condensed" panose="020B0503050000020004" pitchFamily="34" charset="0"/>
                 <a:cs typeface="Times New Roman" panose="02020603050405020304" pitchFamily="18" charset="0"/>
               </a:rPr>
               <a:t>и </a:t>
             </a:r>
             <a:r>
               <a:rPr lang="en-US" sz="900" b="1" dirty="0" err="1">
-                <a:latin typeface="Times New Roman" panose="02020603050405020304" pitchFamily="18" charset="0"/>
+                <a:latin typeface="Fira Sans Condensed" panose="020B0503050000020004" pitchFamily="34" charset="0"/>
                 <a:cs typeface="Times New Roman" panose="02020603050405020304" pitchFamily="18" charset="0"/>
               </a:rPr>
               <a:t>Assimp</a:t>
             </a:r>
             <a:endParaRPr lang="en-US" sz="900" b="1" dirty="0">
-              <a:latin typeface="Times New Roman" panose="02020603050405020304" pitchFamily="18" charset="0"/>
+              <a:latin typeface="Fira Sans Condensed" panose="020B0503050000020004" pitchFamily="34" charset="0"/>
               <a:cs typeface="Times New Roman" panose="02020603050405020304" pitchFamily="18" charset="0"/>
             </a:endParaRPr>
           </a:p>
@@ -9560,21 +12202,21 @@
                 <a:solidFill>
                   <a:schemeClr val="tx1"/>
                 </a:solidFill>
-                <a:latin typeface="Times New Roman" panose="02020603050405020304" pitchFamily="18" charset="0"/>
+                <a:latin typeface="Fira Sans Condensed" panose="020B0503050000020004" pitchFamily="34" charset="0"/>
                 <a:cs typeface="Times New Roman" panose="02020603050405020304" pitchFamily="18" charset="0"/>
               </a:rPr>
               <a:t>Система рефлексии – </a:t>
             </a:r>
             <a:r>
               <a:rPr lang="ru-RU" sz="900" dirty="0">
-                <a:latin typeface="Times New Roman" panose="02020603050405020304" pitchFamily="18" charset="0"/>
+                <a:latin typeface="Fira Sans Condensed" panose="020B0503050000020004" pitchFamily="34" charset="0"/>
                 <a:cs typeface="Times New Roman" panose="02020603050405020304" pitchFamily="18" charset="0"/>
               </a:rPr>
               <a:t>на базе </a:t>
             </a:r>
             <a:r>
               <a:rPr lang="en-US" sz="900" b="1" dirty="0">
-                <a:latin typeface="Times New Roman" panose="02020603050405020304" pitchFamily="18" charset="0"/>
+                <a:latin typeface="Fira Sans Condensed" panose="020B0503050000020004" pitchFamily="34" charset="0"/>
                 <a:cs typeface="Times New Roman" panose="02020603050405020304" pitchFamily="18" charset="0"/>
               </a:rPr>
               <a:t>LLVM Clang</a:t>
@@ -9596,7 +12238,7 @@
                 <a:solidFill>
                   <a:schemeClr val="tx1"/>
                 </a:solidFill>
-                <a:latin typeface="Times New Roman" panose="02020603050405020304" pitchFamily="18" charset="0"/>
+                <a:latin typeface="Fira Sans Condensed" panose="020B0503050000020004" pitchFamily="34" charset="0"/>
                 <a:cs typeface="Times New Roman" panose="02020603050405020304" pitchFamily="18" charset="0"/>
               </a:rPr>
               <a:t>Сборщик мусора</a:t>
@@ -9605,7 +12247,7 @@
               <a:solidFill>
                 <a:schemeClr val="tx1"/>
               </a:solidFill>
-              <a:latin typeface="Times New Roman" panose="02020603050405020304" pitchFamily="18" charset="0"/>
+              <a:latin typeface="Fira Sans Condensed" panose="020B0503050000020004" pitchFamily="34" charset="0"/>
               <a:cs typeface="Times New Roman" panose="02020603050405020304" pitchFamily="18" charset="0"/>
             </a:endParaRPr>
           </a:p>
@@ -9624,7 +12266,7 @@
               <a:solidFill>
                 <a:schemeClr val="tx1"/>
               </a:solidFill>
-              <a:latin typeface="Times New Roman" panose="02020603050405020304" pitchFamily="18" charset="0"/>
+              <a:latin typeface="Fira Sans Condensed" panose="020B0503050000020004" pitchFamily="34" charset="0"/>
               <a:cs typeface="Times New Roman" panose="02020603050405020304" pitchFamily="18" charset="0"/>
             </a:endParaRPr>
           </a:p>
@@ -9675,7 +12317,7 @@
                 <a:solidFill>
                   <a:schemeClr val="tx1"/>
                 </a:solidFill>
-                <a:latin typeface="Times New Roman" panose="02020603050405020304" pitchFamily="18" charset="0"/>
+                <a:latin typeface="Fira Sans Condensed" panose="020B0503050000020004" pitchFamily="34" charset="0"/>
                 <a:cs typeface="Times New Roman" panose="02020603050405020304" pitchFamily="18" charset="0"/>
               </a:rPr>
               <a:t>Прототип интерфейса </a:t>
@@ -9723,14 +12365,14 @@
                     <a:lumMod val="75000"/>
                   </a:schemeClr>
                 </a:solidFill>
-                <a:latin typeface="Times New Roman" panose="02020603050405020304" pitchFamily="18" charset="0"/>
+                <a:latin typeface="Fira Sans Condensed" panose="020B0503050000020004" pitchFamily="34" charset="0"/>
                 <a:cs typeface="Times New Roman" panose="02020603050405020304" pitchFamily="18" charset="0"/>
               </a:rPr>
               <a:t>Введение</a:t>
             </a:r>
             <a:r>
               <a:rPr lang="ru-RU" sz="800" dirty="0">
-                <a:latin typeface="Times New Roman" panose="02020603050405020304" pitchFamily="18" charset="0"/>
+                <a:latin typeface="Fira Sans Condensed" panose="020B0503050000020004" pitchFamily="34" charset="0"/>
                 <a:cs typeface="Times New Roman" panose="02020603050405020304" pitchFamily="18" charset="0"/>
               </a:rPr>
               <a:t> </a:t>
@@ -9742,7 +12384,7 @@
                     <a:lumMod val="75000"/>
                   </a:schemeClr>
                 </a:solidFill>
-                <a:latin typeface="Times New Roman" panose="02020603050405020304" pitchFamily="18" charset="0"/>
+                <a:latin typeface="Fira Sans Condensed" panose="020B0503050000020004" pitchFamily="34" charset="0"/>
                 <a:cs typeface="Times New Roman" panose="02020603050405020304" pitchFamily="18" charset="0"/>
               </a:rPr>
               <a:t>| </a:t>
@@ -9754,7 +12396,7 @@
                     <a:lumMod val="75000"/>
                   </a:schemeClr>
                 </a:solidFill>
-                <a:latin typeface="Times New Roman" panose="02020603050405020304" pitchFamily="18" charset="0"/>
+                <a:latin typeface="Fira Sans Condensed" panose="020B0503050000020004" pitchFamily="34" charset="0"/>
                 <a:cs typeface="Times New Roman" panose="02020603050405020304" pitchFamily="18" charset="0"/>
               </a:rPr>
               <a:t>Постановка задачи</a:t>
@@ -9766,7 +12408,7 @@
                     <a:lumMod val="75000"/>
                   </a:schemeClr>
                 </a:solidFill>
-                <a:latin typeface="Times New Roman" panose="02020603050405020304" pitchFamily="18" charset="0"/>
+                <a:latin typeface="Fira Sans Condensed" panose="020B0503050000020004" pitchFamily="34" charset="0"/>
                 <a:cs typeface="Times New Roman" panose="02020603050405020304" pitchFamily="18" charset="0"/>
               </a:rPr>
               <a:t> | </a:t>
@@ -9778,7 +12420,7 @@
                     <a:lumMod val="75000"/>
                   </a:schemeClr>
                 </a:solidFill>
-                <a:latin typeface="Times New Roman" panose="02020603050405020304" pitchFamily="18" charset="0"/>
+                <a:latin typeface="Fira Sans Condensed" panose="020B0503050000020004" pitchFamily="34" charset="0"/>
                 <a:cs typeface="Times New Roman" panose="02020603050405020304" pitchFamily="18" charset="0"/>
               </a:rPr>
               <a:t>Актуальность и обзор существующих решений </a:t>
@@ -9790,7 +12432,7 @@
                     <a:lumMod val="75000"/>
                   </a:schemeClr>
                 </a:solidFill>
-                <a:latin typeface="Times New Roman" panose="02020603050405020304" pitchFamily="18" charset="0"/>
+                <a:latin typeface="Fira Sans Condensed" panose="020B0503050000020004" pitchFamily="34" charset="0"/>
                 <a:cs typeface="Times New Roman" panose="02020603050405020304" pitchFamily="18" charset="0"/>
               </a:rPr>
               <a:t>| </a:t>
@@ -9800,7 +12442,7 @@
                 <a:solidFill>
                   <a:srgbClr val="000000"/>
                 </a:solidFill>
-                <a:latin typeface="Times New Roman" panose="02020603050405020304" pitchFamily="18" charset="0"/>
+                <a:latin typeface="Fira Sans Condensed" panose="020B0503050000020004" pitchFamily="34" charset="0"/>
                 <a:cs typeface="Times New Roman" panose="02020603050405020304" pitchFamily="18" charset="0"/>
               </a:rPr>
               <a:t>Прототипирование</a:t>
@@ -9812,7 +12454,7 @@
                     <a:lumMod val="75000"/>
                   </a:schemeClr>
                 </a:solidFill>
-                <a:latin typeface="Times New Roman" panose="02020603050405020304" pitchFamily="18" charset="0"/>
+                <a:latin typeface="Fira Sans Condensed" panose="020B0503050000020004" pitchFamily="34" charset="0"/>
                 <a:cs typeface="Times New Roman" panose="02020603050405020304" pitchFamily="18" charset="0"/>
               </a:rPr>
               <a:t> </a:t>
@@ -9824,7 +12466,7 @@
                     <a:lumMod val="75000"/>
                   </a:schemeClr>
                 </a:solidFill>
-                <a:latin typeface="Times New Roman" panose="02020603050405020304" pitchFamily="18" charset="0"/>
+                <a:latin typeface="Fira Sans Condensed" panose="020B0503050000020004" pitchFamily="34" charset="0"/>
                 <a:cs typeface="Times New Roman" panose="02020603050405020304" pitchFamily="18" charset="0"/>
               </a:rPr>
               <a:t>| </a:t>
@@ -9836,7 +12478,7 @@
                     <a:lumMod val="75000"/>
                   </a:schemeClr>
                 </a:solidFill>
-                <a:latin typeface="Times New Roman" panose="02020603050405020304" pitchFamily="18" charset="0"/>
+                <a:latin typeface="Fira Sans Condensed" panose="020B0503050000020004" pitchFamily="34" charset="0"/>
                 <a:cs typeface="Times New Roman" panose="02020603050405020304" pitchFamily="18" charset="0"/>
               </a:rPr>
               <a:t>Графическое окно </a:t>
@@ -9848,7 +12490,7 @@
                     <a:lumMod val="75000"/>
                   </a:schemeClr>
                 </a:solidFill>
-                <a:latin typeface="Times New Roman" panose="02020603050405020304" pitchFamily="18" charset="0"/>
+                <a:latin typeface="Fira Sans Condensed" panose="020B0503050000020004" pitchFamily="34" charset="0"/>
                 <a:cs typeface="Times New Roman" panose="02020603050405020304" pitchFamily="18" charset="0"/>
               </a:rPr>
               <a:t>| </a:t>
@@ -9860,7 +12502,7 @@
                     <a:lumMod val="75000"/>
                   </a:schemeClr>
                 </a:solidFill>
-                <a:latin typeface="Times New Roman" panose="02020603050405020304" pitchFamily="18" charset="0"/>
+                <a:latin typeface="Fira Sans Condensed" panose="020B0503050000020004" pitchFamily="34" charset="0"/>
                 <a:cs typeface="Times New Roman" panose="02020603050405020304" pitchFamily="18" charset="0"/>
               </a:rPr>
               <a:t>Графический конвейер </a:t>
@@ -9872,7 +12514,7 @@
                     <a:lumMod val="75000"/>
                   </a:schemeClr>
                 </a:solidFill>
-                <a:latin typeface="Times New Roman" panose="02020603050405020304" pitchFamily="18" charset="0"/>
+                <a:latin typeface="Fira Sans Condensed" panose="020B0503050000020004" pitchFamily="34" charset="0"/>
                 <a:cs typeface="Times New Roman" panose="02020603050405020304" pitchFamily="18" charset="0"/>
               </a:rPr>
               <a:t>|</a:t>
@@ -9884,7 +12526,7 @@
                     <a:lumMod val="75000"/>
                   </a:schemeClr>
                 </a:solidFill>
-                <a:latin typeface="Times New Roman" panose="02020603050405020304" pitchFamily="18" charset="0"/>
+                <a:latin typeface="Fira Sans Condensed" panose="020B0503050000020004" pitchFamily="34" charset="0"/>
                 <a:cs typeface="Times New Roman" panose="02020603050405020304" pitchFamily="18" charset="0"/>
               </a:rPr>
               <a:t> Системы координат </a:t>
@@ -9896,7 +12538,7 @@
                     <a:lumMod val="75000"/>
                   </a:schemeClr>
                 </a:solidFill>
-                <a:latin typeface="Times New Roman" panose="02020603050405020304" pitchFamily="18" charset="0"/>
+                <a:latin typeface="Fira Sans Condensed" panose="020B0503050000020004" pitchFamily="34" charset="0"/>
                 <a:cs typeface="Times New Roman" panose="02020603050405020304" pitchFamily="18" charset="0"/>
               </a:rPr>
               <a:t>| </a:t>
@@ -9908,7 +12550,7 @@
                     <a:lumMod val="75000"/>
                   </a:schemeClr>
                 </a:solidFill>
-                <a:latin typeface="Times New Roman" panose="02020603050405020304" pitchFamily="18" charset="0"/>
+                <a:latin typeface="Fira Sans Condensed" panose="020B0503050000020004" pitchFamily="34" charset="0"/>
                 <a:cs typeface="Times New Roman" panose="02020603050405020304" pitchFamily="18" charset="0"/>
               </a:rPr>
               <a:t>Освещение</a:t>
@@ -9920,7 +12562,7 @@
                     <a:lumMod val="75000"/>
                   </a:schemeClr>
                 </a:solidFill>
-                <a:latin typeface="Times New Roman" panose="02020603050405020304" pitchFamily="18" charset="0"/>
+                <a:latin typeface="Fira Sans Condensed" panose="020B0503050000020004" pitchFamily="34" charset="0"/>
                 <a:cs typeface="Times New Roman" panose="02020603050405020304" pitchFamily="18" charset="0"/>
               </a:rPr>
               <a:t> | </a:t>
@@ -9932,7 +12574,7 @@
                     <a:lumMod val="75000"/>
                   </a:schemeClr>
                 </a:solidFill>
-                <a:latin typeface="Times New Roman" panose="02020603050405020304" pitchFamily="18" charset="0"/>
+                <a:latin typeface="Fira Sans Condensed" panose="020B0503050000020004" pitchFamily="34" charset="0"/>
                 <a:cs typeface="Times New Roman" panose="02020603050405020304" pitchFamily="18" charset="0"/>
               </a:rPr>
               <a:t>Система рефлексии </a:t>
@@ -9944,7 +12586,7 @@
                     <a:lumMod val="75000"/>
                   </a:schemeClr>
                 </a:solidFill>
-                <a:latin typeface="Times New Roman" panose="02020603050405020304" pitchFamily="18" charset="0"/>
+                <a:latin typeface="Fira Sans Condensed" panose="020B0503050000020004" pitchFamily="34" charset="0"/>
                 <a:cs typeface="Times New Roman" panose="02020603050405020304" pitchFamily="18" charset="0"/>
               </a:rPr>
               <a:t>|</a:t>
@@ -9959,7 +12601,7 @@
                     <a:lumMod val="75000"/>
                   </a:schemeClr>
                 </a:solidFill>
-                <a:latin typeface="Times New Roman" panose="02020603050405020304" pitchFamily="18" charset="0"/>
+                <a:latin typeface="Fira Sans Condensed" panose="020B0503050000020004" pitchFamily="34" charset="0"/>
                 <a:cs typeface="Times New Roman" panose="02020603050405020304" pitchFamily="18" charset="0"/>
               </a:rPr>
               <a:t>Сборщик мусора</a:t>
@@ -9971,7 +12613,7 @@
                     <a:lumMod val="75000"/>
                   </a:schemeClr>
                 </a:solidFill>
-                <a:latin typeface="Times New Roman" panose="02020603050405020304" pitchFamily="18" charset="0"/>
+                <a:latin typeface="Fira Sans Condensed" panose="020B0503050000020004" pitchFamily="34" charset="0"/>
                 <a:cs typeface="Times New Roman" panose="02020603050405020304" pitchFamily="18" charset="0"/>
               </a:rPr>
               <a:t> | </a:t>
@@ -9983,7 +12625,7 @@
                     <a:lumMod val="75000"/>
                   </a:schemeClr>
                 </a:solidFill>
-                <a:latin typeface="Times New Roman" panose="02020603050405020304" pitchFamily="18" charset="0"/>
+                <a:latin typeface="Fira Sans Condensed" panose="020B0503050000020004" pitchFamily="34" charset="0"/>
                 <a:cs typeface="Times New Roman" panose="02020603050405020304" pitchFamily="18" charset="0"/>
               </a:rPr>
               <a:t>Заключение</a:t>
@@ -10048,7 +12690,7 @@
                     <a:lumMod val="50000"/>
                   </a:schemeClr>
                 </a:solidFill>
-                <a:latin typeface="Times New Roman" panose="02020603050405020304" pitchFamily="18" charset="0"/>
+                <a:latin typeface="Fira Sans Condensed" panose="020B0503050000020004" pitchFamily="34" charset="0"/>
                 <a:cs typeface="Times New Roman" panose="02020603050405020304" pitchFamily="18" charset="0"/>
               </a:rPr>
               <a:t>Разработка графического программного обеспечения для визуализации трехмерных объектов</a:t>
@@ -10059,6 +12701,7 @@
                   <a:lumMod val="50000"/>
                 </a:schemeClr>
               </a:solidFill>
+              <a:latin typeface="Fira Sans Condensed" panose="020B0503050000020004" pitchFamily="34" charset="0"/>
             </a:endParaRPr>
           </a:p>
         </p:txBody>
@@ -10187,14 +12830,14 @@
             </a:pPr>
             <a:r>
               <a:rPr lang="ru-RU" sz="800" dirty="0">
-                <a:latin typeface="Times New Roman" panose="02020603050405020304" pitchFamily="18" charset="0"/>
+                <a:latin typeface="Fira Sans Condensed" panose="020B0503050000020004" pitchFamily="34" charset="0"/>
                 <a:cs typeface="Times New Roman" panose="02020603050405020304" pitchFamily="18" charset="0"/>
               </a:rPr>
               <a:t>Интерфейс </a:t>
             </a:r>
             <a:r>
               <a:rPr lang="en-US" sz="800" dirty="0">
-                <a:latin typeface="Times New Roman" panose="02020603050405020304" pitchFamily="18" charset="0"/>
+                <a:latin typeface="Fira Sans Condensed" panose="020B0503050000020004" pitchFamily="34" charset="0"/>
                 <a:cs typeface="Times New Roman" panose="02020603050405020304" pitchFamily="18" charset="0"/>
               </a:rPr>
               <a:t>Unreal Engine 4</a:t>
@@ -10203,7 +12846,7 @@
               <a:solidFill>
                 <a:schemeClr val="tx1"/>
               </a:solidFill>
-              <a:latin typeface="Times New Roman" panose="02020603050405020304" pitchFamily="18" charset="0"/>
+              <a:latin typeface="Fira Sans Condensed" panose="020B0503050000020004" pitchFamily="34" charset="0"/>
               <a:cs typeface="Times New Roman" panose="02020603050405020304" pitchFamily="18" charset="0"/>
             </a:endParaRPr>
           </a:p>
@@ -10277,7 +12920,7 @@
             </a:pPr>
             <a:r>
               <a:rPr lang="ru-RU" sz="1200" spc="-40" dirty="0">
-                <a:latin typeface="Times New Roman" panose="02020603050405020304" pitchFamily="18" charset="0"/>
+                <a:latin typeface="Fira Sans Condensed" panose="020B0503050000020004" pitchFamily="34" charset="0"/>
                 <a:cs typeface="Times New Roman" panose="02020603050405020304" pitchFamily="18" charset="0"/>
               </a:rPr>
               <a:t>Графическое окно </a:t>
@@ -10416,6 +13059,7 @@
                 <a:solidFill>
                   <a:srgbClr val="0070C0"/>
                 </a:solidFill>
+                <a:latin typeface="Fira Sans Condensed" panose="020B0503050000020004" pitchFamily="34" charset="0"/>
               </a:rPr>
               <a:pPr marL="38100">
                 <a:spcBef>
@@ -10428,6 +13072,7 @@
               <a:solidFill>
                 <a:srgbClr val="0070C0"/>
               </a:solidFill>
+              <a:latin typeface="Fira Sans Condensed" panose="020B0503050000020004" pitchFamily="34" charset="0"/>
             </a:endParaRPr>
           </a:p>
         </p:txBody>
@@ -10490,7 +13135,7 @@
         <p:spPr>
           <a:xfrm>
             <a:off x="196936" y="768421"/>
-            <a:ext cx="4216226" cy="923330"/>
+            <a:ext cx="4216226" cy="784830"/>
           </a:xfrm>
           <a:prstGeom prst="rect">
             <a:avLst/>
@@ -10517,7 +13162,7 @@
                 <a:solidFill>
                   <a:schemeClr val="tx1"/>
                 </a:solidFill>
-                <a:latin typeface="Times New Roman" panose="02020603050405020304" pitchFamily="18" charset="0"/>
+                <a:latin typeface="Fira Sans Condensed" panose="020B0503050000020004" pitchFamily="34" charset="0"/>
                 <a:cs typeface="Times New Roman" panose="02020603050405020304" pitchFamily="18" charset="0"/>
               </a:rPr>
               <a:t>Для отображения окна была использована библиотека </a:t>
@@ -10527,7 +13172,7 @@
                 <a:solidFill>
                   <a:schemeClr val="tx1"/>
                 </a:solidFill>
-                <a:latin typeface="Times New Roman" panose="02020603050405020304" pitchFamily="18" charset="0"/>
+                <a:latin typeface="Fira Sans Condensed" panose="020B0503050000020004" pitchFamily="34" charset="0"/>
                 <a:cs typeface="Times New Roman" panose="02020603050405020304" pitchFamily="18" charset="0"/>
               </a:rPr>
               <a:t>GLFW</a:t>
@@ -10537,7 +13182,7 @@
                 <a:solidFill>
                   <a:schemeClr val="tx1"/>
                 </a:solidFill>
-                <a:latin typeface="Times New Roman" panose="02020603050405020304" pitchFamily="18" charset="0"/>
+                <a:latin typeface="Fira Sans Condensed" panose="020B0503050000020004" pitchFamily="34" charset="0"/>
                 <a:cs typeface="Times New Roman" panose="02020603050405020304" pitchFamily="18" charset="0"/>
               </a:rPr>
               <a:t>.</a:t>
@@ -10547,7 +13192,7 @@
                 <a:solidFill>
                   <a:schemeClr val="tx1"/>
                 </a:solidFill>
-                <a:latin typeface="Times New Roman" panose="02020603050405020304" pitchFamily="18" charset="0"/>
+                <a:latin typeface="Fira Sans Condensed" panose="020B0503050000020004" pitchFamily="34" charset="0"/>
                 <a:cs typeface="Times New Roman" panose="02020603050405020304" pitchFamily="18" charset="0"/>
               </a:rPr>
               <a:t> </a:t>
@@ -10557,7 +13202,7 @@
                 <a:solidFill>
                   <a:schemeClr val="tx1"/>
                 </a:solidFill>
-                <a:latin typeface="Times New Roman" panose="02020603050405020304" pitchFamily="18" charset="0"/>
+                <a:latin typeface="Fira Sans Condensed" panose="020B0503050000020004" pitchFamily="34" charset="0"/>
                 <a:cs typeface="Times New Roman" panose="02020603050405020304" pitchFamily="18" charset="0"/>
               </a:rPr>
               <a:t>GLFW представляет собой библиотеку, написанную на языке программирования C, предназначенную для обеспечения </a:t>
@@ -10567,7 +13212,7 @@
                 <a:solidFill>
                   <a:schemeClr val="tx1"/>
                 </a:solidFill>
-                <a:latin typeface="Times New Roman" panose="02020603050405020304" pitchFamily="18" charset="0"/>
+                <a:latin typeface="Fira Sans Condensed" panose="020B0503050000020004" pitchFamily="34" charset="0"/>
                 <a:cs typeface="Times New Roman" panose="02020603050405020304" pitchFamily="18" charset="0"/>
               </a:rPr>
               <a:t>OpenGL</a:t>
@@ -10577,7 +13222,7 @@
                 <a:solidFill>
                   <a:schemeClr val="tx1"/>
                 </a:solidFill>
-                <a:latin typeface="Times New Roman" panose="02020603050405020304" pitchFamily="18" charset="0"/>
+                <a:latin typeface="Fira Sans Condensed" panose="020B0503050000020004" pitchFamily="34" charset="0"/>
                 <a:cs typeface="Times New Roman" panose="02020603050405020304" pitchFamily="18" charset="0"/>
               </a:rPr>
               <a:t> необходимыми </a:t>
@@ -10587,7 +13232,7 @@
                 <a:solidFill>
                   <a:schemeClr val="tx1"/>
                 </a:solidFill>
-                <a:latin typeface="Times New Roman" panose="02020603050405020304" pitchFamily="18" charset="0"/>
+                <a:latin typeface="Fira Sans Condensed" panose="020B0503050000020004" pitchFamily="34" charset="0"/>
                 <a:cs typeface="Times New Roman" panose="02020603050405020304" pitchFamily="18" charset="0"/>
               </a:rPr>
               <a:t>функциональностями</a:t>
@@ -10597,7 +13242,7 @@
                 <a:solidFill>
                   <a:schemeClr val="tx1"/>
                 </a:solidFill>
-                <a:latin typeface="Times New Roman" panose="02020603050405020304" pitchFamily="18" charset="0"/>
+                <a:latin typeface="Fira Sans Condensed" panose="020B0503050000020004" pitchFamily="34" charset="0"/>
                 <a:cs typeface="Times New Roman" panose="02020603050405020304" pitchFamily="18" charset="0"/>
               </a:rPr>
               <a:t> для отрисовки контента на экране. Данная библиотека позволяет создавать контекст, задавать параметры окна и обрабатывать пользовательский ввод.</a:t>
@@ -10606,7 +13251,7 @@
               <a:solidFill>
                 <a:schemeClr val="tx1"/>
               </a:solidFill>
-              <a:latin typeface="Times New Roman" panose="02020603050405020304" pitchFamily="18" charset="0"/>
+              <a:latin typeface="Fira Sans Condensed" panose="020B0503050000020004" pitchFamily="34" charset="0"/>
               <a:cs typeface="Times New Roman" panose="02020603050405020304" pitchFamily="18" charset="0"/>
             </a:endParaRPr>
           </a:p>
@@ -10652,14 +13297,14 @@
                     <a:lumMod val="75000"/>
                   </a:schemeClr>
                 </a:solidFill>
-                <a:latin typeface="Times New Roman" panose="02020603050405020304" pitchFamily="18" charset="0"/>
+                <a:latin typeface="Fira Sans Condensed" panose="020B0503050000020004" pitchFamily="34" charset="0"/>
                 <a:cs typeface="Times New Roman" panose="02020603050405020304" pitchFamily="18" charset="0"/>
               </a:rPr>
               <a:t>Введение</a:t>
             </a:r>
             <a:r>
               <a:rPr lang="ru-RU" sz="800" dirty="0">
-                <a:latin typeface="Times New Roman" panose="02020603050405020304" pitchFamily="18" charset="0"/>
+                <a:latin typeface="Fira Sans Condensed" panose="020B0503050000020004" pitchFamily="34" charset="0"/>
                 <a:cs typeface="Times New Roman" panose="02020603050405020304" pitchFamily="18" charset="0"/>
               </a:rPr>
               <a:t> </a:t>
@@ -10671,7 +13316,7 @@
                     <a:lumMod val="75000"/>
                   </a:schemeClr>
                 </a:solidFill>
-                <a:latin typeface="Times New Roman" panose="02020603050405020304" pitchFamily="18" charset="0"/>
+                <a:latin typeface="Fira Sans Condensed" panose="020B0503050000020004" pitchFamily="34" charset="0"/>
                 <a:cs typeface="Times New Roman" panose="02020603050405020304" pitchFamily="18" charset="0"/>
               </a:rPr>
               <a:t>| </a:t>
@@ -10683,7 +13328,7 @@
                     <a:lumMod val="75000"/>
                   </a:schemeClr>
                 </a:solidFill>
-                <a:latin typeface="Times New Roman" panose="02020603050405020304" pitchFamily="18" charset="0"/>
+                <a:latin typeface="Fira Sans Condensed" panose="020B0503050000020004" pitchFamily="34" charset="0"/>
                 <a:cs typeface="Times New Roman" panose="02020603050405020304" pitchFamily="18" charset="0"/>
               </a:rPr>
               <a:t>Постановка задачи</a:t>
@@ -10695,7 +13340,7 @@
                     <a:lumMod val="75000"/>
                   </a:schemeClr>
                 </a:solidFill>
-                <a:latin typeface="Times New Roman" panose="02020603050405020304" pitchFamily="18" charset="0"/>
+                <a:latin typeface="Fira Sans Condensed" panose="020B0503050000020004" pitchFamily="34" charset="0"/>
                 <a:cs typeface="Times New Roman" panose="02020603050405020304" pitchFamily="18" charset="0"/>
               </a:rPr>
               <a:t> | </a:t>
@@ -10707,7 +13352,7 @@
                     <a:lumMod val="75000"/>
                   </a:schemeClr>
                 </a:solidFill>
-                <a:latin typeface="Times New Roman" panose="02020603050405020304" pitchFamily="18" charset="0"/>
+                <a:latin typeface="Fira Sans Condensed" panose="020B0503050000020004" pitchFamily="34" charset="0"/>
                 <a:cs typeface="Times New Roman" panose="02020603050405020304" pitchFamily="18" charset="0"/>
               </a:rPr>
               <a:t>Актуальность и обзор существующих решений </a:t>
@@ -10719,7 +13364,7 @@
                     <a:lumMod val="75000"/>
                   </a:schemeClr>
                 </a:solidFill>
-                <a:latin typeface="Times New Roman" panose="02020603050405020304" pitchFamily="18" charset="0"/>
+                <a:latin typeface="Fira Sans Condensed" panose="020B0503050000020004" pitchFamily="34" charset="0"/>
                 <a:cs typeface="Times New Roman" panose="02020603050405020304" pitchFamily="18" charset="0"/>
               </a:rPr>
               <a:t>| </a:t>
@@ -10731,7 +13376,7 @@
                     <a:lumMod val="75000"/>
                   </a:schemeClr>
                 </a:solidFill>
-                <a:latin typeface="Times New Roman" panose="02020603050405020304" pitchFamily="18" charset="0"/>
+                <a:latin typeface="Fira Sans Condensed" panose="020B0503050000020004" pitchFamily="34" charset="0"/>
                 <a:cs typeface="Times New Roman" panose="02020603050405020304" pitchFamily="18" charset="0"/>
               </a:rPr>
               <a:t>Прототипирование </a:t>
@@ -10743,7 +13388,7 @@
                     <a:lumMod val="75000"/>
                   </a:schemeClr>
                 </a:solidFill>
-                <a:latin typeface="Times New Roman" panose="02020603050405020304" pitchFamily="18" charset="0"/>
+                <a:latin typeface="Fira Sans Condensed" panose="020B0503050000020004" pitchFamily="34" charset="0"/>
                 <a:cs typeface="Times New Roman" panose="02020603050405020304" pitchFamily="18" charset="0"/>
               </a:rPr>
               <a:t>| </a:t>
@@ -10753,7 +13398,7 @@
                 <a:solidFill>
                   <a:srgbClr val="000000"/>
                 </a:solidFill>
-                <a:latin typeface="Times New Roman" panose="02020603050405020304" pitchFamily="18" charset="0"/>
+                <a:latin typeface="Fira Sans Condensed" panose="020B0503050000020004" pitchFamily="34" charset="0"/>
                 <a:cs typeface="Times New Roman" panose="02020603050405020304" pitchFamily="18" charset="0"/>
               </a:rPr>
               <a:t>Графическое окно </a:t>
@@ -10765,7 +13410,7 @@
                     <a:lumMod val="75000"/>
                   </a:schemeClr>
                 </a:solidFill>
-                <a:latin typeface="Times New Roman" panose="02020603050405020304" pitchFamily="18" charset="0"/>
+                <a:latin typeface="Fira Sans Condensed" panose="020B0503050000020004" pitchFamily="34" charset="0"/>
                 <a:cs typeface="Times New Roman" panose="02020603050405020304" pitchFamily="18" charset="0"/>
               </a:rPr>
               <a:t>| </a:t>
@@ -10777,7 +13422,7 @@
                     <a:lumMod val="75000"/>
                   </a:schemeClr>
                 </a:solidFill>
-                <a:latin typeface="Times New Roman" panose="02020603050405020304" pitchFamily="18" charset="0"/>
+                <a:latin typeface="Fira Sans Condensed" panose="020B0503050000020004" pitchFamily="34" charset="0"/>
                 <a:cs typeface="Times New Roman" panose="02020603050405020304" pitchFamily="18" charset="0"/>
               </a:rPr>
               <a:t>Графический конвейер </a:t>
@@ -10789,7 +13434,7 @@
                     <a:lumMod val="75000"/>
                   </a:schemeClr>
                 </a:solidFill>
-                <a:latin typeface="Times New Roman" panose="02020603050405020304" pitchFamily="18" charset="0"/>
+                <a:latin typeface="Fira Sans Condensed" panose="020B0503050000020004" pitchFamily="34" charset="0"/>
                 <a:cs typeface="Times New Roman" panose="02020603050405020304" pitchFamily="18" charset="0"/>
               </a:rPr>
               <a:t>|</a:t>
@@ -10801,7 +13446,7 @@
                     <a:lumMod val="75000"/>
                   </a:schemeClr>
                 </a:solidFill>
-                <a:latin typeface="Times New Roman" panose="02020603050405020304" pitchFamily="18" charset="0"/>
+                <a:latin typeface="Fira Sans Condensed" panose="020B0503050000020004" pitchFamily="34" charset="0"/>
                 <a:cs typeface="Times New Roman" panose="02020603050405020304" pitchFamily="18" charset="0"/>
               </a:rPr>
               <a:t> Системы координат </a:t>
@@ -10813,7 +13458,7 @@
                     <a:lumMod val="75000"/>
                   </a:schemeClr>
                 </a:solidFill>
-                <a:latin typeface="Times New Roman" panose="02020603050405020304" pitchFamily="18" charset="0"/>
+                <a:latin typeface="Fira Sans Condensed" panose="020B0503050000020004" pitchFamily="34" charset="0"/>
                 <a:cs typeface="Times New Roman" panose="02020603050405020304" pitchFamily="18" charset="0"/>
               </a:rPr>
               <a:t>| </a:t>
@@ -10825,7 +13470,7 @@
                     <a:lumMod val="75000"/>
                   </a:schemeClr>
                 </a:solidFill>
-                <a:latin typeface="Times New Roman" panose="02020603050405020304" pitchFamily="18" charset="0"/>
+                <a:latin typeface="Fira Sans Condensed" panose="020B0503050000020004" pitchFamily="34" charset="0"/>
                 <a:cs typeface="Times New Roman" panose="02020603050405020304" pitchFamily="18" charset="0"/>
               </a:rPr>
               <a:t>Освещение</a:t>
@@ -10837,7 +13482,7 @@
                     <a:lumMod val="75000"/>
                   </a:schemeClr>
                 </a:solidFill>
-                <a:latin typeface="Times New Roman" panose="02020603050405020304" pitchFamily="18" charset="0"/>
+                <a:latin typeface="Fira Sans Condensed" panose="020B0503050000020004" pitchFamily="34" charset="0"/>
                 <a:cs typeface="Times New Roman" panose="02020603050405020304" pitchFamily="18" charset="0"/>
               </a:rPr>
               <a:t> | </a:t>
@@ -10849,7 +13494,7 @@
                     <a:lumMod val="75000"/>
                   </a:schemeClr>
                 </a:solidFill>
-                <a:latin typeface="Times New Roman" panose="02020603050405020304" pitchFamily="18" charset="0"/>
+                <a:latin typeface="Fira Sans Condensed" panose="020B0503050000020004" pitchFamily="34" charset="0"/>
                 <a:cs typeface="Times New Roman" panose="02020603050405020304" pitchFamily="18" charset="0"/>
               </a:rPr>
               <a:t>Система рефлексии </a:t>
@@ -10861,7 +13506,7 @@
                     <a:lumMod val="75000"/>
                   </a:schemeClr>
                 </a:solidFill>
-                <a:latin typeface="Times New Roman" panose="02020603050405020304" pitchFamily="18" charset="0"/>
+                <a:latin typeface="Fira Sans Condensed" panose="020B0503050000020004" pitchFamily="34" charset="0"/>
                 <a:cs typeface="Times New Roman" panose="02020603050405020304" pitchFamily="18" charset="0"/>
               </a:rPr>
               <a:t>|</a:t>
@@ -10876,7 +13521,7 @@
                     <a:lumMod val="75000"/>
                   </a:schemeClr>
                 </a:solidFill>
-                <a:latin typeface="Times New Roman" panose="02020603050405020304" pitchFamily="18" charset="0"/>
+                <a:latin typeface="Fira Sans Condensed" panose="020B0503050000020004" pitchFamily="34" charset="0"/>
                 <a:cs typeface="Times New Roman" panose="02020603050405020304" pitchFamily="18" charset="0"/>
               </a:rPr>
               <a:t>Сборщик мусора</a:t>
@@ -10888,7 +13533,7 @@
                     <a:lumMod val="75000"/>
                   </a:schemeClr>
                 </a:solidFill>
-                <a:latin typeface="Times New Roman" panose="02020603050405020304" pitchFamily="18" charset="0"/>
+                <a:latin typeface="Fira Sans Condensed" panose="020B0503050000020004" pitchFamily="34" charset="0"/>
                 <a:cs typeface="Times New Roman" panose="02020603050405020304" pitchFamily="18" charset="0"/>
               </a:rPr>
               <a:t> | </a:t>
@@ -10900,7 +13545,7 @@
                     <a:lumMod val="75000"/>
                   </a:schemeClr>
                 </a:solidFill>
-                <a:latin typeface="Times New Roman" panose="02020603050405020304" pitchFamily="18" charset="0"/>
+                <a:latin typeface="Fira Sans Condensed" panose="020B0503050000020004" pitchFamily="34" charset="0"/>
                 <a:cs typeface="Times New Roman" panose="02020603050405020304" pitchFamily="18" charset="0"/>
               </a:rPr>
               <a:t>Заключение</a:t>
@@ -10965,7 +13610,7 @@
                     <a:lumMod val="50000"/>
                   </a:schemeClr>
                 </a:solidFill>
-                <a:latin typeface="Times New Roman" panose="02020603050405020304" pitchFamily="18" charset="0"/>
+                <a:latin typeface="Fira Sans Condensed" panose="020B0503050000020004" pitchFamily="34" charset="0"/>
                 <a:cs typeface="Times New Roman" panose="02020603050405020304" pitchFamily="18" charset="0"/>
               </a:rPr>
               <a:t>Разработка графического программного обеспечения для визуализации трехмерных объектов</a:t>
@@ -10976,6 +13621,7 @@
                   <a:lumMod val="50000"/>
                 </a:schemeClr>
               </a:solidFill>
+              <a:latin typeface="Fira Sans Condensed" panose="020B0503050000020004" pitchFamily="34" charset="0"/>
             </a:endParaRPr>
           </a:p>
         </p:txBody>
@@ -11052,7 +13698,7 @@
             </a:pPr>
             <a:r>
               <a:rPr lang="ru-RU" sz="800" dirty="0">
-                <a:latin typeface="Times New Roman" panose="02020603050405020304" pitchFamily="18" charset="0"/>
+                <a:latin typeface="Fira Sans Condensed" panose="020B0503050000020004" pitchFamily="34" charset="0"/>
                 <a:cs typeface="Times New Roman" panose="02020603050405020304" pitchFamily="18" charset="0"/>
               </a:rPr>
               <a:t>Оконное приложение</a:t>
@@ -11061,7 +13707,7 @@
               <a:solidFill>
                 <a:schemeClr val="tx1"/>
               </a:solidFill>
-              <a:latin typeface="Times New Roman" panose="02020603050405020304" pitchFamily="18" charset="0"/>
+              <a:latin typeface="Fira Sans Condensed" panose="020B0503050000020004" pitchFamily="34" charset="0"/>
               <a:cs typeface="Times New Roman" panose="02020603050405020304" pitchFamily="18" charset="0"/>
             </a:endParaRPr>
           </a:p>
@@ -11135,7 +13781,7 @@
             </a:pPr>
             <a:r>
               <a:rPr lang="ru-RU" sz="1200" spc="-40" dirty="0">
-                <a:latin typeface="Times New Roman" panose="02020603050405020304" pitchFamily="18" charset="0"/>
+                <a:latin typeface="Fira Sans Condensed" panose="020B0503050000020004" pitchFamily="34" charset="0"/>
                 <a:cs typeface="Times New Roman" panose="02020603050405020304" pitchFamily="18" charset="0"/>
               </a:rPr>
               <a:t>Графический конвейер </a:t>
@@ -11274,6 +13920,7 @@
                 <a:solidFill>
                   <a:srgbClr val="0070C0"/>
                 </a:solidFill>
+                <a:latin typeface="Fira Sans Condensed" panose="020B0503050000020004" pitchFamily="34" charset="0"/>
               </a:rPr>
               <a:pPr marL="38100">
                 <a:spcBef>
@@ -11286,6 +13933,7 @@
               <a:solidFill>
                 <a:srgbClr val="0070C0"/>
               </a:solidFill>
+              <a:latin typeface="Fira Sans Condensed" panose="020B0503050000020004" pitchFamily="34" charset="0"/>
             </a:endParaRPr>
           </a:p>
         </p:txBody>
@@ -11373,14 +14021,14 @@
                     <a:lumMod val="75000"/>
                   </a:schemeClr>
                 </a:solidFill>
-                <a:latin typeface="Times New Roman" panose="02020603050405020304" pitchFamily="18" charset="0"/>
+                <a:latin typeface="Fira Sans Condensed" panose="020B0503050000020004" pitchFamily="34" charset="0"/>
                 <a:cs typeface="Times New Roman" panose="02020603050405020304" pitchFamily="18" charset="0"/>
               </a:rPr>
               <a:t>Введение</a:t>
             </a:r>
             <a:r>
               <a:rPr lang="ru-RU" sz="800" dirty="0">
-                <a:latin typeface="Times New Roman" panose="02020603050405020304" pitchFamily="18" charset="0"/>
+                <a:latin typeface="Fira Sans Condensed" panose="020B0503050000020004" pitchFamily="34" charset="0"/>
                 <a:cs typeface="Times New Roman" panose="02020603050405020304" pitchFamily="18" charset="0"/>
               </a:rPr>
               <a:t> </a:t>
@@ -11392,7 +14040,7 @@
                     <a:lumMod val="75000"/>
                   </a:schemeClr>
                 </a:solidFill>
-                <a:latin typeface="Times New Roman" panose="02020603050405020304" pitchFamily="18" charset="0"/>
+                <a:latin typeface="Fira Sans Condensed" panose="020B0503050000020004" pitchFamily="34" charset="0"/>
                 <a:cs typeface="Times New Roman" panose="02020603050405020304" pitchFamily="18" charset="0"/>
               </a:rPr>
               <a:t>| </a:t>
@@ -11404,7 +14052,7 @@
                     <a:lumMod val="75000"/>
                   </a:schemeClr>
                 </a:solidFill>
-                <a:latin typeface="Times New Roman" panose="02020603050405020304" pitchFamily="18" charset="0"/>
+                <a:latin typeface="Fira Sans Condensed" panose="020B0503050000020004" pitchFamily="34" charset="0"/>
                 <a:cs typeface="Times New Roman" panose="02020603050405020304" pitchFamily="18" charset="0"/>
               </a:rPr>
               <a:t>Постановка задачи</a:t>
@@ -11416,7 +14064,7 @@
                     <a:lumMod val="75000"/>
                   </a:schemeClr>
                 </a:solidFill>
-                <a:latin typeface="Times New Roman" panose="02020603050405020304" pitchFamily="18" charset="0"/>
+                <a:latin typeface="Fira Sans Condensed" panose="020B0503050000020004" pitchFamily="34" charset="0"/>
                 <a:cs typeface="Times New Roman" panose="02020603050405020304" pitchFamily="18" charset="0"/>
               </a:rPr>
               <a:t> | </a:t>
@@ -11428,7 +14076,7 @@
                     <a:lumMod val="75000"/>
                   </a:schemeClr>
                 </a:solidFill>
-                <a:latin typeface="Times New Roman" panose="02020603050405020304" pitchFamily="18" charset="0"/>
+                <a:latin typeface="Fira Sans Condensed" panose="020B0503050000020004" pitchFamily="34" charset="0"/>
                 <a:cs typeface="Times New Roman" panose="02020603050405020304" pitchFamily="18" charset="0"/>
               </a:rPr>
               <a:t>Актуальность и обзор существующих решений </a:t>
@@ -11440,7 +14088,7 @@
                     <a:lumMod val="75000"/>
                   </a:schemeClr>
                 </a:solidFill>
-                <a:latin typeface="Times New Roman" panose="02020603050405020304" pitchFamily="18" charset="0"/>
+                <a:latin typeface="Fira Sans Condensed" panose="020B0503050000020004" pitchFamily="34" charset="0"/>
                 <a:cs typeface="Times New Roman" panose="02020603050405020304" pitchFamily="18" charset="0"/>
               </a:rPr>
               <a:t>| </a:t>
@@ -11452,7 +14100,7 @@
                     <a:lumMod val="75000"/>
                   </a:schemeClr>
                 </a:solidFill>
-                <a:latin typeface="Times New Roman" panose="02020603050405020304" pitchFamily="18" charset="0"/>
+                <a:latin typeface="Fira Sans Condensed" panose="020B0503050000020004" pitchFamily="34" charset="0"/>
                 <a:cs typeface="Times New Roman" panose="02020603050405020304" pitchFamily="18" charset="0"/>
               </a:rPr>
               <a:t>Прототипирование </a:t>
@@ -11464,7 +14112,7 @@
                     <a:lumMod val="75000"/>
                   </a:schemeClr>
                 </a:solidFill>
-                <a:latin typeface="Times New Roman" panose="02020603050405020304" pitchFamily="18" charset="0"/>
+                <a:latin typeface="Fira Sans Condensed" panose="020B0503050000020004" pitchFamily="34" charset="0"/>
                 <a:cs typeface="Times New Roman" panose="02020603050405020304" pitchFamily="18" charset="0"/>
               </a:rPr>
               <a:t>| </a:t>
@@ -11476,7 +14124,7 @@
                     <a:lumMod val="75000"/>
                   </a:schemeClr>
                 </a:solidFill>
-                <a:latin typeface="Times New Roman" panose="02020603050405020304" pitchFamily="18" charset="0"/>
+                <a:latin typeface="Fira Sans Condensed" panose="020B0503050000020004" pitchFamily="34" charset="0"/>
                 <a:cs typeface="Times New Roman" panose="02020603050405020304" pitchFamily="18" charset="0"/>
               </a:rPr>
               <a:t>Графическое окно </a:t>
@@ -11488,14 +14136,14 @@
                     <a:lumMod val="75000"/>
                   </a:schemeClr>
                 </a:solidFill>
-                <a:latin typeface="Times New Roman" panose="02020603050405020304" pitchFamily="18" charset="0"/>
+                <a:latin typeface="Fira Sans Condensed" panose="020B0503050000020004" pitchFamily="34" charset="0"/>
                 <a:cs typeface="Times New Roman" panose="02020603050405020304" pitchFamily="18" charset="0"/>
               </a:rPr>
               <a:t>| </a:t>
             </a:r>
             <a:r>
               <a:rPr lang="ru-RU" sz="800" dirty="0">
-                <a:latin typeface="Times New Roman" panose="02020603050405020304" pitchFamily="18" charset="0"/>
+                <a:latin typeface="Fira Sans Condensed" panose="020B0503050000020004" pitchFamily="34" charset="0"/>
                 <a:cs typeface="Times New Roman" panose="02020603050405020304" pitchFamily="18" charset="0"/>
               </a:rPr>
               <a:t>Графический конвейер </a:t>
@@ -11507,7 +14155,7 @@
                     <a:lumMod val="75000"/>
                   </a:schemeClr>
                 </a:solidFill>
-                <a:latin typeface="Times New Roman" panose="02020603050405020304" pitchFamily="18" charset="0"/>
+                <a:latin typeface="Fira Sans Condensed" panose="020B0503050000020004" pitchFamily="34" charset="0"/>
                 <a:cs typeface="Times New Roman" panose="02020603050405020304" pitchFamily="18" charset="0"/>
               </a:rPr>
               <a:t>|</a:t>
@@ -11519,7 +14167,7 @@
                     <a:lumMod val="75000"/>
                   </a:schemeClr>
                 </a:solidFill>
-                <a:latin typeface="Times New Roman" panose="02020603050405020304" pitchFamily="18" charset="0"/>
+                <a:latin typeface="Fira Sans Condensed" panose="020B0503050000020004" pitchFamily="34" charset="0"/>
                 <a:cs typeface="Times New Roman" panose="02020603050405020304" pitchFamily="18" charset="0"/>
               </a:rPr>
               <a:t> Системы координат </a:t>
@@ -11531,7 +14179,7 @@
                     <a:lumMod val="75000"/>
                   </a:schemeClr>
                 </a:solidFill>
-                <a:latin typeface="Times New Roman" panose="02020603050405020304" pitchFamily="18" charset="0"/>
+                <a:latin typeface="Fira Sans Condensed" panose="020B0503050000020004" pitchFamily="34" charset="0"/>
                 <a:cs typeface="Times New Roman" panose="02020603050405020304" pitchFamily="18" charset="0"/>
               </a:rPr>
               <a:t>| </a:t>
@@ -11543,7 +14191,7 @@
                     <a:lumMod val="75000"/>
                   </a:schemeClr>
                 </a:solidFill>
-                <a:latin typeface="Times New Roman" panose="02020603050405020304" pitchFamily="18" charset="0"/>
+                <a:latin typeface="Fira Sans Condensed" panose="020B0503050000020004" pitchFamily="34" charset="0"/>
                 <a:cs typeface="Times New Roman" panose="02020603050405020304" pitchFamily="18" charset="0"/>
               </a:rPr>
               <a:t>Освещение</a:t>
@@ -11555,7 +14203,7 @@
                     <a:lumMod val="75000"/>
                   </a:schemeClr>
                 </a:solidFill>
-                <a:latin typeface="Times New Roman" panose="02020603050405020304" pitchFamily="18" charset="0"/>
+                <a:latin typeface="Fira Sans Condensed" panose="020B0503050000020004" pitchFamily="34" charset="0"/>
                 <a:cs typeface="Times New Roman" panose="02020603050405020304" pitchFamily="18" charset="0"/>
               </a:rPr>
               <a:t> | </a:t>
@@ -11567,7 +14215,7 @@
                     <a:lumMod val="75000"/>
                   </a:schemeClr>
                 </a:solidFill>
-                <a:latin typeface="Times New Roman" panose="02020603050405020304" pitchFamily="18" charset="0"/>
+                <a:latin typeface="Fira Sans Condensed" panose="020B0503050000020004" pitchFamily="34" charset="0"/>
                 <a:cs typeface="Times New Roman" panose="02020603050405020304" pitchFamily="18" charset="0"/>
               </a:rPr>
               <a:t>Система рефлексии </a:t>
@@ -11579,7 +14227,7 @@
                     <a:lumMod val="75000"/>
                   </a:schemeClr>
                 </a:solidFill>
-                <a:latin typeface="Times New Roman" panose="02020603050405020304" pitchFamily="18" charset="0"/>
+                <a:latin typeface="Fira Sans Condensed" panose="020B0503050000020004" pitchFamily="34" charset="0"/>
                 <a:cs typeface="Times New Roman" panose="02020603050405020304" pitchFamily="18" charset="0"/>
               </a:rPr>
               <a:t>|</a:t>
@@ -11594,7 +14242,7 @@
                     <a:lumMod val="75000"/>
                   </a:schemeClr>
                 </a:solidFill>
-                <a:latin typeface="Times New Roman" panose="02020603050405020304" pitchFamily="18" charset="0"/>
+                <a:latin typeface="Fira Sans Condensed" panose="020B0503050000020004" pitchFamily="34" charset="0"/>
                 <a:cs typeface="Times New Roman" panose="02020603050405020304" pitchFamily="18" charset="0"/>
               </a:rPr>
               <a:t>Сборщик мусора</a:t>
@@ -11606,7 +14254,7 @@
                     <a:lumMod val="75000"/>
                   </a:schemeClr>
                 </a:solidFill>
-                <a:latin typeface="Times New Roman" panose="02020603050405020304" pitchFamily="18" charset="0"/>
+                <a:latin typeface="Fira Sans Condensed" panose="020B0503050000020004" pitchFamily="34" charset="0"/>
                 <a:cs typeface="Times New Roman" panose="02020603050405020304" pitchFamily="18" charset="0"/>
               </a:rPr>
               <a:t> | </a:t>
@@ -11618,7 +14266,7 @@
                     <a:lumMod val="75000"/>
                   </a:schemeClr>
                 </a:solidFill>
-                <a:latin typeface="Times New Roman" panose="02020603050405020304" pitchFamily="18" charset="0"/>
+                <a:latin typeface="Fira Sans Condensed" panose="020B0503050000020004" pitchFamily="34" charset="0"/>
                 <a:cs typeface="Times New Roman" panose="02020603050405020304" pitchFamily="18" charset="0"/>
               </a:rPr>
               <a:t>Заключение</a:t>
@@ -11683,7 +14331,7 @@
                     <a:lumMod val="50000"/>
                   </a:schemeClr>
                 </a:solidFill>
-                <a:latin typeface="Times New Roman" panose="02020603050405020304" pitchFamily="18" charset="0"/>
+                <a:latin typeface="Fira Sans Condensed" panose="020B0503050000020004" pitchFamily="34" charset="0"/>
                 <a:cs typeface="Times New Roman" panose="02020603050405020304" pitchFamily="18" charset="0"/>
               </a:rPr>
               <a:t>Разработка графического программного обеспечения для визуализации трехмерных объектов</a:t>
@@ -11694,6 +14342,7 @@
                   <a:lumMod val="50000"/>
                 </a:schemeClr>
               </a:solidFill>
+              <a:latin typeface="Fira Sans Condensed" panose="020B0503050000020004" pitchFamily="34" charset="0"/>
             </a:endParaRPr>
           </a:p>
         </p:txBody>
@@ -11740,7 +14389,7 @@
                 <a:solidFill>
                   <a:schemeClr val="tx1"/>
                 </a:solidFill>
-                <a:latin typeface="Times New Roman" panose="02020603050405020304" pitchFamily="18" charset="0"/>
+                <a:latin typeface="Fira Sans Condensed" panose="020B0503050000020004" pitchFamily="34" charset="0"/>
                 <a:cs typeface="Times New Roman" panose="02020603050405020304" pitchFamily="18" charset="0"/>
               </a:rPr>
               <a:t>В </a:t>
@@ -11750,7 +14399,7 @@
                 <a:solidFill>
                   <a:schemeClr val="tx1"/>
                 </a:solidFill>
-                <a:latin typeface="Times New Roman" panose="02020603050405020304" pitchFamily="18" charset="0"/>
+                <a:latin typeface="Fira Sans Condensed" panose="020B0503050000020004" pitchFamily="34" charset="0"/>
                 <a:cs typeface="Times New Roman" panose="02020603050405020304" pitchFamily="18" charset="0"/>
               </a:rPr>
               <a:t>OpenGL</a:t>
@@ -11760,14 +14409,14 @@
                 <a:solidFill>
                   <a:schemeClr val="tx1"/>
                 </a:solidFill>
-                <a:latin typeface="Times New Roman" panose="02020603050405020304" pitchFamily="18" charset="0"/>
+                <a:latin typeface="Fira Sans Condensed" panose="020B0503050000020004" pitchFamily="34" charset="0"/>
                 <a:cs typeface="Times New Roman" panose="02020603050405020304" pitchFamily="18" charset="0"/>
               </a:rPr>
               <a:t> все объекты находятся в трёхмерном пространстве, однако экран и окно представляют собой двумерную матрицу пикселей. Следовательно, значительная часть задач OpenGL связана с преобразованием трёхмерных координат в двумерные для отображения на экране. Этот процесс преобразования управляется </a:t>
             </a:r>
             <a:r>
               <a:rPr lang="ru-RU" sz="900" b="1" dirty="0">
-                <a:latin typeface="Times New Roman" panose="02020603050405020304" pitchFamily="18" charset="0"/>
+                <a:latin typeface="Fira Sans Condensed" panose="020B0503050000020004" pitchFamily="34" charset="0"/>
                 <a:cs typeface="Times New Roman" panose="02020603050405020304" pitchFamily="18" charset="0"/>
               </a:rPr>
               <a:t>графическим конвейером OpenGL</a:t>
@@ -11777,7 +14426,7 @@
                 <a:solidFill>
                   <a:schemeClr val="tx1"/>
                 </a:solidFill>
-                <a:latin typeface="Times New Roman" panose="02020603050405020304" pitchFamily="18" charset="0"/>
+                <a:latin typeface="Fira Sans Condensed" panose="020B0503050000020004" pitchFamily="34" charset="0"/>
                 <a:cs typeface="Times New Roman" panose="02020603050405020304" pitchFamily="18" charset="0"/>
               </a:rPr>
               <a:t>.</a:t>
@@ -11786,7 +14435,7 @@
               <a:solidFill>
                 <a:schemeClr val="tx1"/>
               </a:solidFill>
-              <a:latin typeface="Times New Roman" panose="02020603050405020304" pitchFamily="18" charset="0"/>
+              <a:latin typeface="Fira Sans Condensed" panose="020B0503050000020004" pitchFamily="34" charset="0"/>
               <a:cs typeface="Times New Roman" panose="02020603050405020304" pitchFamily="18" charset="0"/>
             </a:endParaRPr>
           </a:p>
@@ -11875,7 +14524,7 @@
             </a:pPr>
             <a:r>
               <a:rPr lang="ru-RU" sz="800" dirty="0">
-                <a:latin typeface="Times New Roman" panose="02020603050405020304" pitchFamily="18" charset="0"/>
+                <a:latin typeface="Fira Sans Condensed" panose="020B0503050000020004" pitchFamily="34" charset="0"/>
                 <a:cs typeface="Times New Roman" panose="02020603050405020304" pitchFamily="18" charset="0"/>
               </a:rPr>
               <a:t>Графический конвейер</a:t>
@@ -11884,7 +14533,7 @@
               <a:solidFill>
                 <a:schemeClr val="tx1"/>
               </a:solidFill>
-              <a:latin typeface="Times New Roman" panose="02020603050405020304" pitchFamily="18" charset="0"/>
+              <a:latin typeface="Fira Sans Condensed" panose="020B0503050000020004" pitchFamily="34" charset="0"/>
               <a:cs typeface="Times New Roman" panose="02020603050405020304" pitchFamily="18" charset="0"/>
             </a:endParaRPr>
           </a:p>
@@ -11962,7 +14611,7 @@
             </a:pPr>
             <a:r>
               <a:rPr lang="ru-RU" sz="800" dirty="0">
-                <a:latin typeface="Times New Roman" panose="02020603050405020304" pitchFamily="18" charset="0"/>
+                <a:latin typeface="Fira Sans Condensed" panose="020B0503050000020004" pitchFamily="34" charset="0"/>
                 <a:cs typeface="Times New Roman" panose="02020603050405020304" pitchFamily="18" charset="0"/>
               </a:rPr>
               <a:t>Пример работы</a:t>
@@ -11971,7 +14620,7 @@
               <a:solidFill>
                 <a:schemeClr val="tx1"/>
               </a:solidFill>
-              <a:latin typeface="Times New Roman" panose="02020603050405020304" pitchFamily="18" charset="0"/>
+              <a:latin typeface="Fira Sans Condensed" panose="020B0503050000020004" pitchFamily="34" charset="0"/>
               <a:cs typeface="Times New Roman" panose="02020603050405020304" pitchFamily="18" charset="0"/>
             </a:endParaRPr>
           </a:p>
@@ -12048,13 +14697,13 @@
                 <a:solidFill>
                   <a:schemeClr val="tx1"/>
                 </a:solidFill>
-                <a:latin typeface="Times New Roman" panose="02020603050405020304" pitchFamily="18" charset="0"/>
+                <a:latin typeface="Fira Sans Condensed" panose="020B0503050000020004" pitchFamily="34" charset="0"/>
                 <a:cs typeface="Times New Roman" panose="02020603050405020304" pitchFamily="18" charset="0"/>
               </a:rPr>
               <a:t>Системы координат </a:t>
             </a:r>
             <a:endParaRPr lang="ru-RU" sz="1200" spc="-40" dirty="0">
-              <a:latin typeface="Times New Roman" panose="02020603050405020304" pitchFamily="18" charset="0"/>
+              <a:latin typeface="Fira Sans Condensed" panose="020B0503050000020004" pitchFamily="34" charset="0"/>
               <a:cs typeface="Times New Roman" panose="02020603050405020304" pitchFamily="18" charset="0"/>
             </a:endParaRPr>
           </a:p>
@@ -12191,6 +14840,7 @@
                 <a:solidFill>
                   <a:srgbClr val="0070C0"/>
                 </a:solidFill>
+                <a:latin typeface="Fira Sans Condensed" panose="020B0503050000020004" pitchFamily="34" charset="0"/>
               </a:rPr>
               <a:pPr marL="38100">
                 <a:spcBef>
@@ -12203,6 +14853,7 @@
               <a:solidFill>
                 <a:srgbClr val="0070C0"/>
               </a:solidFill>
+              <a:latin typeface="Fira Sans Condensed" panose="020B0503050000020004" pitchFamily="34" charset="0"/>
             </a:endParaRPr>
           </a:p>
         </p:txBody>
@@ -12290,14 +14941,14 @@
                     <a:lumMod val="75000"/>
                   </a:schemeClr>
                 </a:solidFill>
-                <a:latin typeface="Times New Roman" panose="02020603050405020304" pitchFamily="18" charset="0"/>
+                <a:latin typeface="Fira Sans Condensed" panose="020B0503050000020004" pitchFamily="34" charset="0"/>
                 <a:cs typeface="Times New Roman" panose="02020603050405020304" pitchFamily="18" charset="0"/>
               </a:rPr>
               <a:t>Введение</a:t>
             </a:r>
             <a:r>
               <a:rPr lang="ru-RU" sz="800" dirty="0">
-                <a:latin typeface="Times New Roman" panose="02020603050405020304" pitchFamily="18" charset="0"/>
+                <a:latin typeface="Fira Sans Condensed" panose="020B0503050000020004" pitchFamily="34" charset="0"/>
                 <a:cs typeface="Times New Roman" panose="02020603050405020304" pitchFamily="18" charset="0"/>
               </a:rPr>
               <a:t> </a:t>
@@ -12309,7 +14960,7 @@
                     <a:lumMod val="75000"/>
                   </a:schemeClr>
                 </a:solidFill>
-                <a:latin typeface="Times New Roman" panose="02020603050405020304" pitchFamily="18" charset="0"/>
+                <a:latin typeface="Fira Sans Condensed" panose="020B0503050000020004" pitchFamily="34" charset="0"/>
                 <a:cs typeface="Times New Roman" panose="02020603050405020304" pitchFamily="18" charset="0"/>
               </a:rPr>
               <a:t>| </a:t>
@@ -12321,7 +14972,7 @@
                     <a:lumMod val="75000"/>
                   </a:schemeClr>
                 </a:solidFill>
-                <a:latin typeface="Times New Roman" panose="02020603050405020304" pitchFamily="18" charset="0"/>
+                <a:latin typeface="Fira Sans Condensed" panose="020B0503050000020004" pitchFamily="34" charset="0"/>
                 <a:cs typeface="Times New Roman" panose="02020603050405020304" pitchFamily="18" charset="0"/>
               </a:rPr>
               <a:t>Постановка задачи</a:t>
@@ -12333,7 +14984,7 @@
                     <a:lumMod val="75000"/>
                   </a:schemeClr>
                 </a:solidFill>
-                <a:latin typeface="Times New Roman" panose="02020603050405020304" pitchFamily="18" charset="0"/>
+                <a:latin typeface="Fira Sans Condensed" panose="020B0503050000020004" pitchFamily="34" charset="0"/>
                 <a:cs typeface="Times New Roman" panose="02020603050405020304" pitchFamily="18" charset="0"/>
               </a:rPr>
               <a:t> | </a:t>
@@ -12345,7 +14996,7 @@
                     <a:lumMod val="75000"/>
                   </a:schemeClr>
                 </a:solidFill>
-                <a:latin typeface="Times New Roman" panose="02020603050405020304" pitchFamily="18" charset="0"/>
+                <a:latin typeface="Fira Sans Condensed" panose="020B0503050000020004" pitchFamily="34" charset="0"/>
                 <a:cs typeface="Times New Roman" panose="02020603050405020304" pitchFamily="18" charset="0"/>
               </a:rPr>
               <a:t>Актуальность и обзор существующих решений </a:t>
@@ -12357,7 +15008,7 @@
                     <a:lumMod val="75000"/>
                   </a:schemeClr>
                 </a:solidFill>
-                <a:latin typeface="Times New Roman" panose="02020603050405020304" pitchFamily="18" charset="0"/>
+                <a:latin typeface="Fira Sans Condensed" panose="020B0503050000020004" pitchFamily="34" charset="0"/>
                 <a:cs typeface="Times New Roman" panose="02020603050405020304" pitchFamily="18" charset="0"/>
               </a:rPr>
               <a:t>| </a:t>
@@ -12369,7 +15020,7 @@
                     <a:lumMod val="75000"/>
                   </a:schemeClr>
                 </a:solidFill>
-                <a:latin typeface="Times New Roman" panose="02020603050405020304" pitchFamily="18" charset="0"/>
+                <a:latin typeface="Fira Sans Condensed" panose="020B0503050000020004" pitchFamily="34" charset="0"/>
                 <a:cs typeface="Times New Roman" panose="02020603050405020304" pitchFamily="18" charset="0"/>
               </a:rPr>
               <a:t>Прототипирование </a:t>
@@ -12381,7 +15032,7 @@
                     <a:lumMod val="75000"/>
                   </a:schemeClr>
                 </a:solidFill>
-                <a:latin typeface="Times New Roman" panose="02020603050405020304" pitchFamily="18" charset="0"/>
+                <a:latin typeface="Fira Sans Condensed" panose="020B0503050000020004" pitchFamily="34" charset="0"/>
                 <a:cs typeface="Times New Roman" panose="02020603050405020304" pitchFamily="18" charset="0"/>
               </a:rPr>
               <a:t>| </a:t>
@@ -12393,7 +15044,7 @@
                     <a:lumMod val="75000"/>
                   </a:schemeClr>
                 </a:solidFill>
-                <a:latin typeface="Times New Roman" panose="02020603050405020304" pitchFamily="18" charset="0"/>
+                <a:latin typeface="Fira Sans Condensed" panose="020B0503050000020004" pitchFamily="34" charset="0"/>
                 <a:cs typeface="Times New Roman" panose="02020603050405020304" pitchFamily="18" charset="0"/>
               </a:rPr>
               <a:t>Графическое окно </a:t>
@@ -12405,7 +15056,7 @@
                     <a:lumMod val="75000"/>
                   </a:schemeClr>
                 </a:solidFill>
-                <a:latin typeface="Times New Roman" panose="02020603050405020304" pitchFamily="18" charset="0"/>
+                <a:latin typeface="Fira Sans Condensed" panose="020B0503050000020004" pitchFamily="34" charset="0"/>
                 <a:cs typeface="Times New Roman" panose="02020603050405020304" pitchFamily="18" charset="0"/>
               </a:rPr>
               <a:t>| </a:t>
@@ -12417,7 +15068,7 @@
                     <a:lumMod val="75000"/>
                   </a:schemeClr>
                 </a:solidFill>
-                <a:latin typeface="Times New Roman" panose="02020603050405020304" pitchFamily="18" charset="0"/>
+                <a:latin typeface="Fira Sans Condensed" panose="020B0503050000020004" pitchFamily="34" charset="0"/>
                 <a:cs typeface="Times New Roman" panose="02020603050405020304" pitchFamily="18" charset="0"/>
               </a:rPr>
               <a:t>Графический конвейер </a:t>
@@ -12429,7 +15080,7 @@
                     <a:lumMod val="75000"/>
                   </a:schemeClr>
                 </a:solidFill>
-                <a:latin typeface="Times New Roman" panose="02020603050405020304" pitchFamily="18" charset="0"/>
+                <a:latin typeface="Fira Sans Condensed" panose="020B0503050000020004" pitchFamily="34" charset="0"/>
                 <a:cs typeface="Times New Roman" panose="02020603050405020304" pitchFamily="18" charset="0"/>
               </a:rPr>
               <a:t>|</a:t>
@@ -12441,14 +15092,14 @@
                     <a:lumMod val="75000"/>
                   </a:schemeClr>
                 </a:solidFill>
-                <a:latin typeface="Times New Roman" panose="02020603050405020304" pitchFamily="18" charset="0"/>
+                <a:latin typeface="Fira Sans Condensed" panose="020B0503050000020004" pitchFamily="34" charset="0"/>
                 <a:cs typeface="Times New Roman" panose="02020603050405020304" pitchFamily="18" charset="0"/>
               </a:rPr>
               <a:t> </a:t>
             </a:r>
             <a:r>
               <a:rPr lang="ru-RU" sz="800" dirty="0">
-                <a:latin typeface="Times New Roman" panose="02020603050405020304" pitchFamily="18" charset="0"/>
+                <a:latin typeface="Fira Sans Condensed" panose="020B0503050000020004" pitchFamily="34" charset="0"/>
                 <a:cs typeface="Times New Roman" panose="02020603050405020304" pitchFamily="18" charset="0"/>
               </a:rPr>
               <a:t>Системы координат </a:t>
@@ -12460,7 +15111,7 @@
                     <a:lumMod val="75000"/>
                   </a:schemeClr>
                 </a:solidFill>
-                <a:latin typeface="Times New Roman" panose="02020603050405020304" pitchFamily="18" charset="0"/>
+                <a:latin typeface="Fira Sans Condensed" panose="020B0503050000020004" pitchFamily="34" charset="0"/>
                 <a:cs typeface="Times New Roman" panose="02020603050405020304" pitchFamily="18" charset="0"/>
               </a:rPr>
               <a:t>| </a:t>
@@ -12472,7 +15123,7 @@
                     <a:lumMod val="75000"/>
                   </a:schemeClr>
                 </a:solidFill>
-                <a:latin typeface="Times New Roman" panose="02020603050405020304" pitchFamily="18" charset="0"/>
+                <a:latin typeface="Fira Sans Condensed" panose="020B0503050000020004" pitchFamily="34" charset="0"/>
                 <a:cs typeface="Times New Roman" panose="02020603050405020304" pitchFamily="18" charset="0"/>
               </a:rPr>
               <a:t>Освещение</a:t>
@@ -12484,7 +15135,7 @@
                     <a:lumMod val="75000"/>
                   </a:schemeClr>
                 </a:solidFill>
-                <a:latin typeface="Times New Roman" panose="02020603050405020304" pitchFamily="18" charset="0"/>
+                <a:latin typeface="Fira Sans Condensed" panose="020B0503050000020004" pitchFamily="34" charset="0"/>
                 <a:cs typeface="Times New Roman" panose="02020603050405020304" pitchFamily="18" charset="0"/>
               </a:rPr>
               <a:t> | </a:t>
@@ -12496,7 +15147,7 @@
                     <a:lumMod val="75000"/>
                   </a:schemeClr>
                 </a:solidFill>
-                <a:latin typeface="Times New Roman" panose="02020603050405020304" pitchFamily="18" charset="0"/>
+                <a:latin typeface="Fira Sans Condensed" panose="020B0503050000020004" pitchFamily="34" charset="0"/>
                 <a:cs typeface="Times New Roman" panose="02020603050405020304" pitchFamily="18" charset="0"/>
               </a:rPr>
               <a:t>Система рефлексии </a:t>
@@ -12508,7 +15159,7 @@
                     <a:lumMod val="75000"/>
                   </a:schemeClr>
                 </a:solidFill>
-                <a:latin typeface="Times New Roman" panose="02020603050405020304" pitchFamily="18" charset="0"/>
+                <a:latin typeface="Fira Sans Condensed" panose="020B0503050000020004" pitchFamily="34" charset="0"/>
                 <a:cs typeface="Times New Roman" panose="02020603050405020304" pitchFamily="18" charset="0"/>
               </a:rPr>
               <a:t>|</a:t>
@@ -12523,7 +15174,7 @@
                     <a:lumMod val="75000"/>
                   </a:schemeClr>
                 </a:solidFill>
-                <a:latin typeface="Times New Roman" panose="02020603050405020304" pitchFamily="18" charset="0"/>
+                <a:latin typeface="Fira Sans Condensed" panose="020B0503050000020004" pitchFamily="34" charset="0"/>
                 <a:cs typeface="Times New Roman" panose="02020603050405020304" pitchFamily="18" charset="0"/>
               </a:rPr>
               <a:t>Сборщик мусора</a:t>
@@ -12535,7 +15186,7 @@
                     <a:lumMod val="75000"/>
                   </a:schemeClr>
                 </a:solidFill>
-                <a:latin typeface="Times New Roman" panose="02020603050405020304" pitchFamily="18" charset="0"/>
+                <a:latin typeface="Fira Sans Condensed" panose="020B0503050000020004" pitchFamily="34" charset="0"/>
                 <a:cs typeface="Times New Roman" panose="02020603050405020304" pitchFamily="18" charset="0"/>
               </a:rPr>
               <a:t> | </a:t>
@@ -12547,7 +15198,7 @@
                     <a:lumMod val="75000"/>
                   </a:schemeClr>
                 </a:solidFill>
-                <a:latin typeface="Times New Roman" panose="02020603050405020304" pitchFamily="18" charset="0"/>
+                <a:latin typeface="Fira Sans Condensed" panose="020B0503050000020004" pitchFamily="34" charset="0"/>
                 <a:cs typeface="Times New Roman" panose="02020603050405020304" pitchFamily="18" charset="0"/>
               </a:rPr>
               <a:t>Заключение</a:t>
@@ -12612,7 +15263,7 @@
                     <a:lumMod val="50000"/>
                   </a:schemeClr>
                 </a:solidFill>
-                <a:latin typeface="Times New Roman" panose="02020603050405020304" pitchFamily="18" charset="0"/>
+                <a:latin typeface="Fira Sans Condensed" panose="020B0503050000020004" pitchFamily="34" charset="0"/>
                 <a:cs typeface="Times New Roman" panose="02020603050405020304" pitchFamily="18" charset="0"/>
               </a:rPr>
               <a:t>Разработка графического программного обеспечения для визуализации трехмерных объектов</a:t>
@@ -12623,6 +15274,7 @@
                   <a:lumMod val="50000"/>
                 </a:schemeClr>
               </a:solidFill>
+              <a:latin typeface="Fira Sans Condensed" panose="020B0503050000020004" pitchFamily="34" charset="0"/>
             </a:endParaRPr>
           </a:p>
         </p:txBody>
@@ -12699,7 +15351,7 @@
             </a:pPr>
             <a:r>
               <a:rPr lang="ru-RU" sz="800" dirty="0">
-                <a:latin typeface="Times New Roman" panose="02020603050405020304" pitchFamily="18" charset="0"/>
+                <a:latin typeface="Fira Sans Condensed" panose="020B0503050000020004" pitchFamily="34" charset="0"/>
                 <a:cs typeface="Times New Roman" panose="02020603050405020304" pitchFamily="18" charset="0"/>
               </a:rPr>
               <a:t>Пример работы</a:t>
@@ -12708,14 +15360,14 @@
               <a:solidFill>
                 <a:schemeClr val="tx1"/>
               </a:solidFill>
-              <a:latin typeface="Times New Roman" panose="02020603050405020304" pitchFamily="18" charset="0"/>
+              <a:latin typeface="Fira Sans Condensed" panose="020B0503050000020004" pitchFamily="34" charset="0"/>
               <a:cs typeface="Times New Roman" panose="02020603050405020304" pitchFamily="18" charset="0"/>
             </a:endParaRPr>
           </a:p>
         </p:txBody>
       </p:sp>
-      <mc:AlternateContent xmlns:mc="http://schemas.openxmlformats.org/markup-compatibility/2006" xmlns:a14="http://schemas.microsoft.com/office/drawing/2010/main">
-        <mc:Choice Requires="a14">
+      <mc:AlternateContent xmlns:mc="http://schemas.openxmlformats.org/markup-compatibility/2006">
+        <mc:Choice xmlns:a14="http://schemas.microsoft.com/office/drawing/2010/main" Requires="a14">
           <p:sp>
             <p:nvSpPr>
               <p:cNvPr id="14" name="TextBox 13">
@@ -12758,7 +15410,7 @@
                     <a:solidFill>
                       <a:schemeClr val="tx1"/>
                     </a:solidFill>
-                    <a:latin typeface="Times New Roman" panose="02020603050405020304" pitchFamily="18" charset="0"/>
+                    <a:latin typeface="Fira Sans Condensed" panose="020B0503050000020004" pitchFamily="34" charset="0"/>
                     <a:cs typeface="Times New Roman" panose="02020603050405020304" pitchFamily="18" charset="0"/>
                   </a:rPr>
                   <a:t>Преобразование координат происходит в несколько этапов: из нормализованных координат в экранные координаты через промежуточные координатные системы. Для преобразования координат из одного пространства в другое используются несколько матриц трансформации, среди которых являются матрицы </a:t>
@@ -12768,7 +15420,7 @@
                     <a:solidFill>
                       <a:schemeClr val="tx1"/>
                     </a:solidFill>
-                    <a:latin typeface="Times New Roman" panose="02020603050405020304" pitchFamily="18" charset="0"/>
+                    <a:latin typeface="Fira Sans Condensed" panose="020B0503050000020004" pitchFamily="34" charset="0"/>
                     <a:cs typeface="Times New Roman" panose="02020603050405020304" pitchFamily="18" charset="0"/>
                   </a:rPr>
                   <a:t>Модели</a:t>
@@ -12778,7 +15430,7 @@
                     <a:solidFill>
                       <a:schemeClr val="tx1"/>
                     </a:solidFill>
-                    <a:latin typeface="Times New Roman" panose="02020603050405020304" pitchFamily="18" charset="0"/>
+                    <a:latin typeface="Fira Sans Condensed" panose="020B0503050000020004" pitchFamily="34" charset="0"/>
                     <a:cs typeface="Times New Roman" panose="02020603050405020304" pitchFamily="18" charset="0"/>
                   </a:rPr>
                   <a:t>, </a:t>
@@ -12788,7 +15440,7 @@
                     <a:solidFill>
                       <a:schemeClr val="tx1"/>
                     </a:solidFill>
-                    <a:latin typeface="Times New Roman" panose="02020603050405020304" pitchFamily="18" charset="0"/>
+                    <a:latin typeface="Fira Sans Condensed" panose="020B0503050000020004" pitchFamily="34" charset="0"/>
                     <a:cs typeface="Times New Roman" panose="02020603050405020304" pitchFamily="18" charset="0"/>
                   </a:rPr>
                   <a:t>Вида</a:t>
@@ -12798,7 +15450,7 @@
                     <a:solidFill>
                       <a:schemeClr val="tx1"/>
                     </a:solidFill>
-                    <a:latin typeface="Times New Roman" panose="02020603050405020304" pitchFamily="18" charset="0"/>
+                    <a:latin typeface="Fira Sans Condensed" panose="020B0503050000020004" pitchFamily="34" charset="0"/>
                     <a:cs typeface="Times New Roman" panose="02020603050405020304" pitchFamily="18" charset="0"/>
                   </a:rPr>
                   <a:t> и </a:t>
@@ -12808,7 +15460,7 @@
                     <a:solidFill>
                       <a:schemeClr val="tx1"/>
                     </a:solidFill>
-                    <a:latin typeface="Times New Roman" panose="02020603050405020304" pitchFamily="18" charset="0"/>
+                    <a:latin typeface="Fira Sans Condensed" panose="020B0503050000020004" pitchFamily="34" charset="0"/>
                     <a:cs typeface="Times New Roman" panose="02020603050405020304" pitchFamily="18" charset="0"/>
                   </a:rPr>
                   <a:t>Проекции</a:t>
@@ -12818,7 +15470,7 @@
                     <a:solidFill>
                       <a:schemeClr val="tx1"/>
                     </a:solidFill>
-                    <a:latin typeface="Times New Roman" panose="02020603050405020304" pitchFamily="18" charset="0"/>
+                    <a:latin typeface="Fira Sans Condensed" panose="020B0503050000020004" pitchFamily="34" charset="0"/>
                     <a:cs typeface="Times New Roman" panose="02020603050405020304" pitchFamily="18" charset="0"/>
                   </a:rPr>
                   <a:t>. Координата вершины преобразуется в координаты пространства отсечения следующим образом:</a:t>
@@ -12838,7 +15490,7 @@
                   <a:solidFill>
                     <a:schemeClr val="tx1"/>
                   </a:solidFill>
-                  <a:latin typeface="Times New Roman" panose="02020603050405020304" pitchFamily="18" charset="0"/>
+                  <a:latin typeface="Fira Sans Condensed" panose="020B0503050000020004" pitchFamily="34" charset="0"/>
                   <a:cs typeface="Times New Roman" panose="02020603050405020304" pitchFamily="18" charset="0"/>
                 </a:endParaRPr>
               </a:p>
@@ -13121,7 +15773,7 @@
                     <a:srgbClr val="000000"/>
                   </a:solidFill>
                   <a:effectLst/>
-                  <a:latin typeface="Times New Roman" panose="02020603050405020304" pitchFamily="18" charset="0"/>
+                  <a:latin typeface="Fira Sans Condensed" panose="020B0503050000020004" pitchFamily="34" charset="0"/>
                   <a:ea typeface="Times New Roman" panose="02020603050405020304" pitchFamily="18" charset="0"/>
                   <a:cs typeface="Times New Roman" panose="02020603050405020304" pitchFamily="18" charset="0"/>
                 </a:endParaRPr>
@@ -13140,14 +15792,14 @@
                   <a:solidFill>
                     <a:schemeClr val="tx1"/>
                   </a:solidFill>
-                  <a:latin typeface="Times New Roman" panose="02020603050405020304" pitchFamily="18" charset="0"/>
+                  <a:latin typeface="Fira Sans Condensed" panose="020B0503050000020004" pitchFamily="34" charset="0"/>
                   <a:cs typeface="Times New Roman" panose="02020603050405020304" pitchFamily="18" charset="0"/>
                 </a:endParaRPr>
               </a:p>
             </p:txBody>
           </p:sp>
         </mc:Choice>
-        <mc:Fallback xmlns="">
+        <mc:Fallback>
           <p:sp>
             <p:nvSpPr>
               <p:cNvPr id="14" name="TextBox 13">
@@ -13275,7 +15927,7 @@
             </a:pPr>
             <a:r>
               <a:rPr lang="ru-RU" sz="800" dirty="0">
-                <a:latin typeface="Times New Roman" panose="02020603050405020304" pitchFamily="18" charset="0"/>
+                <a:latin typeface="Fira Sans Condensed" panose="020B0503050000020004" pitchFamily="34" charset="0"/>
                 <a:cs typeface="Times New Roman" panose="02020603050405020304" pitchFamily="18" charset="0"/>
               </a:rPr>
               <a:t>Преобразование координат </a:t>
@@ -13284,7 +15936,7 @@
               <a:solidFill>
                 <a:schemeClr val="tx1"/>
               </a:solidFill>
-              <a:latin typeface="Times New Roman" panose="02020603050405020304" pitchFamily="18" charset="0"/>
+              <a:latin typeface="Fira Sans Condensed" panose="020B0503050000020004" pitchFamily="34" charset="0"/>
               <a:cs typeface="Times New Roman" panose="02020603050405020304" pitchFamily="18" charset="0"/>
             </a:endParaRPr>
           </a:p>
@@ -13361,13 +16013,13 @@
                 <a:solidFill>
                   <a:schemeClr val="tx1"/>
                 </a:solidFill>
-                <a:latin typeface="Times New Roman" panose="02020603050405020304" pitchFamily="18" charset="0"/>
+                <a:latin typeface="Fira Sans Condensed" panose="020B0503050000020004" pitchFamily="34" charset="0"/>
                 <a:cs typeface="Times New Roman" panose="02020603050405020304" pitchFamily="18" charset="0"/>
               </a:rPr>
               <a:t>Освещение</a:t>
             </a:r>
             <a:endParaRPr sz="1200" spc="-40" dirty="0">
-              <a:latin typeface="Times New Roman" panose="02020603050405020304" pitchFamily="18" charset="0"/>
+              <a:latin typeface="Fira Sans Condensed" panose="020B0503050000020004" pitchFamily="34" charset="0"/>
               <a:cs typeface="Times New Roman" panose="02020603050405020304" pitchFamily="18" charset="0"/>
             </a:endParaRPr>
           </a:p>
@@ -13504,6 +16156,7 @@
                 <a:solidFill>
                   <a:srgbClr val="0070C0"/>
                 </a:solidFill>
+                <a:latin typeface="Fira Sans Condensed" panose="020B0503050000020004" pitchFamily="34" charset="0"/>
               </a:rPr>
               <a:pPr marL="38100">
                 <a:spcBef>
@@ -13516,6 +16169,7 @@
               <a:solidFill>
                 <a:srgbClr val="0070C0"/>
               </a:solidFill>
+              <a:latin typeface="Fira Sans Condensed" panose="020B0503050000020004" pitchFamily="34" charset="0"/>
             </a:endParaRPr>
           </a:p>
         </p:txBody>
@@ -13605,7 +16259,7 @@
                 <a:solidFill>
                   <a:schemeClr val="tx1"/>
                 </a:solidFill>
-                <a:latin typeface="Times New Roman" panose="02020603050405020304" pitchFamily="18" charset="0"/>
+                <a:latin typeface="Fira Sans Condensed" panose="020B0503050000020004" pitchFamily="34" charset="0"/>
                 <a:cs typeface="Times New Roman" panose="02020603050405020304" pitchFamily="18" charset="0"/>
               </a:rPr>
               <a:t>Распространение света в реальном мире представляет собой чрезвычайно сложное явление, зависящее от множества факторов. В условиях ограниченных вычислительных ресурсов мы не можем позволить себе учитывать все нюансы в расчетах. Поэтому освещение в OpenGL базируется на использовании упрощенных математических моделей, приближенных к реальности. Одной из таких моделей является модель освещения по </a:t>
@@ -13615,7 +16269,7 @@
                 <a:solidFill>
                   <a:schemeClr val="tx1"/>
                 </a:solidFill>
-                <a:latin typeface="Times New Roman" panose="02020603050405020304" pitchFamily="18" charset="0"/>
+                <a:latin typeface="Fira Sans Condensed" panose="020B0503050000020004" pitchFamily="34" charset="0"/>
                 <a:cs typeface="Times New Roman" panose="02020603050405020304" pitchFamily="18" charset="0"/>
               </a:rPr>
               <a:t>Фонгу</a:t>
@@ -13625,14 +16279,14 @@
                 <a:solidFill>
                   <a:schemeClr val="tx1"/>
                 </a:solidFill>
-                <a:latin typeface="Times New Roman" panose="02020603050405020304" pitchFamily="18" charset="0"/>
+                <a:latin typeface="Fira Sans Condensed" panose="020B0503050000020004" pitchFamily="34" charset="0"/>
                 <a:cs typeface="Times New Roman" panose="02020603050405020304" pitchFamily="18" charset="0"/>
               </a:rPr>
               <a:t>. Она состоит из трех основных компонентов: </a:t>
             </a:r>
             <a:r>
               <a:rPr lang="en-US" sz="900" b="1" dirty="0">
-                <a:latin typeface="Times New Roman" panose="02020603050405020304" pitchFamily="18" charset="0"/>
+                <a:latin typeface="Fira Sans Condensed" panose="020B0503050000020004" pitchFamily="34" charset="0"/>
                 <a:cs typeface="Times New Roman" panose="02020603050405020304" pitchFamily="18" charset="0"/>
               </a:rPr>
               <a:t>a</a:t>
@@ -13642,7 +16296,7 @@
                 <a:solidFill>
                   <a:schemeClr val="tx1"/>
                 </a:solidFill>
-                <a:latin typeface="Times New Roman" panose="02020603050405020304" pitchFamily="18" charset="0"/>
+                <a:latin typeface="Fira Sans Condensed" panose="020B0503050000020004" pitchFamily="34" charset="0"/>
                 <a:cs typeface="Times New Roman" panose="02020603050405020304" pitchFamily="18" charset="0"/>
               </a:rPr>
               <a:t>mbient</a:t>
@@ -13652,7 +16306,7 @@
                 <a:solidFill>
                   <a:schemeClr val="tx1"/>
                 </a:solidFill>
-                <a:latin typeface="Times New Roman" panose="02020603050405020304" pitchFamily="18" charset="0"/>
+                <a:latin typeface="Fira Sans Condensed" panose="020B0503050000020004" pitchFamily="34" charset="0"/>
                 <a:cs typeface="Times New Roman" panose="02020603050405020304" pitchFamily="18" charset="0"/>
               </a:rPr>
               <a:t>, </a:t>
@@ -13662,7 +16316,7 @@
                 <a:solidFill>
                   <a:schemeClr val="tx1"/>
                 </a:solidFill>
-                <a:latin typeface="Times New Roman" panose="02020603050405020304" pitchFamily="18" charset="0"/>
+                <a:latin typeface="Fira Sans Condensed" panose="020B0503050000020004" pitchFamily="34" charset="0"/>
                 <a:cs typeface="Times New Roman" panose="02020603050405020304" pitchFamily="18" charset="0"/>
               </a:rPr>
               <a:t>diffuse</a:t>
@@ -13672,7 +16326,7 @@
                 <a:solidFill>
                   <a:schemeClr val="tx1"/>
                 </a:solidFill>
-                <a:latin typeface="Times New Roman" panose="02020603050405020304" pitchFamily="18" charset="0"/>
+                <a:latin typeface="Fira Sans Condensed" panose="020B0503050000020004" pitchFamily="34" charset="0"/>
                 <a:cs typeface="Times New Roman" panose="02020603050405020304" pitchFamily="18" charset="0"/>
               </a:rPr>
               <a:t>, </a:t>
@@ -13682,7 +16336,7 @@
                 <a:solidFill>
                   <a:schemeClr val="tx1"/>
                 </a:solidFill>
-                <a:latin typeface="Times New Roman" panose="02020603050405020304" pitchFamily="18" charset="0"/>
+                <a:latin typeface="Fira Sans Condensed" panose="020B0503050000020004" pitchFamily="34" charset="0"/>
                 <a:cs typeface="Times New Roman" panose="02020603050405020304" pitchFamily="18" charset="0"/>
               </a:rPr>
               <a:t>specular</a:t>
@@ -13692,7 +16346,7 @@
                 <a:solidFill>
                   <a:schemeClr val="tx1"/>
                 </a:solidFill>
-                <a:latin typeface="Times New Roman" panose="02020603050405020304" pitchFamily="18" charset="0"/>
+                <a:latin typeface="Fira Sans Condensed" panose="020B0503050000020004" pitchFamily="34" charset="0"/>
                 <a:cs typeface="Times New Roman" panose="02020603050405020304" pitchFamily="18" charset="0"/>
               </a:rPr>
               <a:t>.</a:t>
@@ -13701,7 +16355,7 @@
               <a:solidFill>
                 <a:schemeClr val="tx1"/>
               </a:solidFill>
-              <a:latin typeface="Times New Roman" panose="02020603050405020304" pitchFamily="18" charset="0"/>
+              <a:latin typeface="Fira Sans Condensed" panose="020B0503050000020004" pitchFamily="34" charset="0"/>
               <a:cs typeface="Times New Roman" panose="02020603050405020304" pitchFamily="18" charset="0"/>
             </a:endParaRPr>
           </a:p>
@@ -13747,14 +16401,14 @@
                     <a:lumMod val="75000"/>
                   </a:schemeClr>
                 </a:solidFill>
-                <a:latin typeface="Times New Roman" panose="02020603050405020304" pitchFamily="18" charset="0"/>
+                <a:latin typeface="Fira Sans Condensed" panose="020B0503050000020004" pitchFamily="34" charset="0"/>
                 <a:cs typeface="Times New Roman" panose="02020603050405020304" pitchFamily="18" charset="0"/>
               </a:rPr>
               <a:t>Введение</a:t>
             </a:r>
             <a:r>
               <a:rPr lang="ru-RU" sz="800" dirty="0">
-                <a:latin typeface="Times New Roman" panose="02020603050405020304" pitchFamily="18" charset="0"/>
+                <a:latin typeface="Fira Sans Condensed" panose="020B0503050000020004" pitchFamily="34" charset="0"/>
                 <a:cs typeface="Times New Roman" panose="02020603050405020304" pitchFamily="18" charset="0"/>
               </a:rPr>
               <a:t> </a:t>
@@ -13766,7 +16420,7 @@
                     <a:lumMod val="75000"/>
                   </a:schemeClr>
                 </a:solidFill>
-                <a:latin typeface="Times New Roman" panose="02020603050405020304" pitchFamily="18" charset="0"/>
+                <a:latin typeface="Fira Sans Condensed" panose="020B0503050000020004" pitchFamily="34" charset="0"/>
                 <a:cs typeface="Times New Roman" panose="02020603050405020304" pitchFamily="18" charset="0"/>
               </a:rPr>
               <a:t>| </a:t>
@@ -13778,7 +16432,7 @@
                     <a:lumMod val="75000"/>
                   </a:schemeClr>
                 </a:solidFill>
-                <a:latin typeface="Times New Roman" panose="02020603050405020304" pitchFamily="18" charset="0"/>
+                <a:latin typeface="Fira Sans Condensed" panose="020B0503050000020004" pitchFamily="34" charset="0"/>
                 <a:cs typeface="Times New Roman" panose="02020603050405020304" pitchFamily="18" charset="0"/>
               </a:rPr>
               <a:t>Постановка задачи</a:t>
@@ -13790,7 +16444,7 @@
                     <a:lumMod val="75000"/>
                   </a:schemeClr>
                 </a:solidFill>
-                <a:latin typeface="Times New Roman" panose="02020603050405020304" pitchFamily="18" charset="0"/>
+                <a:latin typeface="Fira Sans Condensed" panose="020B0503050000020004" pitchFamily="34" charset="0"/>
                 <a:cs typeface="Times New Roman" panose="02020603050405020304" pitchFamily="18" charset="0"/>
               </a:rPr>
               <a:t> | </a:t>
@@ -13802,7 +16456,7 @@
                     <a:lumMod val="75000"/>
                   </a:schemeClr>
                 </a:solidFill>
-                <a:latin typeface="Times New Roman" panose="02020603050405020304" pitchFamily="18" charset="0"/>
+                <a:latin typeface="Fira Sans Condensed" panose="020B0503050000020004" pitchFamily="34" charset="0"/>
                 <a:cs typeface="Times New Roman" panose="02020603050405020304" pitchFamily="18" charset="0"/>
               </a:rPr>
               <a:t>Актуальность и обзор существующих решений </a:t>
@@ -13814,7 +16468,7 @@
                     <a:lumMod val="75000"/>
                   </a:schemeClr>
                 </a:solidFill>
-                <a:latin typeface="Times New Roman" panose="02020603050405020304" pitchFamily="18" charset="0"/>
+                <a:latin typeface="Fira Sans Condensed" panose="020B0503050000020004" pitchFamily="34" charset="0"/>
                 <a:cs typeface="Times New Roman" panose="02020603050405020304" pitchFamily="18" charset="0"/>
               </a:rPr>
               <a:t>| </a:t>
@@ -13826,7 +16480,7 @@
                     <a:lumMod val="75000"/>
                   </a:schemeClr>
                 </a:solidFill>
-                <a:latin typeface="Times New Roman" panose="02020603050405020304" pitchFamily="18" charset="0"/>
+                <a:latin typeface="Fira Sans Condensed" panose="020B0503050000020004" pitchFamily="34" charset="0"/>
                 <a:cs typeface="Times New Roman" panose="02020603050405020304" pitchFamily="18" charset="0"/>
               </a:rPr>
               <a:t>Прототипирование </a:t>
@@ -13838,7 +16492,7 @@
                     <a:lumMod val="75000"/>
                   </a:schemeClr>
                 </a:solidFill>
-                <a:latin typeface="Times New Roman" panose="02020603050405020304" pitchFamily="18" charset="0"/>
+                <a:latin typeface="Fira Sans Condensed" panose="020B0503050000020004" pitchFamily="34" charset="0"/>
                 <a:cs typeface="Times New Roman" panose="02020603050405020304" pitchFamily="18" charset="0"/>
               </a:rPr>
               <a:t>| </a:t>
@@ -13850,7 +16504,7 @@
                     <a:lumMod val="75000"/>
                   </a:schemeClr>
                 </a:solidFill>
-                <a:latin typeface="Times New Roman" panose="02020603050405020304" pitchFamily="18" charset="0"/>
+                <a:latin typeface="Fira Sans Condensed" panose="020B0503050000020004" pitchFamily="34" charset="0"/>
                 <a:cs typeface="Times New Roman" panose="02020603050405020304" pitchFamily="18" charset="0"/>
               </a:rPr>
               <a:t>Графическое окно </a:t>
@@ -13862,7 +16516,7 @@
                     <a:lumMod val="75000"/>
                   </a:schemeClr>
                 </a:solidFill>
-                <a:latin typeface="Times New Roman" panose="02020603050405020304" pitchFamily="18" charset="0"/>
+                <a:latin typeface="Fira Sans Condensed" panose="020B0503050000020004" pitchFamily="34" charset="0"/>
                 <a:cs typeface="Times New Roman" panose="02020603050405020304" pitchFamily="18" charset="0"/>
               </a:rPr>
               <a:t>| </a:t>
@@ -13874,7 +16528,7 @@
                     <a:lumMod val="75000"/>
                   </a:schemeClr>
                 </a:solidFill>
-                <a:latin typeface="Times New Roman" panose="02020603050405020304" pitchFamily="18" charset="0"/>
+                <a:latin typeface="Fira Sans Condensed" panose="020B0503050000020004" pitchFamily="34" charset="0"/>
                 <a:cs typeface="Times New Roman" panose="02020603050405020304" pitchFamily="18" charset="0"/>
               </a:rPr>
               <a:t>Графический конвейер </a:t>
@@ -13886,7 +16540,7 @@
                     <a:lumMod val="75000"/>
                   </a:schemeClr>
                 </a:solidFill>
-                <a:latin typeface="Times New Roman" panose="02020603050405020304" pitchFamily="18" charset="0"/>
+                <a:latin typeface="Fira Sans Condensed" panose="020B0503050000020004" pitchFamily="34" charset="0"/>
                 <a:cs typeface="Times New Roman" panose="02020603050405020304" pitchFamily="18" charset="0"/>
               </a:rPr>
               <a:t>|</a:t>
@@ -13898,7 +16552,7 @@
                     <a:lumMod val="75000"/>
                   </a:schemeClr>
                 </a:solidFill>
-                <a:latin typeface="Times New Roman" panose="02020603050405020304" pitchFamily="18" charset="0"/>
+                <a:latin typeface="Fira Sans Condensed" panose="020B0503050000020004" pitchFamily="34" charset="0"/>
                 <a:cs typeface="Times New Roman" panose="02020603050405020304" pitchFamily="18" charset="0"/>
               </a:rPr>
               <a:t> Системы координат </a:t>
@@ -13910,14 +16564,14 @@
                     <a:lumMod val="75000"/>
                   </a:schemeClr>
                 </a:solidFill>
-                <a:latin typeface="Times New Roman" panose="02020603050405020304" pitchFamily="18" charset="0"/>
+                <a:latin typeface="Fira Sans Condensed" panose="020B0503050000020004" pitchFamily="34" charset="0"/>
                 <a:cs typeface="Times New Roman" panose="02020603050405020304" pitchFamily="18" charset="0"/>
               </a:rPr>
               <a:t>| </a:t>
             </a:r>
             <a:r>
               <a:rPr lang="ru-RU" sz="800" dirty="0">
-                <a:latin typeface="Times New Roman" panose="02020603050405020304" pitchFamily="18" charset="0"/>
+                <a:latin typeface="Fira Sans Condensed" panose="020B0503050000020004" pitchFamily="34" charset="0"/>
                 <a:cs typeface="Times New Roman" panose="02020603050405020304" pitchFamily="18" charset="0"/>
               </a:rPr>
               <a:t>Освещение</a:t>
@@ -13929,7 +16583,7 @@
                     <a:lumMod val="75000"/>
                   </a:schemeClr>
                 </a:solidFill>
-                <a:latin typeface="Times New Roman" panose="02020603050405020304" pitchFamily="18" charset="0"/>
+                <a:latin typeface="Fira Sans Condensed" panose="020B0503050000020004" pitchFamily="34" charset="0"/>
                 <a:cs typeface="Times New Roman" panose="02020603050405020304" pitchFamily="18" charset="0"/>
               </a:rPr>
               <a:t> | </a:t>
@@ -13941,7 +16595,7 @@
                     <a:lumMod val="75000"/>
                   </a:schemeClr>
                 </a:solidFill>
-                <a:latin typeface="Times New Roman" panose="02020603050405020304" pitchFamily="18" charset="0"/>
+                <a:latin typeface="Fira Sans Condensed" panose="020B0503050000020004" pitchFamily="34" charset="0"/>
                 <a:cs typeface="Times New Roman" panose="02020603050405020304" pitchFamily="18" charset="0"/>
               </a:rPr>
               <a:t>Система рефлексии </a:t>
@@ -13953,7 +16607,7 @@
                     <a:lumMod val="75000"/>
                   </a:schemeClr>
                 </a:solidFill>
-                <a:latin typeface="Times New Roman" panose="02020603050405020304" pitchFamily="18" charset="0"/>
+                <a:latin typeface="Fira Sans Condensed" panose="020B0503050000020004" pitchFamily="34" charset="0"/>
                 <a:cs typeface="Times New Roman" panose="02020603050405020304" pitchFamily="18" charset="0"/>
               </a:rPr>
               <a:t>|</a:t>
@@ -13968,7 +16622,7 @@
                     <a:lumMod val="75000"/>
                   </a:schemeClr>
                 </a:solidFill>
-                <a:latin typeface="Times New Roman" panose="02020603050405020304" pitchFamily="18" charset="0"/>
+                <a:latin typeface="Fira Sans Condensed" panose="020B0503050000020004" pitchFamily="34" charset="0"/>
                 <a:cs typeface="Times New Roman" panose="02020603050405020304" pitchFamily="18" charset="0"/>
               </a:rPr>
               <a:t>Сборщик мусора</a:t>
@@ -13980,7 +16634,7 @@
                     <a:lumMod val="75000"/>
                   </a:schemeClr>
                 </a:solidFill>
-                <a:latin typeface="Times New Roman" panose="02020603050405020304" pitchFamily="18" charset="0"/>
+                <a:latin typeface="Fira Sans Condensed" panose="020B0503050000020004" pitchFamily="34" charset="0"/>
                 <a:cs typeface="Times New Roman" panose="02020603050405020304" pitchFamily="18" charset="0"/>
               </a:rPr>
               <a:t> | </a:t>
@@ -13992,7 +16646,7 @@
                     <a:lumMod val="75000"/>
                   </a:schemeClr>
                 </a:solidFill>
-                <a:latin typeface="Times New Roman" panose="02020603050405020304" pitchFamily="18" charset="0"/>
+                <a:latin typeface="Fira Sans Condensed" panose="020B0503050000020004" pitchFamily="34" charset="0"/>
                 <a:cs typeface="Times New Roman" panose="02020603050405020304" pitchFamily="18" charset="0"/>
               </a:rPr>
               <a:t>Заключение</a:t>
@@ -14057,7 +16711,7 @@
                     <a:lumMod val="50000"/>
                   </a:schemeClr>
                 </a:solidFill>
-                <a:latin typeface="Times New Roman" panose="02020603050405020304" pitchFamily="18" charset="0"/>
+                <a:latin typeface="Fira Sans Condensed" panose="020B0503050000020004" pitchFamily="34" charset="0"/>
                 <a:cs typeface="Times New Roman" panose="02020603050405020304" pitchFamily="18" charset="0"/>
               </a:rPr>
               <a:t>Разработка графического программного обеспечения для визуализации трехмерных объектов</a:t>
@@ -14068,6 +16722,7 @@
                   <a:lumMod val="50000"/>
                 </a:schemeClr>
               </a:solidFill>
+              <a:latin typeface="Fira Sans Condensed" panose="020B0503050000020004" pitchFamily="34" charset="0"/>
             </a:endParaRPr>
           </a:p>
         </p:txBody>
@@ -14185,7 +16840,7 @@
             </a:pPr>
             <a:r>
               <a:rPr lang="ru-RU" sz="800" dirty="0">
-                <a:latin typeface="Times New Roman" panose="02020603050405020304" pitchFamily="18" charset="0"/>
+                <a:latin typeface="Fira Sans Condensed" panose="020B0503050000020004" pitchFamily="34" charset="0"/>
                 <a:cs typeface="Times New Roman" panose="02020603050405020304" pitchFamily="18" charset="0"/>
               </a:rPr>
               <a:t>Пример работы</a:t>
@@ -14194,7 +16849,7 @@
               <a:solidFill>
                 <a:schemeClr val="tx1"/>
               </a:solidFill>
-              <a:latin typeface="Times New Roman" panose="02020603050405020304" pitchFamily="18" charset="0"/>
+              <a:latin typeface="Fira Sans Condensed" panose="020B0503050000020004" pitchFamily="34" charset="0"/>
               <a:cs typeface="Times New Roman" panose="02020603050405020304" pitchFamily="18" charset="0"/>
             </a:endParaRPr>
           </a:p>
@@ -14242,7 +16897,7 @@
             </a:pPr>
             <a:r>
               <a:rPr lang="ru-RU" sz="800" dirty="0">
-                <a:latin typeface="Times New Roman" panose="02020603050405020304" pitchFamily="18" charset="0"/>
+                <a:latin typeface="Fira Sans Condensed" panose="020B0503050000020004" pitchFamily="34" charset="0"/>
                 <a:cs typeface="Times New Roman" panose="02020603050405020304" pitchFamily="18" charset="0"/>
               </a:rPr>
               <a:t>Компоненты освещения</a:t>
@@ -14251,7 +16906,7 @@
               <a:solidFill>
                 <a:schemeClr val="tx1"/>
               </a:solidFill>
-              <a:latin typeface="Times New Roman" panose="02020603050405020304" pitchFamily="18" charset="0"/>
+              <a:latin typeface="Fira Sans Condensed" panose="020B0503050000020004" pitchFamily="34" charset="0"/>
               <a:cs typeface="Times New Roman" panose="02020603050405020304" pitchFamily="18" charset="0"/>
             </a:endParaRPr>
           </a:p>

--- a/MIMAPS/presentation/Presentation.pptx
+++ b/MIMAPS/presentation/Presentation.pptx
@@ -5,22 +5,20 @@
     <p:sldMasterId id="2147483648" r:id="rId1"/>
   </p:sldMasterIdLst>
   <p:notesMasterIdLst>
-    <p:notesMasterId r:id="rId15"/>
+    <p:notesMasterId r:id="rId13"/>
   </p:notesMasterIdLst>
   <p:sldIdLst>
     <p:sldId id="256" r:id="rId2"/>
-    <p:sldId id="273" r:id="rId3"/>
-    <p:sldId id="276" r:id="rId4"/>
-    <p:sldId id="277" r:id="rId5"/>
-    <p:sldId id="278" r:id="rId6"/>
-    <p:sldId id="279" r:id="rId7"/>
-    <p:sldId id="280" r:id="rId8"/>
-    <p:sldId id="281" r:id="rId9"/>
-    <p:sldId id="282" r:id="rId10"/>
-    <p:sldId id="283" r:id="rId11"/>
-    <p:sldId id="285" r:id="rId12"/>
-    <p:sldId id="286" r:id="rId13"/>
-    <p:sldId id="274" r:id="rId14"/>
+    <p:sldId id="276" r:id="rId3"/>
+    <p:sldId id="277" r:id="rId4"/>
+    <p:sldId id="278" r:id="rId5"/>
+    <p:sldId id="279" r:id="rId6"/>
+    <p:sldId id="280" r:id="rId7"/>
+    <p:sldId id="281" r:id="rId8"/>
+    <p:sldId id="282" r:id="rId9"/>
+    <p:sldId id="283" r:id="rId10"/>
+    <p:sldId id="285" r:id="rId11"/>
+    <p:sldId id="286" r:id="rId12"/>
   </p:sldIdLst>
   <p:sldSz cx="4610100" cy="3460750"/>
   <p:notesSz cx="4610100" cy="3460750"/>
@@ -220,7 +218,7 @@
           <a:p>
             <a:fld id="{9C547ADD-9021-4B56-9704-593FA2B92072}" type="datetimeFigureOut">
               <a:rPr lang="ru-RU" smtClean="0"/>
-              <a:t>16.03.2025</a:t>
+              <a:t>19.03.2025</a:t>
             </a:fld>
             <a:endParaRPr lang="ru-RU"/>
           </a:p>
@@ -531,6 +529,191 @@
           <a:bodyPr/>
           <a:lstStyle/>
           <a:p>
+            <a:pPr>
+              <a:lnSpc>
+                <a:spcPct val="107000"/>
+              </a:lnSpc>
+              <a:spcAft>
+                <a:spcPts val="800"/>
+              </a:spcAft>
+            </a:pPr>
+            <a:r>
+              <a:rPr lang="ru-RU" sz="1800" b="1" dirty="0">
+                <a:effectLst/>
+                <a:latin typeface="Times New Roman" panose="02020603050405020304" pitchFamily="18" charset="0"/>
+                <a:ea typeface="Calibri" panose="020F0502020204030204" pitchFamily="34" charset="0"/>
+                <a:cs typeface="Times New Roman" panose="02020603050405020304" pitchFamily="18" charset="0"/>
+              </a:rPr>
+              <a:t>Цель работы: </a:t>
+            </a:r>
+            <a:r>
+              <a:rPr lang="ru-RU" sz="1800" dirty="0">
+                <a:effectLst/>
+                <a:latin typeface="Times New Roman" panose="02020603050405020304" pitchFamily="18" charset="0"/>
+                <a:ea typeface="Calibri" panose="020F0502020204030204" pitchFamily="34" charset="0"/>
+                <a:cs typeface="Times New Roman" panose="02020603050405020304" pitchFamily="18" charset="0"/>
+              </a:rPr>
+              <a:t>Разработка графического программного обеспечения для визуализации трехмерных объектов.</a:t>
+            </a:r>
+            <a:endParaRPr lang="ru-RU" sz="1800" dirty="0">
+              <a:effectLst/>
+              <a:latin typeface="Calibri" panose="020F0502020204030204" pitchFamily="34" charset="0"/>
+              <a:ea typeface="Calibri" panose="020F0502020204030204" pitchFamily="34" charset="0"/>
+              <a:cs typeface="Times New Roman" panose="02020603050405020304" pitchFamily="18" charset="0"/>
+            </a:endParaRPr>
+          </a:p>
+          <a:p>
+            <a:pPr>
+              <a:lnSpc>
+                <a:spcPct val="107000"/>
+              </a:lnSpc>
+              <a:spcAft>
+                <a:spcPts val="800"/>
+              </a:spcAft>
+            </a:pPr>
+            <a:r>
+              <a:rPr lang="ru-RU" sz="1800" b="1" dirty="0">
+                <a:effectLst/>
+                <a:latin typeface="Times New Roman" panose="02020603050405020304" pitchFamily="18" charset="0"/>
+                <a:ea typeface="Calibri" panose="020F0502020204030204" pitchFamily="34" charset="0"/>
+                <a:cs typeface="Times New Roman" panose="02020603050405020304" pitchFamily="18" charset="0"/>
+              </a:rPr>
+              <a:t>Задачи:</a:t>
+            </a:r>
+            <a:endParaRPr lang="ru-RU" sz="1800" dirty="0">
+              <a:effectLst/>
+              <a:latin typeface="Calibri" panose="020F0502020204030204" pitchFamily="34" charset="0"/>
+              <a:ea typeface="Calibri" panose="020F0502020204030204" pitchFamily="34" charset="0"/>
+              <a:cs typeface="Times New Roman" panose="02020603050405020304" pitchFamily="18" charset="0"/>
+            </a:endParaRPr>
+          </a:p>
+          <a:p>
+            <a:pPr marL="342900" lvl="0" indent="-342900">
+              <a:lnSpc>
+                <a:spcPct val="107000"/>
+              </a:lnSpc>
+              <a:spcAft>
+                <a:spcPts val="800"/>
+              </a:spcAft>
+              <a:buFont typeface="Arial" panose="020B0604020202020204" pitchFamily="34" charset="0"/>
+              <a:buChar char="•"/>
+              <a:tabLst>
+                <a:tab pos="457200" algn="l"/>
+              </a:tabLst>
+            </a:pPr>
+            <a:r>
+              <a:rPr lang="ru-RU" sz="1800" dirty="0">
+                <a:effectLst/>
+                <a:latin typeface="Times New Roman" panose="02020603050405020304" pitchFamily="18" charset="0"/>
+                <a:ea typeface="Calibri" panose="020F0502020204030204" pitchFamily="34" charset="0"/>
+                <a:cs typeface="Times New Roman" panose="02020603050405020304" pitchFamily="18" charset="0"/>
+              </a:rPr>
+              <a:t>Отображение </a:t>
+            </a:r>
+            <a:r>
+              <a:rPr lang="ru-RU" sz="1800" b="1" dirty="0">
+                <a:effectLst/>
+                <a:latin typeface="Times New Roman" panose="02020603050405020304" pitchFamily="18" charset="0"/>
+                <a:ea typeface="Calibri" panose="020F0502020204030204" pitchFamily="34" charset="0"/>
+                <a:cs typeface="Times New Roman" panose="02020603050405020304" pitchFamily="18" charset="0"/>
+              </a:rPr>
+              <a:t>трехмерных объектов </a:t>
+            </a:r>
+            <a:r>
+              <a:rPr lang="ru-RU" sz="1800" dirty="0">
+                <a:effectLst/>
+                <a:latin typeface="Times New Roman" panose="02020603050405020304" pitchFamily="18" charset="0"/>
+                <a:ea typeface="Calibri" panose="020F0502020204030204" pitchFamily="34" charset="0"/>
+                <a:cs typeface="Times New Roman" panose="02020603050405020304" pitchFamily="18" charset="0"/>
+              </a:rPr>
+              <a:t>с возможностью кастомизации</a:t>
+            </a:r>
+            <a:endParaRPr lang="ru-RU" sz="1800" dirty="0">
+              <a:effectLst/>
+              <a:latin typeface="Calibri" panose="020F0502020204030204" pitchFamily="34" charset="0"/>
+              <a:ea typeface="Calibri" panose="020F0502020204030204" pitchFamily="34" charset="0"/>
+              <a:cs typeface="Times New Roman" panose="02020603050405020304" pitchFamily="18" charset="0"/>
+            </a:endParaRPr>
+          </a:p>
+          <a:p>
+            <a:pPr marL="342900" lvl="0" indent="-342900">
+              <a:lnSpc>
+                <a:spcPct val="107000"/>
+              </a:lnSpc>
+              <a:spcAft>
+                <a:spcPts val="800"/>
+              </a:spcAft>
+              <a:buFont typeface="Arial" panose="020B0604020202020204" pitchFamily="34" charset="0"/>
+              <a:buChar char="•"/>
+              <a:tabLst>
+                <a:tab pos="457200" algn="l"/>
+              </a:tabLst>
+            </a:pPr>
+            <a:r>
+              <a:rPr lang="ru-RU" sz="1800" b="1" dirty="0">
+                <a:effectLst/>
+                <a:latin typeface="Times New Roman" panose="02020603050405020304" pitchFamily="18" charset="0"/>
+                <a:ea typeface="Calibri" panose="020F0502020204030204" pitchFamily="34" charset="0"/>
+                <a:cs typeface="Times New Roman" panose="02020603050405020304" pitchFamily="18" charset="0"/>
+              </a:rPr>
+              <a:t>Система рефлексии </a:t>
+            </a:r>
+            <a:r>
+              <a:rPr lang="ru-RU" sz="1800" dirty="0">
+                <a:effectLst/>
+                <a:latin typeface="Times New Roman" panose="02020603050405020304" pitchFamily="18" charset="0"/>
+                <a:ea typeface="Calibri" panose="020F0502020204030204" pitchFamily="34" charset="0"/>
+                <a:cs typeface="Times New Roman" panose="02020603050405020304" pitchFamily="18" charset="0"/>
+              </a:rPr>
+              <a:t>пользовательских типов данных</a:t>
+            </a:r>
+            <a:endParaRPr lang="ru-RU" sz="1800" dirty="0">
+              <a:effectLst/>
+              <a:latin typeface="Calibri" panose="020F0502020204030204" pitchFamily="34" charset="0"/>
+              <a:ea typeface="Calibri" panose="020F0502020204030204" pitchFamily="34" charset="0"/>
+              <a:cs typeface="Times New Roman" panose="02020603050405020304" pitchFamily="18" charset="0"/>
+            </a:endParaRPr>
+          </a:p>
+          <a:p>
+            <a:pPr marL="342900" lvl="0" indent="-342900">
+              <a:lnSpc>
+                <a:spcPct val="107000"/>
+              </a:lnSpc>
+              <a:spcAft>
+                <a:spcPts val="800"/>
+              </a:spcAft>
+              <a:buFont typeface="Arial" panose="020B0604020202020204" pitchFamily="34" charset="0"/>
+              <a:buChar char="•"/>
+              <a:tabLst>
+                <a:tab pos="457200" algn="l"/>
+              </a:tabLst>
+            </a:pPr>
+            <a:r>
+              <a:rPr lang="ru-RU" sz="1800" b="1" dirty="0">
+                <a:effectLst/>
+                <a:latin typeface="Times New Roman" panose="02020603050405020304" pitchFamily="18" charset="0"/>
+                <a:ea typeface="Calibri" panose="020F0502020204030204" pitchFamily="34" charset="0"/>
+                <a:cs typeface="Times New Roman" panose="02020603050405020304" pitchFamily="18" charset="0"/>
+              </a:rPr>
+              <a:t>Сборщик мусора </a:t>
+            </a:r>
+            <a:r>
+              <a:rPr lang="ru-RU" sz="1800" dirty="0">
+                <a:effectLst/>
+                <a:latin typeface="Times New Roman" panose="02020603050405020304" pitchFamily="18" charset="0"/>
+                <a:ea typeface="Calibri" panose="020F0502020204030204" pitchFamily="34" charset="0"/>
+                <a:cs typeface="Times New Roman" panose="02020603050405020304" pitchFamily="18" charset="0"/>
+              </a:rPr>
+              <a:t>для контроля над пользовательскими данными</a:t>
+            </a:r>
+            <a:endParaRPr lang="ru-RU" sz="1800" dirty="0">
+              <a:effectLst/>
+              <a:latin typeface="Calibri" panose="020F0502020204030204" pitchFamily="34" charset="0"/>
+              <a:ea typeface="Calibri" panose="020F0502020204030204" pitchFamily="34" charset="0"/>
+              <a:cs typeface="Times New Roman" panose="02020603050405020304" pitchFamily="18" charset="0"/>
+            </a:endParaRPr>
+          </a:p>
+          <a:p>
             <a:endParaRPr lang="ru-RU" dirty="0"/>
           </a:p>
         </p:txBody>
@@ -561,7 +744,7 @@
     </p:spTree>
     <p:extLst>
       <p:ext uri="{BB962C8B-B14F-4D97-AF65-F5344CB8AC3E}">
-        <p14:creationId xmlns:p14="http://schemas.microsoft.com/office/powerpoint/2010/main" val="2598003240"/>
+        <p14:creationId xmlns:p14="http://schemas.microsoft.com/office/powerpoint/2010/main" val="557164834"/>
       </p:ext>
     </p:extLst>
   </p:cSld>
@@ -615,302 +798,6 @@
           <a:bodyPr/>
           <a:lstStyle/>
           <a:p>
-            <a:pPr>
-              <a:spcBef>
-                <a:spcPts val="600"/>
-              </a:spcBef>
-              <a:spcAft>
-                <a:spcPts val="600"/>
-              </a:spcAft>
-            </a:pPr>
-            <a:r>
-              <a:rPr lang="ru-RU" sz="1800" b="1" dirty="0">
-                <a:effectLst/>
-                <a:latin typeface="Times New Roman" panose="02020603050405020304" pitchFamily="18" charset="0"/>
-                <a:ea typeface="Times New Roman" panose="02020603050405020304" pitchFamily="18" charset="0"/>
-              </a:rPr>
-              <a:t>Сборщик мусора </a:t>
-            </a:r>
-            <a:r>
-              <a:rPr lang="ru-RU" sz="1800" dirty="0">
-                <a:effectLst/>
-                <a:latin typeface="Times New Roman" panose="02020603050405020304" pitchFamily="18" charset="0"/>
-                <a:ea typeface="Times New Roman" panose="02020603050405020304" pitchFamily="18" charset="0"/>
-              </a:rPr>
-              <a:t>— это механизм автоматического управления памятью, который освобождает память, занятую объектами, больше не используемыми в программе. </a:t>
-            </a:r>
-          </a:p>
-          <a:p>
-            <a:pPr>
-              <a:spcBef>
-                <a:spcPts val="600"/>
-              </a:spcBef>
-              <a:spcAft>
-                <a:spcPts val="600"/>
-              </a:spcAft>
-            </a:pPr>
-            <a:r>
-              <a:rPr lang="ru-RU" sz="1800" dirty="0">
-                <a:effectLst/>
-                <a:latin typeface="Times New Roman" panose="02020603050405020304" pitchFamily="18" charset="0"/>
-                <a:ea typeface="Times New Roman" panose="02020603050405020304" pitchFamily="18" charset="0"/>
-              </a:rPr>
-              <a:t>Он избавляет разработчика от необходимости вручную освобождать память, что помогает избежать утечек памяти и ошибок, связанных с неправильным управлением памятью.</a:t>
-            </a:r>
-          </a:p>
-          <a:p>
-            <a:pPr>
-              <a:spcBef>
-                <a:spcPts val="600"/>
-              </a:spcBef>
-              <a:spcAft>
-                <a:spcPts val="600"/>
-              </a:spcAft>
-            </a:pPr>
-            <a:r>
-              <a:rPr lang="ru-RU" sz="1800" dirty="0">
-                <a:effectLst/>
-                <a:latin typeface="Times New Roman" panose="02020603050405020304" pitchFamily="18" charset="0"/>
-                <a:ea typeface="Times New Roman" panose="02020603050405020304" pitchFamily="18" charset="0"/>
-              </a:rPr>
-              <a:t>Основные этапы работы:</a:t>
-            </a:r>
-          </a:p>
-          <a:p>
-            <a:pPr marL="342900" lvl="0" indent="-342900">
-              <a:spcBef>
-                <a:spcPts val="600"/>
-              </a:spcBef>
-              <a:spcAft>
-                <a:spcPts val="600"/>
-              </a:spcAft>
-              <a:buFont typeface="Arial" panose="020B0604020202020204" pitchFamily="34" charset="0"/>
-              <a:buChar char="•"/>
-              <a:tabLst>
-                <a:tab pos="457200" algn="l"/>
-              </a:tabLst>
-            </a:pPr>
-            <a:r>
-              <a:rPr lang="ru-RU" sz="1800" dirty="0">
-                <a:effectLst/>
-                <a:latin typeface="Times New Roman" panose="02020603050405020304" pitchFamily="18" charset="0"/>
-                <a:ea typeface="Times New Roman" panose="02020603050405020304" pitchFamily="18" charset="0"/>
-              </a:rPr>
-              <a:t>Сборщик мусора начинает с корневого объекта наследованного от </a:t>
-            </a:r>
-            <a:r>
-              <a:rPr lang="en-US" sz="1800" b="1" dirty="0" err="1">
-                <a:effectLst/>
-                <a:latin typeface="Times New Roman" panose="02020603050405020304" pitchFamily="18" charset="0"/>
-                <a:ea typeface="Times New Roman" panose="02020603050405020304" pitchFamily="18" charset="0"/>
-              </a:rPr>
-              <a:t>RObject</a:t>
-            </a:r>
-            <a:endParaRPr lang="ru-RU" sz="1800" dirty="0">
-              <a:effectLst/>
-              <a:latin typeface="Times New Roman" panose="02020603050405020304" pitchFamily="18" charset="0"/>
-              <a:ea typeface="Times New Roman" panose="02020603050405020304" pitchFamily="18" charset="0"/>
-            </a:endParaRPr>
-          </a:p>
-          <a:p>
-            <a:pPr marL="342900" lvl="0" indent="-342900">
-              <a:spcBef>
-                <a:spcPts val="600"/>
-              </a:spcBef>
-              <a:spcAft>
-                <a:spcPts val="600"/>
-              </a:spcAft>
-              <a:buFont typeface="Arial" panose="020B0604020202020204" pitchFamily="34" charset="0"/>
-              <a:buChar char="•"/>
-              <a:tabLst>
-                <a:tab pos="457200" algn="l"/>
-              </a:tabLst>
-            </a:pPr>
-            <a:r>
-              <a:rPr lang="ru-RU" sz="1800" dirty="0">
-                <a:effectLst/>
-                <a:latin typeface="Times New Roman" panose="02020603050405020304" pitchFamily="18" charset="0"/>
-                <a:ea typeface="Times New Roman" panose="02020603050405020304" pitchFamily="18" charset="0"/>
-              </a:rPr>
-              <a:t>Он рекурсивно проходит по всем дочерним объектам, которые тоже наследуются от </a:t>
-            </a:r>
-            <a:r>
-              <a:rPr lang="en-US" sz="1800" b="1" dirty="0" err="1">
-                <a:effectLst/>
-                <a:latin typeface="Times New Roman" panose="02020603050405020304" pitchFamily="18" charset="0"/>
-                <a:ea typeface="Times New Roman" panose="02020603050405020304" pitchFamily="18" charset="0"/>
-              </a:rPr>
-              <a:t>RObject</a:t>
-            </a:r>
-            <a:r>
-              <a:rPr lang="ru-RU" sz="1800" dirty="0">
-                <a:effectLst/>
-                <a:latin typeface="Times New Roman" panose="02020603050405020304" pitchFamily="18" charset="0"/>
-                <a:ea typeface="Times New Roman" panose="02020603050405020304" pitchFamily="18" charset="0"/>
-              </a:rPr>
-              <a:t>, чтобы найти все достижимые объекты</a:t>
-            </a:r>
-          </a:p>
-          <a:p>
-            <a:pPr marL="342900" lvl="0" indent="-342900">
-              <a:spcBef>
-                <a:spcPts val="600"/>
-              </a:spcBef>
-              <a:spcAft>
-                <a:spcPts val="600"/>
-              </a:spcAft>
-              <a:buFont typeface="Arial" panose="020B0604020202020204" pitchFamily="34" charset="0"/>
-              <a:buChar char="•"/>
-              <a:tabLst>
-                <a:tab pos="457200" algn="l"/>
-              </a:tabLst>
-            </a:pPr>
-            <a:r>
-              <a:rPr lang="ru-RU" sz="1800" dirty="0">
-                <a:effectLst/>
-                <a:latin typeface="Times New Roman" panose="02020603050405020304" pitchFamily="18" charset="0"/>
-                <a:ea typeface="Times New Roman" panose="02020603050405020304" pitchFamily="18" charset="0"/>
-              </a:rPr>
-              <a:t>Объекты, которые не могут быть достигнуты через цепочку ссылок из корней, считаются </a:t>
-            </a:r>
-            <a:r>
-              <a:rPr lang="ru-RU" sz="1800" b="1" dirty="0">
-                <a:effectLst/>
-                <a:latin typeface="Times New Roman" panose="02020603050405020304" pitchFamily="18" charset="0"/>
-                <a:ea typeface="Times New Roman" panose="02020603050405020304" pitchFamily="18" charset="0"/>
-              </a:rPr>
-              <a:t>"мусором"</a:t>
-            </a:r>
-            <a:endParaRPr lang="ru-RU" sz="1800" dirty="0">
-              <a:effectLst/>
-              <a:latin typeface="Times New Roman" panose="02020603050405020304" pitchFamily="18" charset="0"/>
-              <a:ea typeface="Times New Roman" panose="02020603050405020304" pitchFamily="18" charset="0"/>
-            </a:endParaRPr>
-          </a:p>
-          <a:p>
-            <a:pPr marL="342900" lvl="0" indent="-342900">
-              <a:spcBef>
-                <a:spcPts val="600"/>
-              </a:spcBef>
-              <a:spcAft>
-                <a:spcPts val="600"/>
-              </a:spcAft>
-              <a:buFont typeface="Arial" panose="020B0604020202020204" pitchFamily="34" charset="0"/>
-              <a:buChar char="•"/>
-              <a:tabLst>
-                <a:tab pos="457200" algn="l"/>
-              </a:tabLst>
-            </a:pPr>
-            <a:r>
-              <a:rPr lang="ru-RU" sz="1800" dirty="0">
-                <a:effectLst/>
-                <a:latin typeface="Times New Roman" panose="02020603050405020304" pitchFamily="18" charset="0"/>
-                <a:ea typeface="Times New Roman" panose="02020603050405020304" pitchFamily="18" charset="0"/>
-              </a:rPr>
-              <a:t> </a:t>
-            </a:r>
-            <a:r>
-              <a:rPr lang="ru-RU" sz="1800" b="1" dirty="0">
-                <a:effectLst/>
-                <a:latin typeface="Times New Roman" panose="02020603050405020304" pitchFamily="18" charset="0"/>
-                <a:ea typeface="Times New Roman" panose="02020603050405020304" pitchFamily="18" charset="0"/>
-              </a:rPr>
-              <a:t>Освобождение памяти </a:t>
-            </a:r>
-            <a:r>
-              <a:rPr lang="ru-RU" sz="1800" dirty="0">
-                <a:effectLst/>
-                <a:latin typeface="Times New Roman" panose="02020603050405020304" pitchFamily="18" charset="0"/>
-                <a:ea typeface="Times New Roman" panose="02020603050405020304" pitchFamily="18" charset="0"/>
-              </a:rPr>
-              <a:t>всех "мусорных" указателей</a:t>
-            </a:r>
-          </a:p>
-          <a:p>
-            <a:endParaRPr lang="ru-RU" dirty="0"/>
-          </a:p>
-        </p:txBody>
-      </p:sp>
-      <p:sp>
-        <p:nvSpPr>
-          <p:cNvPr id="4" name="Номер слайда 3"/>
-          <p:cNvSpPr>
-            <a:spLocks noGrp="1"/>
-          </p:cNvSpPr>
-          <p:nvPr>
-            <p:ph type="sldNum" sz="quarter" idx="5"/>
-          </p:nvPr>
-        </p:nvSpPr>
-        <p:spPr/>
-        <p:txBody>
-          <a:bodyPr/>
-          <a:lstStyle/>
-          <a:p>
-            <a:fld id="{8FD44BF8-F11D-4543-936C-9F5A87714993}" type="slidenum">
-              <a:rPr lang="ru-RU" smtClean="0"/>
-              <a:t>11</a:t>
-            </a:fld>
-            <a:endParaRPr lang="ru-RU"/>
-          </a:p>
-        </p:txBody>
-      </p:sp>
-    </p:spTree>
-    <p:extLst>
-      <p:ext uri="{BB962C8B-B14F-4D97-AF65-F5344CB8AC3E}">
-        <p14:creationId xmlns:p14="http://schemas.microsoft.com/office/powerpoint/2010/main" val="2417058280"/>
-      </p:ext>
-    </p:extLst>
-  </p:cSld>
-  <p:clrMapOvr>
-    <a:masterClrMapping/>
-  </p:clrMapOvr>
-</p:notes>
-</file>
-
-<file path=ppt/notesSlides/notesSlide11.xml><?xml version="1.0" encoding="utf-8"?>
-<p:notes xmlns:a="http://schemas.openxmlformats.org/drawingml/2006/main" xmlns:r="http://schemas.openxmlformats.org/officeDocument/2006/relationships" xmlns:p="http://schemas.openxmlformats.org/presentationml/2006/main">
-  <p:cSld>
-    <p:spTree>
-      <p:nvGrpSpPr>
-        <p:cNvPr id="1" name=""/>
-        <p:cNvGrpSpPr/>
-        <p:nvPr/>
-      </p:nvGrpSpPr>
-      <p:grpSpPr>
-        <a:xfrm>
-          <a:off x="0" y="0"/>
-          <a:ext cx="0" cy="0"/>
-          <a:chOff x="0" y="0"/>
-          <a:chExt cx="0" cy="0"/>
-        </a:xfrm>
-      </p:grpSpPr>
-      <p:sp>
-        <p:nvSpPr>
-          <p:cNvPr id="2" name="Образ слайда 1"/>
-          <p:cNvSpPr>
-            <a:spLocks noGrp="1" noRot="1" noChangeAspect="1"/>
-          </p:cNvSpPr>
-          <p:nvPr>
-            <p:ph type="sldImg"/>
-          </p:nvPr>
-        </p:nvSpPr>
-        <p:spPr/>
-      </p:sp>
-      <p:sp>
-        <p:nvSpPr>
-          <p:cNvPr id="3" name="Заметки 2"/>
-          <p:cNvSpPr>
-            <a:spLocks noGrp="1"/>
-          </p:cNvSpPr>
-          <p:nvPr>
-            <p:ph type="body" idx="1"/>
-          </p:nvPr>
-        </p:nvSpPr>
-        <p:spPr/>
-        <p:txBody>
-          <a:bodyPr/>
-          <a:lstStyle/>
-          <a:p>
             <a:pPr marL="0" marR="0" lvl="0" indent="0" algn="l" defTabSz="914400" rtl="0" eaLnBrk="1" fontAlgn="auto" latinLnBrk="0" hangingPunct="1">
               <a:lnSpc>
                 <a:spcPct val="100000"/>
@@ -1050,7 +937,7 @@
           <a:p>
             <a:fld id="{8FD44BF8-F11D-4543-936C-9F5A87714993}" type="slidenum">
               <a:rPr lang="ru-RU" smtClean="0"/>
-              <a:t>12</a:t>
+              <a:t>11</a:t>
             </a:fld>
             <a:endParaRPr lang="ru-RU"/>
           </a:p>
@@ -1114,70 +1001,34 @@
           <a:lstStyle/>
           <a:p>
             <a:pPr>
-              <a:lnSpc>
-                <a:spcPct val="107000"/>
-              </a:lnSpc>
+              <a:spcBef>
+                <a:spcPts val="600"/>
+              </a:spcBef>
               <a:spcAft>
-                <a:spcPts val="800"/>
+                <a:spcPts val="600"/>
               </a:spcAft>
             </a:pPr>
             <a:r>
               <a:rPr lang="ru-RU" sz="1800" b="1" dirty="0">
                 <a:effectLst/>
                 <a:latin typeface="Times New Roman" panose="02020603050405020304" pitchFamily="18" charset="0"/>
-                <a:ea typeface="Calibri" panose="020F0502020204030204" pitchFamily="34" charset="0"/>
-                <a:cs typeface="Times New Roman" panose="02020603050405020304" pitchFamily="18" charset="0"/>
-              </a:rPr>
-              <a:t>Цель работы: </a:t>
-            </a:r>
-            <a:r>
-              <a:rPr lang="ru-RU" sz="1800" dirty="0">
-                <a:effectLst/>
-                <a:latin typeface="Times New Roman" panose="02020603050405020304" pitchFamily="18" charset="0"/>
-                <a:ea typeface="Calibri" panose="020F0502020204030204" pitchFamily="34" charset="0"/>
-                <a:cs typeface="Times New Roman" panose="02020603050405020304" pitchFamily="18" charset="0"/>
-              </a:rPr>
-              <a:t>Разработка графического программного обеспечения для визуализации трехмерных объектов.</a:t>
+                <a:ea typeface="Times New Roman" panose="02020603050405020304" pitchFamily="18" charset="0"/>
+              </a:rPr>
+              <a:t>Существующие решения из наиболее популярных:</a:t>
             </a:r>
             <a:endParaRPr lang="ru-RU" sz="1800" dirty="0">
               <a:effectLst/>
-              <a:latin typeface="Calibri" panose="020F0502020204030204" pitchFamily="34" charset="0"/>
-              <a:ea typeface="Calibri" panose="020F0502020204030204" pitchFamily="34" charset="0"/>
-              <a:cs typeface="Times New Roman" panose="02020603050405020304" pitchFamily="18" charset="0"/>
+              <a:latin typeface="Times New Roman" panose="02020603050405020304" pitchFamily="18" charset="0"/>
+              <a:ea typeface="Times New Roman" panose="02020603050405020304" pitchFamily="18" charset="0"/>
             </a:endParaRPr>
           </a:p>
           <a:p>
-            <a:pPr>
-              <a:lnSpc>
-                <a:spcPct val="107000"/>
-              </a:lnSpc>
+            <a:pPr marL="342900" lvl="0" indent="-342900">
+              <a:spcBef>
+                <a:spcPts val="600"/>
+              </a:spcBef>
               <a:spcAft>
-                <a:spcPts val="800"/>
-              </a:spcAft>
-            </a:pPr>
-            <a:r>
-              <a:rPr lang="ru-RU" sz="1800" b="1" dirty="0">
-                <a:effectLst/>
-                <a:latin typeface="Times New Roman" panose="02020603050405020304" pitchFamily="18" charset="0"/>
-                <a:ea typeface="Calibri" panose="020F0502020204030204" pitchFamily="34" charset="0"/>
-                <a:cs typeface="Times New Roman" panose="02020603050405020304" pitchFamily="18" charset="0"/>
-              </a:rPr>
-              <a:t>Задачи:</a:t>
-            </a:r>
-            <a:endParaRPr lang="ru-RU" sz="1800" dirty="0">
-              <a:effectLst/>
-              <a:latin typeface="Calibri" panose="020F0502020204030204" pitchFamily="34" charset="0"/>
-              <a:ea typeface="Calibri" panose="020F0502020204030204" pitchFamily="34" charset="0"/>
-              <a:cs typeface="Times New Roman" panose="02020603050405020304" pitchFamily="18" charset="0"/>
-            </a:endParaRPr>
-          </a:p>
-          <a:p>
-            <a:pPr marL="342900" lvl="0" indent="-342900">
-              <a:lnSpc>
-                <a:spcPct val="107000"/>
-              </a:lnSpc>
-              <a:spcAft>
-                <a:spcPts val="800"/>
+                <a:spcPts val="600"/>
               </a:spcAft>
               <a:buFont typeface="Arial" panose="020B0604020202020204" pitchFamily="34" charset="0"/>
               <a:buChar char="•"/>
@@ -1186,46 +1037,28 @@
               </a:tabLst>
             </a:pPr>
             <a:r>
-              <a:rPr lang="ru-RU" sz="1800" dirty="0">
+              <a:rPr lang="en-US" sz="1800" dirty="0">
                 <a:effectLst/>
                 <a:latin typeface="Times New Roman" panose="02020603050405020304" pitchFamily="18" charset="0"/>
-                <a:ea typeface="Calibri" panose="020F0502020204030204" pitchFamily="34" charset="0"/>
-                <a:cs typeface="Times New Roman" panose="02020603050405020304" pitchFamily="18" charset="0"/>
-              </a:rPr>
-              <a:t>Отображение </a:t>
-            </a:r>
-            <a:r>
-              <a:rPr lang="ru-RU" sz="1800" b="1" dirty="0">
-                <a:effectLst/>
-                <a:latin typeface="Times New Roman" panose="02020603050405020304" pitchFamily="18" charset="0"/>
-                <a:ea typeface="Calibri" panose="020F0502020204030204" pitchFamily="34" charset="0"/>
-                <a:cs typeface="Times New Roman" panose="02020603050405020304" pitchFamily="18" charset="0"/>
-              </a:rPr>
-              <a:t>трехмерных объектов </a:t>
-            </a:r>
-            <a:r>
-              <a:rPr lang="ru-RU" sz="1800" dirty="0">
-                <a:effectLst/>
-                <a:latin typeface="Times New Roman" panose="02020603050405020304" pitchFamily="18" charset="0"/>
-                <a:ea typeface="Calibri" panose="020F0502020204030204" pitchFamily="34" charset="0"/>
-                <a:cs typeface="Times New Roman" panose="02020603050405020304" pitchFamily="18" charset="0"/>
-              </a:rPr>
-              <a:t>с возможностью кастомизации</a:t>
+                <a:ea typeface="Times New Roman" panose="02020603050405020304" pitchFamily="18" charset="0"/>
+                <a:cs typeface="Times New Roman" panose="02020603050405020304" pitchFamily="18" charset="0"/>
+              </a:rPr>
+              <a:t>Unreal Engine</a:t>
             </a:r>
             <a:endParaRPr lang="ru-RU" sz="1800" dirty="0">
               <a:effectLst/>
-              <a:latin typeface="Calibri" panose="020F0502020204030204" pitchFamily="34" charset="0"/>
-              <a:ea typeface="Calibri" panose="020F0502020204030204" pitchFamily="34" charset="0"/>
+              <a:latin typeface="Times New Roman" panose="02020603050405020304" pitchFamily="18" charset="0"/>
+              <a:ea typeface="Times New Roman" panose="02020603050405020304" pitchFamily="18" charset="0"/>
               <a:cs typeface="Times New Roman" panose="02020603050405020304" pitchFamily="18" charset="0"/>
             </a:endParaRPr>
           </a:p>
           <a:p>
             <a:pPr marL="342900" lvl="0" indent="-342900">
-              <a:lnSpc>
-                <a:spcPct val="107000"/>
-              </a:lnSpc>
+              <a:spcBef>
+                <a:spcPts val="600"/>
+              </a:spcBef>
               <a:spcAft>
-                <a:spcPts val="800"/>
+                <a:spcPts val="600"/>
               </a:spcAft>
               <a:buFont typeface="Arial" panose="020B0604020202020204" pitchFamily="34" charset="0"/>
               <a:buChar char="•"/>
@@ -1234,37 +1067,28 @@
               </a:tabLst>
             </a:pPr>
             <a:r>
-              <a:rPr lang="ru-RU" sz="1800" b="1" dirty="0">
+              <a:rPr lang="en-US" sz="1800" dirty="0">
                 <a:effectLst/>
                 <a:latin typeface="Times New Roman" panose="02020603050405020304" pitchFamily="18" charset="0"/>
-                <a:ea typeface="Calibri" panose="020F0502020204030204" pitchFamily="34" charset="0"/>
-                <a:cs typeface="Times New Roman" panose="02020603050405020304" pitchFamily="18" charset="0"/>
-              </a:rPr>
-              <a:t>Система рефлексии </a:t>
-            </a:r>
-            <a:r>
-              <a:rPr lang="ru-RU" sz="1800" dirty="0">
-                <a:effectLst/>
-                <a:latin typeface="Times New Roman" panose="02020603050405020304" pitchFamily="18" charset="0"/>
-                <a:ea typeface="Calibri" panose="020F0502020204030204" pitchFamily="34" charset="0"/>
-                <a:cs typeface="Times New Roman" panose="02020603050405020304" pitchFamily="18" charset="0"/>
-              </a:rPr>
-              <a:t>пользовательских типов данных</a:t>
+                <a:ea typeface="Times New Roman" panose="02020603050405020304" pitchFamily="18" charset="0"/>
+                <a:cs typeface="Times New Roman" panose="02020603050405020304" pitchFamily="18" charset="0"/>
+              </a:rPr>
+              <a:t>Unity</a:t>
             </a:r>
             <a:endParaRPr lang="ru-RU" sz="1800" dirty="0">
               <a:effectLst/>
-              <a:latin typeface="Calibri" panose="020F0502020204030204" pitchFamily="34" charset="0"/>
-              <a:ea typeface="Calibri" panose="020F0502020204030204" pitchFamily="34" charset="0"/>
+              <a:latin typeface="Times New Roman" panose="02020603050405020304" pitchFamily="18" charset="0"/>
+              <a:ea typeface="Times New Roman" panose="02020603050405020304" pitchFamily="18" charset="0"/>
               <a:cs typeface="Times New Roman" panose="02020603050405020304" pitchFamily="18" charset="0"/>
             </a:endParaRPr>
           </a:p>
           <a:p>
             <a:pPr marL="342900" lvl="0" indent="-342900">
-              <a:lnSpc>
-                <a:spcPct val="107000"/>
-              </a:lnSpc>
+              <a:spcBef>
+                <a:spcPts val="600"/>
+              </a:spcBef>
               <a:spcAft>
-                <a:spcPts val="800"/>
+                <a:spcPts val="600"/>
               </a:spcAft>
               <a:buFont typeface="Arial" panose="020B0604020202020204" pitchFamily="34" charset="0"/>
               <a:buChar char="•"/>
@@ -1273,29 +1097,121 @@
               </a:tabLst>
             </a:pPr>
             <a:r>
+              <a:rPr lang="en-US" sz="1800" dirty="0">
+                <a:effectLst/>
+                <a:latin typeface="Times New Roman" panose="02020603050405020304" pitchFamily="18" charset="0"/>
+                <a:ea typeface="Times New Roman" panose="02020603050405020304" pitchFamily="18" charset="0"/>
+                <a:cs typeface="Times New Roman" panose="02020603050405020304" pitchFamily="18" charset="0"/>
+              </a:rPr>
+              <a:t>CryEngine</a:t>
+            </a:r>
+            <a:endParaRPr lang="ru-RU" sz="1800" dirty="0">
+              <a:effectLst/>
+              <a:latin typeface="Times New Roman" panose="02020603050405020304" pitchFamily="18" charset="0"/>
+              <a:ea typeface="Times New Roman" panose="02020603050405020304" pitchFamily="18" charset="0"/>
+              <a:cs typeface="Times New Roman" panose="02020603050405020304" pitchFamily="18" charset="0"/>
+            </a:endParaRPr>
+          </a:p>
+          <a:p>
+            <a:pPr marL="342900" lvl="0" indent="-342900">
+              <a:spcBef>
+                <a:spcPts val="600"/>
+              </a:spcBef>
+              <a:spcAft>
+                <a:spcPts val="600"/>
+              </a:spcAft>
+              <a:buFont typeface="Arial" panose="020B0604020202020204" pitchFamily="34" charset="0"/>
+              <a:buChar char="•"/>
+              <a:tabLst>
+                <a:tab pos="457200" algn="l"/>
+              </a:tabLst>
+            </a:pPr>
+            <a:r>
+              <a:rPr lang="en-US" sz="1800" dirty="0">
+                <a:effectLst/>
+                <a:latin typeface="Times New Roman" panose="02020603050405020304" pitchFamily="18" charset="0"/>
+                <a:ea typeface="Times New Roman" panose="02020603050405020304" pitchFamily="18" charset="0"/>
+                <a:cs typeface="Times New Roman" panose="02020603050405020304" pitchFamily="18" charset="0"/>
+              </a:rPr>
+              <a:t>Godot</a:t>
+            </a:r>
+            <a:endParaRPr lang="ru-RU" sz="1800" dirty="0">
+              <a:effectLst/>
+              <a:latin typeface="Times New Roman" panose="02020603050405020304" pitchFamily="18" charset="0"/>
+              <a:ea typeface="Times New Roman" panose="02020603050405020304" pitchFamily="18" charset="0"/>
+              <a:cs typeface="Times New Roman" panose="02020603050405020304" pitchFamily="18" charset="0"/>
+            </a:endParaRPr>
+          </a:p>
+          <a:p>
+            <a:pPr>
+              <a:spcBef>
+                <a:spcPts val="600"/>
+              </a:spcBef>
+              <a:spcAft>
+                <a:spcPts val="600"/>
+              </a:spcAft>
+            </a:pPr>
+            <a:r>
               <a:rPr lang="ru-RU" sz="1800" b="1" dirty="0">
                 <a:effectLst/>
                 <a:latin typeface="Times New Roman" panose="02020603050405020304" pitchFamily="18" charset="0"/>
-                <a:ea typeface="Calibri" panose="020F0502020204030204" pitchFamily="34" charset="0"/>
-                <a:cs typeface="Times New Roman" panose="02020603050405020304" pitchFamily="18" charset="0"/>
-              </a:rPr>
-              <a:t>Сборщик мусора </a:t>
-            </a:r>
+                <a:ea typeface="Times New Roman" panose="02020603050405020304" pitchFamily="18" charset="0"/>
+              </a:rPr>
+              <a:t>Актуальность, из-за различных обстоятельств:</a:t>
+            </a:r>
+            <a:endParaRPr lang="ru-RU" sz="1800" dirty="0">
+              <a:effectLst/>
+              <a:latin typeface="Times New Roman" panose="02020603050405020304" pitchFamily="18" charset="0"/>
+              <a:ea typeface="Times New Roman" panose="02020603050405020304" pitchFamily="18" charset="0"/>
+            </a:endParaRPr>
+          </a:p>
+          <a:p>
+            <a:pPr marL="342900" lvl="0" indent="-342900">
+              <a:spcBef>
+                <a:spcPts val="600"/>
+              </a:spcBef>
+              <a:spcAft>
+                <a:spcPts val="600"/>
+              </a:spcAft>
+              <a:buFont typeface="Arial" panose="020B0604020202020204" pitchFamily="34" charset="0"/>
+              <a:buChar char="•"/>
+              <a:tabLst>
+                <a:tab pos="457200" algn="l"/>
+              </a:tabLst>
+            </a:pPr>
             <a:r>
               <a:rPr lang="ru-RU" sz="1800" dirty="0">
                 <a:effectLst/>
                 <a:latin typeface="Times New Roman" panose="02020603050405020304" pitchFamily="18" charset="0"/>
-                <a:ea typeface="Calibri" panose="020F0502020204030204" pitchFamily="34" charset="0"/>
-                <a:cs typeface="Times New Roman" panose="02020603050405020304" pitchFamily="18" charset="0"/>
-              </a:rPr>
-              <a:t>для контроля над пользовательскими данными</a:t>
-            </a:r>
-            <a:endParaRPr lang="ru-RU" sz="1800" dirty="0">
-              <a:effectLst/>
-              <a:latin typeface="Calibri" panose="020F0502020204030204" pitchFamily="34" charset="0"/>
-              <a:ea typeface="Calibri" panose="020F0502020204030204" pitchFamily="34" charset="0"/>
-              <a:cs typeface="Times New Roman" panose="02020603050405020304" pitchFamily="18" charset="0"/>
-            </a:endParaRPr>
+                <a:ea typeface="Times New Roman" panose="02020603050405020304" pitchFamily="18" charset="0"/>
+                <a:cs typeface="Times New Roman" panose="02020603050405020304" pitchFamily="18" charset="0"/>
+              </a:rPr>
+              <a:t>Отечественная разработка</a:t>
+            </a:r>
+          </a:p>
+          <a:p>
+            <a:pPr marL="342900" lvl="0" indent="-342900">
+              <a:spcBef>
+                <a:spcPts val="600"/>
+              </a:spcBef>
+              <a:spcAft>
+                <a:spcPts val="600"/>
+              </a:spcAft>
+              <a:buFont typeface="Arial" panose="020B0604020202020204" pitchFamily="34" charset="0"/>
+              <a:buChar char="•"/>
+              <a:tabLst>
+                <a:tab pos="457200" algn="l"/>
+              </a:tabLst>
+            </a:pPr>
+            <a:r>
+              <a:rPr lang="ru-RU" sz="1800" dirty="0">
+                <a:effectLst/>
+                <a:latin typeface="Times New Roman" panose="02020603050405020304" pitchFamily="18" charset="0"/>
+                <a:ea typeface="Times New Roman" panose="02020603050405020304" pitchFamily="18" charset="0"/>
+                <a:cs typeface="Times New Roman" panose="02020603050405020304" pitchFamily="18" charset="0"/>
+              </a:rPr>
+              <a:t>Импортозамещение</a:t>
+            </a:r>
           </a:p>
           <a:p>
             <a:endParaRPr lang="ru-RU" dirty="0"/>
@@ -1328,7 +1244,7 @@
     </p:spTree>
     <p:extLst>
       <p:ext uri="{BB962C8B-B14F-4D97-AF65-F5344CB8AC3E}">
-        <p14:creationId xmlns:p14="http://schemas.microsoft.com/office/powerpoint/2010/main" val="557164834"/>
+        <p14:creationId xmlns:p14="http://schemas.microsoft.com/office/powerpoint/2010/main" val="2221142230"/>
       </p:ext>
     </p:extLst>
   </p:cSld>
@@ -1391,26 +1307,270 @@
               </a:spcAft>
             </a:pPr>
             <a:r>
+              <a:rPr lang="ru-RU" sz="1800" dirty="0">
+                <a:effectLst/>
+                <a:latin typeface="Times New Roman" panose="02020603050405020304" pitchFamily="18" charset="0"/>
+                <a:ea typeface="Times New Roman" panose="02020603050405020304" pitchFamily="18" charset="0"/>
+              </a:rPr>
+              <a:t>Для разработки графического программного обеспечения за пример взят игровой движок </a:t>
+            </a:r>
+            <a:r>
+              <a:rPr lang="ru-RU" sz="1800" b="1" dirty="0" err="1">
+                <a:effectLst/>
+                <a:latin typeface="Times New Roman" panose="02020603050405020304" pitchFamily="18" charset="0"/>
+                <a:ea typeface="Times New Roman" panose="02020603050405020304" pitchFamily="18" charset="0"/>
+              </a:rPr>
+              <a:t>Unreal</a:t>
+            </a:r>
+            <a:r>
               <a:rPr lang="ru-RU" sz="1800" b="1" dirty="0">
                 <a:effectLst/>
                 <a:latin typeface="Times New Roman" panose="02020603050405020304" pitchFamily="18" charset="0"/>
                 <a:ea typeface="Times New Roman" panose="02020603050405020304" pitchFamily="18" charset="0"/>
               </a:rPr>
-              <a:t>Существующие решения из наиболее популярных:</a:t>
+              <a:t> Engine 4</a:t>
+            </a:r>
+            <a:r>
+              <a:rPr lang="ru-RU" sz="1800" dirty="0">
+                <a:effectLst/>
+                <a:latin typeface="Times New Roman" panose="02020603050405020304" pitchFamily="18" charset="0"/>
+                <a:ea typeface="Times New Roman" panose="02020603050405020304" pitchFamily="18" charset="0"/>
+              </a:rPr>
+              <a:t>, в который входит:</a:t>
+            </a:r>
+          </a:p>
+          <a:p>
+            <a:pPr marL="342900" lvl="0" indent="-342900">
+              <a:lnSpc>
+                <a:spcPct val="107000"/>
+              </a:lnSpc>
+              <a:buFont typeface="Arial" panose="020B0604020202020204" pitchFamily="34" charset="0"/>
+              <a:buChar char="•"/>
+              <a:tabLst>
+                <a:tab pos="457200" algn="l"/>
+              </a:tabLst>
+            </a:pPr>
+            <a:r>
+              <a:rPr lang="ru-RU" sz="1800" dirty="0">
+                <a:effectLst/>
+                <a:latin typeface="Times New Roman" panose="02020603050405020304" pitchFamily="18" charset="0"/>
+                <a:ea typeface="Times New Roman" panose="02020603050405020304" pitchFamily="18" charset="0"/>
+                <a:cs typeface="Times New Roman" panose="02020603050405020304" pitchFamily="18" charset="0"/>
+              </a:rPr>
+              <a:t>Работа и интеграция с различными операционными системами, такими как Windows и Linux. Для поддержки кроссплатформенности взята библиотека </a:t>
+            </a:r>
+            <a:r>
+              <a:rPr lang="ru-RU" sz="1800" b="1" dirty="0">
+                <a:effectLst/>
+                <a:latin typeface="Times New Roman" panose="02020603050405020304" pitchFamily="18" charset="0"/>
+                <a:ea typeface="Times New Roman" panose="02020603050405020304" pitchFamily="18" charset="0"/>
+                <a:cs typeface="Times New Roman" panose="02020603050405020304" pitchFamily="18" charset="0"/>
+              </a:rPr>
+              <a:t>GLFW</a:t>
+            </a:r>
+            <a:r>
+              <a:rPr lang="ru-RU" sz="1800" dirty="0">
+                <a:effectLst/>
+                <a:latin typeface="Times New Roman" panose="02020603050405020304" pitchFamily="18" charset="0"/>
+                <a:ea typeface="Times New Roman" panose="02020603050405020304" pitchFamily="18" charset="0"/>
+                <a:cs typeface="Times New Roman" panose="02020603050405020304" pitchFamily="18" charset="0"/>
+              </a:rPr>
+              <a:t>.</a:t>
             </a:r>
             <a:endParaRPr lang="ru-RU" sz="1800" dirty="0">
               <a:effectLst/>
-              <a:latin typeface="Times New Roman" panose="02020603050405020304" pitchFamily="18" charset="0"/>
-              <a:ea typeface="Times New Roman" panose="02020603050405020304" pitchFamily="18" charset="0"/>
+              <a:latin typeface="Calibri" panose="020F0502020204030204" pitchFamily="34" charset="0"/>
+              <a:ea typeface="Calibri" panose="020F0502020204030204" pitchFamily="34" charset="0"/>
+              <a:cs typeface="Times New Roman" panose="02020603050405020304" pitchFamily="18" charset="0"/>
             </a:endParaRPr>
           </a:p>
           <a:p>
             <a:pPr marL="342900" lvl="0" indent="-342900">
-              <a:spcBef>
-                <a:spcPts val="600"/>
-              </a:spcBef>
+              <a:lnSpc>
+                <a:spcPct val="107000"/>
+              </a:lnSpc>
+              <a:buFont typeface="Arial" panose="020B0604020202020204" pitchFamily="34" charset="0"/>
+              <a:buChar char="•"/>
+              <a:tabLst>
+                <a:tab pos="457200" algn="l"/>
+              </a:tabLst>
+            </a:pPr>
+            <a:r>
+              <a:rPr lang="ru-RU" sz="1800" dirty="0">
+                <a:effectLst/>
+                <a:latin typeface="Times New Roman" panose="02020603050405020304" pitchFamily="18" charset="0"/>
+                <a:ea typeface="Times New Roman" panose="02020603050405020304" pitchFamily="18" charset="0"/>
+                <a:cs typeface="Times New Roman" panose="02020603050405020304" pitchFamily="18" charset="0"/>
+              </a:rPr>
+              <a:t>Отображение трехмерных объектов на любой операционной системе. Для поддержки используется библиотека </a:t>
+            </a:r>
+            <a:r>
+              <a:rPr lang="ru-RU" sz="1800" b="1" dirty="0">
+                <a:effectLst/>
+                <a:latin typeface="Times New Roman" panose="02020603050405020304" pitchFamily="18" charset="0"/>
+                <a:ea typeface="Times New Roman" panose="02020603050405020304" pitchFamily="18" charset="0"/>
+                <a:cs typeface="Times New Roman" panose="02020603050405020304" pitchFamily="18" charset="0"/>
+              </a:rPr>
+              <a:t>OpenGL</a:t>
+            </a:r>
+            <a:r>
+              <a:rPr lang="ru-RU" sz="1800" dirty="0">
+                <a:effectLst/>
+                <a:latin typeface="Times New Roman" panose="02020603050405020304" pitchFamily="18" charset="0"/>
+                <a:ea typeface="Times New Roman" panose="02020603050405020304" pitchFamily="18" charset="0"/>
+                <a:cs typeface="Times New Roman" panose="02020603050405020304" pitchFamily="18" charset="0"/>
+              </a:rPr>
+              <a:t>.</a:t>
+            </a:r>
+            <a:endParaRPr lang="ru-RU" sz="1800" dirty="0">
+              <a:effectLst/>
+              <a:latin typeface="Calibri" panose="020F0502020204030204" pitchFamily="34" charset="0"/>
+              <a:ea typeface="Calibri" panose="020F0502020204030204" pitchFamily="34" charset="0"/>
+              <a:cs typeface="Times New Roman" panose="02020603050405020304" pitchFamily="18" charset="0"/>
+            </a:endParaRPr>
+          </a:p>
+          <a:p>
+            <a:pPr marL="342900" lvl="0" indent="-342900">
+              <a:lnSpc>
+                <a:spcPct val="107000"/>
+              </a:lnSpc>
+              <a:buFont typeface="Arial" panose="020B0604020202020204" pitchFamily="34" charset="0"/>
+              <a:buChar char="•"/>
+              <a:tabLst>
+                <a:tab pos="457200" algn="l"/>
+              </a:tabLst>
+            </a:pPr>
+            <a:r>
+              <a:rPr lang="ru-RU" sz="1800" dirty="0">
+                <a:effectLst/>
+                <a:latin typeface="Times New Roman" panose="02020603050405020304" pitchFamily="18" charset="0"/>
+                <a:ea typeface="Times New Roman" panose="02020603050405020304" pitchFamily="18" charset="0"/>
+                <a:cs typeface="Times New Roman" panose="02020603050405020304" pitchFamily="18" charset="0"/>
+              </a:rPr>
+              <a:t>Удобный и практичный интерфейс для работы с трехмерными объектами на сцене. Аналогом используется библиотека </a:t>
+            </a:r>
+            <a:r>
+              <a:rPr lang="ru-RU" sz="1800" b="1" dirty="0" err="1">
+                <a:effectLst/>
+                <a:latin typeface="Times New Roman" panose="02020603050405020304" pitchFamily="18" charset="0"/>
+                <a:ea typeface="Times New Roman" panose="02020603050405020304" pitchFamily="18" charset="0"/>
+                <a:cs typeface="Times New Roman" panose="02020603050405020304" pitchFamily="18" charset="0"/>
+              </a:rPr>
+              <a:t>ImGUI</a:t>
+            </a:r>
+            <a:r>
+              <a:rPr lang="ru-RU" sz="1800" dirty="0">
+                <a:effectLst/>
+                <a:latin typeface="Times New Roman" panose="02020603050405020304" pitchFamily="18" charset="0"/>
+                <a:ea typeface="Times New Roman" panose="02020603050405020304" pitchFamily="18" charset="0"/>
+                <a:cs typeface="Times New Roman" panose="02020603050405020304" pitchFamily="18" charset="0"/>
+              </a:rPr>
+              <a:t>.</a:t>
+            </a:r>
+            <a:endParaRPr lang="ru-RU" sz="1800" dirty="0">
+              <a:effectLst/>
+              <a:latin typeface="Calibri" panose="020F0502020204030204" pitchFamily="34" charset="0"/>
+              <a:ea typeface="Calibri" panose="020F0502020204030204" pitchFamily="34" charset="0"/>
+              <a:cs typeface="Times New Roman" panose="02020603050405020304" pitchFamily="18" charset="0"/>
+            </a:endParaRPr>
+          </a:p>
+          <a:p>
+            <a:pPr marL="342900" lvl="0" indent="-342900">
+              <a:lnSpc>
+                <a:spcPct val="107000"/>
+              </a:lnSpc>
+              <a:buFont typeface="Arial" panose="020B0604020202020204" pitchFamily="34" charset="0"/>
+              <a:buChar char="•"/>
+              <a:tabLst>
+                <a:tab pos="457200" algn="l"/>
+              </a:tabLst>
+            </a:pPr>
+            <a:r>
+              <a:rPr lang="ru-RU" sz="1800" dirty="0">
+                <a:effectLst/>
+                <a:latin typeface="Times New Roman" panose="02020603050405020304" pitchFamily="18" charset="0"/>
+                <a:ea typeface="Times New Roman" panose="02020603050405020304" pitchFamily="18" charset="0"/>
+                <a:cs typeface="Times New Roman" panose="02020603050405020304" pitchFamily="18" charset="0"/>
+              </a:rPr>
+              <a:t>Загрузка текстур. Используется </a:t>
+            </a:r>
+            <a:r>
+              <a:rPr lang="en-US" sz="1800" b="1" dirty="0">
+                <a:effectLst/>
+                <a:latin typeface="Times New Roman" panose="02020603050405020304" pitchFamily="18" charset="0"/>
+                <a:ea typeface="Times New Roman" panose="02020603050405020304" pitchFamily="18" charset="0"/>
+                <a:cs typeface="Times New Roman" panose="02020603050405020304" pitchFamily="18" charset="0"/>
+              </a:rPr>
+              <a:t>SOIL</a:t>
+            </a:r>
+            <a:r>
+              <a:rPr lang="en-US" sz="1800" dirty="0">
+                <a:effectLst/>
+                <a:latin typeface="Times New Roman" panose="02020603050405020304" pitchFamily="18" charset="0"/>
+                <a:ea typeface="Times New Roman" panose="02020603050405020304" pitchFamily="18" charset="0"/>
+                <a:cs typeface="Times New Roman" panose="02020603050405020304" pitchFamily="18" charset="0"/>
+              </a:rPr>
+              <a:t>.	</a:t>
+            </a:r>
+            <a:endParaRPr lang="ru-RU" sz="1800" dirty="0">
+              <a:effectLst/>
+              <a:latin typeface="Calibri" panose="020F0502020204030204" pitchFamily="34" charset="0"/>
+              <a:ea typeface="Calibri" panose="020F0502020204030204" pitchFamily="34" charset="0"/>
+              <a:cs typeface="Times New Roman" panose="02020603050405020304" pitchFamily="18" charset="0"/>
+            </a:endParaRPr>
+          </a:p>
+          <a:p>
+            <a:pPr marL="342900" lvl="0" indent="-342900">
+              <a:lnSpc>
+                <a:spcPct val="107000"/>
+              </a:lnSpc>
+              <a:buFont typeface="Arial" panose="020B0604020202020204" pitchFamily="34" charset="0"/>
+              <a:buChar char="•"/>
+              <a:tabLst>
+                <a:tab pos="457200" algn="l"/>
+              </a:tabLst>
+            </a:pPr>
+            <a:r>
+              <a:rPr lang="ru-RU" sz="1800" dirty="0">
+                <a:effectLst/>
+                <a:latin typeface="Times New Roman" panose="02020603050405020304" pitchFamily="18" charset="0"/>
+                <a:ea typeface="Times New Roman" panose="02020603050405020304" pitchFamily="18" charset="0"/>
+                <a:cs typeface="Times New Roman" panose="02020603050405020304" pitchFamily="18" charset="0"/>
+              </a:rPr>
+              <a:t>Загрузка сцены и различных трехмерных объектов. Используется библиотека </a:t>
+            </a:r>
+            <a:r>
+              <a:rPr lang="ru-RU" sz="1800" b="1" dirty="0" err="1">
+                <a:effectLst/>
+                <a:latin typeface="Times New Roman" panose="02020603050405020304" pitchFamily="18" charset="0"/>
+                <a:ea typeface="Times New Roman" panose="02020603050405020304" pitchFamily="18" charset="0"/>
+                <a:cs typeface="Times New Roman" panose="02020603050405020304" pitchFamily="18" charset="0"/>
+              </a:rPr>
+              <a:t>Assimp</a:t>
+            </a:r>
+            <a:r>
+              <a:rPr lang="ru-RU" sz="1800" dirty="0">
+                <a:effectLst/>
+                <a:latin typeface="Times New Roman" panose="02020603050405020304" pitchFamily="18" charset="0"/>
+                <a:ea typeface="Times New Roman" panose="02020603050405020304" pitchFamily="18" charset="0"/>
+                <a:cs typeface="Times New Roman" panose="02020603050405020304" pitchFamily="18" charset="0"/>
+              </a:rPr>
+              <a:t>.</a:t>
+            </a:r>
+            <a:endParaRPr lang="ru-RU" sz="1800" dirty="0">
+              <a:effectLst/>
+              <a:latin typeface="Calibri" panose="020F0502020204030204" pitchFamily="34" charset="0"/>
+              <a:ea typeface="Calibri" panose="020F0502020204030204" pitchFamily="34" charset="0"/>
+              <a:cs typeface="Times New Roman" panose="02020603050405020304" pitchFamily="18" charset="0"/>
+            </a:endParaRPr>
+          </a:p>
+          <a:p>
+            <a:pPr marL="342900" lvl="0" indent="-342900">
+              <a:lnSpc>
+                <a:spcPct val="107000"/>
+              </a:lnSpc>
               <a:spcAft>
-                <a:spcPts val="600"/>
+                <a:spcPts val="800"/>
               </a:spcAft>
               <a:buFont typeface="Arial" panose="020B0604020202020204" pitchFamily="34" charset="0"/>
               <a:buChar char="•"/>
@@ -1419,172 +1579,23 @@
               </a:tabLst>
             </a:pPr>
             <a:r>
-              <a:rPr lang="en-US" sz="1800" dirty="0">
-                <a:effectLst/>
-                <a:latin typeface="Times New Roman" panose="02020603050405020304" pitchFamily="18" charset="0"/>
-                <a:ea typeface="Times New Roman" panose="02020603050405020304" pitchFamily="18" charset="0"/>
-                <a:cs typeface="Times New Roman" panose="02020603050405020304" pitchFamily="18" charset="0"/>
-              </a:rPr>
-              <a:t>Unreal Engine</a:t>
-            </a:r>
-            <a:endParaRPr lang="ru-RU" sz="1800" dirty="0">
-              <a:effectLst/>
-              <a:latin typeface="Times New Roman" panose="02020603050405020304" pitchFamily="18" charset="0"/>
-              <a:ea typeface="Times New Roman" panose="02020603050405020304" pitchFamily="18" charset="0"/>
-              <a:cs typeface="Times New Roman" panose="02020603050405020304" pitchFamily="18" charset="0"/>
-            </a:endParaRPr>
-          </a:p>
-          <a:p>
-            <a:pPr marL="342900" lvl="0" indent="-342900">
-              <a:spcBef>
-                <a:spcPts val="600"/>
-              </a:spcBef>
-              <a:spcAft>
-                <a:spcPts val="600"/>
-              </a:spcAft>
-              <a:buFont typeface="Arial" panose="020B0604020202020204" pitchFamily="34" charset="0"/>
-              <a:buChar char="•"/>
-              <a:tabLst>
-                <a:tab pos="457200" algn="l"/>
-              </a:tabLst>
-            </a:pPr>
-            <a:r>
-              <a:rPr lang="en-US" sz="1800" dirty="0">
-                <a:effectLst/>
-                <a:latin typeface="Times New Roman" panose="02020603050405020304" pitchFamily="18" charset="0"/>
-                <a:ea typeface="Times New Roman" panose="02020603050405020304" pitchFamily="18" charset="0"/>
-                <a:cs typeface="Times New Roman" panose="02020603050405020304" pitchFamily="18" charset="0"/>
-              </a:rPr>
-              <a:t>Unity</a:t>
-            </a:r>
-            <a:endParaRPr lang="ru-RU" sz="1800" dirty="0">
-              <a:effectLst/>
-              <a:latin typeface="Times New Roman" panose="02020603050405020304" pitchFamily="18" charset="0"/>
-              <a:ea typeface="Times New Roman" panose="02020603050405020304" pitchFamily="18" charset="0"/>
-              <a:cs typeface="Times New Roman" panose="02020603050405020304" pitchFamily="18" charset="0"/>
-            </a:endParaRPr>
-          </a:p>
-          <a:p>
-            <a:pPr marL="342900" lvl="0" indent="-342900">
-              <a:spcBef>
-                <a:spcPts val="600"/>
-              </a:spcBef>
-              <a:spcAft>
-                <a:spcPts val="600"/>
-              </a:spcAft>
-              <a:buFont typeface="Arial" panose="020B0604020202020204" pitchFamily="34" charset="0"/>
-              <a:buChar char="•"/>
-              <a:tabLst>
-                <a:tab pos="457200" algn="l"/>
-              </a:tabLst>
-            </a:pPr>
-            <a:r>
-              <a:rPr lang="en-US" sz="1800" dirty="0">
-                <a:effectLst/>
-                <a:latin typeface="Times New Roman" panose="02020603050405020304" pitchFamily="18" charset="0"/>
-                <a:ea typeface="Times New Roman" panose="02020603050405020304" pitchFamily="18" charset="0"/>
-                <a:cs typeface="Times New Roman" panose="02020603050405020304" pitchFamily="18" charset="0"/>
-              </a:rPr>
-              <a:t>CryEngine</a:t>
-            </a:r>
-            <a:endParaRPr lang="ru-RU" sz="1800" dirty="0">
-              <a:effectLst/>
-              <a:latin typeface="Times New Roman" panose="02020603050405020304" pitchFamily="18" charset="0"/>
-              <a:ea typeface="Times New Roman" panose="02020603050405020304" pitchFamily="18" charset="0"/>
-              <a:cs typeface="Times New Roman" panose="02020603050405020304" pitchFamily="18" charset="0"/>
-            </a:endParaRPr>
-          </a:p>
-          <a:p>
-            <a:pPr marL="342900" lvl="0" indent="-342900">
-              <a:spcBef>
-                <a:spcPts val="600"/>
-              </a:spcBef>
-              <a:spcAft>
-                <a:spcPts val="600"/>
-              </a:spcAft>
-              <a:buFont typeface="Arial" panose="020B0604020202020204" pitchFamily="34" charset="0"/>
-              <a:buChar char="•"/>
-              <a:tabLst>
-                <a:tab pos="457200" algn="l"/>
-              </a:tabLst>
-            </a:pPr>
-            <a:r>
-              <a:rPr lang="en-US" sz="1800" dirty="0">
-                <a:effectLst/>
-                <a:latin typeface="Times New Roman" panose="02020603050405020304" pitchFamily="18" charset="0"/>
-                <a:ea typeface="Times New Roman" panose="02020603050405020304" pitchFamily="18" charset="0"/>
-                <a:cs typeface="Times New Roman" panose="02020603050405020304" pitchFamily="18" charset="0"/>
-              </a:rPr>
-              <a:t>Godot</a:t>
-            </a:r>
-            <a:endParaRPr lang="ru-RU" sz="1800" dirty="0">
-              <a:effectLst/>
-              <a:latin typeface="Times New Roman" panose="02020603050405020304" pitchFamily="18" charset="0"/>
-              <a:ea typeface="Times New Roman" panose="02020603050405020304" pitchFamily="18" charset="0"/>
-              <a:cs typeface="Times New Roman" panose="02020603050405020304" pitchFamily="18" charset="0"/>
-            </a:endParaRPr>
-          </a:p>
-          <a:p>
-            <a:pPr>
-              <a:spcBef>
-                <a:spcPts val="600"/>
-              </a:spcBef>
-              <a:spcAft>
-                <a:spcPts val="600"/>
-              </a:spcAft>
-            </a:pPr>
-            <a:r>
-              <a:rPr lang="ru-RU" sz="1800" b="1" dirty="0">
-                <a:effectLst/>
-                <a:latin typeface="Times New Roman" panose="02020603050405020304" pitchFamily="18" charset="0"/>
-                <a:ea typeface="Times New Roman" panose="02020603050405020304" pitchFamily="18" charset="0"/>
-              </a:rPr>
-              <a:t>Актуальность, из-за различных обстоятельств:</a:t>
-            </a:r>
-            <a:endParaRPr lang="ru-RU" sz="1800" dirty="0">
-              <a:effectLst/>
-              <a:latin typeface="Times New Roman" panose="02020603050405020304" pitchFamily="18" charset="0"/>
-              <a:ea typeface="Times New Roman" panose="02020603050405020304" pitchFamily="18" charset="0"/>
-            </a:endParaRPr>
-          </a:p>
-          <a:p>
-            <a:pPr marL="342900" lvl="0" indent="-342900">
-              <a:spcBef>
-                <a:spcPts val="600"/>
-              </a:spcBef>
-              <a:spcAft>
-                <a:spcPts val="600"/>
-              </a:spcAft>
-              <a:buFont typeface="Arial" panose="020B0604020202020204" pitchFamily="34" charset="0"/>
-              <a:buChar char="•"/>
-              <a:tabLst>
-                <a:tab pos="457200" algn="l"/>
-              </a:tabLst>
-            </a:pPr>
-            <a:r>
               <a:rPr lang="ru-RU" sz="1800" dirty="0">
                 <a:effectLst/>
                 <a:latin typeface="Times New Roman" panose="02020603050405020304" pitchFamily="18" charset="0"/>
                 <a:ea typeface="Times New Roman" panose="02020603050405020304" pitchFamily="18" charset="0"/>
                 <a:cs typeface="Times New Roman" panose="02020603050405020304" pitchFamily="18" charset="0"/>
               </a:rPr>
-              <a:t>Отечественная разработка</a:t>
-            </a:r>
-          </a:p>
-          <a:p>
-            <a:pPr marL="342900" lvl="0" indent="-342900">
-              <a:spcBef>
-                <a:spcPts val="600"/>
-              </a:spcBef>
-              <a:spcAft>
-                <a:spcPts val="600"/>
-              </a:spcAft>
-              <a:buFont typeface="Arial" panose="020B0604020202020204" pitchFamily="34" charset="0"/>
-              <a:buChar char="•"/>
-              <a:tabLst>
-                <a:tab pos="457200" algn="l"/>
-              </a:tabLst>
-            </a:pPr>
+              <a:t>Система рефлексии и сериализации данных. Для реализации используется библиотека </a:t>
+            </a:r>
+            <a:r>
+              <a:rPr lang="en-US" sz="1800" b="1" dirty="0">
+                <a:effectLst/>
+                <a:latin typeface="Times New Roman" panose="02020603050405020304" pitchFamily="18" charset="0"/>
+                <a:ea typeface="Times New Roman" panose="02020603050405020304" pitchFamily="18" charset="0"/>
+                <a:cs typeface="Times New Roman" panose="02020603050405020304" pitchFamily="18" charset="0"/>
+              </a:rPr>
+              <a:t>LLVM Clang</a:t>
+            </a:r>
             <a:r>
               <a:rPr lang="ru-RU" sz="1800" dirty="0">
                 <a:effectLst/>
@@ -1592,10 +1603,47 @@
                 <a:ea typeface="Times New Roman" panose="02020603050405020304" pitchFamily="18" charset="0"/>
                 <a:cs typeface="Times New Roman" panose="02020603050405020304" pitchFamily="18" charset="0"/>
               </a:rPr>
-              <a:t>Импортозамещение</a:t>
-            </a:r>
-          </a:p>
-          <a:p>
+              <a:t>.</a:t>
+            </a:r>
+            <a:endParaRPr lang="ru-RU" sz="1800" dirty="0">
+              <a:effectLst/>
+              <a:latin typeface="Calibri" panose="020F0502020204030204" pitchFamily="34" charset="0"/>
+              <a:ea typeface="Calibri" panose="020F0502020204030204" pitchFamily="34" charset="0"/>
+              <a:cs typeface="Times New Roman" panose="02020603050405020304" pitchFamily="18" charset="0"/>
+            </a:endParaRPr>
+          </a:p>
+          <a:p>
+            <a:pPr marL="285750" indent="-285750">
+              <a:buFont typeface="Arial" panose="020B0604020202020204" pitchFamily="34" charset="0"/>
+              <a:buChar char="•"/>
+            </a:pPr>
+            <a:r>
+              <a:rPr lang="ru-RU" sz="1800" dirty="0">
+                <a:effectLst/>
+                <a:latin typeface="Calibri" panose="020F0502020204030204" pitchFamily="34" charset="0"/>
+                <a:ea typeface="Calibri" panose="020F0502020204030204" pitchFamily="34" charset="0"/>
+                <a:cs typeface="Times New Roman" panose="02020603050405020304" pitchFamily="18" charset="0"/>
+              </a:rPr>
+              <a:t>  Сборщик мусора</a:t>
+            </a:r>
+            <a:r>
+              <a:rPr lang="en-US" sz="1800" dirty="0">
+                <a:effectLst/>
+                <a:latin typeface="Calibri" panose="020F0502020204030204" pitchFamily="34" charset="0"/>
+                <a:ea typeface="Calibri" panose="020F0502020204030204" pitchFamily="34" charset="0"/>
+                <a:cs typeface="Times New Roman" panose="02020603050405020304" pitchFamily="18" charset="0"/>
+              </a:rPr>
+              <a:t>. </a:t>
+            </a:r>
+            <a:r>
+              <a:rPr lang="ru-RU" sz="1800" dirty="0">
+                <a:effectLst/>
+                <a:latin typeface="Calibri" panose="020F0502020204030204" pitchFamily="34" charset="0"/>
+                <a:ea typeface="Calibri" panose="020F0502020204030204" pitchFamily="34" charset="0"/>
+                <a:cs typeface="Times New Roman" panose="02020603050405020304" pitchFamily="18" charset="0"/>
+              </a:rPr>
+              <a:t>Собственная реализация.</a:t>
+            </a:r>
             <a:endParaRPr lang="ru-RU" dirty="0"/>
           </a:p>
         </p:txBody>
@@ -1626,7 +1674,7 @@
     </p:spTree>
     <p:extLst>
       <p:ext uri="{BB962C8B-B14F-4D97-AF65-F5344CB8AC3E}">
-        <p14:creationId xmlns:p14="http://schemas.microsoft.com/office/powerpoint/2010/main" val="2221142230"/>
+        <p14:creationId xmlns:p14="http://schemas.microsoft.com/office/powerpoint/2010/main" val="216417533"/>
       </p:ext>
     </p:extLst>
   </p:cSld>
@@ -1680,13 +1728,22 @@
           <a:bodyPr/>
           <a:lstStyle/>
           <a:p>
-            <a:pPr>
+            <a:pPr marL="0" marR="0" lvl="0" indent="0" algn="l" defTabSz="914400" rtl="0" eaLnBrk="1" fontAlgn="auto" latinLnBrk="0" hangingPunct="1">
+              <a:lnSpc>
+                <a:spcPct val="100000"/>
+              </a:lnSpc>
               <a:spcBef>
-                <a:spcPts val="600"/>
+                <a:spcPts val="0"/>
               </a:spcBef>
               <a:spcAft>
-                <a:spcPts val="600"/>
+                <a:spcPts val="0"/>
               </a:spcAft>
+              <a:buClrTx/>
+              <a:buSzTx/>
+              <a:buFontTx/>
+              <a:buNone/>
+              <a:tabLst/>
+              <a:defRPr/>
             </a:pPr>
             <a:r>
               <a:rPr lang="ru-RU" sz="1800" dirty="0">
@@ -1694,15 +1751,7 @@
                 <a:latin typeface="Times New Roman" panose="02020603050405020304" pitchFamily="18" charset="0"/>
                 <a:ea typeface="Times New Roman" panose="02020603050405020304" pitchFamily="18" charset="0"/>
               </a:rPr>
-              <a:t>Для разработки графического программного обеспечения за пример взят игровой движок </a:t>
-            </a:r>
-            <a:r>
-              <a:rPr lang="ru-RU" sz="1800" b="1" dirty="0" err="1">
-                <a:effectLst/>
-                <a:latin typeface="Times New Roman" panose="02020603050405020304" pitchFamily="18" charset="0"/>
-                <a:ea typeface="Times New Roman" panose="02020603050405020304" pitchFamily="18" charset="0"/>
-              </a:rPr>
-              <a:t>Unreal</a:t>
+              <a:t>Для отображения окна была использована библиотека </a:t>
             </a:r>
             <a:r>
               <a:rPr lang="ru-RU" sz="1800" b="1" dirty="0">
@@ -1710,7 +1759,7 @@
                 <a:latin typeface="Times New Roman" panose="02020603050405020304" pitchFamily="18" charset="0"/>
                 <a:ea typeface="Times New Roman" panose="02020603050405020304" pitchFamily="18" charset="0"/>
               </a:rPr>
-              <a:t> Engine 4</a:t>
+              <a:t>Graphics Library Framework</a:t>
             </a:r>
             <a:r>
               <a:rPr lang="ru-RU" sz="1800" dirty="0">
@@ -1718,314 +1767,123 @@
                 <a:latin typeface="Times New Roman" panose="02020603050405020304" pitchFamily="18" charset="0"/>
                 <a:ea typeface="Times New Roman" panose="02020603050405020304" pitchFamily="18" charset="0"/>
               </a:rPr>
-              <a:t>, в который входит:</a:t>
-            </a:r>
-          </a:p>
-          <a:p>
-            <a:pPr marL="342900" lvl="0" indent="-342900">
+              <a:t>. </a:t>
+            </a:r>
+          </a:p>
+          <a:p>
+            <a:pPr marL="0" marR="0" lvl="0" indent="0" algn="l" defTabSz="914400" rtl="0" eaLnBrk="1" fontAlgn="auto" latinLnBrk="0" hangingPunct="1">
               <a:lnSpc>
-                <a:spcPct val="107000"/>
+                <a:spcPct val="100000"/>
               </a:lnSpc>
-              <a:buFont typeface="Arial" panose="020B0604020202020204" pitchFamily="34" charset="0"/>
-              <a:buChar char="•"/>
-              <a:tabLst>
-                <a:tab pos="457200" algn="l"/>
-              </a:tabLst>
+              <a:spcBef>
+                <a:spcPts val="0"/>
+              </a:spcBef>
+              <a:spcAft>
+                <a:spcPts val="0"/>
+              </a:spcAft>
+              <a:buClrTx/>
+              <a:buSzTx/>
+              <a:buFontTx/>
+              <a:buNone/>
+              <a:tabLst/>
+              <a:defRPr/>
             </a:pPr>
             <a:r>
               <a:rPr lang="ru-RU" sz="1800" dirty="0">
                 <a:effectLst/>
                 <a:latin typeface="Times New Roman" panose="02020603050405020304" pitchFamily="18" charset="0"/>
                 <a:ea typeface="Times New Roman" panose="02020603050405020304" pitchFamily="18" charset="0"/>
-                <a:cs typeface="Times New Roman" panose="02020603050405020304" pitchFamily="18" charset="0"/>
-              </a:rPr>
-              <a:t>Работа и интеграция с различными операционными системами, такими как Windows и Linux. Для поддержки кроссплатформенности взята библиотека </a:t>
+              </a:rPr>
+              <a:t>Она представляет собой библиотеку, написанную на языке программирования C, предназначенную для обеспечения </a:t>
             </a:r>
             <a:r>
               <a:rPr lang="ru-RU" sz="1800" b="1" dirty="0">
                 <a:effectLst/>
                 <a:latin typeface="Times New Roman" panose="02020603050405020304" pitchFamily="18" charset="0"/>
                 <a:ea typeface="Times New Roman" panose="02020603050405020304" pitchFamily="18" charset="0"/>
-                <a:cs typeface="Times New Roman" panose="02020603050405020304" pitchFamily="18" charset="0"/>
-              </a:rPr>
-              <a:t>GLFW</a:t>
+              </a:rPr>
+              <a:t>OpenGL</a:t>
             </a:r>
             <a:r>
               <a:rPr lang="ru-RU" sz="1800" dirty="0">
                 <a:effectLst/>
                 <a:latin typeface="Times New Roman" panose="02020603050405020304" pitchFamily="18" charset="0"/>
                 <a:ea typeface="Times New Roman" panose="02020603050405020304" pitchFamily="18" charset="0"/>
-                <a:cs typeface="Times New Roman" panose="02020603050405020304" pitchFamily="18" charset="0"/>
-              </a:rPr>
-              <a:t>.</a:t>
-            </a:r>
-            <a:endParaRPr lang="ru-RU" sz="1800" dirty="0">
-              <a:effectLst/>
-              <a:latin typeface="Calibri" panose="020F0502020204030204" pitchFamily="34" charset="0"/>
-              <a:ea typeface="Calibri" panose="020F0502020204030204" pitchFamily="34" charset="0"/>
-              <a:cs typeface="Times New Roman" panose="02020603050405020304" pitchFamily="18" charset="0"/>
-            </a:endParaRPr>
-          </a:p>
-          <a:p>
-            <a:pPr marL="342900" lvl="0" indent="-342900">
-              <a:lnSpc>
-                <a:spcPct val="107000"/>
-              </a:lnSpc>
-              <a:buFont typeface="Arial" panose="020B0604020202020204" pitchFamily="34" charset="0"/>
-              <a:buChar char="•"/>
-              <a:tabLst>
-                <a:tab pos="457200" algn="l"/>
-              </a:tabLst>
-            </a:pPr>
+              </a:rPr>
+              <a:t> необходимыми </a:t>
+            </a:r>
+            <a:r>
+              <a:rPr lang="ru-RU" sz="1800" dirty="0" err="1">
+                <a:effectLst/>
+                <a:latin typeface="Times New Roman" panose="02020603050405020304" pitchFamily="18" charset="0"/>
+                <a:ea typeface="Times New Roman" panose="02020603050405020304" pitchFamily="18" charset="0"/>
+              </a:rPr>
+              <a:t>функциональностями</a:t>
+            </a:r>
             <a:r>
               <a:rPr lang="ru-RU" sz="1800" dirty="0">
                 <a:effectLst/>
                 <a:latin typeface="Times New Roman" panose="02020603050405020304" pitchFamily="18" charset="0"/>
                 <a:ea typeface="Times New Roman" panose="02020603050405020304" pitchFamily="18" charset="0"/>
-                <a:cs typeface="Times New Roman" panose="02020603050405020304" pitchFamily="18" charset="0"/>
-              </a:rPr>
-              <a:t>Отображение трехмерных объектов на любой операционной системе. Для поддержки используется библиотека </a:t>
-            </a:r>
-            <a:r>
-              <a:rPr lang="ru-RU" sz="1800" b="1" dirty="0">
-                <a:effectLst/>
-                <a:latin typeface="Times New Roman" panose="02020603050405020304" pitchFamily="18" charset="0"/>
-                <a:ea typeface="Times New Roman" panose="02020603050405020304" pitchFamily="18" charset="0"/>
-                <a:cs typeface="Times New Roman" panose="02020603050405020304" pitchFamily="18" charset="0"/>
-              </a:rPr>
-              <a:t>OpenGL</a:t>
-            </a:r>
+              </a:rPr>
+              <a:t> для отрисовки контента на экране. </a:t>
+            </a:r>
+          </a:p>
+          <a:p>
+            <a:pPr marL="0" marR="0" lvl="0" indent="0" algn="l" defTabSz="914400" rtl="0" eaLnBrk="1" fontAlgn="auto" latinLnBrk="0" hangingPunct="1">
+              <a:lnSpc>
+                <a:spcPct val="100000"/>
+              </a:lnSpc>
+              <a:spcBef>
+                <a:spcPts val="0"/>
+              </a:spcBef>
+              <a:spcAft>
+                <a:spcPts val="0"/>
+              </a:spcAft>
+              <a:buClrTx/>
+              <a:buSzTx/>
+              <a:buFontTx/>
+              <a:buNone/>
+              <a:tabLst/>
+              <a:defRPr/>
+            </a:pPr>
             <a:r>
               <a:rPr lang="ru-RU" sz="1800" dirty="0">
                 <a:effectLst/>
                 <a:latin typeface="Times New Roman" panose="02020603050405020304" pitchFamily="18" charset="0"/>
                 <a:ea typeface="Times New Roman" panose="02020603050405020304" pitchFamily="18" charset="0"/>
-                <a:cs typeface="Times New Roman" panose="02020603050405020304" pitchFamily="18" charset="0"/>
-              </a:rPr>
-              <a:t>.</a:t>
-            </a:r>
-            <a:endParaRPr lang="ru-RU" sz="1800" dirty="0">
-              <a:effectLst/>
-              <a:latin typeface="Calibri" panose="020F0502020204030204" pitchFamily="34" charset="0"/>
-              <a:ea typeface="Calibri" panose="020F0502020204030204" pitchFamily="34" charset="0"/>
-              <a:cs typeface="Times New Roman" panose="02020603050405020304" pitchFamily="18" charset="0"/>
-            </a:endParaRPr>
-          </a:p>
-          <a:p>
-            <a:pPr marL="342900" lvl="0" indent="-342900">
+              </a:rPr>
+              <a:t>Данная библиотека позволяет создавать контекст, задавать параметры окна и обрабатывать пользовательский ввод. </a:t>
+            </a:r>
+          </a:p>
+          <a:p>
+            <a:pPr marL="0" marR="0" lvl="0" indent="0" algn="l" defTabSz="914400" rtl="0" eaLnBrk="1" fontAlgn="auto" latinLnBrk="0" hangingPunct="1">
               <a:lnSpc>
-                <a:spcPct val="107000"/>
+                <a:spcPct val="100000"/>
               </a:lnSpc>
-              <a:buFont typeface="Arial" panose="020B0604020202020204" pitchFamily="34" charset="0"/>
-              <a:buChar char="•"/>
-              <a:tabLst>
-                <a:tab pos="457200" algn="l"/>
-              </a:tabLst>
+              <a:spcBef>
+                <a:spcPts val="0"/>
+              </a:spcBef>
+              <a:spcAft>
+                <a:spcPts val="0"/>
+              </a:spcAft>
+              <a:buClrTx/>
+              <a:buSzTx/>
+              <a:buFontTx/>
+              <a:buNone/>
+              <a:tabLst/>
+              <a:defRPr/>
             </a:pPr>
             <a:r>
               <a:rPr lang="ru-RU" sz="1800" dirty="0">
                 <a:effectLst/>
                 <a:latin typeface="Times New Roman" panose="02020603050405020304" pitchFamily="18" charset="0"/>
                 <a:ea typeface="Times New Roman" panose="02020603050405020304" pitchFamily="18" charset="0"/>
-                <a:cs typeface="Times New Roman" panose="02020603050405020304" pitchFamily="18" charset="0"/>
-              </a:rPr>
-              <a:t>Удобный и практичный интерфейс для работы с трехмерными объектами на сцене. Аналогом используется библиотека </a:t>
-            </a:r>
-            <a:r>
-              <a:rPr lang="ru-RU" sz="1800" b="1" dirty="0" err="1">
-                <a:effectLst/>
-                <a:latin typeface="Times New Roman" panose="02020603050405020304" pitchFamily="18" charset="0"/>
-                <a:ea typeface="Times New Roman" panose="02020603050405020304" pitchFamily="18" charset="0"/>
-                <a:cs typeface="Times New Roman" panose="02020603050405020304" pitchFamily="18" charset="0"/>
-              </a:rPr>
-              <a:t>ImGUI</a:t>
-            </a:r>
-            <a:r>
-              <a:rPr lang="ru-RU" sz="1800" dirty="0">
-                <a:effectLst/>
-                <a:latin typeface="Times New Roman" panose="02020603050405020304" pitchFamily="18" charset="0"/>
-                <a:ea typeface="Times New Roman" panose="02020603050405020304" pitchFamily="18" charset="0"/>
-                <a:cs typeface="Times New Roman" panose="02020603050405020304" pitchFamily="18" charset="0"/>
-              </a:rPr>
-              <a:t>.</a:t>
-            </a:r>
-            <a:endParaRPr lang="ru-RU" sz="1800" dirty="0">
-              <a:effectLst/>
-              <a:latin typeface="Calibri" panose="020F0502020204030204" pitchFamily="34" charset="0"/>
-              <a:ea typeface="Calibri" panose="020F0502020204030204" pitchFamily="34" charset="0"/>
-              <a:cs typeface="Times New Roman" panose="02020603050405020304" pitchFamily="18" charset="0"/>
-            </a:endParaRPr>
-          </a:p>
-          <a:p>
-            <a:pPr marL="342900" lvl="0" indent="-342900">
-              <a:lnSpc>
-                <a:spcPct val="107000"/>
-              </a:lnSpc>
-              <a:buFont typeface="Arial" panose="020B0604020202020204" pitchFamily="34" charset="0"/>
-              <a:buChar char="•"/>
-              <a:tabLst>
-                <a:tab pos="457200" algn="l"/>
-              </a:tabLst>
-            </a:pPr>
-            <a:r>
-              <a:rPr lang="ru-RU" sz="1800" dirty="0">
-                <a:effectLst/>
-                <a:latin typeface="Times New Roman" panose="02020603050405020304" pitchFamily="18" charset="0"/>
-                <a:ea typeface="Times New Roman" panose="02020603050405020304" pitchFamily="18" charset="0"/>
-                <a:cs typeface="Times New Roman" panose="02020603050405020304" pitchFamily="18" charset="0"/>
-              </a:rPr>
-              <a:t>Загрузка текстур. Используется </a:t>
-            </a:r>
-            <a:r>
-              <a:rPr lang="en-US" sz="1800" b="1" dirty="0">
-                <a:effectLst/>
-                <a:latin typeface="Times New Roman" panose="02020603050405020304" pitchFamily="18" charset="0"/>
-                <a:ea typeface="Times New Roman" panose="02020603050405020304" pitchFamily="18" charset="0"/>
-                <a:cs typeface="Times New Roman" panose="02020603050405020304" pitchFamily="18" charset="0"/>
-              </a:rPr>
-              <a:t>SOIL</a:t>
-            </a:r>
-            <a:r>
-              <a:rPr lang="en-US" sz="1800" dirty="0">
-                <a:effectLst/>
-                <a:latin typeface="Times New Roman" panose="02020603050405020304" pitchFamily="18" charset="0"/>
-                <a:ea typeface="Times New Roman" panose="02020603050405020304" pitchFamily="18" charset="0"/>
-                <a:cs typeface="Times New Roman" panose="02020603050405020304" pitchFamily="18" charset="0"/>
-              </a:rPr>
-              <a:t>.	</a:t>
-            </a:r>
-            <a:endParaRPr lang="ru-RU" sz="1800" dirty="0">
-              <a:effectLst/>
-              <a:latin typeface="Calibri" panose="020F0502020204030204" pitchFamily="34" charset="0"/>
-              <a:ea typeface="Calibri" panose="020F0502020204030204" pitchFamily="34" charset="0"/>
-              <a:cs typeface="Times New Roman" panose="02020603050405020304" pitchFamily="18" charset="0"/>
-            </a:endParaRPr>
-          </a:p>
-          <a:p>
-            <a:pPr marL="342900" lvl="0" indent="-342900">
-              <a:lnSpc>
-                <a:spcPct val="107000"/>
-              </a:lnSpc>
-              <a:buFont typeface="Arial" panose="020B0604020202020204" pitchFamily="34" charset="0"/>
-              <a:buChar char="•"/>
-              <a:tabLst>
-                <a:tab pos="457200" algn="l"/>
-              </a:tabLst>
-            </a:pPr>
-            <a:r>
-              <a:rPr lang="ru-RU" sz="1800" dirty="0">
-                <a:effectLst/>
-                <a:latin typeface="Times New Roman" panose="02020603050405020304" pitchFamily="18" charset="0"/>
-                <a:ea typeface="Times New Roman" panose="02020603050405020304" pitchFamily="18" charset="0"/>
-                <a:cs typeface="Times New Roman" panose="02020603050405020304" pitchFamily="18" charset="0"/>
-              </a:rPr>
-              <a:t>Загрузка сцены и различных трехмерных объектов. Используется библиотека </a:t>
-            </a:r>
-            <a:r>
-              <a:rPr lang="ru-RU" sz="1800" b="1" dirty="0" err="1">
-                <a:effectLst/>
-                <a:latin typeface="Times New Roman" panose="02020603050405020304" pitchFamily="18" charset="0"/>
-                <a:ea typeface="Times New Roman" panose="02020603050405020304" pitchFamily="18" charset="0"/>
-                <a:cs typeface="Times New Roman" panose="02020603050405020304" pitchFamily="18" charset="0"/>
-              </a:rPr>
-              <a:t>Assimp</a:t>
-            </a:r>
-            <a:r>
-              <a:rPr lang="ru-RU" sz="1800" dirty="0">
-                <a:effectLst/>
-                <a:latin typeface="Times New Roman" panose="02020603050405020304" pitchFamily="18" charset="0"/>
-                <a:ea typeface="Times New Roman" panose="02020603050405020304" pitchFamily="18" charset="0"/>
-                <a:cs typeface="Times New Roman" panose="02020603050405020304" pitchFamily="18" charset="0"/>
-              </a:rPr>
-              <a:t>.</a:t>
-            </a:r>
-            <a:endParaRPr lang="ru-RU" sz="1800" dirty="0">
-              <a:effectLst/>
-              <a:latin typeface="Calibri" panose="020F0502020204030204" pitchFamily="34" charset="0"/>
-              <a:ea typeface="Calibri" panose="020F0502020204030204" pitchFamily="34" charset="0"/>
-              <a:cs typeface="Times New Roman" panose="02020603050405020304" pitchFamily="18" charset="0"/>
-            </a:endParaRPr>
-          </a:p>
-          <a:p>
-            <a:pPr marL="342900" lvl="0" indent="-342900">
-              <a:lnSpc>
-                <a:spcPct val="107000"/>
-              </a:lnSpc>
-              <a:spcAft>
-                <a:spcPts val="800"/>
-              </a:spcAft>
-              <a:buFont typeface="Arial" panose="020B0604020202020204" pitchFamily="34" charset="0"/>
-              <a:buChar char="•"/>
-              <a:tabLst>
-                <a:tab pos="457200" algn="l"/>
-              </a:tabLst>
-            </a:pPr>
-            <a:r>
-              <a:rPr lang="ru-RU" sz="1800" dirty="0">
-                <a:effectLst/>
-                <a:latin typeface="Times New Roman" panose="02020603050405020304" pitchFamily="18" charset="0"/>
-                <a:ea typeface="Times New Roman" panose="02020603050405020304" pitchFamily="18" charset="0"/>
-                <a:cs typeface="Times New Roman" panose="02020603050405020304" pitchFamily="18" charset="0"/>
-              </a:rPr>
-              <a:t>Система рефлексии и сериализации данных. Для реализации используется библиотека </a:t>
-            </a:r>
-            <a:r>
-              <a:rPr lang="en-US" sz="1800" b="1" dirty="0">
-                <a:effectLst/>
-                <a:latin typeface="Times New Roman" panose="02020603050405020304" pitchFamily="18" charset="0"/>
-                <a:ea typeface="Times New Roman" panose="02020603050405020304" pitchFamily="18" charset="0"/>
-                <a:cs typeface="Times New Roman" panose="02020603050405020304" pitchFamily="18" charset="0"/>
-              </a:rPr>
-              <a:t>LLVM Clang</a:t>
-            </a:r>
-            <a:r>
-              <a:rPr lang="ru-RU" sz="1800" dirty="0">
-                <a:effectLst/>
-                <a:latin typeface="Times New Roman" panose="02020603050405020304" pitchFamily="18" charset="0"/>
-                <a:ea typeface="Times New Roman" panose="02020603050405020304" pitchFamily="18" charset="0"/>
-                <a:cs typeface="Times New Roman" panose="02020603050405020304" pitchFamily="18" charset="0"/>
-              </a:rPr>
-              <a:t>.</a:t>
-            </a:r>
-            <a:endParaRPr lang="ru-RU" sz="1800" dirty="0">
-              <a:effectLst/>
-              <a:latin typeface="Calibri" panose="020F0502020204030204" pitchFamily="34" charset="0"/>
-              <a:ea typeface="Calibri" panose="020F0502020204030204" pitchFamily="34" charset="0"/>
-              <a:cs typeface="Times New Roman" panose="02020603050405020304" pitchFamily="18" charset="0"/>
-            </a:endParaRPr>
-          </a:p>
-          <a:p>
-            <a:pPr marL="285750" indent="-285750">
-              <a:buFont typeface="Arial" panose="020B0604020202020204" pitchFamily="34" charset="0"/>
-              <a:buChar char="•"/>
-            </a:pPr>
-            <a:r>
-              <a:rPr lang="ru-RU" sz="1800" dirty="0">
-                <a:effectLst/>
-                <a:latin typeface="Calibri" panose="020F0502020204030204" pitchFamily="34" charset="0"/>
-                <a:ea typeface="Calibri" panose="020F0502020204030204" pitchFamily="34" charset="0"/>
-                <a:cs typeface="Times New Roman" panose="02020603050405020304" pitchFamily="18" charset="0"/>
-              </a:rPr>
-              <a:t>  Сборщик мусора</a:t>
-            </a:r>
-            <a:r>
-              <a:rPr lang="en-US" sz="1800" dirty="0">
-                <a:effectLst/>
-                <a:latin typeface="Calibri" panose="020F0502020204030204" pitchFamily="34" charset="0"/>
-                <a:ea typeface="Calibri" panose="020F0502020204030204" pitchFamily="34" charset="0"/>
-                <a:cs typeface="Times New Roman" panose="02020603050405020304" pitchFamily="18" charset="0"/>
-              </a:rPr>
-              <a:t>. </a:t>
-            </a:r>
-            <a:r>
-              <a:rPr lang="ru-RU" sz="1800" dirty="0">
-                <a:effectLst/>
-                <a:latin typeface="Calibri" panose="020F0502020204030204" pitchFamily="34" charset="0"/>
-                <a:ea typeface="Calibri" panose="020F0502020204030204" pitchFamily="34" charset="0"/>
-                <a:cs typeface="Times New Roman" panose="02020603050405020304" pitchFamily="18" charset="0"/>
-              </a:rPr>
-              <a:t>Собственная реализация.</a:t>
-            </a:r>
+              </a:rPr>
+              <a:t>На картинке представлено оконное приложение, для отображения которого использовалась данная библиотека.</a:t>
+            </a:r>
+          </a:p>
+          <a:p>
             <a:endParaRPr lang="ru-RU" dirty="0"/>
           </a:p>
         </p:txBody>
@@ -2056,7 +1914,7 @@
     </p:spTree>
     <p:extLst>
       <p:ext uri="{BB962C8B-B14F-4D97-AF65-F5344CB8AC3E}">
-        <p14:creationId xmlns:p14="http://schemas.microsoft.com/office/powerpoint/2010/main" val="216417533"/>
+        <p14:creationId xmlns:p14="http://schemas.microsoft.com/office/powerpoint/2010/main" val="1837944146"/>
       </p:ext>
     </p:extLst>
   </p:cSld>
@@ -2110,22 +1968,13 @@
           <a:bodyPr/>
           <a:lstStyle/>
           <a:p>
-            <a:pPr marL="0" marR="0" lvl="0" indent="0" algn="l" defTabSz="914400" rtl="0" eaLnBrk="1" fontAlgn="auto" latinLnBrk="0" hangingPunct="1">
-              <a:lnSpc>
-                <a:spcPct val="100000"/>
-              </a:lnSpc>
+            <a:pPr>
               <a:spcBef>
-                <a:spcPts val="0"/>
+                <a:spcPts val="600"/>
               </a:spcBef>
               <a:spcAft>
-                <a:spcPts val="0"/>
+                <a:spcPts val="600"/>
               </a:spcAft>
-              <a:buClrTx/>
-              <a:buSzTx/>
-              <a:buFontTx/>
-              <a:buNone/>
-              <a:tabLst/>
-              <a:defRPr/>
             </a:pPr>
             <a:r>
               <a:rPr lang="ru-RU" sz="1800" dirty="0">
@@ -2133,7 +1982,7 @@
                 <a:latin typeface="Times New Roman" panose="02020603050405020304" pitchFamily="18" charset="0"/>
                 <a:ea typeface="Times New Roman" panose="02020603050405020304" pitchFamily="18" charset="0"/>
               </a:rPr>
-              <a:t>Для отображения окна была использована библиотека </a:t>
+              <a:t>В </a:t>
             </a:r>
             <a:r>
               <a:rPr lang="ru-RU" sz="1800" b="1" dirty="0">
@@ -2141,7 +1990,7 @@
                 <a:latin typeface="Times New Roman" panose="02020603050405020304" pitchFamily="18" charset="0"/>
                 <a:ea typeface="Times New Roman" panose="02020603050405020304" pitchFamily="18" charset="0"/>
               </a:rPr>
-              <a:t>Graphics Library Framework</a:t>
+              <a:t>OpenGL</a:t>
             </a:r>
             <a:r>
               <a:rPr lang="ru-RU" sz="1800" dirty="0">
@@ -2149,120 +1998,167 @@
                 <a:latin typeface="Times New Roman" panose="02020603050405020304" pitchFamily="18" charset="0"/>
                 <a:ea typeface="Times New Roman" panose="02020603050405020304" pitchFamily="18" charset="0"/>
               </a:rPr>
-              <a:t>. </a:t>
-            </a:r>
-          </a:p>
-          <a:p>
-            <a:pPr marL="0" marR="0" lvl="0" indent="0" algn="l" defTabSz="914400" rtl="0" eaLnBrk="1" fontAlgn="auto" latinLnBrk="0" hangingPunct="1">
-              <a:lnSpc>
-                <a:spcPct val="100000"/>
-              </a:lnSpc>
-              <a:spcBef>
-                <a:spcPts val="0"/>
-              </a:spcBef>
-              <a:spcAft>
-                <a:spcPts val="0"/>
-              </a:spcAft>
-              <a:buClrTx/>
-              <a:buSzTx/>
-              <a:buFontTx/>
-              <a:buNone/>
-              <a:tabLst/>
-              <a:defRPr/>
-            </a:pPr>
+              <a:t> все объекты находятся в трёхмерном пространстве, однако экран и окно представляют собой двумерную матрицу пикселей. Следовательно, значительная часть задач OpenGL связана с преобразованием трёхмерных координат в двумерные для отображения на экране. Этот процесс преобразования управляется </a:t>
+            </a:r>
+            <a:r>
+              <a:rPr lang="ru-RU" sz="1800" b="1" dirty="0">
+                <a:effectLst/>
+                <a:latin typeface="Times New Roman" panose="02020603050405020304" pitchFamily="18" charset="0"/>
+                <a:ea typeface="Times New Roman" panose="02020603050405020304" pitchFamily="18" charset="0"/>
+              </a:rPr>
+              <a:t>графическим конвейером OpenGL</a:t>
+            </a:r>
             <a:r>
               <a:rPr lang="ru-RU" sz="1800" dirty="0">
                 <a:effectLst/>
                 <a:latin typeface="Times New Roman" panose="02020603050405020304" pitchFamily="18" charset="0"/>
                 <a:ea typeface="Times New Roman" panose="02020603050405020304" pitchFamily="18" charset="0"/>
               </a:rPr>
-              <a:t>Она представляет собой библиотеку, написанную на языке программирования C, предназначенную для обеспечения </a:t>
-            </a:r>
-            <a:r>
-              <a:rPr lang="ru-RU" sz="1800" b="1" dirty="0">
-                <a:effectLst/>
-                <a:latin typeface="Times New Roman" panose="02020603050405020304" pitchFamily="18" charset="0"/>
-                <a:ea typeface="Times New Roman" panose="02020603050405020304" pitchFamily="18" charset="0"/>
-              </a:rPr>
-              <a:t>OpenGL</a:t>
-            </a:r>
+              <a:t>. Графический конвейер состоит из 6 этапов:</a:t>
+            </a:r>
+          </a:p>
+          <a:p>
+            <a:pPr marL="342900" lvl="0" indent="-342900">
+              <a:spcBef>
+                <a:spcPts val="600"/>
+              </a:spcBef>
+              <a:spcAft>
+                <a:spcPts val="600"/>
+              </a:spcAft>
+              <a:buFont typeface="Arial" panose="020B0604020202020204" pitchFamily="34" charset="0"/>
+              <a:buChar char="•"/>
+              <a:tabLst>
+                <a:tab pos="457200" algn="l"/>
+              </a:tabLst>
+            </a:pPr>
             <a:r>
               <a:rPr lang="ru-RU" sz="1800" dirty="0">
                 <a:effectLst/>
                 <a:latin typeface="Times New Roman" panose="02020603050405020304" pitchFamily="18" charset="0"/>
                 <a:ea typeface="Times New Roman" panose="02020603050405020304" pitchFamily="18" charset="0"/>
-              </a:rPr>
-              <a:t> необходимыми </a:t>
-            </a:r>
-            <a:r>
-              <a:rPr lang="ru-RU" sz="1800" dirty="0" err="1">
-                <a:effectLst/>
-                <a:latin typeface="Times New Roman" panose="02020603050405020304" pitchFamily="18" charset="0"/>
-                <a:ea typeface="Times New Roman" panose="02020603050405020304" pitchFamily="18" charset="0"/>
-              </a:rPr>
-              <a:t>функциональностями</a:t>
-            </a:r>
+                <a:cs typeface="Times New Roman" panose="02020603050405020304" pitchFamily="18" charset="0"/>
+              </a:rPr>
+              <a:t>Вершинный шейдер. На вход которого приходят вершинные данные, на выход набор трехмерных координат.</a:t>
+            </a:r>
+          </a:p>
+          <a:p>
+            <a:pPr marL="342900" lvl="0" indent="-342900">
+              <a:spcBef>
+                <a:spcPts val="600"/>
+              </a:spcBef>
+              <a:spcAft>
+                <a:spcPts val="600"/>
+              </a:spcAft>
+              <a:buFont typeface="Arial" panose="020B0604020202020204" pitchFamily="34" charset="0"/>
+              <a:buChar char="•"/>
+              <a:tabLst>
+                <a:tab pos="457200" algn="l"/>
+              </a:tabLst>
+            </a:pPr>
             <a:r>
               <a:rPr lang="ru-RU" sz="1800" dirty="0">
                 <a:effectLst/>
                 <a:latin typeface="Times New Roman" panose="02020603050405020304" pitchFamily="18" charset="0"/>
                 <a:ea typeface="Times New Roman" panose="02020603050405020304" pitchFamily="18" charset="0"/>
-              </a:rPr>
-              <a:t> для отрисовки контента на экране. </a:t>
-            </a:r>
-          </a:p>
-          <a:p>
-            <a:pPr marL="0" marR="0" lvl="0" indent="0" algn="l" defTabSz="914400" rtl="0" eaLnBrk="1" fontAlgn="auto" latinLnBrk="0" hangingPunct="1">
-              <a:lnSpc>
-                <a:spcPct val="100000"/>
-              </a:lnSpc>
+                <a:cs typeface="Times New Roman" panose="02020603050405020304" pitchFamily="18" charset="0"/>
+              </a:rPr>
+              <a:t>Формирование формы. Формирование набора вершин по которой будет строится геометрия.</a:t>
+            </a:r>
+          </a:p>
+          <a:p>
+            <a:pPr marL="342900" lvl="0" indent="-342900">
               <a:spcBef>
-                <a:spcPts val="0"/>
+                <a:spcPts val="600"/>
               </a:spcBef>
               <a:spcAft>
-                <a:spcPts val="0"/>
+                <a:spcPts val="600"/>
               </a:spcAft>
-              <a:buClrTx/>
-              <a:buSzTx/>
-              <a:buFontTx/>
-              <a:buNone/>
-              <a:tabLst/>
-              <a:defRPr/>
+              <a:buFont typeface="Arial" panose="020B0604020202020204" pitchFamily="34" charset="0"/>
+              <a:buChar char="•"/>
+              <a:tabLst>
+                <a:tab pos="457200" algn="l"/>
+              </a:tabLst>
             </a:pPr>
             <a:r>
               <a:rPr lang="ru-RU" sz="1800" dirty="0">
                 <a:effectLst/>
                 <a:latin typeface="Times New Roman" panose="02020603050405020304" pitchFamily="18" charset="0"/>
                 <a:ea typeface="Times New Roman" panose="02020603050405020304" pitchFamily="18" charset="0"/>
-              </a:rPr>
-              <a:t>Данная библиотека позволяет создавать контекст, задавать параметры окна и обрабатывать пользовательский ввод. </a:t>
-            </a:r>
-          </a:p>
-          <a:p>
-            <a:pPr marL="0" marR="0" lvl="0" indent="0" algn="l" defTabSz="914400" rtl="0" eaLnBrk="1" fontAlgn="auto" latinLnBrk="0" hangingPunct="1">
-              <a:lnSpc>
-                <a:spcPct val="100000"/>
-              </a:lnSpc>
+                <a:cs typeface="Times New Roman" panose="02020603050405020304" pitchFamily="18" charset="0"/>
+              </a:rPr>
+              <a:t>Геометрический шейдер. Из набора вершин формируются примитивы.</a:t>
+            </a:r>
+          </a:p>
+          <a:p>
+            <a:pPr marL="342900" lvl="0" indent="-342900">
               <a:spcBef>
-                <a:spcPts val="0"/>
+                <a:spcPts val="600"/>
               </a:spcBef>
               <a:spcAft>
-                <a:spcPts val="0"/>
+                <a:spcPts val="600"/>
               </a:spcAft>
-              <a:buClrTx/>
-              <a:buSzTx/>
-              <a:buFontTx/>
-              <a:buNone/>
-              <a:tabLst/>
-              <a:defRPr/>
+              <a:buFont typeface="Arial" panose="020B0604020202020204" pitchFamily="34" charset="0"/>
+              <a:buChar char="•"/>
+              <a:tabLst>
+                <a:tab pos="457200" algn="l"/>
+              </a:tabLst>
             </a:pPr>
             <a:r>
               <a:rPr lang="ru-RU" sz="1800" dirty="0">
                 <a:effectLst/>
                 <a:latin typeface="Times New Roman" panose="02020603050405020304" pitchFamily="18" charset="0"/>
                 <a:ea typeface="Times New Roman" panose="02020603050405020304" pitchFamily="18" charset="0"/>
-              </a:rPr>
-              <a:t>На картинке представлено оконное приложение, для отображения которого использовалась данная библиотека.</a:t>
+                <a:cs typeface="Times New Roman" panose="02020603050405020304" pitchFamily="18" charset="0"/>
+              </a:rPr>
+              <a:t>Растеризация. Результат работы геометрического шейдера передаётся на этап растеризации, где результирующие примитивы соотносятся с пикселями на экране, формируя фрагменты.</a:t>
+            </a:r>
+          </a:p>
+          <a:p>
+            <a:pPr marL="342900" lvl="0" indent="-342900">
+              <a:spcBef>
+                <a:spcPts val="600"/>
+              </a:spcBef>
+              <a:spcAft>
+                <a:spcPts val="600"/>
+              </a:spcAft>
+              <a:buFont typeface="Arial" panose="020B0604020202020204" pitchFamily="34" charset="0"/>
+              <a:buChar char="•"/>
+              <a:tabLst>
+                <a:tab pos="457200" algn="l"/>
+              </a:tabLst>
+            </a:pPr>
+            <a:r>
+              <a:rPr lang="ru-RU" sz="1800" dirty="0">
+                <a:effectLst/>
+                <a:latin typeface="Times New Roman" panose="02020603050405020304" pitchFamily="18" charset="0"/>
+                <a:ea typeface="Times New Roman" panose="02020603050405020304" pitchFamily="18" charset="0"/>
+                <a:cs typeface="Times New Roman" panose="02020603050405020304" pitchFamily="18" charset="0"/>
+              </a:rPr>
+              <a:t>Фрагментный шейдер. Основная задача фрагментного шейдера заключается в вычислении конечного цвета пикселя, и именно на этом этапе чаще всего реализуются различные дополнительные эффекты.</a:t>
+            </a:r>
+          </a:p>
+          <a:p>
+            <a:pPr marL="342900" lvl="0" indent="-342900">
+              <a:spcBef>
+                <a:spcPts val="600"/>
+              </a:spcBef>
+              <a:spcAft>
+                <a:spcPts val="600"/>
+              </a:spcAft>
+              <a:buFont typeface="Arial" panose="020B0604020202020204" pitchFamily="34" charset="0"/>
+              <a:buChar char="•"/>
+              <a:tabLst>
+                <a:tab pos="457200" algn="l"/>
+              </a:tabLst>
+            </a:pPr>
+            <a:r>
+              <a:rPr lang="ru-RU" sz="1800" dirty="0">
+                <a:effectLst/>
+                <a:latin typeface="Times New Roman" panose="02020603050405020304" pitchFamily="18" charset="0"/>
+                <a:ea typeface="Times New Roman" panose="02020603050405020304" pitchFamily="18" charset="0"/>
+                <a:cs typeface="Times New Roman" panose="02020603050405020304" pitchFamily="18" charset="0"/>
+              </a:rPr>
+              <a:t>Тесты и смешивание. Этот этап проверяет значение глубины (и шаблона) фрагмента и использует их для определения местоположения фрагмента относительно других объектов: находится ли он спереди или сзади. Также выполняется проверка значений прозрачности и смешивание цветов</a:t>
             </a:r>
           </a:p>
           <a:p>
@@ -2296,7 +2192,7 @@
     </p:spTree>
     <p:extLst>
       <p:ext uri="{BB962C8B-B14F-4D97-AF65-F5344CB8AC3E}">
-        <p14:creationId xmlns:p14="http://schemas.microsoft.com/office/powerpoint/2010/main" val="1837944146"/>
+        <p14:creationId xmlns:p14="http://schemas.microsoft.com/office/powerpoint/2010/main" val="685227986"/>
       </p:ext>
     </p:extLst>
   </p:cSld>
@@ -2335,286 +2231,8 @@
         </p:nvSpPr>
         <p:spPr/>
       </p:sp>
-      <p:sp>
-        <p:nvSpPr>
-          <p:cNvPr id="3" name="Заметки 2"/>
-          <p:cNvSpPr>
-            <a:spLocks noGrp="1"/>
-          </p:cNvSpPr>
-          <p:nvPr>
-            <p:ph type="body" idx="1"/>
-          </p:nvPr>
-        </p:nvSpPr>
-        <p:spPr/>
-        <p:txBody>
-          <a:bodyPr/>
-          <a:lstStyle/>
-          <a:p>
-            <a:pPr>
-              <a:spcBef>
-                <a:spcPts val="600"/>
-              </a:spcBef>
-              <a:spcAft>
-                <a:spcPts val="600"/>
-              </a:spcAft>
-            </a:pPr>
-            <a:r>
-              <a:rPr lang="ru-RU" sz="1800" dirty="0">
-                <a:effectLst/>
-                <a:latin typeface="Times New Roman" panose="02020603050405020304" pitchFamily="18" charset="0"/>
-                <a:ea typeface="Times New Roman" panose="02020603050405020304" pitchFamily="18" charset="0"/>
-              </a:rPr>
-              <a:t>В </a:t>
-            </a:r>
-            <a:r>
-              <a:rPr lang="ru-RU" sz="1800" b="1" dirty="0">
-                <a:effectLst/>
-                <a:latin typeface="Times New Roman" panose="02020603050405020304" pitchFamily="18" charset="0"/>
-                <a:ea typeface="Times New Roman" panose="02020603050405020304" pitchFamily="18" charset="0"/>
-              </a:rPr>
-              <a:t>OpenGL</a:t>
-            </a:r>
-            <a:r>
-              <a:rPr lang="ru-RU" sz="1800" dirty="0">
-                <a:effectLst/>
-                <a:latin typeface="Times New Roman" panose="02020603050405020304" pitchFamily="18" charset="0"/>
-                <a:ea typeface="Times New Roman" panose="02020603050405020304" pitchFamily="18" charset="0"/>
-              </a:rPr>
-              <a:t> все объекты находятся в трёхмерном пространстве, однако экран и окно представляют собой двумерную матрицу пикселей. Следовательно, значительная часть задач OpenGL связана с преобразованием трёхмерных координат в двумерные для отображения на экране. Этот процесс преобразования управляется </a:t>
-            </a:r>
-            <a:r>
-              <a:rPr lang="ru-RU" sz="1800" b="1" dirty="0">
-                <a:effectLst/>
-                <a:latin typeface="Times New Roman" panose="02020603050405020304" pitchFamily="18" charset="0"/>
-                <a:ea typeface="Times New Roman" panose="02020603050405020304" pitchFamily="18" charset="0"/>
-              </a:rPr>
-              <a:t>графическим конвейером OpenGL</a:t>
-            </a:r>
-            <a:r>
-              <a:rPr lang="ru-RU" sz="1800" dirty="0">
-                <a:effectLst/>
-                <a:latin typeface="Times New Roman" panose="02020603050405020304" pitchFamily="18" charset="0"/>
-                <a:ea typeface="Times New Roman" panose="02020603050405020304" pitchFamily="18" charset="0"/>
-              </a:rPr>
-              <a:t>. Графический конвейер состоит из 6 этапов:</a:t>
-            </a:r>
-          </a:p>
-          <a:p>
-            <a:pPr marL="342900" lvl="0" indent="-342900">
-              <a:spcBef>
-                <a:spcPts val="600"/>
-              </a:spcBef>
-              <a:spcAft>
-                <a:spcPts val="600"/>
-              </a:spcAft>
-              <a:buFont typeface="Arial" panose="020B0604020202020204" pitchFamily="34" charset="0"/>
-              <a:buChar char="•"/>
-              <a:tabLst>
-                <a:tab pos="457200" algn="l"/>
-              </a:tabLst>
-            </a:pPr>
-            <a:r>
-              <a:rPr lang="ru-RU" sz="1800" dirty="0">
-                <a:effectLst/>
-                <a:latin typeface="Times New Roman" panose="02020603050405020304" pitchFamily="18" charset="0"/>
-                <a:ea typeface="Times New Roman" panose="02020603050405020304" pitchFamily="18" charset="0"/>
-                <a:cs typeface="Times New Roman" panose="02020603050405020304" pitchFamily="18" charset="0"/>
-              </a:rPr>
-              <a:t>Вершинный шейдер. На вход которого приходят вершинные данные, на выход набор трехмерных координат.</a:t>
-            </a:r>
-          </a:p>
-          <a:p>
-            <a:pPr marL="342900" lvl="0" indent="-342900">
-              <a:spcBef>
-                <a:spcPts val="600"/>
-              </a:spcBef>
-              <a:spcAft>
-                <a:spcPts val="600"/>
-              </a:spcAft>
-              <a:buFont typeface="Arial" panose="020B0604020202020204" pitchFamily="34" charset="0"/>
-              <a:buChar char="•"/>
-              <a:tabLst>
-                <a:tab pos="457200" algn="l"/>
-              </a:tabLst>
-            </a:pPr>
-            <a:r>
-              <a:rPr lang="ru-RU" sz="1800" dirty="0">
-                <a:effectLst/>
-                <a:latin typeface="Times New Roman" panose="02020603050405020304" pitchFamily="18" charset="0"/>
-                <a:ea typeface="Times New Roman" panose="02020603050405020304" pitchFamily="18" charset="0"/>
-                <a:cs typeface="Times New Roman" panose="02020603050405020304" pitchFamily="18" charset="0"/>
-              </a:rPr>
-              <a:t>Формирование формы. Формирование набора вершин по которой будет строится геометрия.</a:t>
-            </a:r>
-          </a:p>
-          <a:p>
-            <a:pPr marL="342900" lvl="0" indent="-342900">
-              <a:spcBef>
-                <a:spcPts val="600"/>
-              </a:spcBef>
-              <a:spcAft>
-                <a:spcPts val="600"/>
-              </a:spcAft>
-              <a:buFont typeface="Arial" panose="020B0604020202020204" pitchFamily="34" charset="0"/>
-              <a:buChar char="•"/>
-              <a:tabLst>
-                <a:tab pos="457200" algn="l"/>
-              </a:tabLst>
-            </a:pPr>
-            <a:r>
-              <a:rPr lang="ru-RU" sz="1800" dirty="0">
-                <a:effectLst/>
-                <a:latin typeface="Times New Roman" panose="02020603050405020304" pitchFamily="18" charset="0"/>
-                <a:ea typeface="Times New Roman" panose="02020603050405020304" pitchFamily="18" charset="0"/>
-                <a:cs typeface="Times New Roman" panose="02020603050405020304" pitchFamily="18" charset="0"/>
-              </a:rPr>
-              <a:t>Геометрический шейдер. Из набора вершин формируются примитивы.</a:t>
-            </a:r>
-          </a:p>
-          <a:p>
-            <a:pPr marL="342900" lvl="0" indent="-342900">
-              <a:spcBef>
-                <a:spcPts val="600"/>
-              </a:spcBef>
-              <a:spcAft>
-                <a:spcPts val="600"/>
-              </a:spcAft>
-              <a:buFont typeface="Arial" panose="020B0604020202020204" pitchFamily="34" charset="0"/>
-              <a:buChar char="•"/>
-              <a:tabLst>
-                <a:tab pos="457200" algn="l"/>
-              </a:tabLst>
-            </a:pPr>
-            <a:r>
-              <a:rPr lang="ru-RU" sz="1800" dirty="0">
-                <a:effectLst/>
-                <a:latin typeface="Times New Roman" panose="02020603050405020304" pitchFamily="18" charset="0"/>
-                <a:ea typeface="Times New Roman" panose="02020603050405020304" pitchFamily="18" charset="0"/>
-                <a:cs typeface="Times New Roman" panose="02020603050405020304" pitchFamily="18" charset="0"/>
-              </a:rPr>
-              <a:t>Растеризация. Результат работы геометрического шейдера передаётся на этап растеризации, где результирующие примитивы соотносятся с пикселями на экране, формируя фрагменты.</a:t>
-            </a:r>
-          </a:p>
-          <a:p>
-            <a:pPr marL="342900" lvl="0" indent="-342900">
-              <a:spcBef>
-                <a:spcPts val="600"/>
-              </a:spcBef>
-              <a:spcAft>
-                <a:spcPts val="600"/>
-              </a:spcAft>
-              <a:buFont typeface="Arial" panose="020B0604020202020204" pitchFamily="34" charset="0"/>
-              <a:buChar char="•"/>
-              <a:tabLst>
-                <a:tab pos="457200" algn="l"/>
-              </a:tabLst>
-            </a:pPr>
-            <a:r>
-              <a:rPr lang="ru-RU" sz="1800" dirty="0">
-                <a:effectLst/>
-                <a:latin typeface="Times New Roman" panose="02020603050405020304" pitchFamily="18" charset="0"/>
-                <a:ea typeface="Times New Roman" panose="02020603050405020304" pitchFamily="18" charset="0"/>
-                <a:cs typeface="Times New Roman" panose="02020603050405020304" pitchFamily="18" charset="0"/>
-              </a:rPr>
-              <a:t>Фрагментный шейдер. Основная задача фрагментного шейдера заключается в вычислении конечного цвета пикселя, и именно на этом этапе чаще всего реализуются различные дополнительные эффекты.</a:t>
-            </a:r>
-          </a:p>
-          <a:p>
-            <a:pPr marL="342900" lvl="0" indent="-342900">
-              <a:spcBef>
-                <a:spcPts val="600"/>
-              </a:spcBef>
-              <a:spcAft>
-                <a:spcPts val="600"/>
-              </a:spcAft>
-              <a:buFont typeface="Arial" panose="020B0604020202020204" pitchFamily="34" charset="0"/>
-              <a:buChar char="•"/>
-              <a:tabLst>
-                <a:tab pos="457200" algn="l"/>
-              </a:tabLst>
-            </a:pPr>
-            <a:r>
-              <a:rPr lang="ru-RU" sz="1800" dirty="0">
-                <a:effectLst/>
-                <a:latin typeface="Times New Roman" panose="02020603050405020304" pitchFamily="18" charset="0"/>
-                <a:ea typeface="Times New Roman" panose="02020603050405020304" pitchFamily="18" charset="0"/>
-                <a:cs typeface="Times New Roman" panose="02020603050405020304" pitchFamily="18" charset="0"/>
-              </a:rPr>
-              <a:t>Тесты и смешивание. Этот этап проверяет значение глубины (и шаблона) фрагмента и использует их для определения местоположения фрагмента относительно других объектов: находится ли он спереди или сзади. Также выполняется проверка значений прозрачности и смешивание цветов</a:t>
-            </a:r>
-          </a:p>
-          <a:p>
-            <a:endParaRPr lang="ru-RU" dirty="0"/>
-          </a:p>
-        </p:txBody>
-      </p:sp>
-      <p:sp>
-        <p:nvSpPr>
-          <p:cNvPr id="4" name="Номер слайда 3"/>
-          <p:cNvSpPr>
-            <a:spLocks noGrp="1"/>
-          </p:cNvSpPr>
-          <p:nvPr>
-            <p:ph type="sldNum" sz="quarter" idx="5"/>
-          </p:nvPr>
-        </p:nvSpPr>
-        <p:spPr/>
-        <p:txBody>
-          <a:bodyPr/>
-          <a:lstStyle/>
-          <a:p>
-            <a:fld id="{8FD44BF8-F11D-4543-936C-9F5A87714993}" type="slidenum">
-              <a:rPr lang="ru-RU" smtClean="0"/>
-              <a:t>7</a:t>
-            </a:fld>
-            <a:endParaRPr lang="ru-RU"/>
-          </a:p>
-        </p:txBody>
-      </p:sp>
-    </p:spTree>
-    <p:extLst>
-      <p:ext uri="{BB962C8B-B14F-4D97-AF65-F5344CB8AC3E}">
-        <p14:creationId xmlns:p14="http://schemas.microsoft.com/office/powerpoint/2010/main" val="685227986"/>
-      </p:ext>
-    </p:extLst>
-  </p:cSld>
-  <p:clrMapOvr>
-    <a:masterClrMapping/>
-  </p:clrMapOvr>
-</p:notes>
-</file>
-
-<file path=ppt/notesSlides/notesSlide7.xml><?xml version="1.0" encoding="utf-8"?>
-<p:notes xmlns:a="http://schemas.openxmlformats.org/drawingml/2006/main" xmlns:r="http://schemas.openxmlformats.org/officeDocument/2006/relationships" xmlns:p="http://schemas.openxmlformats.org/presentationml/2006/main">
-  <p:cSld>
-    <p:spTree>
-      <p:nvGrpSpPr>
-        <p:cNvPr id="1" name=""/>
-        <p:cNvGrpSpPr/>
-        <p:nvPr/>
-      </p:nvGrpSpPr>
-      <p:grpSpPr>
-        <a:xfrm>
-          <a:off x="0" y="0"/>
-          <a:ext cx="0" cy="0"/>
-          <a:chOff x="0" y="0"/>
-          <a:chExt cx="0" cy="0"/>
-        </a:xfrm>
-      </p:grpSpPr>
-      <p:sp>
-        <p:nvSpPr>
-          <p:cNvPr id="2" name="Образ слайда 1"/>
-          <p:cNvSpPr>
-            <a:spLocks noGrp="1" noRot="1" noChangeAspect="1"/>
-          </p:cNvSpPr>
-          <p:nvPr>
-            <p:ph type="sldImg"/>
-          </p:nvPr>
-        </p:nvSpPr>
-        <p:spPr/>
-      </p:sp>
-      <mc:AlternateContent xmlns:mc="http://schemas.openxmlformats.org/markup-compatibility/2006">
-        <mc:Choice xmlns:a14="http://schemas.microsoft.com/office/drawing/2010/main" Requires="a14">
+      <mc:AlternateContent xmlns:mc="http://schemas.openxmlformats.org/markup-compatibility/2006" xmlns:a14="http://schemas.microsoft.com/office/drawing/2010/main">
+        <mc:Choice Requires="a14">
           <p:sp>
             <p:nvSpPr>
               <p:cNvPr id="3" name="Заметки 2"/>
@@ -2984,7 +2602,7 @@
             </p:txBody>
           </p:sp>
         </mc:Choice>
-        <mc:Fallback>
+        <mc:Fallback xmlns="">
           <p:sp>
             <p:nvSpPr>
               <p:cNvPr id="3" name="Заметки 2"/>
@@ -3184,7 +2802,7 @@
           <a:p>
             <a:fld id="{8FD44BF8-F11D-4543-936C-9F5A87714993}" type="slidenum">
               <a:rPr lang="ru-RU" smtClean="0"/>
-              <a:t>8</a:t>
+              <a:t>7</a:t>
             </a:fld>
             <a:endParaRPr lang="ru-RU"/>
           </a:p>
@@ -3194,6 +2812,525 @@
     <p:extLst>
       <p:ext uri="{BB962C8B-B14F-4D97-AF65-F5344CB8AC3E}">
         <p14:creationId xmlns:p14="http://schemas.microsoft.com/office/powerpoint/2010/main" val="1556422026"/>
+      </p:ext>
+    </p:extLst>
+  </p:cSld>
+  <p:clrMapOvr>
+    <a:masterClrMapping/>
+  </p:clrMapOvr>
+</p:notes>
+</file>
+
+<file path=ppt/notesSlides/notesSlide7.xml><?xml version="1.0" encoding="utf-8"?>
+<p:notes xmlns:a="http://schemas.openxmlformats.org/drawingml/2006/main" xmlns:r="http://schemas.openxmlformats.org/officeDocument/2006/relationships" xmlns:p="http://schemas.openxmlformats.org/presentationml/2006/main">
+  <p:cSld>
+    <p:spTree>
+      <p:nvGrpSpPr>
+        <p:cNvPr id="1" name=""/>
+        <p:cNvGrpSpPr/>
+        <p:nvPr/>
+      </p:nvGrpSpPr>
+      <p:grpSpPr>
+        <a:xfrm>
+          <a:off x="0" y="0"/>
+          <a:ext cx="0" cy="0"/>
+          <a:chOff x="0" y="0"/>
+          <a:chExt cx="0" cy="0"/>
+        </a:xfrm>
+      </p:grpSpPr>
+      <p:sp>
+        <p:nvSpPr>
+          <p:cNvPr id="2" name="Образ слайда 1"/>
+          <p:cNvSpPr>
+            <a:spLocks noGrp="1" noRot="1" noChangeAspect="1"/>
+          </p:cNvSpPr>
+          <p:nvPr>
+            <p:ph type="sldImg"/>
+          </p:nvPr>
+        </p:nvSpPr>
+        <p:spPr/>
+      </p:sp>
+      <p:sp>
+        <p:nvSpPr>
+          <p:cNvPr id="3" name="Заметки 2"/>
+          <p:cNvSpPr>
+            <a:spLocks noGrp="1"/>
+          </p:cNvSpPr>
+          <p:nvPr>
+            <p:ph type="body" idx="1"/>
+          </p:nvPr>
+        </p:nvSpPr>
+        <p:spPr/>
+        <p:txBody>
+          <a:bodyPr/>
+          <a:lstStyle/>
+          <a:p>
+            <a:pPr algn="just">
+              <a:lnSpc>
+                <a:spcPct val="150000"/>
+              </a:lnSpc>
+              <a:spcBef>
+                <a:spcPts val="600"/>
+              </a:spcBef>
+              <a:spcAft>
+                <a:spcPts val="600"/>
+              </a:spcAft>
+            </a:pPr>
+            <a:r>
+              <a:rPr lang="ru-RU" sz="1800" b="0" dirty="0">
+                <a:solidFill>
+                  <a:srgbClr val="000000"/>
+                </a:solidFill>
+                <a:effectLst/>
+                <a:latin typeface="Times New Roman" panose="02020603050405020304" pitchFamily="18" charset="0"/>
+                <a:ea typeface="Times New Roman" panose="02020603050405020304" pitchFamily="18" charset="0"/>
+                <a:cs typeface="Times New Roman" panose="02020603050405020304" pitchFamily="18" charset="0"/>
+              </a:rPr>
+              <a:t>Распространение света в реальном мире представляет собой чрезвычайно сложное явление, зависящее от множества факторов. </a:t>
+            </a:r>
+          </a:p>
+          <a:p>
+            <a:pPr algn="just">
+              <a:lnSpc>
+                <a:spcPct val="150000"/>
+              </a:lnSpc>
+              <a:spcBef>
+                <a:spcPts val="600"/>
+              </a:spcBef>
+              <a:spcAft>
+                <a:spcPts val="600"/>
+              </a:spcAft>
+            </a:pPr>
+            <a:r>
+              <a:rPr lang="ru-RU" sz="1800" b="0" dirty="0">
+                <a:solidFill>
+                  <a:srgbClr val="000000"/>
+                </a:solidFill>
+                <a:effectLst/>
+                <a:latin typeface="Times New Roman" panose="02020603050405020304" pitchFamily="18" charset="0"/>
+                <a:ea typeface="Times New Roman" panose="02020603050405020304" pitchFamily="18" charset="0"/>
+                <a:cs typeface="Times New Roman" panose="02020603050405020304" pitchFamily="18" charset="0"/>
+              </a:rPr>
+              <a:t>В условиях ограниченных вычислительных ресурсов мы не можем позволить себе учитывать все нюансы в расчетах. </a:t>
+            </a:r>
+          </a:p>
+          <a:p>
+            <a:pPr algn="just">
+              <a:lnSpc>
+                <a:spcPct val="150000"/>
+              </a:lnSpc>
+              <a:spcBef>
+                <a:spcPts val="600"/>
+              </a:spcBef>
+              <a:spcAft>
+                <a:spcPts val="600"/>
+              </a:spcAft>
+            </a:pPr>
+            <a:r>
+              <a:rPr lang="ru-RU" sz="1800" b="0" dirty="0">
+                <a:solidFill>
+                  <a:srgbClr val="000000"/>
+                </a:solidFill>
+                <a:effectLst/>
+                <a:latin typeface="Times New Roman" panose="02020603050405020304" pitchFamily="18" charset="0"/>
+                <a:ea typeface="Times New Roman" panose="02020603050405020304" pitchFamily="18" charset="0"/>
+                <a:cs typeface="Times New Roman" panose="02020603050405020304" pitchFamily="18" charset="0"/>
+              </a:rPr>
+              <a:t>Поэтому освещение в OpenGL базируется на использовании упрощенных математических моделей, приближенных к реальности. </a:t>
+            </a:r>
+          </a:p>
+          <a:p>
+            <a:pPr algn="just">
+              <a:lnSpc>
+                <a:spcPct val="150000"/>
+              </a:lnSpc>
+              <a:spcBef>
+                <a:spcPts val="600"/>
+              </a:spcBef>
+              <a:spcAft>
+                <a:spcPts val="600"/>
+              </a:spcAft>
+            </a:pPr>
+            <a:r>
+              <a:rPr lang="ru-RU" sz="1800" b="0" dirty="0">
+                <a:solidFill>
+                  <a:srgbClr val="000000"/>
+                </a:solidFill>
+                <a:effectLst/>
+                <a:latin typeface="Times New Roman" panose="02020603050405020304" pitchFamily="18" charset="0"/>
+                <a:ea typeface="Times New Roman" panose="02020603050405020304" pitchFamily="18" charset="0"/>
+                <a:cs typeface="Times New Roman" panose="02020603050405020304" pitchFamily="18" charset="0"/>
+              </a:rPr>
+              <a:t>Эти модели описывают физику света на основе нашего понимания его природы и рассчитываются гораздо проще по сравнению с полным учетом всех факторов. </a:t>
+            </a:r>
+          </a:p>
+          <a:p>
+            <a:pPr algn="just">
+              <a:lnSpc>
+                <a:spcPct val="150000"/>
+              </a:lnSpc>
+              <a:spcBef>
+                <a:spcPts val="600"/>
+              </a:spcBef>
+              <a:spcAft>
+                <a:spcPts val="600"/>
+              </a:spcAft>
+            </a:pPr>
+            <a:r>
+              <a:rPr lang="ru-RU" sz="1800" b="0" dirty="0">
+                <a:solidFill>
+                  <a:srgbClr val="000000"/>
+                </a:solidFill>
+                <a:effectLst/>
+                <a:latin typeface="Times New Roman" panose="02020603050405020304" pitchFamily="18" charset="0"/>
+                <a:ea typeface="Times New Roman" panose="02020603050405020304" pitchFamily="18" charset="0"/>
+                <a:cs typeface="Times New Roman" panose="02020603050405020304" pitchFamily="18" charset="0"/>
+              </a:rPr>
+              <a:t>Одной из таких моделей является модель освещения по </a:t>
+            </a:r>
+            <a:r>
+              <a:rPr lang="ru-RU" sz="1800" b="1" dirty="0" err="1">
+                <a:solidFill>
+                  <a:srgbClr val="000000"/>
+                </a:solidFill>
+                <a:effectLst/>
+                <a:latin typeface="Times New Roman" panose="02020603050405020304" pitchFamily="18" charset="0"/>
+                <a:ea typeface="Times New Roman" panose="02020603050405020304" pitchFamily="18" charset="0"/>
+                <a:cs typeface="Times New Roman" panose="02020603050405020304" pitchFamily="18" charset="0"/>
+              </a:rPr>
+              <a:t>Фонгу</a:t>
+            </a:r>
+            <a:r>
+              <a:rPr lang="ru-RU" sz="1800" b="0" dirty="0">
+                <a:solidFill>
+                  <a:srgbClr val="000000"/>
+                </a:solidFill>
+                <a:effectLst/>
+                <a:latin typeface="Times New Roman" panose="02020603050405020304" pitchFamily="18" charset="0"/>
+                <a:ea typeface="Times New Roman" panose="02020603050405020304" pitchFamily="18" charset="0"/>
+                <a:cs typeface="Times New Roman" panose="02020603050405020304" pitchFamily="18" charset="0"/>
+              </a:rPr>
+              <a:t> (</a:t>
+            </a:r>
+            <a:r>
+              <a:rPr lang="ru-RU" sz="1800" b="1" dirty="0" err="1">
+                <a:solidFill>
+                  <a:srgbClr val="000000"/>
+                </a:solidFill>
+                <a:effectLst/>
+                <a:latin typeface="Times New Roman" panose="02020603050405020304" pitchFamily="18" charset="0"/>
+                <a:ea typeface="Times New Roman" panose="02020603050405020304" pitchFamily="18" charset="0"/>
+                <a:cs typeface="Times New Roman" panose="02020603050405020304" pitchFamily="18" charset="0"/>
+              </a:rPr>
+              <a:t>Phong</a:t>
+            </a:r>
+            <a:r>
+              <a:rPr lang="ru-RU" sz="1800" b="0" dirty="0">
+                <a:solidFill>
+                  <a:srgbClr val="000000"/>
+                </a:solidFill>
+                <a:effectLst/>
+                <a:latin typeface="Times New Roman" panose="02020603050405020304" pitchFamily="18" charset="0"/>
+                <a:ea typeface="Times New Roman" panose="02020603050405020304" pitchFamily="18" charset="0"/>
+                <a:cs typeface="Times New Roman" panose="02020603050405020304" pitchFamily="18" charset="0"/>
+              </a:rPr>
+              <a:t>). </a:t>
+            </a:r>
+          </a:p>
+          <a:p>
+            <a:pPr algn="just">
+              <a:lnSpc>
+                <a:spcPct val="150000"/>
+              </a:lnSpc>
+              <a:spcBef>
+                <a:spcPts val="600"/>
+              </a:spcBef>
+              <a:spcAft>
+                <a:spcPts val="600"/>
+              </a:spcAft>
+            </a:pPr>
+            <a:r>
+              <a:rPr lang="ru-RU" sz="1800" b="0" dirty="0">
+                <a:solidFill>
+                  <a:srgbClr val="000000"/>
+                </a:solidFill>
+                <a:effectLst/>
+                <a:latin typeface="Times New Roman" panose="02020603050405020304" pitchFamily="18" charset="0"/>
+                <a:ea typeface="Times New Roman" panose="02020603050405020304" pitchFamily="18" charset="0"/>
+                <a:cs typeface="Times New Roman" panose="02020603050405020304" pitchFamily="18" charset="0"/>
+              </a:rPr>
+              <a:t>Она состоит из трех основных компонентов:</a:t>
+            </a:r>
+            <a:endParaRPr lang="ru-RU" sz="1800" b="1" dirty="0">
+              <a:solidFill>
+                <a:srgbClr val="000000"/>
+              </a:solidFill>
+              <a:effectLst/>
+              <a:latin typeface="Times New Roman" panose="02020603050405020304" pitchFamily="18" charset="0"/>
+              <a:ea typeface="Times New Roman" panose="02020603050405020304" pitchFamily="18" charset="0"/>
+              <a:cs typeface="Times New Roman" panose="02020603050405020304" pitchFamily="18" charset="0"/>
+            </a:endParaRPr>
+          </a:p>
+          <a:p>
+            <a:pPr marL="342900" lvl="0" indent="-342900" algn="just">
+              <a:lnSpc>
+                <a:spcPct val="150000"/>
+              </a:lnSpc>
+              <a:spcBef>
+                <a:spcPts val="600"/>
+              </a:spcBef>
+              <a:spcAft>
+                <a:spcPts val="600"/>
+              </a:spcAft>
+              <a:buFont typeface="+mj-lt"/>
+              <a:buAutoNum type="arabicParenR"/>
+              <a:tabLst>
+                <a:tab pos="457200" algn="l"/>
+              </a:tabLst>
+            </a:pPr>
+            <a:r>
+              <a:rPr lang="ru-RU" sz="1800" b="0" dirty="0">
+                <a:solidFill>
+                  <a:srgbClr val="000000"/>
+                </a:solidFill>
+                <a:effectLst/>
+                <a:latin typeface="Times New Roman" panose="02020603050405020304" pitchFamily="18" charset="0"/>
+                <a:ea typeface="Times New Roman" panose="02020603050405020304" pitchFamily="18" charset="0"/>
+                <a:cs typeface="Times New Roman" panose="02020603050405020304" pitchFamily="18" charset="0"/>
+              </a:rPr>
+              <a:t>Фоновое освещение (</a:t>
+            </a:r>
+            <a:r>
+              <a:rPr lang="ru-RU" sz="1800" b="1" dirty="0" err="1">
+                <a:solidFill>
+                  <a:srgbClr val="000000"/>
+                </a:solidFill>
+                <a:effectLst/>
+                <a:latin typeface="Times New Roman" panose="02020603050405020304" pitchFamily="18" charset="0"/>
+                <a:ea typeface="Times New Roman" panose="02020603050405020304" pitchFamily="18" charset="0"/>
+                <a:cs typeface="Times New Roman" panose="02020603050405020304" pitchFamily="18" charset="0"/>
+              </a:rPr>
+              <a:t>ambient</a:t>
+            </a:r>
+            <a:r>
+              <a:rPr lang="ru-RU" sz="1800" b="0" dirty="0">
+                <a:solidFill>
+                  <a:srgbClr val="000000"/>
+                </a:solidFill>
+                <a:effectLst/>
+                <a:latin typeface="Times New Roman" panose="02020603050405020304" pitchFamily="18" charset="0"/>
+                <a:ea typeface="Times New Roman" panose="02020603050405020304" pitchFamily="18" charset="0"/>
+                <a:cs typeface="Times New Roman" panose="02020603050405020304" pitchFamily="18" charset="0"/>
+              </a:rPr>
+              <a:t>): описывает общее освещение, которое равномерно распределяется по поверхности объекта.</a:t>
+            </a:r>
+            <a:endParaRPr lang="ru-RU" sz="1800" b="1" dirty="0">
+              <a:solidFill>
+                <a:srgbClr val="000000"/>
+              </a:solidFill>
+              <a:effectLst/>
+              <a:latin typeface="Times New Roman" panose="02020603050405020304" pitchFamily="18" charset="0"/>
+              <a:ea typeface="Times New Roman" panose="02020603050405020304" pitchFamily="18" charset="0"/>
+              <a:cs typeface="Times New Roman" panose="02020603050405020304" pitchFamily="18" charset="0"/>
+            </a:endParaRPr>
+          </a:p>
+          <a:p>
+            <a:pPr marL="342900" lvl="0" indent="-342900" algn="just">
+              <a:lnSpc>
+                <a:spcPct val="150000"/>
+              </a:lnSpc>
+              <a:spcBef>
+                <a:spcPts val="600"/>
+              </a:spcBef>
+              <a:spcAft>
+                <a:spcPts val="600"/>
+              </a:spcAft>
+              <a:buFont typeface="+mj-lt"/>
+              <a:buAutoNum type="arabicParenR"/>
+              <a:tabLst>
+                <a:tab pos="457200" algn="l"/>
+              </a:tabLst>
+            </a:pPr>
+            <a:r>
+              <a:rPr lang="ru-RU" sz="1800" b="0" dirty="0">
+                <a:solidFill>
+                  <a:srgbClr val="000000"/>
+                </a:solidFill>
+                <a:effectLst/>
+                <a:latin typeface="Times New Roman" panose="02020603050405020304" pitchFamily="18" charset="0"/>
+                <a:ea typeface="Times New Roman" panose="02020603050405020304" pitchFamily="18" charset="0"/>
+                <a:cs typeface="Times New Roman" panose="02020603050405020304" pitchFamily="18" charset="0"/>
+              </a:rPr>
+              <a:t>Рассеянное/диффузное освещение (</a:t>
+            </a:r>
+            <a:r>
+              <a:rPr lang="ru-RU" sz="1800" b="1" dirty="0" err="1">
+                <a:solidFill>
+                  <a:srgbClr val="000000"/>
+                </a:solidFill>
+                <a:effectLst/>
+                <a:latin typeface="Times New Roman" panose="02020603050405020304" pitchFamily="18" charset="0"/>
+                <a:ea typeface="Times New Roman" panose="02020603050405020304" pitchFamily="18" charset="0"/>
+                <a:cs typeface="Times New Roman" panose="02020603050405020304" pitchFamily="18" charset="0"/>
+              </a:rPr>
+              <a:t>diffuse</a:t>
+            </a:r>
+            <a:r>
+              <a:rPr lang="ru-RU" sz="1800" b="0" dirty="0">
+                <a:solidFill>
+                  <a:srgbClr val="000000"/>
+                </a:solidFill>
+                <a:effectLst/>
+                <a:latin typeface="Times New Roman" panose="02020603050405020304" pitchFamily="18" charset="0"/>
+                <a:ea typeface="Times New Roman" panose="02020603050405020304" pitchFamily="18" charset="0"/>
+                <a:cs typeface="Times New Roman" panose="02020603050405020304" pitchFamily="18" charset="0"/>
+              </a:rPr>
+              <a:t>): учитывает свет, рассеивающийся равномерно по всем направлениям от источника света.</a:t>
+            </a:r>
+            <a:endParaRPr lang="ru-RU" sz="1800" b="1" dirty="0">
+              <a:solidFill>
+                <a:srgbClr val="000000"/>
+              </a:solidFill>
+              <a:effectLst/>
+              <a:latin typeface="Times New Roman" panose="02020603050405020304" pitchFamily="18" charset="0"/>
+              <a:ea typeface="Times New Roman" panose="02020603050405020304" pitchFamily="18" charset="0"/>
+              <a:cs typeface="Times New Roman" panose="02020603050405020304" pitchFamily="18" charset="0"/>
+            </a:endParaRPr>
+          </a:p>
+          <a:p>
+            <a:pPr marL="342900" lvl="0" indent="-342900" algn="just">
+              <a:lnSpc>
+                <a:spcPct val="150000"/>
+              </a:lnSpc>
+              <a:spcBef>
+                <a:spcPts val="600"/>
+              </a:spcBef>
+              <a:spcAft>
+                <a:spcPts val="600"/>
+              </a:spcAft>
+              <a:buFont typeface="+mj-lt"/>
+              <a:buAutoNum type="arabicParenR"/>
+              <a:tabLst>
+                <a:tab pos="457200" algn="l"/>
+              </a:tabLst>
+            </a:pPr>
+            <a:r>
+              <a:rPr lang="ru-RU" sz="1800" b="0" dirty="0">
+                <a:solidFill>
+                  <a:srgbClr val="000000"/>
+                </a:solidFill>
+                <a:effectLst/>
+                <a:latin typeface="Times New Roman" panose="02020603050405020304" pitchFamily="18" charset="0"/>
+                <a:ea typeface="Times New Roman" panose="02020603050405020304" pitchFamily="18" charset="0"/>
+                <a:cs typeface="Times New Roman" panose="02020603050405020304" pitchFamily="18" charset="0"/>
+              </a:rPr>
+              <a:t>Бликовое освещение (</a:t>
+            </a:r>
+            <a:r>
+              <a:rPr lang="ru-RU" sz="1800" b="1" dirty="0" err="1">
+                <a:solidFill>
+                  <a:srgbClr val="000000"/>
+                </a:solidFill>
+                <a:effectLst/>
+                <a:latin typeface="Times New Roman" panose="02020603050405020304" pitchFamily="18" charset="0"/>
+                <a:ea typeface="Times New Roman" panose="02020603050405020304" pitchFamily="18" charset="0"/>
+                <a:cs typeface="Times New Roman" panose="02020603050405020304" pitchFamily="18" charset="0"/>
+              </a:rPr>
+              <a:t>specular</a:t>
+            </a:r>
+            <a:r>
+              <a:rPr lang="ru-RU" sz="1800" b="0" dirty="0">
+                <a:solidFill>
+                  <a:srgbClr val="000000"/>
+                </a:solidFill>
+                <a:effectLst/>
+                <a:latin typeface="Times New Roman" panose="02020603050405020304" pitchFamily="18" charset="0"/>
+                <a:ea typeface="Times New Roman" panose="02020603050405020304" pitchFamily="18" charset="0"/>
+                <a:cs typeface="Times New Roman" panose="02020603050405020304" pitchFamily="18" charset="0"/>
+              </a:rPr>
+              <a:t>): моделирует яркие блики, возникающие на поверхности объекта в направлении источника света.</a:t>
+            </a:r>
+            <a:endParaRPr lang="ru-RU" sz="1800" b="1" dirty="0">
+              <a:solidFill>
+                <a:srgbClr val="000000"/>
+              </a:solidFill>
+              <a:effectLst/>
+              <a:latin typeface="Times New Roman" panose="02020603050405020304" pitchFamily="18" charset="0"/>
+              <a:ea typeface="Times New Roman" panose="02020603050405020304" pitchFamily="18" charset="0"/>
+              <a:cs typeface="Times New Roman" panose="02020603050405020304" pitchFamily="18" charset="0"/>
+            </a:endParaRPr>
+          </a:p>
+          <a:p>
+            <a:pPr marL="0" lvl="0" indent="0" algn="just">
+              <a:lnSpc>
+                <a:spcPct val="150000"/>
+              </a:lnSpc>
+              <a:spcBef>
+                <a:spcPts val="600"/>
+              </a:spcBef>
+              <a:spcAft>
+                <a:spcPts val="600"/>
+              </a:spcAft>
+              <a:buFont typeface="+mj-lt"/>
+              <a:buNone/>
+              <a:tabLst>
+                <a:tab pos="457200" algn="l"/>
+              </a:tabLst>
+            </a:pPr>
+            <a:r>
+              <a:rPr lang="ru-RU" sz="1800" b="0" dirty="0">
+                <a:solidFill>
+                  <a:srgbClr val="000000"/>
+                </a:solidFill>
+                <a:effectLst/>
+                <a:latin typeface="Times New Roman" panose="02020603050405020304" pitchFamily="18" charset="0"/>
+                <a:ea typeface="Times New Roman" panose="02020603050405020304" pitchFamily="18" charset="0"/>
+                <a:cs typeface="Times New Roman" panose="02020603050405020304" pitchFamily="18" charset="0"/>
+              </a:rPr>
+              <a:t>Эти компоненты вместе позволяют создать визуально реалистичное представление освещения объектов. На картинке можете видеть, что они из себя представляют.</a:t>
+            </a:r>
+            <a:endParaRPr lang="ru-RU" sz="1800" b="1" dirty="0">
+              <a:solidFill>
+                <a:srgbClr val="000000"/>
+              </a:solidFill>
+              <a:effectLst/>
+              <a:latin typeface="Times New Roman" panose="02020603050405020304" pitchFamily="18" charset="0"/>
+              <a:ea typeface="Times New Roman" panose="02020603050405020304" pitchFamily="18" charset="0"/>
+              <a:cs typeface="Times New Roman" panose="02020603050405020304" pitchFamily="18" charset="0"/>
+            </a:endParaRPr>
+          </a:p>
+          <a:p>
+            <a:endParaRPr lang="ru-RU" dirty="0"/>
+          </a:p>
+        </p:txBody>
+      </p:sp>
+      <p:sp>
+        <p:nvSpPr>
+          <p:cNvPr id="4" name="Номер слайда 3"/>
+          <p:cNvSpPr>
+            <a:spLocks noGrp="1"/>
+          </p:cNvSpPr>
+          <p:nvPr>
+            <p:ph type="sldNum" sz="quarter" idx="5"/>
+          </p:nvPr>
+        </p:nvSpPr>
+        <p:spPr/>
+        <p:txBody>
+          <a:bodyPr/>
+          <a:lstStyle/>
+          <a:p>
+            <a:fld id="{8FD44BF8-F11D-4543-936C-9F5A87714993}" type="slidenum">
+              <a:rPr lang="ru-RU" smtClean="0"/>
+              <a:t>8</a:t>
+            </a:fld>
+            <a:endParaRPr lang="ru-RU"/>
+          </a:p>
+        </p:txBody>
+      </p:sp>
+    </p:spTree>
+    <p:extLst>
+      <p:ext uri="{BB962C8B-B14F-4D97-AF65-F5344CB8AC3E}">
+        <p14:creationId xmlns:p14="http://schemas.microsoft.com/office/powerpoint/2010/main" val="3056836967"/>
       </p:ext>
     </p:extLst>
   </p:cSld>
@@ -3247,437 +3384,245 @@
           <a:bodyPr/>
           <a:lstStyle/>
           <a:p>
-            <a:pPr algn="just">
+            <a:pPr>
               <a:lnSpc>
-                <a:spcPct val="150000"/>
+                <a:spcPct val="107000"/>
               </a:lnSpc>
-              <a:spcBef>
-                <a:spcPts val="600"/>
-              </a:spcBef>
               <a:spcAft>
-                <a:spcPts val="600"/>
+                <a:spcPts val="800"/>
               </a:spcAft>
             </a:pPr>
             <a:r>
-              <a:rPr lang="ru-RU" sz="1800" b="0" dirty="0">
-                <a:solidFill>
-                  <a:srgbClr val="000000"/>
-                </a:solidFill>
+              <a:rPr lang="ru-RU" sz="1800" b="1" dirty="0">
                 <a:effectLst/>
                 <a:latin typeface="Times New Roman" panose="02020603050405020304" pitchFamily="18" charset="0"/>
-                <a:ea typeface="Times New Roman" panose="02020603050405020304" pitchFamily="18" charset="0"/>
-                <a:cs typeface="Times New Roman" panose="02020603050405020304" pitchFamily="18" charset="0"/>
-              </a:rPr>
-              <a:t>Распространение света в реальном мире представляет собой чрезвычайно сложное явление, зависящее от множества факторов. </a:t>
-            </a:r>
-          </a:p>
-          <a:p>
-            <a:pPr algn="just">
+                <a:ea typeface="Calibri" panose="020F0502020204030204" pitchFamily="34" charset="0"/>
+                <a:cs typeface="Times New Roman" panose="02020603050405020304" pitchFamily="18" charset="0"/>
+              </a:rPr>
+              <a:t>Система рефлексии </a:t>
+            </a:r>
+            <a:r>
+              <a:rPr lang="ru-RU" sz="1800" dirty="0">
+                <a:effectLst/>
+                <a:latin typeface="Times New Roman" panose="02020603050405020304" pitchFamily="18" charset="0"/>
+                <a:ea typeface="Calibri" panose="020F0502020204030204" pitchFamily="34" charset="0"/>
+                <a:cs typeface="Times New Roman" panose="02020603050405020304" pitchFamily="18" charset="0"/>
+              </a:rPr>
+              <a:t>— это механизм, позволяющий программе анализировать и взаимодействовать с собственными типами данных, функциями и структурами во время выполнения. </a:t>
+            </a:r>
+          </a:p>
+          <a:p>
+            <a:pPr>
               <a:lnSpc>
-                <a:spcPct val="150000"/>
+                <a:spcPct val="107000"/>
               </a:lnSpc>
-              <a:spcBef>
-                <a:spcPts val="600"/>
-              </a:spcBef>
               <a:spcAft>
-                <a:spcPts val="600"/>
+                <a:spcPts val="800"/>
               </a:spcAft>
             </a:pPr>
             <a:r>
-              <a:rPr lang="ru-RU" sz="1800" b="0" dirty="0">
-                <a:solidFill>
-                  <a:srgbClr val="000000"/>
-                </a:solidFill>
+              <a:rPr lang="ru-RU" sz="1800" dirty="0">
                 <a:effectLst/>
                 <a:latin typeface="Times New Roman" panose="02020603050405020304" pitchFamily="18" charset="0"/>
-                <a:ea typeface="Times New Roman" panose="02020603050405020304" pitchFamily="18" charset="0"/>
-                <a:cs typeface="Times New Roman" panose="02020603050405020304" pitchFamily="18" charset="0"/>
-              </a:rPr>
-              <a:t>В условиях ограниченных вычислительных ресурсов мы не можем позволить себе учитывать все нюансы в расчетах. </a:t>
-            </a:r>
-          </a:p>
-          <a:p>
-            <a:pPr algn="just">
+                <a:ea typeface="Calibri" panose="020F0502020204030204" pitchFamily="34" charset="0"/>
+                <a:cs typeface="Times New Roman" panose="02020603050405020304" pitchFamily="18" charset="0"/>
+              </a:rPr>
+              <a:t>C++ не имеет встроенной поддержки рефлексии, поэтому её реализация требует ручного подхода. </a:t>
+            </a:r>
+          </a:p>
+          <a:p>
+            <a:pPr>
               <a:lnSpc>
-                <a:spcPct val="150000"/>
+                <a:spcPct val="107000"/>
               </a:lnSpc>
-              <a:spcBef>
-                <a:spcPts val="600"/>
-              </a:spcBef>
               <a:spcAft>
-                <a:spcPts val="600"/>
+                <a:spcPts val="800"/>
               </a:spcAft>
             </a:pPr>
             <a:r>
-              <a:rPr lang="ru-RU" sz="1800" b="0" dirty="0">
-                <a:solidFill>
-                  <a:srgbClr val="000000"/>
-                </a:solidFill>
+              <a:rPr lang="ru-RU" sz="1800" dirty="0">
                 <a:effectLst/>
                 <a:latin typeface="Times New Roman" panose="02020603050405020304" pitchFamily="18" charset="0"/>
-                <a:ea typeface="Times New Roman" panose="02020603050405020304" pitchFamily="18" charset="0"/>
-                <a:cs typeface="Times New Roman" panose="02020603050405020304" pitchFamily="18" charset="0"/>
-              </a:rPr>
-              <a:t>Поэтому освещение в OpenGL базируется на использовании упрощенных математических моделей, приближенных к реальности. </a:t>
-            </a:r>
-          </a:p>
-          <a:p>
-            <a:pPr algn="just">
+                <a:ea typeface="Calibri" panose="020F0502020204030204" pitchFamily="34" charset="0"/>
+                <a:cs typeface="Times New Roman" panose="02020603050405020304" pitchFamily="18" charset="0"/>
+              </a:rPr>
+              <a:t>Одним, из которых является обработка абстрактного синтаксического дерева (</a:t>
+            </a:r>
+            <a:r>
+              <a:rPr lang="en-US" sz="1800" b="1" dirty="0">
+                <a:effectLst/>
+                <a:latin typeface="Times New Roman" panose="02020603050405020304" pitchFamily="18" charset="0"/>
+                <a:ea typeface="Calibri" panose="020F0502020204030204" pitchFamily="34" charset="0"/>
+                <a:cs typeface="Times New Roman" panose="02020603050405020304" pitchFamily="18" charset="0"/>
+              </a:rPr>
+              <a:t>AST</a:t>
+            </a:r>
+            <a:r>
+              <a:rPr lang="ru-RU" sz="1800" dirty="0">
+                <a:effectLst/>
+                <a:latin typeface="Times New Roman" panose="02020603050405020304" pitchFamily="18" charset="0"/>
+                <a:ea typeface="Calibri" panose="020F0502020204030204" pitchFamily="34" charset="0"/>
+                <a:cs typeface="Times New Roman" panose="02020603050405020304" pitchFamily="18" charset="0"/>
+              </a:rPr>
+              <a:t>), которая предоставляет библиотека </a:t>
+            </a:r>
+            <a:r>
+              <a:rPr lang="en-US" sz="1800" b="1" dirty="0">
+                <a:effectLst/>
+                <a:latin typeface="Times New Roman" panose="02020603050405020304" pitchFamily="18" charset="0"/>
+                <a:ea typeface="Calibri" panose="020F0502020204030204" pitchFamily="34" charset="0"/>
+                <a:cs typeface="Times New Roman" panose="02020603050405020304" pitchFamily="18" charset="0"/>
+              </a:rPr>
+              <a:t>LLVM Clang</a:t>
+            </a:r>
+            <a:r>
+              <a:rPr lang="ru-RU" sz="1800" dirty="0">
+                <a:effectLst/>
+                <a:latin typeface="Times New Roman" panose="02020603050405020304" pitchFamily="18" charset="0"/>
+                <a:ea typeface="Calibri" panose="020F0502020204030204" pitchFamily="34" charset="0"/>
+                <a:cs typeface="Times New Roman" panose="02020603050405020304" pitchFamily="18" charset="0"/>
+              </a:rPr>
+              <a:t>. </a:t>
+            </a:r>
+          </a:p>
+          <a:p>
+            <a:pPr>
               <a:lnSpc>
-                <a:spcPct val="150000"/>
+                <a:spcPct val="107000"/>
               </a:lnSpc>
-              <a:spcBef>
-                <a:spcPts val="600"/>
-              </a:spcBef>
               <a:spcAft>
-                <a:spcPts val="600"/>
+                <a:spcPts val="800"/>
               </a:spcAft>
             </a:pPr>
             <a:r>
-              <a:rPr lang="ru-RU" sz="1800" b="0" dirty="0">
-                <a:solidFill>
-                  <a:srgbClr val="000000"/>
-                </a:solidFill>
+              <a:rPr lang="ru-RU" sz="1800" dirty="0">
                 <a:effectLst/>
                 <a:latin typeface="Times New Roman" panose="02020603050405020304" pitchFamily="18" charset="0"/>
-                <a:ea typeface="Times New Roman" panose="02020603050405020304" pitchFamily="18" charset="0"/>
-                <a:cs typeface="Times New Roman" panose="02020603050405020304" pitchFamily="18" charset="0"/>
-              </a:rPr>
-              <a:t>Эти модели описывают физику света на основе нашего понимания его природы и рассчитываются гораздо проще по сравнению с полным учетом всех факторов. </a:t>
-            </a:r>
-          </a:p>
-          <a:p>
-            <a:pPr algn="just">
+                <a:ea typeface="Calibri" panose="020F0502020204030204" pitchFamily="34" charset="0"/>
+                <a:cs typeface="Times New Roman" panose="02020603050405020304" pitchFamily="18" charset="0"/>
+              </a:rPr>
+              <a:t>AST содержит полную информацию о структуре программы, включая типы данных, функции, классы, поля и методы. </a:t>
+            </a:r>
+            <a:endParaRPr lang="ru-RU" sz="1800" dirty="0">
+              <a:effectLst/>
+              <a:latin typeface="Calibri" panose="020F0502020204030204" pitchFamily="34" charset="0"/>
+              <a:ea typeface="Calibri" panose="020F0502020204030204" pitchFamily="34" charset="0"/>
+              <a:cs typeface="Times New Roman" panose="02020603050405020304" pitchFamily="18" charset="0"/>
+            </a:endParaRPr>
+          </a:p>
+          <a:p>
+            <a:pPr>
               <a:lnSpc>
-                <a:spcPct val="150000"/>
+                <a:spcPct val="107000"/>
               </a:lnSpc>
-              <a:spcBef>
-                <a:spcPts val="600"/>
-              </a:spcBef>
               <a:spcAft>
-                <a:spcPts val="600"/>
+                <a:spcPts val="800"/>
               </a:spcAft>
             </a:pPr>
             <a:r>
-              <a:rPr lang="ru-RU" sz="1800" b="0" dirty="0">
-                <a:solidFill>
-                  <a:srgbClr val="000000"/>
-                </a:solidFill>
+              <a:rPr lang="ru-RU" sz="1800" dirty="0">
                 <a:effectLst/>
                 <a:latin typeface="Times New Roman" panose="02020603050405020304" pitchFamily="18" charset="0"/>
-                <a:ea typeface="Times New Roman" panose="02020603050405020304" pitchFamily="18" charset="0"/>
-                <a:cs typeface="Times New Roman" panose="02020603050405020304" pitchFamily="18" charset="0"/>
-              </a:rPr>
-              <a:t>Одной из таких моделей является модель освещения по </a:t>
-            </a:r>
-            <a:r>
-              <a:rPr lang="ru-RU" sz="1800" b="1" dirty="0" err="1">
-                <a:solidFill>
-                  <a:srgbClr val="000000"/>
-                </a:solidFill>
+                <a:ea typeface="Calibri" panose="020F0502020204030204" pitchFamily="34" charset="0"/>
+                <a:cs typeface="Times New Roman" panose="02020603050405020304" pitchFamily="18" charset="0"/>
+              </a:rPr>
+              <a:t>На картинках можете рассмотреть два класса помеченных для рефлексии макросом </a:t>
+            </a:r>
+            <a:r>
+              <a:rPr lang="en-US" sz="1800" dirty="0">
                 <a:effectLst/>
                 <a:latin typeface="Times New Roman" panose="02020603050405020304" pitchFamily="18" charset="0"/>
-                <a:ea typeface="Times New Roman" panose="02020603050405020304" pitchFamily="18" charset="0"/>
-                <a:cs typeface="Times New Roman" panose="02020603050405020304" pitchFamily="18" charset="0"/>
-              </a:rPr>
-              <a:t>Фонгу</a:t>
-            </a:r>
-            <a:r>
-              <a:rPr lang="ru-RU" sz="1800" b="0" dirty="0">
-                <a:solidFill>
-                  <a:srgbClr val="000000"/>
-                </a:solidFill>
+                <a:ea typeface="Calibri" panose="020F0502020204030204" pitchFamily="34" charset="0"/>
+                <a:cs typeface="Times New Roman" panose="02020603050405020304" pitchFamily="18" charset="0"/>
+              </a:rPr>
+              <a:t>CLASS</a:t>
+            </a:r>
+            <a:r>
+              <a:rPr lang="ru-RU" sz="1800" dirty="0">
                 <a:effectLst/>
                 <a:latin typeface="Times New Roman" panose="02020603050405020304" pitchFamily="18" charset="0"/>
-                <a:ea typeface="Times New Roman" panose="02020603050405020304" pitchFamily="18" charset="0"/>
-                <a:cs typeface="Times New Roman" panose="02020603050405020304" pitchFamily="18" charset="0"/>
-              </a:rPr>
-              <a:t> (</a:t>
-            </a:r>
-            <a:r>
-              <a:rPr lang="ru-RU" sz="1800" b="1" dirty="0" err="1">
-                <a:solidFill>
-                  <a:srgbClr val="000000"/>
-                </a:solidFill>
+                <a:ea typeface="Calibri" panose="020F0502020204030204" pitchFamily="34" charset="0"/>
+                <a:cs typeface="Times New Roman" panose="02020603050405020304" pitchFamily="18" charset="0"/>
+              </a:rPr>
+              <a:t>(), свойства помеченные </a:t>
+            </a:r>
+            <a:r>
+              <a:rPr lang="en-US" sz="1800" dirty="0">
                 <a:effectLst/>
                 <a:latin typeface="Times New Roman" panose="02020603050405020304" pitchFamily="18" charset="0"/>
-                <a:ea typeface="Times New Roman" panose="02020603050405020304" pitchFamily="18" charset="0"/>
-                <a:cs typeface="Times New Roman" panose="02020603050405020304" pitchFamily="18" charset="0"/>
-              </a:rPr>
-              <a:t>Phong</a:t>
-            </a:r>
-            <a:r>
-              <a:rPr lang="ru-RU" sz="1800" b="0" dirty="0">
-                <a:solidFill>
-                  <a:srgbClr val="000000"/>
-                </a:solidFill>
+                <a:ea typeface="Calibri" panose="020F0502020204030204" pitchFamily="34" charset="0"/>
+                <a:cs typeface="Times New Roman" panose="02020603050405020304" pitchFamily="18" charset="0"/>
+              </a:rPr>
+              <a:t>PROPERTY</a:t>
+            </a:r>
+            <a:r>
+              <a:rPr lang="ru-RU" sz="1800" dirty="0">
                 <a:effectLst/>
                 <a:latin typeface="Times New Roman" panose="02020603050405020304" pitchFamily="18" charset="0"/>
-                <a:ea typeface="Times New Roman" panose="02020603050405020304" pitchFamily="18" charset="0"/>
-                <a:cs typeface="Times New Roman" panose="02020603050405020304" pitchFamily="18" charset="0"/>
-              </a:rPr>
-              <a:t>). </a:t>
-            </a:r>
-          </a:p>
-          <a:p>
-            <a:pPr algn="just">
+                <a:ea typeface="Calibri" panose="020F0502020204030204" pitchFamily="34" charset="0"/>
+                <a:cs typeface="Times New Roman" panose="02020603050405020304" pitchFamily="18" charset="0"/>
+              </a:rPr>
+              <a:t>() и методы помеченные </a:t>
+            </a:r>
+            <a:r>
+              <a:rPr lang="en-US" sz="1800" dirty="0">
+                <a:effectLst/>
+                <a:latin typeface="Times New Roman" panose="02020603050405020304" pitchFamily="18" charset="0"/>
+                <a:ea typeface="Calibri" panose="020F0502020204030204" pitchFamily="34" charset="0"/>
+                <a:cs typeface="Times New Roman" panose="02020603050405020304" pitchFamily="18" charset="0"/>
+              </a:rPr>
+              <a:t>FUNCTION</a:t>
+            </a:r>
+            <a:r>
+              <a:rPr lang="ru-RU" sz="1800" dirty="0">
+                <a:effectLst/>
+                <a:latin typeface="Times New Roman" panose="02020603050405020304" pitchFamily="18" charset="0"/>
+                <a:ea typeface="Calibri" panose="020F0502020204030204" pitchFamily="34" charset="0"/>
+                <a:cs typeface="Times New Roman" panose="02020603050405020304" pitchFamily="18" charset="0"/>
+              </a:rPr>
+              <a:t>(). </a:t>
+            </a:r>
+          </a:p>
+          <a:p>
+            <a:pPr>
               <a:lnSpc>
-                <a:spcPct val="150000"/>
+                <a:spcPct val="107000"/>
               </a:lnSpc>
-              <a:spcBef>
-                <a:spcPts val="600"/>
-              </a:spcBef>
               <a:spcAft>
-                <a:spcPts val="600"/>
+                <a:spcPts val="800"/>
               </a:spcAft>
             </a:pPr>
             <a:r>
-              <a:rPr lang="ru-RU" sz="1800" b="0" dirty="0">
-                <a:solidFill>
-                  <a:srgbClr val="000000"/>
-                </a:solidFill>
+              <a:rPr lang="ru-RU" sz="1800" dirty="0">
                 <a:effectLst/>
                 <a:latin typeface="Times New Roman" panose="02020603050405020304" pitchFamily="18" charset="0"/>
-                <a:ea typeface="Times New Roman" panose="02020603050405020304" pitchFamily="18" charset="0"/>
-                <a:cs typeface="Times New Roman" panose="02020603050405020304" pitchFamily="18" charset="0"/>
-              </a:rPr>
-              <a:t>Она состоит из трех основных компонентов:</a:t>
-            </a:r>
-            <a:endParaRPr lang="ru-RU" sz="1800" b="1" dirty="0">
-              <a:solidFill>
-                <a:srgbClr val="000000"/>
-              </a:solidFill>
-              <a:effectLst/>
-              <a:latin typeface="Times New Roman" panose="02020603050405020304" pitchFamily="18" charset="0"/>
-              <a:ea typeface="Times New Roman" panose="02020603050405020304" pitchFamily="18" charset="0"/>
-              <a:cs typeface="Times New Roman" panose="02020603050405020304" pitchFamily="18" charset="0"/>
-            </a:endParaRPr>
-          </a:p>
-          <a:p>
-            <a:pPr marL="342900" lvl="0" indent="-342900" algn="just">
-              <a:lnSpc>
-                <a:spcPct val="150000"/>
-              </a:lnSpc>
-              <a:spcBef>
-                <a:spcPts val="600"/>
-              </a:spcBef>
-              <a:spcAft>
-                <a:spcPts val="600"/>
-              </a:spcAft>
-              <a:buFont typeface="+mj-lt"/>
-              <a:buAutoNum type="arabicParenR"/>
-              <a:tabLst>
-                <a:tab pos="457200" algn="l"/>
-              </a:tabLst>
-            </a:pPr>
-            <a:r>
-              <a:rPr lang="ru-RU" sz="1800" b="0" dirty="0">
-                <a:solidFill>
-                  <a:srgbClr val="000000"/>
-                </a:solidFill>
+                <a:ea typeface="Calibri" panose="020F0502020204030204" pitchFamily="34" charset="0"/>
+                <a:cs typeface="Times New Roman" panose="02020603050405020304" pitchFamily="18" charset="0"/>
+              </a:rPr>
+              <a:t>И на последней картинке можно посмотреть вывод системы рефлексии, где </a:t>
+            </a:r>
+            <a:r>
+              <a:rPr lang="ru-RU" sz="1800" dirty="0" err="1">
                 <a:effectLst/>
                 <a:latin typeface="Times New Roman" panose="02020603050405020304" pitchFamily="18" charset="0"/>
-                <a:ea typeface="Times New Roman" panose="02020603050405020304" pitchFamily="18" charset="0"/>
-                <a:cs typeface="Times New Roman" panose="02020603050405020304" pitchFamily="18" charset="0"/>
-              </a:rPr>
-              <a:t>Фоновое освещение (</a:t>
-            </a:r>
-            <a:r>
-              <a:rPr lang="ru-RU" sz="1800" b="1" dirty="0" err="1">
-                <a:solidFill>
-                  <a:srgbClr val="000000"/>
-                </a:solidFill>
+                <a:ea typeface="Calibri" panose="020F0502020204030204" pitchFamily="34" charset="0"/>
+                <a:cs typeface="Times New Roman" panose="02020603050405020304" pitchFamily="18" charset="0"/>
+              </a:rPr>
+              <a:t>парсятся</a:t>
+            </a:r>
+            <a:r>
+              <a:rPr lang="ru-RU" sz="1800" dirty="0">
                 <a:effectLst/>
                 <a:latin typeface="Times New Roman" panose="02020603050405020304" pitchFamily="18" charset="0"/>
-                <a:ea typeface="Times New Roman" panose="02020603050405020304" pitchFamily="18" charset="0"/>
-                <a:cs typeface="Times New Roman" panose="02020603050405020304" pitchFamily="18" charset="0"/>
-              </a:rPr>
-              <a:t>ambient</a:t>
-            </a:r>
-            <a:r>
-              <a:rPr lang="ru-RU" sz="1800" b="0" dirty="0">
-                <a:solidFill>
-                  <a:srgbClr val="000000"/>
-                </a:solidFill>
-                <a:effectLst/>
-                <a:latin typeface="Times New Roman" panose="02020603050405020304" pitchFamily="18" charset="0"/>
-                <a:ea typeface="Times New Roman" panose="02020603050405020304" pitchFamily="18" charset="0"/>
-                <a:cs typeface="Times New Roman" panose="02020603050405020304" pitchFamily="18" charset="0"/>
-              </a:rPr>
-              <a:t>): описывает общее освещение, которое равномерно распределяется по поверхности объекта.</a:t>
-            </a:r>
-            <a:endParaRPr lang="ru-RU" sz="1800" b="1" dirty="0">
-              <a:solidFill>
-                <a:srgbClr val="000000"/>
-              </a:solidFill>
+                <a:ea typeface="Calibri" panose="020F0502020204030204" pitchFamily="34" charset="0"/>
+                <a:cs typeface="Times New Roman" panose="02020603050405020304" pitchFamily="18" charset="0"/>
+              </a:rPr>
+              <a:t> только помеченные классы, свойства и методы.</a:t>
+            </a:r>
+            <a:endParaRPr lang="ru-RU" sz="1800" dirty="0">
               <a:effectLst/>
-              <a:latin typeface="Times New Roman" panose="02020603050405020304" pitchFamily="18" charset="0"/>
-              <a:ea typeface="Times New Roman" panose="02020603050405020304" pitchFamily="18" charset="0"/>
-              <a:cs typeface="Times New Roman" panose="02020603050405020304" pitchFamily="18" charset="0"/>
-            </a:endParaRPr>
-          </a:p>
-          <a:p>
-            <a:pPr marL="342900" lvl="0" indent="-342900" algn="just">
-              <a:lnSpc>
-                <a:spcPct val="150000"/>
-              </a:lnSpc>
-              <a:spcBef>
-                <a:spcPts val="600"/>
-              </a:spcBef>
-              <a:spcAft>
-                <a:spcPts val="600"/>
-              </a:spcAft>
-              <a:buFont typeface="+mj-lt"/>
-              <a:buAutoNum type="arabicParenR"/>
-              <a:tabLst>
-                <a:tab pos="457200" algn="l"/>
-              </a:tabLst>
-            </a:pPr>
-            <a:r>
-              <a:rPr lang="ru-RU" sz="1800" b="0" dirty="0">
-                <a:solidFill>
-                  <a:srgbClr val="000000"/>
-                </a:solidFill>
-                <a:effectLst/>
-                <a:latin typeface="Times New Roman" panose="02020603050405020304" pitchFamily="18" charset="0"/>
-                <a:ea typeface="Times New Roman" panose="02020603050405020304" pitchFamily="18" charset="0"/>
-                <a:cs typeface="Times New Roman" panose="02020603050405020304" pitchFamily="18" charset="0"/>
-              </a:rPr>
-              <a:t>Рассеянное/диффузное освещение (</a:t>
-            </a:r>
-            <a:r>
-              <a:rPr lang="ru-RU" sz="1800" b="1" dirty="0" err="1">
-                <a:solidFill>
-                  <a:srgbClr val="000000"/>
-                </a:solidFill>
-                <a:effectLst/>
-                <a:latin typeface="Times New Roman" panose="02020603050405020304" pitchFamily="18" charset="0"/>
-                <a:ea typeface="Times New Roman" panose="02020603050405020304" pitchFamily="18" charset="0"/>
-                <a:cs typeface="Times New Roman" panose="02020603050405020304" pitchFamily="18" charset="0"/>
-              </a:rPr>
-              <a:t>diffuse</a:t>
-            </a:r>
-            <a:r>
-              <a:rPr lang="ru-RU" sz="1800" b="0" dirty="0">
-                <a:solidFill>
-                  <a:srgbClr val="000000"/>
-                </a:solidFill>
-                <a:effectLst/>
-                <a:latin typeface="Times New Roman" panose="02020603050405020304" pitchFamily="18" charset="0"/>
-                <a:ea typeface="Times New Roman" panose="02020603050405020304" pitchFamily="18" charset="0"/>
-                <a:cs typeface="Times New Roman" panose="02020603050405020304" pitchFamily="18" charset="0"/>
-              </a:rPr>
-              <a:t>): учитывает свет, рассеивающийся равномерно по всем направлениям от источника света.</a:t>
-            </a:r>
-            <a:endParaRPr lang="ru-RU" sz="1800" b="1" dirty="0">
-              <a:solidFill>
-                <a:srgbClr val="000000"/>
-              </a:solidFill>
-              <a:effectLst/>
-              <a:latin typeface="Times New Roman" panose="02020603050405020304" pitchFamily="18" charset="0"/>
-              <a:ea typeface="Times New Roman" panose="02020603050405020304" pitchFamily="18" charset="0"/>
-              <a:cs typeface="Times New Roman" panose="02020603050405020304" pitchFamily="18" charset="0"/>
-            </a:endParaRPr>
-          </a:p>
-          <a:p>
-            <a:pPr marL="342900" lvl="0" indent="-342900" algn="just">
-              <a:lnSpc>
-                <a:spcPct val="150000"/>
-              </a:lnSpc>
-              <a:spcBef>
-                <a:spcPts val="600"/>
-              </a:spcBef>
-              <a:spcAft>
-                <a:spcPts val="600"/>
-              </a:spcAft>
-              <a:buFont typeface="+mj-lt"/>
-              <a:buAutoNum type="arabicParenR"/>
-              <a:tabLst>
-                <a:tab pos="457200" algn="l"/>
-              </a:tabLst>
-            </a:pPr>
-            <a:r>
-              <a:rPr lang="ru-RU" sz="1800" b="0" dirty="0">
-                <a:solidFill>
-                  <a:srgbClr val="000000"/>
-                </a:solidFill>
-                <a:effectLst/>
-                <a:latin typeface="Times New Roman" panose="02020603050405020304" pitchFamily="18" charset="0"/>
-                <a:ea typeface="Times New Roman" panose="02020603050405020304" pitchFamily="18" charset="0"/>
-                <a:cs typeface="Times New Roman" panose="02020603050405020304" pitchFamily="18" charset="0"/>
-              </a:rPr>
-              <a:t>Бликовое освещение (</a:t>
-            </a:r>
-            <a:r>
-              <a:rPr lang="ru-RU" sz="1800" b="1" dirty="0" err="1">
-                <a:solidFill>
-                  <a:srgbClr val="000000"/>
-                </a:solidFill>
-                <a:effectLst/>
-                <a:latin typeface="Times New Roman" panose="02020603050405020304" pitchFamily="18" charset="0"/>
-                <a:ea typeface="Times New Roman" panose="02020603050405020304" pitchFamily="18" charset="0"/>
-                <a:cs typeface="Times New Roman" panose="02020603050405020304" pitchFamily="18" charset="0"/>
-              </a:rPr>
-              <a:t>specular</a:t>
-            </a:r>
-            <a:r>
-              <a:rPr lang="ru-RU" sz="1800" b="0" dirty="0">
-                <a:solidFill>
-                  <a:srgbClr val="000000"/>
-                </a:solidFill>
-                <a:effectLst/>
-                <a:latin typeface="Times New Roman" panose="02020603050405020304" pitchFamily="18" charset="0"/>
-                <a:ea typeface="Times New Roman" panose="02020603050405020304" pitchFamily="18" charset="0"/>
-                <a:cs typeface="Times New Roman" panose="02020603050405020304" pitchFamily="18" charset="0"/>
-              </a:rPr>
-              <a:t>): моделирует яркие блики, возникающие на поверхности объекта в направлении источника света.</a:t>
-            </a:r>
-            <a:endParaRPr lang="ru-RU" sz="1800" b="1" dirty="0">
-              <a:solidFill>
-                <a:srgbClr val="000000"/>
-              </a:solidFill>
-              <a:effectLst/>
-              <a:latin typeface="Times New Roman" panose="02020603050405020304" pitchFamily="18" charset="0"/>
-              <a:ea typeface="Times New Roman" panose="02020603050405020304" pitchFamily="18" charset="0"/>
-              <a:cs typeface="Times New Roman" panose="02020603050405020304" pitchFamily="18" charset="0"/>
-            </a:endParaRPr>
-          </a:p>
-          <a:p>
-            <a:pPr marL="0" lvl="0" indent="0" algn="just">
-              <a:lnSpc>
-                <a:spcPct val="150000"/>
-              </a:lnSpc>
-              <a:spcBef>
-                <a:spcPts val="600"/>
-              </a:spcBef>
-              <a:spcAft>
-                <a:spcPts val="600"/>
-              </a:spcAft>
-              <a:buFont typeface="+mj-lt"/>
-              <a:buNone/>
-              <a:tabLst>
-                <a:tab pos="457200" algn="l"/>
-              </a:tabLst>
-            </a:pPr>
-            <a:r>
-              <a:rPr lang="ru-RU" sz="1800" b="0" dirty="0">
-                <a:solidFill>
-                  <a:srgbClr val="000000"/>
-                </a:solidFill>
-                <a:effectLst/>
-                <a:latin typeface="Times New Roman" panose="02020603050405020304" pitchFamily="18" charset="0"/>
-                <a:ea typeface="Times New Roman" panose="02020603050405020304" pitchFamily="18" charset="0"/>
-                <a:cs typeface="Times New Roman" panose="02020603050405020304" pitchFamily="18" charset="0"/>
-              </a:rPr>
-              <a:t>Эти компоненты вместе позволяют создать визуально реалистичное представление освещения объектов. На картинке можете видеть, что они из себя представляют.</a:t>
-            </a:r>
-            <a:endParaRPr lang="ru-RU" sz="1800" b="1" dirty="0">
-              <a:solidFill>
-                <a:srgbClr val="000000"/>
-              </a:solidFill>
-              <a:effectLst/>
-              <a:latin typeface="Times New Roman" panose="02020603050405020304" pitchFamily="18" charset="0"/>
-              <a:ea typeface="Times New Roman" panose="02020603050405020304" pitchFamily="18" charset="0"/>
+              <a:latin typeface="Calibri" panose="020F0502020204030204" pitchFamily="34" charset="0"/>
+              <a:ea typeface="Calibri" panose="020F0502020204030204" pitchFamily="34" charset="0"/>
               <a:cs typeface="Times New Roman" panose="02020603050405020304" pitchFamily="18" charset="0"/>
             </a:endParaRPr>
           </a:p>
@@ -3712,7 +3657,7 @@
     </p:spTree>
     <p:extLst>
       <p:ext uri="{BB962C8B-B14F-4D97-AF65-F5344CB8AC3E}">
-        <p14:creationId xmlns:p14="http://schemas.microsoft.com/office/powerpoint/2010/main" val="3056836967"/>
+        <p14:creationId xmlns:p14="http://schemas.microsoft.com/office/powerpoint/2010/main" val="4273089835"/>
       </p:ext>
     </p:extLst>
   </p:cSld>
@@ -3767,246 +3712,215 @@
           <a:lstStyle/>
           <a:p>
             <a:pPr>
-              <a:lnSpc>
-                <a:spcPct val="107000"/>
-              </a:lnSpc>
+              <a:spcBef>
+                <a:spcPts val="600"/>
+              </a:spcBef>
               <a:spcAft>
-                <a:spcPts val="800"/>
+                <a:spcPts val="600"/>
               </a:spcAft>
             </a:pPr>
             <a:r>
               <a:rPr lang="ru-RU" sz="1800" b="1" dirty="0">
                 <a:effectLst/>
                 <a:latin typeface="Times New Roman" panose="02020603050405020304" pitchFamily="18" charset="0"/>
-                <a:ea typeface="Calibri" panose="020F0502020204030204" pitchFamily="34" charset="0"/>
-                <a:cs typeface="Times New Roman" panose="02020603050405020304" pitchFamily="18" charset="0"/>
-              </a:rPr>
-              <a:t>Система рефлексии </a:t>
+                <a:ea typeface="Times New Roman" panose="02020603050405020304" pitchFamily="18" charset="0"/>
+              </a:rPr>
+              <a:t>Сборщик мусора </a:t>
             </a:r>
             <a:r>
               <a:rPr lang="ru-RU" sz="1800" dirty="0">
                 <a:effectLst/>
                 <a:latin typeface="Times New Roman" panose="02020603050405020304" pitchFamily="18" charset="0"/>
-                <a:ea typeface="Calibri" panose="020F0502020204030204" pitchFamily="34" charset="0"/>
-                <a:cs typeface="Times New Roman" panose="02020603050405020304" pitchFamily="18" charset="0"/>
-              </a:rPr>
-              <a:t>— это механизм, позволяющий программе анализировать и взаимодействовать с собственными типами данных, функциями и структурами во время выполнения. </a:t>
+                <a:ea typeface="Times New Roman" panose="02020603050405020304" pitchFamily="18" charset="0"/>
+              </a:rPr>
+              <a:t>— это механизм автоматического управления памятью, который освобождает память, занятую объектами, больше не используемыми в программе. </a:t>
             </a:r>
           </a:p>
           <a:p>
             <a:pPr>
-              <a:lnSpc>
-                <a:spcPct val="107000"/>
-              </a:lnSpc>
+              <a:spcBef>
+                <a:spcPts val="600"/>
+              </a:spcBef>
               <a:spcAft>
-                <a:spcPts val="800"/>
+                <a:spcPts val="600"/>
               </a:spcAft>
             </a:pPr>
             <a:r>
               <a:rPr lang="ru-RU" sz="1800" dirty="0">
                 <a:effectLst/>
                 <a:latin typeface="Times New Roman" panose="02020603050405020304" pitchFamily="18" charset="0"/>
-                <a:ea typeface="Calibri" panose="020F0502020204030204" pitchFamily="34" charset="0"/>
-                <a:cs typeface="Times New Roman" panose="02020603050405020304" pitchFamily="18" charset="0"/>
-              </a:rPr>
-              <a:t>C++ не имеет встроенной поддержки рефлексии, поэтому её реализация требует ручного подхода. </a:t>
+                <a:ea typeface="Times New Roman" panose="02020603050405020304" pitchFamily="18" charset="0"/>
+              </a:rPr>
+              <a:t>Он избавляет разработчика от необходимости вручную освобождать память, что помогает избежать утечек памяти и ошибок, связанных с неправильным управлением памятью.</a:t>
             </a:r>
           </a:p>
           <a:p>
             <a:pPr>
-              <a:lnSpc>
-                <a:spcPct val="107000"/>
-              </a:lnSpc>
+              <a:spcBef>
+                <a:spcPts val="600"/>
+              </a:spcBef>
               <a:spcAft>
-                <a:spcPts val="800"/>
+                <a:spcPts val="600"/>
               </a:spcAft>
             </a:pPr>
             <a:r>
               <a:rPr lang="ru-RU" sz="1800" dirty="0">
                 <a:effectLst/>
                 <a:latin typeface="Times New Roman" panose="02020603050405020304" pitchFamily="18" charset="0"/>
-                <a:ea typeface="Calibri" panose="020F0502020204030204" pitchFamily="34" charset="0"/>
-                <a:cs typeface="Times New Roman" panose="02020603050405020304" pitchFamily="18" charset="0"/>
-              </a:rPr>
-              <a:t>Одним, из которых является обработка абстрактного синтаксического дерева (</a:t>
-            </a:r>
-            <a:r>
-              <a:rPr lang="en-US" sz="1800" b="1" dirty="0">
-                <a:effectLst/>
-                <a:latin typeface="Times New Roman" panose="02020603050405020304" pitchFamily="18" charset="0"/>
-                <a:ea typeface="Calibri" panose="020F0502020204030204" pitchFamily="34" charset="0"/>
-                <a:cs typeface="Times New Roman" panose="02020603050405020304" pitchFamily="18" charset="0"/>
-              </a:rPr>
-              <a:t>AST</a:t>
-            </a:r>
+                <a:ea typeface="Times New Roman" panose="02020603050405020304" pitchFamily="18" charset="0"/>
+              </a:rPr>
+              <a:t>Основные этапы работы:</a:t>
+            </a:r>
+          </a:p>
+          <a:p>
+            <a:pPr marL="342900" lvl="0" indent="-342900">
+              <a:spcBef>
+                <a:spcPts val="600"/>
+              </a:spcBef>
+              <a:spcAft>
+                <a:spcPts val="600"/>
+              </a:spcAft>
+              <a:buFont typeface="Arial" panose="020B0604020202020204" pitchFamily="34" charset="0"/>
+              <a:buChar char="•"/>
+              <a:tabLst>
+                <a:tab pos="457200" algn="l"/>
+              </a:tabLst>
+            </a:pPr>
             <a:r>
               <a:rPr lang="ru-RU" sz="1800" dirty="0">
                 <a:effectLst/>
                 <a:latin typeface="Times New Roman" panose="02020603050405020304" pitchFamily="18" charset="0"/>
-                <a:ea typeface="Calibri" panose="020F0502020204030204" pitchFamily="34" charset="0"/>
-                <a:cs typeface="Times New Roman" panose="02020603050405020304" pitchFamily="18" charset="0"/>
-              </a:rPr>
-              <a:t>), которая предоставляет библиотека </a:t>
-            </a:r>
-            <a:r>
-              <a:rPr lang="en-US" sz="1800" b="1" dirty="0">
+                <a:ea typeface="Times New Roman" panose="02020603050405020304" pitchFamily="18" charset="0"/>
+              </a:rPr>
+              <a:t>Сборщик мусора начинает с корневого объекта наследованного от </a:t>
+            </a:r>
+            <a:r>
+              <a:rPr lang="en-US" sz="1800" b="1" dirty="0" err="1">
                 <a:effectLst/>
                 <a:latin typeface="Times New Roman" panose="02020603050405020304" pitchFamily="18" charset="0"/>
-                <a:ea typeface="Calibri" panose="020F0502020204030204" pitchFamily="34" charset="0"/>
-                <a:cs typeface="Times New Roman" panose="02020603050405020304" pitchFamily="18" charset="0"/>
-              </a:rPr>
-              <a:t>LLVM Clang</a:t>
-            </a:r>
+                <a:ea typeface="Times New Roman" panose="02020603050405020304" pitchFamily="18" charset="0"/>
+              </a:rPr>
+              <a:t>RObject</a:t>
+            </a:r>
+            <a:endParaRPr lang="ru-RU" sz="1800" dirty="0">
+              <a:effectLst/>
+              <a:latin typeface="Times New Roman" panose="02020603050405020304" pitchFamily="18" charset="0"/>
+              <a:ea typeface="Times New Roman" panose="02020603050405020304" pitchFamily="18" charset="0"/>
+            </a:endParaRPr>
+          </a:p>
+          <a:p>
+            <a:pPr marL="342900" lvl="0" indent="-342900">
+              <a:spcBef>
+                <a:spcPts val="600"/>
+              </a:spcBef>
+              <a:spcAft>
+                <a:spcPts val="600"/>
+              </a:spcAft>
+              <a:buFont typeface="Arial" panose="020B0604020202020204" pitchFamily="34" charset="0"/>
+              <a:buChar char="•"/>
+              <a:tabLst>
+                <a:tab pos="457200" algn="l"/>
+              </a:tabLst>
+            </a:pPr>
             <a:r>
               <a:rPr lang="ru-RU" sz="1800" dirty="0">
                 <a:effectLst/>
                 <a:latin typeface="Times New Roman" panose="02020603050405020304" pitchFamily="18" charset="0"/>
-                <a:ea typeface="Calibri" panose="020F0502020204030204" pitchFamily="34" charset="0"/>
-                <a:cs typeface="Times New Roman" panose="02020603050405020304" pitchFamily="18" charset="0"/>
-              </a:rPr>
-              <a:t>. </a:t>
-            </a:r>
-          </a:p>
-          <a:p>
-            <a:pPr>
-              <a:lnSpc>
-                <a:spcPct val="107000"/>
-              </a:lnSpc>
-              <a:spcAft>
-                <a:spcPts val="800"/>
-              </a:spcAft>
-            </a:pPr>
+                <a:ea typeface="Times New Roman" panose="02020603050405020304" pitchFamily="18" charset="0"/>
+              </a:rPr>
+              <a:t>Он рекурсивно проходит по всем дочерним объектам, которые тоже наследуются от </a:t>
+            </a:r>
+            <a:r>
+              <a:rPr lang="en-US" sz="1800" b="1" dirty="0" err="1">
+                <a:effectLst/>
+                <a:latin typeface="Times New Roman" panose="02020603050405020304" pitchFamily="18" charset="0"/>
+                <a:ea typeface="Times New Roman" panose="02020603050405020304" pitchFamily="18" charset="0"/>
+              </a:rPr>
+              <a:t>RObject</a:t>
+            </a:r>
             <a:r>
               <a:rPr lang="ru-RU" sz="1800" dirty="0">
                 <a:effectLst/>
                 <a:latin typeface="Times New Roman" panose="02020603050405020304" pitchFamily="18" charset="0"/>
-                <a:ea typeface="Calibri" panose="020F0502020204030204" pitchFamily="34" charset="0"/>
-                <a:cs typeface="Times New Roman" panose="02020603050405020304" pitchFamily="18" charset="0"/>
-              </a:rPr>
-              <a:t>AST содержит полную информацию о структуре программы, включая типы данных, функции, классы, поля и методы. </a:t>
-            </a:r>
-            <a:endParaRPr lang="ru-RU" sz="1800" dirty="0">
-              <a:effectLst/>
-              <a:latin typeface="Calibri" panose="020F0502020204030204" pitchFamily="34" charset="0"/>
-              <a:ea typeface="Calibri" panose="020F0502020204030204" pitchFamily="34" charset="0"/>
-              <a:cs typeface="Times New Roman" panose="02020603050405020304" pitchFamily="18" charset="0"/>
-            </a:endParaRPr>
-          </a:p>
-          <a:p>
-            <a:pPr>
-              <a:lnSpc>
-                <a:spcPct val="107000"/>
-              </a:lnSpc>
+                <a:ea typeface="Times New Roman" panose="02020603050405020304" pitchFamily="18" charset="0"/>
+              </a:rPr>
+              <a:t>, чтобы найти все достижимые объекты</a:t>
+            </a:r>
+          </a:p>
+          <a:p>
+            <a:pPr marL="342900" lvl="0" indent="-342900">
+              <a:spcBef>
+                <a:spcPts val="600"/>
+              </a:spcBef>
               <a:spcAft>
-                <a:spcPts val="800"/>
+                <a:spcPts val="600"/>
               </a:spcAft>
+              <a:buFont typeface="Arial" panose="020B0604020202020204" pitchFamily="34" charset="0"/>
+              <a:buChar char="•"/>
+              <a:tabLst>
+                <a:tab pos="457200" algn="l"/>
+              </a:tabLst>
             </a:pPr>
             <a:r>
               <a:rPr lang="ru-RU" sz="1800" dirty="0">
                 <a:effectLst/>
                 <a:latin typeface="Times New Roman" panose="02020603050405020304" pitchFamily="18" charset="0"/>
-                <a:ea typeface="Calibri" panose="020F0502020204030204" pitchFamily="34" charset="0"/>
-                <a:cs typeface="Times New Roman" panose="02020603050405020304" pitchFamily="18" charset="0"/>
-              </a:rPr>
-              <a:t>На картинках можете рассмотреть два класса помеченных для рефлексии макросом </a:t>
-            </a:r>
-            <a:r>
-              <a:rPr lang="en-US" sz="1800" dirty="0">
+                <a:ea typeface="Times New Roman" panose="02020603050405020304" pitchFamily="18" charset="0"/>
+              </a:rPr>
+              <a:t>Объекты, которые не могут быть достигнуты через цепочку ссылок из корней, считаются </a:t>
+            </a:r>
+            <a:r>
+              <a:rPr lang="ru-RU" sz="1800" b="1" dirty="0">
                 <a:effectLst/>
                 <a:latin typeface="Times New Roman" panose="02020603050405020304" pitchFamily="18" charset="0"/>
-                <a:ea typeface="Calibri" panose="020F0502020204030204" pitchFamily="34" charset="0"/>
-                <a:cs typeface="Times New Roman" panose="02020603050405020304" pitchFamily="18" charset="0"/>
-              </a:rPr>
-              <a:t>CLASS</a:t>
-            </a:r>
+                <a:ea typeface="Times New Roman" panose="02020603050405020304" pitchFamily="18" charset="0"/>
+              </a:rPr>
+              <a:t>"мусором"</a:t>
+            </a:r>
+            <a:endParaRPr lang="ru-RU" sz="1800" dirty="0">
+              <a:effectLst/>
+              <a:latin typeface="Times New Roman" panose="02020603050405020304" pitchFamily="18" charset="0"/>
+              <a:ea typeface="Times New Roman" panose="02020603050405020304" pitchFamily="18" charset="0"/>
+            </a:endParaRPr>
+          </a:p>
+          <a:p>
+            <a:pPr marL="342900" lvl="0" indent="-342900">
+              <a:spcBef>
+                <a:spcPts val="600"/>
+              </a:spcBef>
+              <a:spcAft>
+                <a:spcPts val="600"/>
+              </a:spcAft>
+              <a:buFont typeface="Arial" panose="020B0604020202020204" pitchFamily="34" charset="0"/>
+              <a:buChar char="•"/>
+              <a:tabLst>
+                <a:tab pos="457200" algn="l"/>
+              </a:tabLst>
+            </a:pPr>
             <a:r>
               <a:rPr lang="ru-RU" sz="1800" dirty="0">
                 <a:effectLst/>
                 <a:latin typeface="Times New Roman" panose="02020603050405020304" pitchFamily="18" charset="0"/>
-                <a:ea typeface="Calibri" panose="020F0502020204030204" pitchFamily="34" charset="0"/>
-                <a:cs typeface="Times New Roman" panose="02020603050405020304" pitchFamily="18" charset="0"/>
-              </a:rPr>
-              <a:t>(), свойства помеченные </a:t>
-            </a:r>
-            <a:r>
-              <a:rPr lang="en-US" sz="1800" dirty="0">
+                <a:ea typeface="Times New Roman" panose="02020603050405020304" pitchFamily="18" charset="0"/>
+              </a:rPr>
+              <a:t> </a:t>
+            </a:r>
+            <a:r>
+              <a:rPr lang="ru-RU" sz="1800" b="1" dirty="0">
                 <a:effectLst/>
                 <a:latin typeface="Times New Roman" panose="02020603050405020304" pitchFamily="18" charset="0"/>
-                <a:ea typeface="Calibri" panose="020F0502020204030204" pitchFamily="34" charset="0"/>
-                <a:cs typeface="Times New Roman" panose="02020603050405020304" pitchFamily="18" charset="0"/>
-              </a:rPr>
-              <a:t>PROPERTY</a:t>
+                <a:ea typeface="Times New Roman" panose="02020603050405020304" pitchFamily="18" charset="0"/>
+              </a:rPr>
+              <a:t>Освобождение памяти </a:t>
             </a:r>
             <a:r>
               <a:rPr lang="ru-RU" sz="1800" dirty="0">
                 <a:effectLst/>
                 <a:latin typeface="Times New Roman" panose="02020603050405020304" pitchFamily="18" charset="0"/>
-                <a:ea typeface="Calibri" panose="020F0502020204030204" pitchFamily="34" charset="0"/>
-                <a:cs typeface="Times New Roman" panose="02020603050405020304" pitchFamily="18" charset="0"/>
-              </a:rPr>
-              <a:t>() и методы помеченные </a:t>
-            </a:r>
-            <a:r>
-              <a:rPr lang="en-US" sz="1800" dirty="0">
-                <a:effectLst/>
-                <a:latin typeface="Times New Roman" panose="02020603050405020304" pitchFamily="18" charset="0"/>
-                <a:ea typeface="Calibri" panose="020F0502020204030204" pitchFamily="34" charset="0"/>
-                <a:cs typeface="Times New Roman" panose="02020603050405020304" pitchFamily="18" charset="0"/>
-              </a:rPr>
-              <a:t>FUNCTION</a:t>
-            </a:r>
-            <a:r>
-              <a:rPr lang="ru-RU" sz="1800" dirty="0">
-                <a:effectLst/>
-                <a:latin typeface="Times New Roman" panose="02020603050405020304" pitchFamily="18" charset="0"/>
-                <a:ea typeface="Calibri" panose="020F0502020204030204" pitchFamily="34" charset="0"/>
-                <a:cs typeface="Times New Roman" panose="02020603050405020304" pitchFamily="18" charset="0"/>
-              </a:rPr>
-              <a:t>(). </a:t>
-            </a:r>
-          </a:p>
-          <a:p>
-            <a:pPr>
-              <a:lnSpc>
-                <a:spcPct val="107000"/>
-              </a:lnSpc>
-              <a:spcAft>
-                <a:spcPts val="800"/>
-              </a:spcAft>
-            </a:pPr>
-            <a:r>
-              <a:rPr lang="ru-RU" sz="1800" dirty="0">
-                <a:effectLst/>
-                <a:latin typeface="Times New Roman" panose="02020603050405020304" pitchFamily="18" charset="0"/>
-                <a:ea typeface="Calibri" panose="020F0502020204030204" pitchFamily="34" charset="0"/>
-                <a:cs typeface="Times New Roman" panose="02020603050405020304" pitchFamily="18" charset="0"/>
-              </a:rPr>
-              <a:t>И на последней картинке можно посмотреть вывод системы рефлексии, где </a:t>
-            </a:r>
-            <a:r>
-              <a:rPr lang="ru-RU" sz="1800" dirty="0" err="1">
-                <a:effectLst/>
-                <a:latin typeface="Times New Roman" panose="02020603050405020304" pitchFamily="18" charset="0"/>
-                <a:ea typeface="Calibri" panose="020F0502020204030204" pitchFamily="34" charset="0"/>
-                <a:cs typeface="Times New Roman" panose="02020603050405020304" pitchFamily="18" charset="0"/>
-              </a:rPr>
-              <a:t>парсятся</a:t>
-            </a:r>
-            <a:r>
-              <a:rPr lang="ru-RU" sz="1800" dirty="0">
-                <a:effectLst/>
-                <a:latin typeface="Times New Roman" panose="02020603050405020304" pitchFamily="18" charset="0"/>
-                <a:ea typeface="Calibri" panose="020F0502020204030204" pitchFamily="34" charset="0"/>
-                <a:cs typeface="Times New Roman" panose="02020603050405020304" pitchFamily="18" charset="0"/>
-              </a:rPr>
-              <a:t> только помеченные классы, свойства и методы.</a:t>
-            </a:r>
-            <a:endParaRPr lang="ru-RU" sz="1800" dirty="0">
-              <a:effectLst/>
-              <a:latin typeface="Calibri" panose="020F0502020204030204" pitchFamily="34" charset="0"/>
-              <a:ea typeface="Calibri" panose="020F0502020204030204" pitchFamily="34" charset="0"/>
-              <a:cs typeface="Times New Roman" panose="02020603050405020304" pitchFamily="18" charset="0"/>
-            </a:endParaRPr>
+                <a:ea typeface="Times New Roman" panose="02020603050405020304" pitchFamily="18" charset="0"/>
+              </a:rPr>
+              <a:t>всех "мусорных" указателей</a:t>
+            </a:r>
           </a:p>
           <a:p>
             <a:endParaRPr lang="ru-RU" dirty="0"/>
@@ -4039,7 +3953,7 @@
     </p:spTree>
     <p:extLst>
       <p:ext uri="{BB962C8B-B14F-4D97-AF65-F5344CB8AC3E}">
-        <p14:creationId xmlns:p14="http://schemas.microsoft.com/office/powerpoint/2010/main" val="4273089835"/>
+        <p14:creationId xmlns:p14="http://schemas.microsoft.com/office/powerpoint/2010/main" val="2417058280"/>
       </p:ext>
     </p:extLst>
   </p:cSld>
@@ -4188,7 +4102,7 @@
           <a:p>
             <a:fld id="{A334AF77-F83F-4B7A-BC30-FB4C8B0C2E6D}" type="datetime1">
               <a:rPr lang="en-US" smtClean="0"/>
-              <a:t>3/16/2025</a:t>
+              <a:t>3/19/2025</a:t>
             </a:fld>
             <a:endParaRPr lang="en-US"/>
           </a:p>
@@ -4390,7 +4304,7 @@
           <a:p>
             <a:fld id="{10906F32-FF44-4D02-A0DA-740A7ACE4701}" type="datetime1">
               <a:rPr lang="en-US" smtClean="0"/>
-              <a:t>3/16/2025</a:t>
+              <a:t>3/19/2025</a:t>
             </a:fld>
             <a:endParaRPr lang="en-US" dirty="0"/>
           </a:p>
@@ -4629,7 +4543,7 @@
           <a:p>
             <a:fld id="{13771AAB-9748-4352-89BC-2D6829189A04}" type="datetime1">
               <a:rPr lang="en-US" smtClean="0"/>
-              <a:t>3/16/2025</a:t>
+              <a:t>3/19/2025</a:t>
             </a:fld>
             <a:endParaRPr lang="en-US" dirty="0"/>
           </a:p>
@@ -4799,7 +4713,7 @@
           <a:p>
             <a:fld id="{380C9450-8257-4AFA-AEDA-B66AA15BB2C9}" type="datetime1">
               <a:rPr lang="en-US" smtClean="0"/>
-              <a:t>3/16/2025</a:t>
+              <a:t>3/19/2025</a:t>
             </a:fld>
             <a:endParaRPr lang="en-US"/>
           </a:p>
@@ -4944,7 +4858,7 @@
           <a:p>
             <a:fld id="{395F9B47-F893-44A8-A979-42A19B9058C9}" type="datetime1">
               <a:rPr lang="en-US" smtClean="0"/>
-              <a:t>3/16/2025</a:t>
+              <a:t>3/19/2025</a:t>
             </a:fld>
             <a:endParaRPr lang="en-US"/>
           </a:p>
@@ -5217,7 +5131,7 @@
           <a:p>
             <a:fld id="{A6FEEA81-1057-47F2-BF74-B383739667C0}" type="datetime1">
               <a:rPr lang="en-US" smtClean="0"/>
-              <a:t>3/16/2025</a:t>
+              <a:t>3/19/2025</a:t>
             </a:fld>
             <a:endParaRPr lang="en-US" dirty="0"/>
           </a:p>
@@ -5864,7 +5778,7 @@
         <p:spPr>
           <a:xfrm>
             <a:off x="196935" y="477093"/>
-            <a:ext cx="3896909" cy="196208"/>
+            <a:ext cx="4216227" cy="196208"/>
           </a:xfrm>
           <a:prstGeom prst="rect">
             <a:avLst/>
@@ -5885,19 +5799,12 @@
               </a:spcBef>
             </a:pPr>
             <a:r>
-              <a:rPr lang="ru-RU" sz="1200" dirty="0">
-                <a:solidFill>
-                  <a:schemeClr val="tx1"/>
-                </a:solidFill>
-                <a:latin typeface="Fira Sans Condensed" panose="020B0503050000020004" pitchFamily="34" charset="0"/>
-                <a:cs typeface="Times New Roman" panose="02020603050405020304" pitchFamily="18" charset="0"/>
-              </a:rPr>
-              <a:t>Система рефлексии</a:t>
-            </a:r>
-            <a:endParaRPr lang="ru-RU" sz="1200" spc="-40" dirty="0">
-              <a:latin typeface="Fira Sans Condensed" panose="020B0503050000020004" pitchFamily="34" charset="0"/>
-              <a:cs typeface="Times New Roman" panose="02020603050405020304" pitchFamily="18" charset="0"/>
-            </a:endParaRPr>
+              <a:rPr lang="ru-RU" sz="1200" spc="-40" dirty="0">
+                <a:latin typeface="Fira Sans Condensed" panose="020B0503050000020004" pitchFamily="34" charset="0"/>
+                <a:cs typeface="Times New Roman" panose="02020603050405020304" pitchFamily="18" charset="0"/>
+              </a:rPr>
+              <a:t>Сборщик мусора </a:t>
+            </a:r>
           </a:p>
         </p:txBody>
       </p:sp>
@@ -6040,1035 +5947,6 @@
                 </a:spcBef>
               </a:pPr>
               <a:t>10</a:t>
-            </a:fld>
-            <a:endParaRPr lang="ru-RU" spc="-5" dirty="0">
-              <a:solidFill>
-                <a:srgbClr val="0070C0"/>
-              </a:solidFill>
-              <a:latin typeface="Fira Sans Condensed" panose="020B0503050000020004" pitchFamily="34" charset="0"/>
-            </a:endParaRPr>
-          </a:p>
-        </p:txBody>
-      </p:sp>
-      <p:cxnSp>
-        <p:nvCxnSpPr>
-          <p:cNvPr id="9" name="Прямая соединительная линия 8">
-            <a:extLst>
-              <a:ext uri="{FF2B5EF4-FFF2-40B4-BE49-F238E27FC236}">
-                <a16:creationId xmlns:a16="http://schemas.microsoft.com/office/drawing/2014/main" id="{15DFC3CF-B111-A4CE-3C17-E25DEAA7304D}"/>
-              </a:ext>
-            </a:extLst>
-          </p:cNvPr>
-          <p:cNvCxnSpPr>
-            <a:cxnSpLocks/>
-          </p:cNvCxnSpPr>
-          <p:nvPr/>
-        </p:nvCxnSpPr>
-        <p:spPr>
-          <a:xfrm>
-            <a:off x="196936" y="763600"/>
-            <a:ext cx="4216227" cy="0"/>
-          </a:xfrm>
-          <a:prstGeom prst="line">
-            <a:avLst/>
-          </a:prstGeom>
-          <a:ln>
-            <a:solidFill>
-              <a:srgbClr val="0070C0"/>
-            </a:solidFill>
-          </a:ln>
-        </p:spPr>
-        <p:style>
-          <a:lnRef idx="1">
-            <a:schemeClr val="accent1"/>
-          </a:lnRef>
-          <a:fillRef idx="0">
-            <a:schemeClr val="accent1"/>
-          </a:fillRef>
-          <a:effectRef idx="0">
-            <a:schemeClr val="accent1"/>
-          </a:effectRef>
-          <a:fontRef idx="minor">
-            <a:schemeClr val="tx1"/>
-          </a:fontRef>
-        </p:style>
-      </p:cxnSp>
-      <p:sp>
-        <p:nvSpPr>
-          <p:cNvPr id="4" name="TextBox 3">
-            <a:extLst>
-              <a:ext uri="{FF2B5EF4-FFF2-40B4-BE49-F238E27FC236}">
-                <a16:creationId xmlns:a16="http://schemas.microsoft.com/office/drawing/2014/main" id="{2C524B08-FBDD-4B39-E704-76F62CB0AC59}"/>
-              </a:ext>
-            </a:extLst>
-          </p:cNvPr>
-          <p:cNvSpPr txBox="1"/>
-          <p:nvPr/>
-        </p:nvSpPr>
-        <p:spPr>
-          <a:xfrm>
-            <a:off x="0" y="-2933"/>
-            <a:ext cx="4621079" cy="461665"/>
-          </a:xfrm>
-          <a:prstGeom prst="rect">
-            <a:avLst/>
-          </a:prstGeom>
-          <a:solidFill>
-            <a:schemeClr val="accent1">
-              <a:alpha val="20000"/>
-            </a:schemeClr>
-          </a:solidFill>
-        </p:spPr>
-        <p:txBody>
-          <a:bodyPr wrap="square" rtlCol="0">
-            <a:spAutoFit/>
-          </a:bodyPr>
-          <a:lstStyle/>
-          <a:p>
-            <a:pPr algn="just"/>
-            <a:r>
-              <a:rPr lang="ru-RU" sz="800" dirty="0">
-                <a:solidFill>
-                  <a:schemeClr val="bg1">
-                    <a:lumMod val="75000"/>
-                  </a:schemeClr>
-                </a:solidFill>
-                <a:latin typeface="Fira Sans Condensed" panose="020B0503050000020004" pitchFamily="34" charset="0"/>
-                <a:cs typeface="Times New Roman" panose="02020603050405020304" pitchFamily="18" charset="0"/>
-              </a:rPr>
-              <a:t>Введение</a:t>
-            </a:r>
-            <a:r>
-              <a:rPr lang="ru-RU" sz="800" dirty="0">
-                <a:latin typeface="Fira Sans Condensed" panose="020B0503050000020004" pitchFamily="34" charset="0"/>
-                <a:cs typeface="Times New Roman" panose="02020603050405020304" pitchFamily="18" charset="0"/>
-              </a:rPr>
-              <a:t> </a:t>
-            </a:r>
-            <a:r>
-              <a:rPr lang="en-US" sz="800" dirty="0">
-                <a:solidFill>
-                  <a:schemeClr val="bg1">
-                    <a:lumMod val="75000"/>
-                  </a:schemeClr>
-                </a:solidFill>
-                <a:latin typeface="Fira Sans Condensed" panose="020B0503050000020004" pitchFamily="34" charset="0"/>
-                <a:cs typeface="Times New Roman" panose="02020603050405020304" pitchFamily="18" charset="0"/>
-              </a:rPr>
-              <a:t>| </a:t>
-            </a:r>
-            <a:r>
-              <a:rPr lang="ru-RU" sz="800" dirty="0">
-                <a:solidFill>
-                  <a:schemeClr val="bg1">
-                    <a:lumMod val="75000"/>
-                  </a:schemeClr>
-                </a:solidFill>
-                <a:latin typeface="Fira Sans Condensed" panose="020B0503050000020004" pitchFamily="34" charset="0"/>
-                <a:cs typeface="Times New Roman" panose="02020603050405020304" pitchFamily="18" charset="0"/>
-              </a:rPr>
-              <a:t>Постановка задачи</a:t>
-            </a:r>
-            <a:r>
-              <a:rPr lang="en-US" sz="800" dirty="0">
-                <a:solidFill>
-                  <a:schemeClr val="bg1">
-                    <a:lumMod val="75000"/>
-                  </a:schemeClr>
-                </a:solidFill>
-                <a:latin typeface="Fira Sans Condensed" panose="020B0503050000020004" pitchFamily="34" charset="0"/>
-                <a:cs typeface="Times New Roman" panose="02020603050405020304" pitchFamily="18" charset="0"/>
-              </a:rPr>
-              <a:t> | </a:t>
-            </a:r>
-            <a:r>
-              <a:rPr lang="ru-RU" sz="800" dirty="0">
-                <a:solidFill>
-                  <a:schemeClr val="bg1">
-                    <a:lumMod val="75000"/>
-                  </a:schemeClr>
-                </a:solidFill>
-                <a:latin typeface="Fira Sans Condensed" panose="020B0503050000020004" pitchFamily="34" charset="0"/>
-                <a:cs typeface="Times New Roman" panose="02020603050405020304" pitchFamily="18" charset="0"/>
-              </a:rPr>
-              <a:t>Актуальность и обзор существующих решений </a:t>
-            </a:r>
-            <a:r>
-              <a:rPr lang="en-US" sz="800" dirty="0">
-                <a:solidFill>
-                  <a:schemeClr val="bg1">
-                    <a:lumMod val="75000"/>
-                  </a:schemeClr>
-                </a:solidFill>
-                <a:latin typeface="Fira Sans Condensed" panose="020B0503050000020004" pitchFamily="34" charset="0"/>
-                <a:cs typeface="Times New Roman" panose="02020603050405020304" pitchFamily="18" charset="0"/>
-              </a:rPr>
-              <a:t>| </a:t>
-            </a:r>
-            <a:r>
-              <a:rPr lang="ru-RU" sz="800" dirty="0">
-                <a:solidFill>
-                  <a:schemeClr val="bg1">
-                    <a:lumMod val="75000"/>
-                  </a:schemeClr>
-                </a:solidFill>
-                <a:latin typeface="Fira Sans Condensed" panose="020B0503050000020004" pitchFamily="34" charset="0"/>
-                <a:cs typeface="Times New Roman" panose="02020603050405020304" pitchFamily="18" charset="0"/>
-              </a:rPr>
-              <a:t>Прототипирование </a:t>
-            </a:r>
-            <a:r>
-              <a:rPr lang="en-US" sz="800" dirty="0">
-                <a:solidFill>
-                  <a:schemeClr val="bg1">
-                    <a:lumMod val="75000"/>
-                  </a:schemeClr>
-                </a:solidFill>
-                <a:latin typeface="Fira Sans Condensed" panose="020B0503050000020004" pitchFamily="34" charset="0"/>
-                <a:cs typeface="Times New Roman" panose="02020603050405020304" pitchFamily="18" charset="0"/>
-              </a:rPr>
-              <a:t>| </a:t>
-            </a:r>
-            <a:r>
-              <a:rPr lang="ru-RU" sz="800" dirty="0">
-                <a:solidFill>
-                  <a:schemeClr val="bg1">
-                    <a:lumMod val="75000"/>
-                  </a:schemeClr>
-                </a:solidFill>
-                <a:latin typeface="Fira Sans Condensed" panose="020B0503050000020004" pitchFamily="34" charset="0"/>
-                <a:cs typeface="Times New Roman" panose="02020603050405020304" pitchFamily="18" charset="0"/>
-              </a:rPr>
-              <a:t>Графическое окно </a:t>
-            </a:r>
-            <a:r>
-              <a:rPr lang="en-US" sz="800" dirty="0">
-                <a:solidFill>
-                  <a:schemeClr val="bg1">
-                    <a:lumMod val="75000"/>
-                  </a:schemeClr>
-                </a:solidFill>
-                <a:latin typeface="Fira Sans Condensed" panose="020B0503050000020004" pitchFamily="34" charset="0"/>
-                <a:cs typeface="Times New Roman" panose="02020603050405020304" pitchFamily="18" charset="0"/>
-              </a:rPr>
-              <a:t>| </a:t>
-            </a:r>
-            <a:r>
-              <a:rPr lang="ru-RU" sz="800" dirty="0">
-                <a:solidFill>
-                  <a:schemeClr val="bg1">
-                    <a:lumMod val="75000"/>
-                  </a:schemeClr>
-                </a:solidFill>
-                <a:latin typeface="Fira Sans Condensed" panose="020B0503050000020004" pitchFamily="34" charset="0"/>
-                <a:cs typeface="Times New Roman" panose="02020603050405020304" pitchFamily="18" charset="0"/>
-              </a:rPr>
-              <a:t>Графический конвейер </a:t>
-            </a:r>
-            <a:r>
-              <a:rPr lang="en-US" sz="800" dirty="0">
-                <a:solidFill>
-                  <a:schemeClr val="bg1">
-                    <a:lumMod val="75000"/>
-                  </a:schemeClr>
-                </a:solidFill>
-                <a:latin typeface="Fira Sans Condensed" panose="020B0503050000020004" pitchFamily="34" charset="0"/>
-                <a:cs typeface="Times New Roman" panose="02020603050405020304" pitchFamily="18" charset="0"/>
-              </a:rPr>
-              <a:t>|</a:t>
-            </a:r>
-            <a:r>
-              <a:rPr lang="ru-RU" sz="800" dirty="0">
-                <a:solidFill>
-                  <a:schemeClr val="bg1">
-                    <a:lumMod val="75000"/>
-                  </a:schemeClr>
-                </a:solidFill>
-                <a:latin typeface="Fira Sans Condensed" panose="020B0503050000020004" pitchFamily="34" charset="0"/>
-                <a:cs typeface="Times New Roman" panose="02020603050405020304" pitchFamily="18" charset="0"/>
-              </a:rPr>
-              <a:t> Системы координат </a:t>
-            </a:r>
-            <a:r>
-              <a:rPr lang="en-US" sz="800" dirty="0">
-                <a:solidFill>
-                  <a:schemeClr val="bg1">
-                    <a:lumMod val="75000"/>
-                  </a:schemeClr>
-                </a:solidFill>
-                <a:latin typeface="Fira Sans Condensed" panose="020B0503050000020004" pitchFamily="34" charset="0"/>
-                <a:cs typeface="Times New Roman" panose="02020603050405020304" pitchFamily="18" charset="0"/>
-              </a:rPr>
-              <a:t>| </a:t>
-            </a:r>
-            <a:r>
-              <a:rPr lang="ru-RU" sz="800" dirty="0">
-                <a:solidFill>
-                  <a:schemeClr val="bg1">
-                    <a:lumMod val="75000"/>
-                  </a:schemeClr>
-                </a:solidFill>
-                <a:latin typeface="Fira Sans Condensed" panose="020B0503050000020004" pitchFamily="34" charset="0"/>
-                <a:cs typeface="Times New Roman" panose="02020603050405020304" pitchFamily="18" charset="0"/>
-              </a:rPr>
-              <a:t>Освещение</a:t>
-            </a:r>
-            <a:r>
-              <a:rPr lang="en-US" sz="800" dirty="0">
-                <a:solidFill>
-                  <a:schemeClr val="bg1">
-                    <a:lumMod val="75000"/>
-                  </a:schemeClr>
-                </a:solidFill>
-                <a:latin typeface="Fira Sans Condensed" panose="020B0503050000020004" pitchFamily="34" charset="0"/>
-                <a:cs typeface="Times New Roman" panose="02020603050405020304" pitchFamily="18" charset="0"/>
-              </a:rPr>
-              <a:t> | </a:t>
-            </a:r>
-            <a:r>
-              <a:rPr lang="ru-RU" sz="800" dirty="0">
-                <a:latin typeface="Fira Sans Condensed" panose="020B0503050000020004" pitchFamily="34" charset="0"/>
-                <a:cs typeface="Times New Roman" panose="02020603050405020304" pitchFamily="18" charset="0"/>
-              </a:rPr>
-              <a:t>Система рефлексии </a:t>
-            </a:r>
-            <a:r>
-              <a:rPr lang="en-US" sz="800" dirty="0">
-                <a:solidFill>
-                  <a:schemeClr val="bg1">
-                    <a:lumMod val="75000"/>
-                  </a:schemeClr>
-                </a:solidFill>
-                <a:latin typeface="Fira Sans Condensed" panose="020B0503050000020004" pitchFamily="34" charset="0"/>
-                <a:cs typeface="Times New Roman" panose="02020603050405020304" pitchFamily="18" charset="0"/>
-              </a:rPr>
-              <a:t>|</a:t>
-            </a:r>
-          </a:p>
-          <a:p>
-            <a:pPr algn="just"/>
-            <a:r>
-              <a:rPr lang="ru-RU" sz="800" dirty="0">
-                <a:solidFill>
-                  <a:schemeClr val="bg1">
-                    <a:lumMod val="75000"/>
-                  </a:schemeClr>
-                </a:solidFill>
-                <a:latin typeface="Fira Sans Condensed" panose="020B0503050000020004" pitchFamily="34" charset="0"/>
-                <a:cs typeface="Times New Roman" panose="02020603050405020304" pitchFamily="18" charset="0"/>
-              </a:rPr>
-              <a:t>Сборщик мусора</a:t>
-            </a:r>
-            <a:r>
-              <a:rPr lang="en-US" sz="800" dirty="0">
-                <a:solidFill>
-                  <a:schemeClr val="bg1">
-                    <a:lumMod val="75000"/>
-                  </a:schemeClr>
-                </a:solidFill>
-                <a:latin typeface="Fira Sans Condensed" panose="020B0503050000020004" pitchFamily="34" charset="0"/>
-                <a:cs typeface="Times New Roman" panose="02020603050405020304" pitchFamily="18" charset="0"/>
-              </a:rPr>
-              <a:t> | </a:t>
-            </a:r>
-            <a:r>
-              <a:rPr lang="ru-RU" sz="800" dirty="0">
-                <a:solidFill>
-                  <a:schemeClr val="bg1">
-                    <a:lumMod val="75000"/>
-                  </a:schemeClr>
-                </a:solidFill>
-                <a:latin typeface="Fira Sans Condensed" panose="020B0503050000020004" pitchFamily="34" charset="0"/>
-                <a:cs typeface="Times New Roman" panose="02020603050405020304" pitchFamily="18" charset="0"/>
-              </a:rPr>
-              <a:t>Заключение</a:t>
-            </a:r>
-          </a:p>
-        </p:txBody>
-      </p:sp>
-      <p:sp>
-        <p:nvSpPr>
-          <p:cNvPr id="8" name="Прямоугольник 7">
-            <a:extLst>
-              <a:ext uri="{FF2B5EF4-FFF2-40B4-BE49-F238E27FC236}">
-                <a16:creationId xmlns:a16="http://schemas.microsoft.com/office/drawing/2014/main" id="{A00478A3-6CA7-120E-285F-834241BED90B}"/>
-              </a:ext>
-            </a:extLst>
-          </p:cNvPr>
-          <p:cNvSpPr/>
-          <p:nvPr/>
-        </p:nvSpPr>
-        <p:spPr>
-          <a:xfrm>
-            <a:off x="1" y="3295813"/>
-            <a:ext cx="4610100" cy="164937"/>
-          </a:xfrm>
-          <a:prstGeom prst="rect">
-            <a:avLst/>
-          </a:prstGeom>
-          <a:solidFill>
-            <a:schemeClr val="accent1">
-              <a:alpha val="20000"/>
-            </a:schemeClr>
-          </a:solidFill>
-          <a:ln>
-            <a:noFill/>
-          </a:ln>
-        </p:spPr>
-        <p:style>
-          <a:lnRef idx="2">
-            <a:schemeClr val="accent1">
-              <a:shade val="15000"/>
-            </a:schemeClr>
-          </a:lnRef>
-          <a:fillRef idx="1">
-            <a:schemeClr val="accent1"/>
-          </a:fillRef>
-          <a:effectRef idx="0">
-            <a:schemeClr val="accent1"/>
-          </a:effectRef>
-          <a:fontRef idx="minor">
-            <a:schemeClr val="lt1"/>
-          </a:fontRef>
-        </p:style>
-        <p:txBody>
-          <a:bodyPr rtlCol="0" anchor="ctr"/>
-          <a:lstStyle/>
-          <a:p>
-            <a:pPr algn="r"/>
-            <a:r>
-              <a:rPr lang="ru-RU" sz="800" b="1" dirty="0">
-                <a:solidFill>
-                  <a:schemeClr val="bg1">
-                    <a:lumMod val="50000"/>
-                  </a:schemeClr>
-                </a:solidFill>
-                <a:latin typeface="Fira Sans Condensed" panose="020B0503050000020004" pitchFamily="34" charset="0"/>
-                <a:cs typeface="Times New Roman" panose="02020603050405020304" pitchFamily="18" charset="0"/>
-              </a:rPr>
-              <a:t>Разработка графического программного обеспечения для визуализации трехмерных объектов</a:t>
-            </a:r>
-            <a:endParaRPr lang="ru-RU" sz="800" dirty="0">
-              <a:solidFill>
-                <a:schemeClr val="bg1">
-                  <a:lumMod val="50000"/>
-                </a:schemeClr>
-              </a:solidFill>
-              <a:latin typeface="Fira Sans Condensed" panose="020B0503050000020004" pitchFamily="34" charset="0"/>
-            </a:endParaRPr>
-          </a:p>
-        </p:txBody>
-      </p:sp>
-      <p:sp>
-        <p:nvSpPr>
-          <p:cNvPr id="11" name="TextBox 10">
-            <a:extLst>
-              <a:ext uri="{FF2B5EF4-FFF2-40B4-BE49-F238E27FC236}">
-                <a16:creationId xmlns:a16="http://schemas.microsoft.com/office/drawing/2014/main" id="{BA079DC1-3E76-4720-33B2-87A24BA3E57A}"/>
-              </a:ext>
-            </a:extLst>
-          </p:cNvPr>
-          <p:cNvSpPr txBox="1"/>
-          <p:nvPr/>
-        </p:nvSpPr>
-        <p:spPr>
-          <a:xfrm>
-            <a:off x="196936" y="763600"/>
-            <a:ext cx="4216227" cy="1061829"/>
-          </a:xfrm>
-          <a:prstGeom prst="rect">
-            <a:avLst/>
-          </a:prstGeom>
-          <a:noFill/>
-        </p:spPr>
-        <p:txBody>
-          <a:bodyPr wrap="square" rtlCol="0">
-            <a:spAutoFit/>
-          </a:bodyPr>
-          <a:lstStyle/>
-          <a:p>
-            <a:pPr marL="0" lvl="0" indent="0" algn="just" rtl="0">
-              <a:spcBef>
-                <a:spcPts val="0"/>
-              </a:spcBef>
-              <a:spcAft>
-                <a:spcPts val="0"/>
-              </a:spcAft>
-              <a:buNone/>
-            </a:pPr>
-            <a:r>
-              <a:rPr lang="ru-RU" sz="900" b="1" dirty="0">
-                <a:latin typeface="Fira Sans Condensed" panose="020B0503050000020004" pitchFamily="34" charset="0"/>
-                <a:cs typeface="Times New Roman" panose="02020603050405020304" pitchFamily="18" charset="0"/>
-              </a:rPr>
-              <a:t>Система рефлексии</a:t>
-            </a:r>
-            <a:r>
-              <a:rPr lang="en-US" sz="900" b="1" dirty="0">
-                <a:latin typeface="Fira Sans Condensed" panose="020B0503050000020004" pitchFamily="34" charset="0"/>
-                <a:cs typeface="Times New Roman" panose="02020603050405020304" pitchFamily="18" charset="0"/>
-              </a:rPr>
-              <a:t> </a:t>
-            </a:r>
-            <a:r>
-              <a:rPr lang="ru-RU" sz="900" dirty="0">
-                <a:solidFill>
-                  <a:schemeClr val="tx1"/>
-                </a:solidFill>
-                <a:latin typeface="Fira Sans Condensed" panose="020B0503050000020004" pitchFamily="34" charset="0"/>
-                <a:cs typeface="Times New Roman" panose="02020603050405020304" pitchFamily="18" charset="0"/>
-              </a:rPr>
-              <a:t>— это механизм, позволяющий программе анализировать и взаимодействовать с собственными типами данных, функциями и структурами во время выполнения. C++ не имеет встроенной поддержки рефлексии, поэтому её реализация требует ручного подхода. Одним, из которых является обработка абстрактного синтаксического дерева</a:t>
-            </a:r>
-            <a:r>
-              <a:rPr lang="en-US" sz="900" dirty="0">
-                <a:solidFill>
-                  <a:schemeClr val="tx1"/>
-                </a:solidFill>
-                <a:latin typeface="Fira Sans Condensed" panose="020B0503050000020004" pitchFamily="34" charset="0"/>
-                <a:cs typeface="Times New Roman" panose="02020603050405020304" pitchFamily="18" charset="0"/>
-              </a:rPr>
-              <a:t> (</a:t>
-            </a:r>
-            <a:r>
-              <a:rPr lang="en-US" sz="900" b="1" dirty="0">
-                <a:solidFill>
-                  <a:schemeClr val="tx1"/>
-                </a:solidFill>
-                <a:latin typeface="Fira Sans Condensed" panose="020B0503050000020004" pitchFamily="34" charset="0"/>
-                <a:cs typeface="Times New Roman" panose="02020603050405020304" pitchFamily="18" charset="0"/>
-              </a:rPr>
-              <a:t>AST</a:t>
-            </a:r>
-            <a:r>
-              <a:rPr lang="en-US" sz="900" dirty="0">
-                <a:solidFill>
-                  <a:schemeClr val="tx1"/>
-                </a:solidFill>
-                <a:latin typeface="Fira Sans Condensed" panose="020B0503050000020004" pitchFamily="34" charset="0"/>
-                <a:cs typeface="Times New Roman" panose="02020603050405020304" pitchFamily="18" charset="0"/>
-              </a:rPr>
-              <a:t>)</a:t>
-            </a:r>
-            <a:r>
-              <a:rPr lang="ru-RU" sz="900" dirty="0">
-                <a:solidFill>
-                  <a:schemeClr val="tx1"/>
-                </a:solidFill>
-                <a:latin typeface="Fira Sans Condensed" panose="020B0503050000020004" pitchFamily="34" charset="0"/>
-                <a:cs typeface="Times New Roman" panose="02020603050405020304" pitchFamily="18" charset="0"/>
-              </a:rPr>
-              <a:t>, которая предоставляет библиотека </a:t>
-            </a:r>
-            <a:r>
-              <a:rPr lang="en-US" sz="900" b="1" dirty="0">
-                <a:solidFill>
-                  <a:schemeClr val="tx1"/>
-                </a:solidFill>
-                <a:latin typeface="Fira Sans Condensed" panose="020B0503050000020004" pitchFamily="34" charset="0"/>
-                <a:cs typeface="Times New Roman" panose="02020603050405020304" pitchFamily="18" charset="0"/>
-              </a:rPr>
-              <a:t>LLVM Clang</a:t>
-            </a:r>
-            <a:r>
-              <a:rPr lang="en-US" sz="900" dirty="0">
-                <a:solidFill>
-                  <a:schemeClr val="tx1"/>
-                </a:solidFill>
-                <a:latin typeface="Fira Sans Condensed" panose="020B0503050000020004" pitchFamily="34" charset="0"/>
-                <a:cs typeface="Times New Roman" panose="02020603050405020304" pitchFamily="18" charset="0"/>
-              </a:rPr>
-              <a:t>.</a:t>
-            </a:r>
-            <a:r>
-              <a:rPr lang="ru-RU" sz="900" dirty="0">
-                <a:solidFill>
-                  <a:schemeClr val="tx1"/>
-                </a:solidFill>
-                <a:latin typeface="Fira Sans Condensed" panose="020B0503050000020004" pitchFamily="34" charset="0"/>
-                <a:cs typeface="Times New Roman" panose="02020603050405020304" pitchFamily="18" charset="0"/>
-              </a:rPr>
-              <a:t> AST содержит полную информацию о структуре программы, включая типы данных, функции, классы, поля и методы. </a:t>
-            </a:r>
-          </a:p>
-        </p:txBody>
-      </p:sp>
-      <p:pic>
-        <p:nvPicPr>
-          <p:cNvPr id="13" name="Рисунок 12">
-            <a:extLst>
-              <a:ext uri="{FF2B5EF4-FFF2-40B4-BE49-F238E27FC236}">
-                <a16:creationId xmlns:a16="http://schemas.microsoft.com/office/drawing/2014/main" id="{2CF8B5C7-644F-B3A5-4292-BCB99CF4F33E}"/>
-              </a:ext>
-            </a:extLst>
-          </p:cNvPr>
-          <p:cNvPicPr>
-            <a:picLocks noChangeAspect="1"/>
-          </p:cNvPicPr>
-          <p:nvPr/>
-        </p:nvPicPr>
-        <p:blipFill>
-          <a:blip r:embed="rId3"/>
-          <a:stretch>
-            <a:fillRect/>
-          </a:stretch>
-        </p:blipFill>
-        <p:spPr>
-          <a:xfrm>
-            <a:off x="505521" y="1858996"/>
-            <a:ext cx="664456" cy="1131948"/>
-          </a:xfrm>
-          <a:prstGeom prst="rect">
-            <a:avLst/>
-          </a:prstGeom>
-        </p:spPr>
-      </p:pic>
-      <p:sp>
-        <p:nvSpPr>
-          <p:cNvPr id="14" name="Google Shape;74;p15">
-            <a:extLst>
-              <a:ext uri="{FF2B5EF4-FFF2-40B4-BE49-F238E27FC236}">
-                <a16:creationId xmlns:a16="http://schemas.microsoft.com/office/drawing/2014/main" id="{F7A6D848-B764-E0C6-6C35-D21C4A97A4D8}"/>
-              </a:ext>
-            </a:extLst>
-          </p:cNvPr>
-          <p:cNvSpPr txBox="1"/>
-          <p:nvPr/>
-        </p:nvSpPr>
-        <p:spPr>
-          <a:xfrm>
-            <a:off x="192794" y="2983657"/>
-            <a:ext cx="1299988" cy="307746"/>
-          </a:xfrm>
-          <a:prstGeom prst="rect">
-            <a:avLst/>
-          </a:prstGeom>
-          <a:noFill/>
-          <a:ln>
-            <a:noFill/>
-          </a:ln>
-        </p:spPr>
-        <p:txBody>
-          <a:bodyPr spcFirstLastPara="1" wrap="square" lIns="91425" tIns="91425" rIns="91425" bIns="91425" anchor="t" anchorCtr="0">
-            <a:spAutoFit/>
-          </a:bodyPr>
-          <a:lstStyle/>
-          <a:p>
-            <a:pPr marL="0" lvl="0" indent="0" algn="ctr" rtl="0">
-              <a:spcBef>
-                <a:spcPts val="0"/>
-              </a:spcBef>
-              <a:spcAft>
-                <a:spcPts val="0"/>
-              </a:spcAft>
-              <a:buNone/>
-            </a:pPr>
-            <a:r>
-              <a:rPr lang="ru-RU" sz="800" dirty="0">
-                <a:latin typeface="Fira Sans Condensed" panose="020B0503050000020004" pitchFamily="34" charset="0"/>
-                <a:cs typeface="Times New Roman" panose="02020603050405020304" pitchFamily="18" charset="0"/>
-              </a:rPr>
-              <a:t>Первый класс</a:t>
-            </a:r>
-            <a:endParaRPr lang="ru-RU" sz="800" dirty="0">
-              <a:solidFill>
-                <a:schemeClr val="tx1"/>
-              </a:solidFill>
-              <a:latin typeface="Fira Sans Condensed" panose="020B0503050000020004" pitchFamily="34" charset="0"/>
-              <a:cs typeface="Times New Roman" panose="02020603050405020304" pitchFamily="18" charset="0"/>
-            </a:endParaRPr>
-          </a:p>
-        </p:txBody>
-      </p:sp>
-      <p:sp>
-        <p:nvSpPr>
-          <p:cNvPr id="16" name="Google Shape;74;p15">
-            <a:extLst>
-              <a:ext uri="{FF2B5EF4-FFF2-40B4-BE49-F238E27FC236}">
-                <a16:creationId xmlns:a16="http://schemas.microsoft.com/office/drawing/2014/main" id="{E8D7E2B0-5A88-486F-9CE8-7A420122B571}"/>
-              </a:ext>
-            </a:extLst>
-          </p:cNvPr>
-          <p:cNvSpPr txBox="1"/>
-          <p:nvPr/>
-        </p:nvSpPr>
-        <p:spPr>
-          <a:xfrm>
-            <a:off x="1492782" y="2983657"/>
-            <a:ext cx="1299988" cy="307746"/>
-          </a:xfrm>
-          <a:prstGeom prst="rect">
-            <a:avLst/>
-          </a:prstGeom>
-          <a:noFill/>
-          <a:ln>
-            <a:noFill/>
-          </a:ln>
-        </p:spPr>
-        <p:txBody>
-          <a:bodyPr spcFirstLastPara="1" wrap="square" lIns="91425" tIns="91425" rIns="91425" bIns="91425" anchor="t" anchorCtr="0">
-            <a:spAutoFit/>
-          </a:bodyPr>
-          <a:lstStyle/>
-          <a:p>
-            <a:pPr marL="0" lvl="0" indent="0" algn="ctr" rtl="0">
-              <a:spcBef>
-                <a:spcPts val="0"/>
-              </a:spcBef>
-              <a:spcAft>
-                <a:spcPts val="0"/>
-              </a:spcAft>
-              <a:buNone/>
-            </a:pPr>
-            <a:r>
-              <a:rPr lang="ru-RU" sz="800" dirty="0">
-                <a:latin typeface="Fira Sans Condensed" panose="020B0503050000020004" pitchFamily="34" charset="0"/>
-                <a:cs typeface="Times New Roman" panose="02020603050405020304" pitchFamily="18" charset="0"/>
-              </a:rPr>
-              <a:t>Второй класс</a:t>
-            </a:r>
-            <a:endParaRPr lang="ru-RU" sz="800" dirty="0">
-              <a:solidFill>
-                <a:schemeClr val="tx1"/>
-              </a:solidFill>
-              <a:latin typeface="Fira Sans Condensed" panose="020B0503050000020004" pitchFamily="34" charset="0"/>
-              <a:cs typeface="Times New Roman" panose="02020603050405020304" pitchFamily="18" charset="0"/>
-            </a:endParaRPr>
-          </a:p>
-        </p:txBody>
-      </p:sp>
-      <p:pic>
-        <p:nvPicPr>
-          <p:cNvPr id="18" name="Рисунок 17">
-            <a:extLst>
-              <a:ext uri="{FF2B5EF4-FFF2-40B4-BE49-F238E27FC236}">
-                <a16:creationId xmlns:a16="http://schemas.microsoft.com/office/drawing/2014/main" id="{34194F32-E8A6-EA50-E105-4AA32CCD8ACB}"/>
-              </a:ext>
-            </a:extLst>
-          </p:cNvPr>
-          <p:cNvPicPr>
-            <a:picLocks noChangeAspect="1"/>
-          </p:cNvPicPr>
-          <p:nvPr/>
-        </p:nvPicPr>
-        <p:blipFill>
-          <a:blip r:embed="rId4"/>
-          <a:stretch>
-            <a:fillRect/>
-          </a:stretch>
-        </p:blipFill>
-        <p:spPr>
-          <a:xfrm>
-            <a:off x="1724970" y="1857083"/>
-            <a:ext cx="808680" cy="1124451"/>
-          </a:xfrm>
-          <a:prstGeom prst="rect">
-            <a:avLst/>
-          </a:prstGeom>
-        </p:spPr>
-      </p:pic>
-      <p:pic>
-        <p:nvPicPr>
-          <p:cNvPr id="20" name="Рисунок 19">
-            <a:extLst>
-              <a:ext uri="{FF2B5EF4-FFF2-40B4-BE49-F238E27FC236}">
-                <a16:creationId xmlns:a16="http://schemas.microsoft.com/office/drawing/2014/main" id="{8AA596BF-6CB3-C90D-CED7-00A8F68D1844}"/>
-              </a:ext>
-            </a:extLst>
-          </p:cNvPr>
-          <p:cNvPicPr>
-            <a:picLocks noChangeAspect="1"/>
-          </p:cNvPicPr>
-          <p:nvPr/>
-        </p:nvPicPr>
-        <p:blipFill>
-          <a:blip r:embed="rId5"/>
-          <a:stretch>
-            <a:fillRect/>
-          </a:stretch>
-        </p:blipFill>
-        <p:spPr>
-          <a:xfrm>
-            <a:off x="3094035" y="1857083"/>
-            <a:ext cx="1127426" cy="1124452"/>
-          </a:xfrm>
-          <a:prstGeom prst="rect">
-            <a:avLst/>
-          </a:prstGeom>
-        </p:spPr>
-      </p:pic>
-      <p:sp>
-        <p:nvSpPr>
-          <p:cNvPr id="21" name="Google Shape;74;p15">
-            <a:extLst>
-              <a:ext uri="{FF2B5EF4-FFF2-40B4-BE49-F238E27FC236}">
-                <a16:creationId xmlns:a16="http://schemas.microsoft.com/office/drawing/2014/main" id="{EAC5BDD0-F867-DB00-3D2D-4BBC4923CD5A}"/>
-              </a:ext>
-            </a:extLst>
-          </p:cNvPr>
-          <p:cNvSpPr txBox="1"/>
-          <p:nvPr/>
-        </p:nvSpPr>
-        <p:spPr>
-          <a:xfrm>
-            <a:off x="2914650" y="2983657"/>
-            <a:ext cx="1524000" cy="307746"/>
-          </a:xfrm>
-          <a:prstGeom prst="rect">
-            <a:avLst/>
-          </a:prstGeom>
-          <a:noFill/>
-          <a:ln>
-            <a:noFill/>
-          </a:ln>
-        </p:spPr>
-        <p:txBody>
-          <a:bodyPr spcFirstLastPara="1" wrap="square" lIns="91425" tIns="91425" rIns="91425" bIns="91425" anchor="t" anchorCtr="0">
-            <a:spAutoFit/>
-          </a:bodyPr>
-          <a:lstStyle/>
-          <a:p>
-            <a:pPr marL="0" lvl="0" indent="0" algn="ctr" rtl="0">
-              <a:spcBef>
-                <a:spcPts val="0"/>
-              </a:spcBef>
-              <a:spcAft>
-                <a:spcPts val="0"/>
-              </a:spcAft>
-              <a:buNone/>
-            </a:pPr>
-            <a:r>
-              <a:rPr lang="ru-RU" sz="800" dirty="0">
-                <a:latin typeface="Fira Sans Condensed" panose="020B0503050000020004" pitchFamily="34" charset="0"/>
-                <a:cs typeface="Times New Roman" panose="02020603050405020304" pitchFamily="18" charset="0"/>
-              </a:rPr>
-              <a:t>Вывод информации классов</a:t>
-            </a:r>
-            <a:endParaRPr lang="ru-RU" sz="800" dirty="0">
-              <a:solidFill>
-                <a:schemeClr val="tx1"/>
-              </a:solidFill>
-              <a:latin typeface="Fira Sans Condensed" panose="020B0503050000020004" pitchFamily="34" charset="0"/>
-              <a:cs typeface="Times New Roman" panose="02020603050405020304" pitchFamily="18" charset="0"/>
-            </a:endParaRPr>
-          </a:p>
-        </p:txBody>
-      </p:sp>
-    </p:spTree>
-    <p:extLst>
-      <p:ext uri="{BB962C8B-B14F-4D97-AF65-F5344CB8AC3E}">
-        <p14:creationId xmlns:p14="http://schemas.microsoft.com/office/powerpoint/2010/main" val="2254894112"/>
-      </p:ext>
-    </p:extLst>
-  </p:cSld>
-  <p:clrMapOvr>
-    <a:masterClrMapping/>
-  </p:clrMapOvr>
-  <p:transition>
-    <p:cut/>
-  </p:transition>
-</p:sld>
-</file>
-
-<file path=ppt/slides/slide11.xml><?xml version="1.0" encoding="utf-8"?>
-<p:sld xmlns:a="http://schemas.openxmlformats.org/drawingml/2006/main" xmlns:r="http://schemas.openxmlformats.org/officeDocument/2006/relationships" xmlns:p="http://schemas.openxmlformats.org/presentationml/2006/main" showMasterSp="0">
-  <p:cSld>
-    <p:spTree>
-      <p:nvGrpSpPr>
-        <p:cNvPr id="1" name=""/>
-        <p:cNvGrpSpPr/>
-        <p:nvPr/>
-      </p:nvGrpSpPr>
-      <p:grpSpPr>
-        <a:xfrm>
-          <a:off x="0" y="0"/>
-          <a:ext cx="0" cy="0"/>
-          <a:chOff x="0" y="0"/>
-          <a:chExt cx="0" cy="0"/>
-        </a:xfrm>
-      </p:grpSpPr>
-      <p:sp>
-        <p:nvSpPr>
-          <p:cNvPr id="2" name="object 2"/>
-          <p:cNvSpPr txBox="1">
-            <a:spLocks noGrp="1"/>
-          </p:cNvSpPr>
-          <p:nvPr>
-            <p:ph type="title"/>
-          </p:nvPr>
-        </p:nvSpPr>
-        <p:spPr>
-          <a:xfrm>
-            <a:off x="196935" y="477093"/>
-            <a:ext cx="4216227" cy="196208"/>
-          </a:xfrm>
-          <a:prstGeom prst="rect">
-            <a:avLst/>
-          </a:prstGeom>
-        </p:spPr>
-        <p:txBody>
-          <a:bodyPr vert="horz" wrap="square" lIns="0" tIns="11430" rIns="0" bIns="0" rtlCol="0">
-            <a:spAutoFit/>
-          </a:bodyPr>
-          <a:lstStyle/>
-          <a:p>
-            <a:pPr marL="12700">
-              <a:lnSpc>
-                <a:spcPct val="100000"/>
-              </a:lnSpc>
-              <a:spcBef>
-                <a:spcPts val="90"/>
-              </a:spcBef>
-            </a:pPr>
-            <a:r>
-              <a:rPr lang="ru-RU" sz="1200" spc="-40" dirty="0">
-                <a:latin typeface="Fira Sans Condensed" panose="020B0503050000020004" pitchFamily="34" charset="0"/>
-                <a:cs typeface="Times New Roman" panose="02020603050405020304" pitchFamily="18" charset="0"/>
-              </a:rPr>
-              <a:t>Сборщик мусора </a:t>
-            </a:r>
-          </a:p>
-        </p:txBody>
-      </p:sp>
-      <p:sp>
-        <p:nvSpPr>
-          <p:cNvPr id="121" name="Номер слайда 8">
-            <a:extLst>
-              <a:ext uri="{FF2B5EF4-FFF2-40B4-BE49-F238E27FC236}">
-                <a16:creationId xmlns:a16="http://schemas.microsoft.com/office/drawing/2014/main" id="{53F84418-E4D6-E2A5-3E0F-A9A56B4FC5BE}"/>
-              </a:ext>
-            </a:extLst>
-          </p:cNvPr>
-          <p:cNvSpPr txBox="1">
-            <a:spLocks/>
-          </p:cNvSpPr>
-          <p:nvPr/>
-        </p:nvSpPr>
-        <p:spPr>
-          <a:xfrm>
-            <a:off x="-20944" y="3319545"/>
-            <a:ext cx="527293" cy="137203"/>
-          </a:xfrm>
-          <a:prstGeom prst="rect">
-            <a:avLst/>
-          </a:prstGeom>
-        </p:spPr>
-        <p:txBody>
-          <a:bodyPr lIns="0" tIns="0" rIns="0" bIns="0"/>
-          <a:lstStyle>
-            <a:defPPr>
-              <a:defRPr lang="ru-RU"/>
-            </a:defPPr>
-            <a:lvl1pPr marL="0" algn="l" defTabSz="914400" rtl="0" eaLnBrk="1" latinLnBrk="0" hangingPunct="1">
-              <a:defRPr sz="800" b="0" i="0" kern="1200">
-                <a:solidFill>
-                  <a:srgbClr val="00B050"/>
-                </a:solidFill>
-                <a:latin typeface="Times New Roman" panose="02020603050405020304" pitchFamily="18" charset="0"/>
-                <a:ea typeface="+mn-ea"/>
-                <a:cs typeface="Times New Roman" panose="02020603050405020304" pitchFamily="18" charset="0"/>
-              </a:defRPr>
-            </a:lvl1pPr>
-            <a:lvl2pPr marL="457200" algn="l" defTabSz="914400" rtl="0" eaLnBrk="1" latinLnBrk="0" hangingPunct="1">
-              <a:defRPr sz="1800" kern="1200">
-                <a:solidFill>
-                  <a:schemeClr val="tx1"/>
-                </a:solidFill>
-                <a:latin typeface="+mn-lt"/>
-                <a:ea typeface="+mn-ea"/>
-                <a:cs typeface="+mn-cs"/>
-              </a:defRPr>
-            </a:lvl2pPr>
-            <a:lvl3pPr marL="914400" algn="l" defTabSz="914400" rtl="0" eaLnBrk="1" latinLnBrk="0" hangingPunct="1">
-              <a:defRPr sz="1800" kern="1200">
-                <a:solidFill>
-                  <a:schemeClr val="tx1"/>
-                </a:solidFill>
-                <a:latin typeface="+mn-lt"/>
-                <a:ea typeface="+mn-ea"/>
-                <a:cs typeface="+mn-cs"/>
-              </a:defRPr>
-            </a:lvl3pPr>
-            <a:lvl4pPr marL="1371600" algn="l" defTabSz="914400" rtl="0" eaLnBrk="1" latinLnBrk="0" hangingPunct="1">
-              <a:defRPr sz="1800" kern="1200">
-                <a:solidFill>
-                  <a:schemeClr val="tx1"/>
-                </a:solidFill>
-                <a:latin typeface="+mn-lt"/>
-                <a:ea typeface="+mn-ea"/>
-                <a:cs typeface="+mn-cs"/>
-              </a:defRPr>
-            </a:lvl4pPr>
-            <a:lvl5pPr marL="1828800" algn="l" defTabSz="914400" rtl="0" eaLnBrk="1" latinLnBrk="0" hangingPunct="1">
-              <a:defRPr sz="1800" kern="1200">
-                <a:solidFill>
-                  <a:schemeClr val="tx1"/>
-                </a:solidFill>
-                <a:latin typeface="+mn-lt"/>
-                <a:ea typeface="+mn-ea"/>
-                <a:cs typeface="+mn-cs"/>
-              </a:defRPr>
-            </a:lvl5pPr>
-            <a:lvl6pPr marL="2286000" algn="l" defTabSz="914400" rtl="0" eaLnBrk="1" latinLnBrk="0" hangingPunct="1">
-              <a:defRPr sz="1800" kern="1200">
-                <a:solidFill>
-                  <a:schemeClr val="tx1"/>
-                </a:solidFill>
-                <a:latin typeface="+mn-lt"/>
-                <a:ea typeface="+mn-ea"/>
-                <a:cs typeface="+mn-cs"/>
-              </a:defRPr>
-            </a:lvl6pPr>
-            <a:lvl7pPr marL="2743200" algn="l" defTabSz="914400" rtl="0" eaLnBrk="1" latinLnBrk="0" hangingPunct="1">
-              <a:defRPr sz="1800" kern="1200">
-                <a:solidFill>
-                  <a:schemeClr val="tx1"/>
-                </a:solidFill>
-                <a:latin typeface="+mn-lt"/>
-                <a:ea typeface="+mn-ea"/>
-                <a:cs typeface="+mn-cs"/>
-              </a:defRPr>
-            </a:lvl7pPr>
-            <a:lvl8pPr marL="3200400" algn="l" defTabSz="914400" rtl="0" eaLnBrk="1" latinLnBrk="0" hangingPunct="1">
-              <a:defRPr sz="1800" kern="1200">
-                <a:solidFill>
-                  <a:schemeClr val="tx1"/>
-                </a:solidFill>
-                <a:latin typeface="+mn-lt"/>
-                <a:ea typeface="+mn-ea"/>
-                <a:cs typeface="+mn-cs"/>
-              </a:defRPr>
-            </a:lvl8pPr>
-            <a:lvl9pPr marL="3657600" algn="l" defTabSz="914400" rtl="0" eaLnBrk="1" latinLnBrk="0" hangingPunct="1">
-              <a:defRPr sz="1800" kern="1200">
-                <a:solidFill>
-                  <a:schemeClr val="tx1"/>
-                </a:solidFill>
-                <a:latin typeface="+mn-lt"/>
-                <a:ea typeface="+mn-ea"/>
-                <a:cs typeface="+mn-cs"/>
-              </a:defRPr>
-            </a:lvl9pPr>
-          </a:lstStyle>
-          <a:p>
-            <a:pPr marL="38100">
-              <a:spcBef>
-                <a:spcPts val="95"/>
-              </a:spcBef>
-            </a:pPr>
-            <a:fld id="{81D60167-4931-47E6-BA6A-407CBD079E47}" type="slidenum">
-              <a:rPr lang="ru-RU" spc="-5" smtClean="0">
-                <a:solidFill>
-                  <a:srgbClr val="0070C0"/>
-                </a:solidFill>
-                <a:latin typeface="Fira Sans Condensed" panose="020B0503050000020004" pitchFamily="34" charset="0"/>
-              </a:rPr>
-              <a:pPr marL="38100">
-                <a:spcBef>
-                  <a:spcPts val="95"/>
-                </a:spcBef>
-              </a:pPr>
-              <a:t>11</a:t>
             </a:fld>
             <a:endParaRPr lang="ru-RU" spc="-5" dirty="0">
               <a:solidFill>
@@ -7212,11 +6090,14 @@
               <a:rPr lang="en-US" sz="900" b="1" dirty="0" err="1">
                 <a:latin typeface="Fira Sans Condensed" panose="020B0503050000020004" pitchFamily="34" charset="0"/>
               </a:rPr>
-              <a:t>RObject</a:t>
-            </a:r>
-            <a:endParaRPr lang="ru-RU" sz="900" b="1" dirty="0">
-              <a:latin typeface="Fira Sans Condensed" panose="020B0503050000020004" pitchFamily="34" charset="0"/>
-            </a:endParaRPr>
+              <a:t>Robject</a:t>
+            </a:r>
+            <a:r>
+              <a:rPr lang="ru-RU" sz="900" b="1" dirty="0">
+                <a:latin typeface="Fira Sans Condensed" panose="020B0503050000020004" pitchFamily="34" charset="0"/>
+              </a:rPr>
+              <a:t>;</a:t>
+            </a:r>
           </a:p>
           <a:p>
             <a:pPr marL="228600" indent="-228600" algn="just">
@@ -7248,7 +6129,7 @@
                 </a:solidFill>
                 <a:latin typeface="Fira Sans Condensed" panose="020B0503050000020004" pitchFamily="34" charset="0"/>
               </a:rPr>
-              <a:t>, чтобы найти все достижимые объекты</a:t>
+              <a:t>, чтобы найти все достижимые объекты;</a:t>
             </a:r>
           </a:p>
           <a:p>
@@ -7272,7 +6153,25 @@
                 </a:solidFill>
                 <a:latin typeface="Fira Sans Condensed" panose="020B0503050000020004" pitchFamily="34" charset="0"/>
               </a:rPr>
-              <a:t>"мусором"</a:t>
+              <a:t>"мусором</a:t>
+            </a:r>
+            <a:r>
+              <a:rPr lang="en-US" sz="900" b="1" dirty="0">
+                <a:solidFill>
+                  <a:schemeClr val="tx1"/>
+                </a:solidFill>
+                <a:latin typeface="Fira Sans Condensed" panose="020B0503050000020004" pitchFamily="34" charset="0"/>
+              </a:rPr>
+              <a:t>”</a:t>
+            </a:r>
+            <a:r>
+              <a:rPr lang="ru-RU" sz="900" b="1" dirty="0">
+                <a:solidFill>
+                  <a:schemeClr val="tx1"/>
+                </a:solidFill>
+                <a:latin typeface="Fira Sans Condensed" panose="020B0503050000020004" pitchFamily="34" charset="0"/>
+              </a:rPr>
+              <a:t>;</a:t>
             </a:r>
           </a:p>
           <a:p>
@@ -7307,6 +6206,18 @@
               </a:rPr>
               <a:t>всех "мусорных" указателей</a:t>
             </a:r>
+            <a:r>
+              <a:rPr lang="en-US" sz="900" dirty="0">
+                <a:latin typeface="Fira Sans Condensed" panose="020B0503050000020004" pitchFamily="34" charset="0"/>
+              </a:rPr>
+              <a:t>.</a:t>
+            </a:r>
+            <a:endParaRPr lang="ru-RU" sz="900" dirty="0">
+              <a:solidFill>
+                <a:schemeClr val="tx1"/>
+              </a:solidFill>
+              <a:latin typeface="Fira Sans Condensed" panose="020B0503050000020004" pitchFamily="34" charset="0"/>
+            </a:endParaRPr>
           </a:p>
           <a:p>
             <a:pPr marL="228600" indent="-228600" algn="just">
@@ -7711,7 +6622,7 @@
 </p:sld>
 </file>
 
-<file path=ppt/slides/slide12.xml><?xml version="1.0" encoding="utf-8"?>
+<file path=ppt/slides/slide11.xml><?xml version="1.0" encoding="utf-8"?>
 <p:sld xmlns:a="http://schemas.openxmlformats.org/drawingml/2006/main" xmlns:r="http://schemas.openxmlformats.org/officeDocument/2006/relationships" xmlns:p="http://schemas.openxmlformats.org/presentationml/2006/main" showMasterSp="0">
   <p:cSld>
     <p:spTree>
@@ -7866,7 +6777,7 @@
                   <a:spcPts val="95"/>
                 </a:spcBef>
               </a:pPr>
-              <a:t>12</a:t>
+              <a:t>11</a:t>
             </a:fld>
             <a:endParaRPr lang="ru-RU" spc="-5" dirty="0">
               <a:solidFill>
@@ -7935,7 +6846,7 @@
         <p:spPr>
           <a:xfrm>
             <a:off x="196936" y="763600"/>
-            <a:ext cx="4216227" cy="923330"/>
+            <a:ext cx="4216227" cy="646331"/>
           </a:xfrm>
           <a:prstGeom prst="rect">
             <a:avLst/>
@@ -7954,7 +6865,7 @@
                 <a:latin typeface="Fira Sans Condensed" panose="020B0503050000020004" pitchFamily="34" charset="0"/>
                 <a:cs typeface="Times New Roman" panose="02020603050405020304" pitchFamily="18" charset="0"/>
               </a:rPr>
-              <a:t>В ходе выполнения данной работы были достигнуты все поставленные цели и задачи. В результате было создано эффективное и гибкое графическое программное обеспечение для визуализации трехмерных объектов на базе библиотеки OpenGL 4.6 и языка программирования C++. Результаты данной работы имеют высокую практическую значимость и могут быть успешно применены в различных сферах, требующих визуализации трехмерных объектов.</a:t>
+              <a:t>В ходе выполнения данной работы были достигнуты все поставленные цели и задачи. В результате было создано эффективное и гибкое графическое программное обеспечение для визуализации трехмерных объектов на базе библиотеки OpenGL 4.6 и языка программирования C++.</a:t>
             </a:r>
             <a:endParaRPr lang="ru-RU" sz="900" dirty="0">
               <a:solidFill>
@@ -8493,1241 +7404,7 @@
 </p:sld>
 </file>
 
-<file path=ppt/slides/slide13.xml><?xml version="1.0" encoding="utf-8"?>
-<p:sld xmlns:a="http://schemas.openxmlformats.org/drawingml/2006/main" xmlns:r="http://schemas.openxmlformats.org/officeDocument/2006/relationships" xmlns:p="http://schemas.openxmlformats.org/presentationml/2006/main">
-  <p:cSld>
-    <p:spTree>
-      <p:nvGrpSpPr>
-        <p:cNvPr id="1" name=""/>
-        <p:cNvGrpSpPr/>
-        <p:nvPr/>
-      </p:nvGrpSpPr>
-      <p:grpSpPr>
-        <a:xfrm>
-          <a:off x="0" y="0"/>
-          <a:ext cx="0" cy="0"/>
-          <a:chOff x="0" y="0"/>
-          <a:chExt cx="0" cy="0"/>
-        </a:xfrm>
-      </p:grpSpPr>
-      <p:grpSp>
-        <p:nvGrpSpPr>
-          <p:cNvPr id="2" name="object 2"/>
-          <p:cNvGrpSpPr/>
-          <p:nvPr/>
-        </p:nvGrpSpPr>
-        <p:grpSpPr>
-          <a:xfrm>
-            <a:off x="-3828" y="0"/>
-            <a:ext cx="4608003" cy="3456304"/>
-            <a:chOff x="0" y="0"/>
-            <a:chExt cx="4608003" cy="3456304"/>
-          </a:xfrm>
-        </p:grpSpPr>
-        <p:pic>
-          <p:nvPicPr>
-            <p:cNvPr id="3" name="object 3"/>
-            <p:cNvPicPr/>
-            <p:nvPr/>
-          </p:nvPicPr>
-          <p:blipFill>
-            <a:blip r:embed="rId2" cstate="print"/>
-            <a:stretch>
-              <a:fillRect/>
-            </a:stretch>
-          </p:blipFill>
-          <p:spPr>
-            <a:xfrm>
-              <a:off x="961199" y="0"/>
-              <a:ext cx="3646804" cy="3355895"/>
-            </a:xfrm>
-            <a:prstGeom prst="rect">
-              <a:avLst/>
-            </a:prstGeom>
-          </p:spPr>
-        </p:pic>
-        <p:pic>
-          <p:nvPicPr>
-            <p:cNvPr id="4" name="object 4"/>
-            <p:cNvPicPr/>
-            <p:nvPr/>
-          </p:nvPicPr>
-          <p:blipFill>
-            <a:blip r:embed="rId3" cstate="print"/>
-            <a:stretch>
-              <a:fillRect/>
-            </a:stretch>
-          </p:blipFill>
-          <p:spPr>
-            <a:xfrm>
-              <a:off x="3607942" y="2459321"/>
-              <a:ext cx="775736" cy="915054"/>
-            </a:xfrm>
-            <a:prstGeom prst="rect">
-              <a:avLst/>
-            </a:prstGeom>
-          </p:spPr>
-        </p:pic>
-        <p:sp>
-          <p:nvSpPr>
-            <p:cNvPr id="5" name="object 5"/>
-            <p:cNvSpPr/>
-            <p:nvPr/>
-          </p:nvSpPr>
-          <p:spPr>
-            <a:xfrm>
-              <a:off x="0" y="0"/>
-              <a:ext cx="3960495" cy="3456304"/>
-            </a:xfrm>
-            <a:custGeom>
-              <a:avLst/>
-              <a:gdLst/>
-              <a:ahLst/>
-              <a:cxnLst/>
-              <a:rect l="l" t="t" r="r" b="b"/>
-              <a:pathLst>
-                <a:path w="3960495" h="3456304">
-                  <a:moveTo>
-                    <a:pt x="3960049" y="0"/>
-                  </a:moveTo>
-                  <a:lnTo>
-                    <a:pt x="0" y="0"/>
-                  </a:lnTo>
-                  <a:lnTo>
-                    <a:pt x="0" y="3456046"/>
-                  </a:lnTo>
-                  <a:lnTo>
-                    <a:pt x="3240040" y="3456046"/>
-                  </a:lnTo>
-                  <a:lnTo>
-                    <a:pt x="3960049" y="0"/>
-                  </a:lnTo>
-                  <a:close/>
-                </a:path>
-              </a:pathLst>
-            </a:custGeom>
-            <a:solidFill>
-              <a:srgbClr val="FFFFFF"/>
-            </a:solidFill>
-          </p:spPr>
-          <p:txBody>
-            <a:bodyPr wrap="square" lIns="0" tIns="0" rIns="0" bIns="0" rtlCol="0"/>
-            <a:lstStyle/>
-            <a:p>
-              <a:endParaRPr>
-                <a:latin typeface="Fira Sans Condensed" panose="020B0503050000020004" pitchFamily="34" charset="0"/>
-              </a:endParaRPr>
-            </a:p>
-          </p:txBody>
-        </p:sp>
-        <p:sp>
-          <p:nvSpPr>
-            <p:cNvPr id="6" name="object 6"/>
-            <p:cNvSpPr/>
-            <p:nvPr/>
-          </p:nvSpPr>
-          <p:spPr>
-            <a:xfrm>
-              <a:off x="3132037" y="0"/>
-              <a:ext cx="828040" cy="3456304"/>
-            </a:xfrm>
-            <a:custGeom>
-              <a:avLst/>
-              <a:gdLst/>
-              <a:ahLst/>
-              <a:cxnLst/>
-              <a:rect l="l" t="t" r="r" b="b"/>
-              <a:pathLst>
-                <a:path w="828039" h="3456304">
-                  <a:moveTo>
-                    <a:pt x="828011" y="0"/>
-                  </a:moveTo>
-                  <a:lnTo>
-                    <a:pt x="720008" y="0"/>
-                  </a:lnTo>
-                  <a:lnTo>
-                    <a:pt x="0" y="3456046"/>
-                  </a:lnTo>
-                  <a:lnTo>
-                    <a:pt x="108002" y="3456046"/>
-                  </a:lnTo>
-                  <a:lnTo>
-                    <a:pt x="828011" y="0"/>
-                  </a:lnTo>
-                  <a:close/>
-                </a:path>
-              </a:pathLst>
-            </a:custGeom>
-            <a:solidFill>
-              <a:srgbClr val="176CEA"/>
-            </a:solidFill>
-          </p:spPr>
-          <p:txBody>
-            <a:bodyPr wrap="square" lIns="0" tIns="0" rIns="0" bIns="0" rtlCol="0"/>
-            <a:lstStyle/>
-            <a:p>
-              <a:endParaRPr>
-                <a:latin typeface="Fira Sans Condensed" panose="020B0503050000020004" pitchFamily="34" charset="0"/>
-              </a:endParaRPr>
-            </a:p>
-          </p:txBody>
-        </p:sp>
-      </p:grpSp>
-      <p:sp>
-        <p:nvSpPr>
-          <p:cNvPr id="7" name="object 7"/>
-          <p:cNvSpPr txBox="1">
-            <a:spLocks noGrp="1"/>
-          </p:cNvSpPr>
-          <p:nvPr>
-            <p:ph type="title"/>
-          </p:nvPr>
-        </p:nvSpPr>
-        <p:spPr>
-          <a:xfrm>
-            <a:off x="200590" y="1008356"/>
-            <a:ext cx="3084830" cy="1037528"/>
-          </a:xfrm>
-          <a:prstGeom prst="rect">
-            <a:avLst/>
-          </a:prstGeom>
-        </p:spPr>
-        <p:txBody>
-          <a:bodyPr vert="horz" wrap="square" lIns="0" tIns="2540" rIns="0" bIns="0" rtlCol="0">
-            <a:spAutoFit/>
-          </a:bodyPr>
-          <a:lstStyle/>
-          <a:p>
-            <a:pPr marL="12700" marR="5080" algn="l">
-              <a:lnSpc>
-                <a:spcPct val="106700"/>
-              </a:lnSpc>
-              <a:spcBef>
-                <a:spcPts val="20"/>
-              </a:spcBef>
-            </a:pPr>
-            <a:r>
-              <a:rPr lang="ru-RU" sz="1600" dirty="0">
-                <a:latin typeface="Fira Sans Condensed" panose="020B0503050000020004" pitchFamily="34" charset="0"/>
-                <a:cs typeface="Times New Roman" panose="02020603050405020304" pitchFamily="18" charset="0"/>
-              </a:rPr>
-              <a:t>Разработка графического программного обеспечения для визуализации трехмерных объектов</a:t>
-            </a:r>
-            <a:endParaRPr lang="ru-RU" sz="1600" dirty="0">
-              <a:latin typeface="Fira Sans Condensed" panose="020B0503050000020004" pitchFamily="34" charset="0"/>
-            </a:endParaRPr>
-          </a:p>
-        </p:txBody>
-      </p:sp>
-      <p:sp>
-        <p:nvSpPr>
-          <p:cNvPr id="10" name="object 10"/>
-          <p:cNvSpPr txBox="1"/>
-          <p:nvPr/>
-        </p:nvSpPr>
-        <p:spPr>
-          <a:xfrm>
-            <a:off x="266560" y="2452394"/>
-            <a:ext cx="2952890" cy="330219"/>
-          </a:xfrm>
-          <a:prstGeom prst="rect">
-            <a:avLst/>
-          </a:prstGeom>
-        </p:spPr>
-        <p:txBody>
-          <a:bodyPr vert="horz" wrap="square" lIns="0" tIns="22225" rIns="0" bIns="0" rtlCol="0">
-            <a:spAutoFit/>
-          </a:bodyPr>
-          <a:lstStyle/>
-          <a:p>
-            <a:r>
-              <a:rPr lang="ru-RU" sz="1000" dirty="0">
-                <a:latin typeface="Fira Sans Condensed" panose="020B0503050000020004" pitchFamily="34" charset="0"/>
-                <a:cs typeface="Times New Roman" panose="02020603050405020304" pitchFamily="18" charset="0"/>
-              </a:rPr>
-              <a:t>Студент:		Губанов Д.А.</a:t>
-            </a:r>
-            <a:endParaRPr lang="en-US" sz="1000" dirty="0">
-              <a:latin typeface="Fira Sans Condensed" panose="020B0503050000020004" pitchFamily="34" charset="0"/>
-              <a:cs typeface="Times New Roman" panose="02020603050405020304" pitchFamily="18" charset="0"/>
-            </a:endParaRPr>
-          </a:p>
-          <a:p>
-            <a:r>
-              <a:rPr lang="ru-RU" sz="1000" dirty="0">
-                <a:latin typeface="Fira Sans Condensed" panose="020B0503050000020004" pitchFamily="34" charset="0"/>
-                <a:cs typeface="Times New Roman" panose="02020603050405020304" pitchFamily="18" charset="0"/>
-              </a:rPr>
-              <a:t>Научный руководитель: </a:t>
-            </a:r>
-            <a:r>
-              <a:rPr lang="en-US" sz="1000" dirty="0">
-                <a:latin typeface="Fira Sans Condensed" panose="020B0503050000020004" pitchFamily="34" charset="0"/>
-                <a:cs typeface="Times New Roman" panose="02020603050405020304" pitchFamily="18" charset="0"/>
-              </a:rPr>
-              <a:t>	</a:t>
-            </a:r>
-            <a:r>
-              <a:rPr lang="ru-RU" sz="1000" dirty="0" err="1">
-                <a:latin typeface="Fira Sans Condensed" panose="020B0503050000020004" pitchFamily="34" charset="0"/>
-                <a:cs typeface="Times New Roman" panose="02020603050405020304" pitchFamily="18" charset="0"/>
-              </a:rPr>
-              <a:t>Витюков</a:t>
-            </a:r>
-            <a:r>
-              <a:rPr lang="ru-RU" sz="1000" dirty="0">
-                <a:latin typeface="Fira Sans Condensed" panose="020B0503050000020004" pitchFamily="34" charset="0"/>
-                <a:cs typeface="Times New Roman" panose="02020603050405020304" pitchFamily="18" charset="0"/>
-              </a:rPr>
-              <a:t> Ф.А.</a:t>
-            </a:r>
-          </a:p>
-        </p:txBody>
-      </p:sp>
-      <p:sp>
-        <p:nvSpPr>
-          <p:cNvPr id="12" name="TextBox 11">
-            <a:extLst>
-              <a:ext uri="{FF2B5EF4-FFF2-40B4-BE49-F238E27FC236}">
-                <a16:creationId xmlns:a16="http://schemas.microsoft.com/office/drawing/2014/main" id="{F245F9AD-D175-0F07-B4C8-47CD1BE2CD54}"/>
-              </a:ext>
-            </a:extLst>
-          </p:cNvPr>
-          <p:cNvSpPr txBox="1"/>
-          <p:nvPr/>
-        </p:nvSpPr>
-        <p:spPr>
-          <a:xfrm>
-            <a:off x="5925" y="188852"/>
-            <a:ext cx="3895725" cy="400110"/>
-          </a:xfrm>
-          <a:prstGeom prst="rect">
-            <a:avLst/>
-          </a:prstGeom>
-          <a:noFill/>
-        </p:spPr>
-        <p:txBody>
-          <a:bodyPr wrap="square">
-            <a:spAutoFit/>
-          </a:bodyPr>
-          <a:lstStyle/>
-          <a:p>
-            <a:pPr algn="ctr">
-              <a:lnSpc>
-                <a:spcPct val="100000"/>
-              </a:lnSpc>
-              <a:spcBef>
-                <a:spcPts val="95"/>
-              </a:spcBef>
-            </a:pPr>
-            <a:r>
-              <a:rPr lang="ru-RU" sz="2000" b="1" spc="-30" dirty="0">
-                <a:latin typeface="Fira Sans Condensed" panose="020B0503050000020004" pitchFamily="34" charset="0"/>
-                <a:cs typeface="Times New Roman" panose="02020603050405020304" pitchFamily="18" charset="0"/>
-              </a:rPr>
-              <a:t>Спасибо</a:t>
-            </a:r>
-            <a:r>
-              <a:rPr lang="ru-RU" sz="2000" b="1" spc="-60" dirty="0">
-                <a:latin typeface="Fira Sans Condensed" panose="020B0503050000020004" pitchFamily="34" charset="0"/>
-                <a:cs typeface="Times New Roman" panose="02020603050405020304" pitchFamily="18" charset="0"/>
-              </a:rPr>
-              <a:t> </a:t>
-            </a:r>
-            <a:r>
-              <a:rPr lang="ru-RU" sz="2000" b="1" spc="-30" dirty="0">
-                <a:latin typeface="Fira Sans Condensed" panose="020B0503050000020004" pitchFamily="34" charset="0"/>
-                <a:cs typeface="Times New Roman" panose="02020603050405020304" pitchFamily="18" charset="0"/>
-              </a:rPr>
-              <a:t>за</a:t>
-            </a:r>
-            <a:r>
-              <a:rPr lang="ru-RU" sz="2000" b="1" spc="-60" dirty="0">
-                <a:latin typeface="Fira Sans Condensed" panose="020B0503050000020004" pitchFamily="34" charset="0"/>
-                <a:cs typeface="Times New Roman" panose="02020603050405020304" pitchFamily="18" charset="0"/>
-              </a:rPr>
-              <a:t> </a:t>
-            </a:r>
-            <a:r>
-              <a:rPr lang="ru-RU" sz="2000" b="1" spc="-30" dirty="0">
-                <a:latin typeface="Fira Sans Condensed" panose="020B0503050000020004" pitchFamily="34" charset="0"/>
-                <a:cs typeface="Times New Roman" panose="02020603050405020304" pitchFamily="18" charset="0"/>
-              </a:rPr>
-              <a:t>внимание</a:t>
-            </a:r>
-            <a:endParaRPr lang="ru-RU" sz="2000" b="1" dirty="0">
-              <a:latin typeface="Fira Sans Condensed" panose="020B0503050000020004" pitchFamily="34" charset="0"/>
-              <a:cs typeface="Times New Roman" panose="02020603050405020304" pitchFamily="18" charset="0"/>
-            </a:endParaRPr>
-          </a:p>
-        </p:txBody>
-      </p:sp>
-      <p:sp>
-        <p:nvSpPr>
-          <p:cNvPr id="14" name="TextBox 13">
-            <a:extLst>
-              <a:ext uri="{FF2B5EF4-FFF2-40B4-BE49-F238E27FC236}">
-                <a16:creationId xmlns:a16="http://schemas.microsoft.com/office/drawing/2014/main" id="{4FBB1766-4CE1-493D-F2BC-F8A621F74A9F}"/>
-              </a:ext>
-            </a:extLst>
-          </p:cNvPr>
-          <p:cNvSpPr txBox="1"/>
-          <p:nvPr/>
-        </p:nvSpPr>
-        <p:spPr>
-          <a:xfrm>
-            <a:off x="1082377" y="3136122"/>
-            <a:ext cx="917873" cy="246221"/>
-          </a:xfrm>
-          <a:prstGeom prst="rect">
-            <a:avLst/>
-          </a:prstGeom>
-          <a:noFill/>
-        </p:spPr>
-        <p:txBody>
-          <a:bodyPr wrap="square">
-            <a:spAutoFit/>
-          </a:bodyPr>
-          <a:lstStyle/>
-          <a:p>
-            <a:r>
-              <a:rPr lang="ru-RU" sz="1000" dirty="0">
-                <a:latin typeface="Fira Sans Condensed" panose="020B0503050000020004" pitchFamily="34" charset="0"/>
-                <a:cs typeface="Times New Roman" panose="02020603050405020304" pitchFamily="18" charset="0"/>
-              </a:rPr>
-              <a:t>Москва, 2025</a:t>
-            </a:r>
-          </a:p>
-        </p:txBody>
-      </p:sp>
-    </p:spTree>
-    <p:extLst>
-      <p:ext uri="{BB962C8B-B14F-4D97-AF65-F5344CB8AC3E}">
-        <p14:creationId xmlns:p14="http://schemas.microsoft.com/office/powerpoint/2010/main" val="3594058515"/>
-      </p:ext>
-    </p:extLst>
-  </p:cSld>
-  <p:clrMapOvr>
-    <a:masterClrMapping/>
-  </p:clrMapOvr>
-  <p:transition>
-    <p:cut/>
-  </p:transition>
-</p:sld>
-</file>
-
 <file path=ppt/slides/slide2.xml><?xml version="1.0" encoding="utf-8"?>
-<p:sld xmlns:a="http://schemas.openxmlformats.org/drawingml/2006/main" xmlns:r="http://schemas.openxmlformats.org/officeDocument/2006/relationships" xmlns:p="http://schemas.openxmlformats.org/presentationml/2006/main" showMasterSp="0">
-  <p:cSld>
-    <p:spTree>
-      <p:nvGrpSpPr>
-        <p:cNvPr id="1" name=""/>
-        <p:cNvGrpSpPr/>
-        <p:nvPr/>
-      </p:nvGrpSpPr>
-      <p:grpSpPr>
-        <a:xfrm>
-          <a:off x="0" y="0"/>
-          <a:ext cx="0" cy="0"/>
-          <a:chOff x="0" y="0"/>
-          <a:chExt cx="0" cy="0"/>
-        </a:xfrm>
-      </p:grpSpPr>
-      <p:sp>
-        <p:nvSpPr>
-          <p:cNvPr id="13" name="Прямоугольник 12">
-            <a:extLst>
-              <a:ext uri="{FF2B5EF4-FFF2-40B4-BE49-F238E27FC236}">
-                <a16:creationId xmlns:a16="http://schemas.microsoft.com/office/drawing/2014/main" id="{8C0F4D37-B6B0-182A-3FCC-9B4CE9528EE4}"/>
-              </a:ext>
-            </a:extLst>
-          </p:cNvPr>
-          <p:cNvSpPr/>
-          <p:nvPr/>
-        </p:nvSpPr>
-        <p:spPr>
-          <a:xfrm>
-            <a:off x="1" y="3295813"/>
-            <a:ext cx="4610100" cy="164937"/>
-          </a:xfrm>
-          <a:prstGeom prst="rect">
-            <a:avLst/>
-          </a:prstGeom>
-          <a:solidFill>
-            <a:schemeClr val="accent1">
-              <a:alpha val="20000"/>
-            </a:schemeClr>
-          </a:solidFill>
-          <a:ln>
-            <a:noFill/>
-          </a:ln>
-        </p:spPr>
-        <p:style>
-          <a:lnRef idx="2">
-            <a:schemeClr val="accent1">
-              <a:shade val="15000"/>
-            </a:schemeClr>
-          </a:lnRef>
-          <a:fillRef idx="1">
-            <a:schemeClr val="accent1"/>
-          </a:fillRef>
-          <a:effectRef idx="0">
-            <a:schemeClr val="accent1"/>
-          </a:effectRef>
-          <a:fontRef idx="minor">
-            <a:schemeClr val="lt1"/>
-          </a:fontRef>
-        </p:style>
-        <p:txBody>
-          <a:bodyPr rtlCol="0" anchor="ctr"/>
-          <a:lstStyle/>
-          <a:p>
-            <a:pPr algn="r"/>
-            <a:r>
-              <a:rPr lang="ru-RU" sz="800" b="1" dirty="0">
-                <a:solidFill>
-                  <a:schemeClr val="bg1">
-                    <a:lumMod val="50000"/>
-                  </a:schemeClr>
-                </a:solidFill>
-                <a:latin typeface="Fira Sans Condensed" panose="020B0503050000020004" pitchFamily="34" charset="0"/>
-                <a:cs typeface="Times New Roman" panose="02020603050405020304" pitchFamily="18" charset="0"/>
-              </a:rPr>
-              <a:t>Разработка графического программного обеспечения для визуализации трехмерных объектов</a:t>
-            </a:r>
-            <a:endParaRPr lang="ru-RU" sz="800" dirty="0">
-              <a:solidFill>
-                <a:schemeClr val="bg1">
-                  <a:lumMod val="50000"/>
-                </a:schemeClr>
-              </a:solidFill>
-              <a:latin typeface="Fira Sans Condensed" panose="020B0503050000020004" pitchFamily="34" charset="0"/>
-            </a:endParaRPr>
-          </a:p>
-        </p:txBody>
-      </p:sp>
-      <p:sp>
-        <p:nvSpPr>
-          <p:cNvPr id="2" name="object 2"/>
-          <p:cNvSpPr txBox="1">
-            <a:spLocks noGrp="1"/>
-          </p:cNvSpPr>
-          <p:nvPr>
-            <p:ph type="title"/>
-          </p:nvPr>
-        </p:nvSpPr>
-        <p:spPr>
-          <a:xfrm>
-            <a:off x="196936" y="477093"/>
-            <a:ext cx="1312545" cy="196208"/>
-          </a:xfrm>
-          <a:prstGeom prst="rect">
-            <a:avLst/>
-          </a:prstGeom>
-        </p:spPr>
-        <p:txBody>
-          <a:bodyPr vert="horz" wrap="square" lIns="0" tIns="11430" rIns="0" bIns="0" rtlCol="0">
-            <a:spAutoFit/>
-          </a:bodyPr>
-          <a:lstStyle/>
-          <a:p>
-            <a:pPr marL="12700">
-              <a:lnSpc>
-                <a:spcPct val="100000"/>
-              </a:lnSpc>
-              <a:spcBef>
-                <a:spcPts val="90"/>
-              </a:spcBef>
-            </a:pPr>
-            <a:r>
-              <a:rPr lang="ru-RU" sz="1200" spc="-80" dirty="0">
-                <a:latin typeface="Fira Sans Condensed" panose="020B0503050000020004" pitchFamily="34" charset="0"/>
-                <a:cs typeface="Times New Roman" panose="02020603050405020304" pitchFamily="18" charset="0"/>
-              </a:rPr>
-              <a:t>Содержание</a:t>
-            </a:r>
-            <a:endParaRPr sz="1200" spc="-40" dirty="0">
-              <a:latin typeface="Fira Sans Condensed" panose="020B0503050000020004" pitchFamily="34" charset="0"/>
-              <a:cs typeface="Times New Roman" panose="02020603050405020304" pitchFamily="18" charset="0"/>
-            </a:endParaRPr>
-          </a:p>
-        </p:txBody>
-      </p:sp>
-      <p:sp>
-        <p:nvSpPr>
-          <p:cNvPr id="121" name="Номер слайда 8">
-            <a:extLst>
-              <a:ext uri="{FF2B5EF4-FFF2-40B4-BE49-F238E27FC236}">
-                <a16:creationId xmlns:a16="http://schemas.microsoft.com/office/drawing/2014/main" id="{53F84418-E4D6-E2A5-3E0F-A9A56B4FC5BE}"/>
-              </a:ext>
-            </a:extLst>
-          </p:cNvPr>
-          <p:cNvSpPr txBox="1">
-            <a:spLocks/>
-          </p:cNvSpPr>
-          <p:nvPr/>
-        </p:nvSpPr>
-        <p:spPr>
-          <a:xfrm>
-            <a:off x="-20944" y="3319545"/>
-            <a:ext cx="527293" cy="137203"/>
-          </a:xfrm>
-          <a:prstGeom prst="rect">
-            <a:avLst/>
-          </a:prstGeom>
-        </p:spPr>
-        <p:txBody>
-          <a:bodyPr lIns="0" tIns="0" rIns="0" bIns="0"/>
-          <a:lstStyle>
-            <a:defPPr>
-              <a:defRPr lang="ru-RU"/>
-            </a:defPPr>
-            <a:lvl1pPr marL="0" algn="l" defTabSz="914400" rtl="0" eaLnBrk="1" latinLnBrk="0" hangingPunct="1">
-              <a:defRPr sz="800" b="0" i="0" kern="1200">
-                <a:solidFill>
-                  <a:srgbClr val="00B050"/>
-                </a:solidFill>
-                <a:latin typeface="Times New Roman" panose="02020603050405020304" pitchFamily="18" charset="0"/>
-                <a:ea typeface="+mn-ea"/>
-                <a:cs typeface="Times New Roman" panose="02020603050405020304" pitchFamily="18" charset="0"/>
-              </a:defRPr>
-            </a:lvl1pPr>
-            <a:lvl2pPr marL="457200" algn="l" defTabSz="914400" rtl="0" eaLnBrk="1" latinLnBrk="0" hangingPunct="1">
-              <a:defRPr sz="1800" kern="1200">
-                <a:solidFill>
-                  <a:schemeClr val="tx1"/>
-                </a:solidFill>
-                <a:latin typeface="+mn-lt"/>
-                <a:ea typeface="+mn-ea"/>
-                <a:cs typeface="+mn-cs"/>
-              </a:defRPr>
-            </a:lvl2pPr>
-            <a:lvl3pPr marL="914400" algn="l" defTabSz="914400" rtl="0" eaLnBrk="1" latinLnBrk="0" hangingPunct="1">
-              <a:defRPr sz="1800" kern="1200">
-                <a:solidFill>
-                  <a:schemeClr val="tx1"/>
-                </a:solidFill>
-                <a:latin typeface="+mn-lt"/>
-                <a:ea typeface="+mn-ea"/>
-                <a:cs typeface="+mn-cs"/>
-              </a:defRPr>
-            </a:lvl3pPr>
-            <a:lvl4pPr marL="1371600" algn="l" defTabSz="914400" rtl="0" eaLnBrk="1" latinLnBrk="0" hangingPunct="1">
-              <a:defRPr sz="1800" kern="1200">
-                <a:solidFill>
-                  <a:schemeClr val="tx1"/>
-                </a:solidFill>
-                <a:latin typeface="+mn-lt"/>
-                <a:ea typeface="+mn-ea"/>
-                <a:cs typeface="+mn-cs"/>
-              </a:defRPr>
-            </a:lvl4pPr>
-            <a:lvl5pPr marL="1828800" algn="l" defTabSz="914400" rtl="0" eaLnBrk="1" latinLnBrk="0" hangingPunct="1">
-              <a:defRPr sz="1800" kern="1200">
-                <a:solidFill>
-                  <a:schemeClr val="tx1"/>
-                </a:solidFill>
-                <a:latin typeface="+mn-lt"/>
-                <a:ea typeface="+mn-ea"/>
-                <a:cs typeface="+mn-cs"/>
-              </a:defRPr>
-            </a:lvl5pPr>
-            <a:lvl6pPr marL="2286000" algn="l" defTabSz="914400" rtl="0" eaLnBrk="1" latinLnBrk="0" hangingPunct="1">
-              <a:defRPr sz="1800" kern="1200">
-                <a:solidFill>
-                  <a:schemeClr val="tx1"/>
-                </a:solidFill>
-                <a:latin typeface="+mn-lt"/>
-                <a:ea typeface="+mn-ea"/>
-                <a:cs typeface="+mn-cs"/>
-              </a:defRPr>
-            </a:lvl6pPr>
-            <a:lvl7pPr marL="2743200" algn="l" defTabSz="914400" rtl="0" eaLnBrk="1" latinLnBrk="0" hangingPunct="1">
-              <a:defRPr sz="1800" kern="1200">
-                <a:solidFill>
-                  <a:schemeClr val="tx1"/>
-                </a:solidFill>
-                <a:latin typeface="+mn-lt"/>
-                <a:ea typeface="+mn-ea"/>
-                <a:cs typeface="+mn-cs"/>
-              </a:defRPr>
-            </a:lvl7pPr>
-            <a:lvl8pPr marL="3200400" algn="l" defTabSz="914400" rtl="0" eaLnBrk="1" latinLnBrk="0" hangingPunct="1">
-              <a:defRPr sz="1800" kern="1200">
-                <a:solidFill>
-                  <a:schemeClr val="tx1"/>
-                </a:solidFill>
-                <a:latin typeface="+mn-lt"/>
-                <a:ea typeface="+mn-ea"/>
-                <a:cs typeface="+mn-cs"/>
-              </a:defRPr>
-            </a:lvl8pPr>
-            <a:lvl9pPr marL="3657600" algn="l" defTabSz="914400" rtl="0" eaLnBrk="1" latinLnBrk="0" hangingPunct="1">
-              <a:defRPr sz="1800" kern="1200">
-                <a:solidFill>
-                  <a:schemeClr val="tx1"/>
-                </a:solidFill>
-                <a:latin typeface="+mn-lt"/>
-                <a:ea typeface="+mn-ea"/>
-                <a:cs typeface="+mn-cs"/>
-              </a:defRPr>
-            </a:lvl9pPr>
-          </a:lstStyle>
-          <a:p>
-            <a:pPr marL="38100">
-              <a:spcBef>
-                <a:spcPts val="95"/>
-              </a:spcBef>
-            </a:pPr>
-            <a:fld id="{81D60167-4931-47E6-BA6A-407CBD079E47}" type="slidenum">
-              <a:rPr lang="ru-RU" spc="-5" smtClean="0">
-                <a:solidFill>
-                  <a:srgbClr val="0070C0"/>
-                </a:solidFill>
-                <a:latin typeface="Fira Sans Condensed" panose="020B0503050000020004" pitchFamily="34" charset="0"/>
-              </a:rPr>
-              <a:pPr marL="38100">
-                <a:spcBef>
-                  <a:spcPts val="95"/>
-                </a:spcBef>
-              </a:pPr>
-              <a:t>2</a:t>
-            </a:fld>
-            <a:endParaRPr lang="ru-RU" spc="-5" dirty="0">
-              <a:solidFill>
-                <a:srgbClr val="0070C0"/>
-              </a:solidFill>
-              <a:latin typeface="Fira Sans Condensed" panose="020B0503050000020004" pitchFamily="34" charset="0"/>
-            </a:endParaRPr>
-          </a:p>
-        </p:txBody>
-      </p:sp>
-      <p:sp>
-        <p:nvSpPr>
-          <p:cNvPr id="6" name="TextBox 5">
-            <a:extLst>
-              <a:ext uri="{FF2B5EF4-FFF2-40B4-BE49-F238E27FC236}">
-                <a16:creationId xmlns:a16="http://schemas.microsoft.com/office/drawing/2014/main" id="{A82E618F-93E9-3FFE-2139-C7EC37B333B9}"/>
-              </a:ext>
-            </a:extLst>
-          </p:cNvPr>
-          <p:cNvSpPr txBox="1"/>
-          <p:nvPr/>
-        </p:nvSpPr>
-        <p:spPr>
-          <a:xfrm>
-            <a:off x="0" y="-2933"/>
-            <a:ext cx="4621079" cy="461665"/>
-          </a:xfrm>
-          <a:prstGeom prst="rect">
-            <a:avLst/>
-          </a:prstGeom>
-          <a:solidFill>
-            <a:schemeClr val="accent1">
-              <a:alpha val="20000"/>
-            </a:schemeClr>
-          </a:solidFill>
-        </p:spPr>
-        <p:txBody>
-          <a:bodyPr wrap="square" rtlCol="0">
-            <a:spAutoFit/>
-          </a:bodyPr>
-          <a:lstStyle/>
-          <a:p>
-            <a:pPr algn="just"/>
-            <a:r>
-              <a:rPr lang="ru-RU" sz="800" dirty="0">
-                <a:latin typeface="Fira Sans Condensed" panose="020B0503050000020004" pitchFamily="34" charset="0"/>
-                <a:cs typeface="Times New Roman" panose="02020603050405020304" pitchFamily="18" charset="0"/>
-              </a:rPr>
-              <a:t>Введение </a:t>
-            </a:r>
-            <a:r>
-              <a:rPr lang="en-US" sz="800" dirty="0">
-                <a:solidFill>
-                  <a:schemeClr val="bg1">
-                    <a:lumMod val="75000"/>
-                  </a:schemeClr>
-                </a:solidFill>
-                <a:latin typeface="Fira Sans Condensed" panose="020B0503050000020004" pitchFamily="34" charset="0"/>
-                <a:cs typeface="Times New Roman" panose="02020603050405020304" pitchFamily="18" charset="0"/>
-              </a:rPr>
-              <a:t>| </a:t>
-            </a:r>
-            <a:r>
-              <a:rPr lang="ru-RU" sz="800" dirty="0">
-                <a:solidFill>
-                  <a:schemeClr val="bg1">
-                    <a:lumMod val="75000"/>
-                  </a:schemeClr>
-                </a:solidFill>
-                <a:latin typeface="Fira Sans Condensed" panose="020B0503050000020004" pitchFamily="34" charset="0"/>
-                <a:cs typeface="Times New Roman" panose="02020603050405020304" pitchFamily="18" charset="0"/>
-              </a:rPr>
-              <a:t>Постановка задачи</a:t>
-            </a:r>
-            <a:r>
-              <a:rPr lang="en-US" sz="800" dirty="0">
-                <a:solidFill>
-                  <a:schemeClr val="bg1">
-                    <a:lumMod val="75000"/>
-                  </a:schemeClr>
-                </a:solidFill>
-                <a:latin typeface="Fira Sans Condensed" panose="020B0503050000020004" pitchFamily="34" charset="0"/>
-                <a:cs typeface="Times New Roman" panose="02020603050405020304" pitchFamily="18" charset="0"/>
-              </a:rPr>
-              <a:t> | </a:t>
-            </a:r>
-            <a:r>
-              <a:rPr lang="ru-RU" sz="800" dirty="0">
-                <a:solidFill>
-                  <a:schemeClr val="bg1">
-                    <a:lumMod val="75000"/>
-                  </a:schemeClr>
-                </a:solidFill>
-                <a:latin typeface="Fira Sans Condensed" panose="020B0503050000020004" pitchFamily="34" charset="0"/>
-                <a:cs typeface="Times New Roman" panose="02020603050405020304" pitchFamily="18" charset="0"/>
-              </a:rPr>
-              <a:t>Актуальность и обзор существующих решений </a:t>
-            </a:r>
-            <a:r>
-              <a:rPr lang="en-US" sz="800" dirty="0">
-                <a:solidFill>
-                  <a:schemeClr val="bg1">
-                    <a:lumMod val="75000"/>
-                  </a:schemeClr>
-                </a:solidFill>
-                <a:latin typeface="Fira Sans Condensed" panose="020B0503050000020004" pitchFamily="34" charset="0"/>
-                <a:cs typeface="Times New Roman" panose="02020603050405020304" pitchFamily="18" charset="0"/>
-              </a:rPr>
-              <a:t>| </a:t>
-            </a:r>
-            <a:r>
-              <a:rPr lang="ru-RU" sz="800" dirty="0">
-                <a:solidFill>
-                  <a:schemeClr val="bg1">
-                    <a:lumMod val="75000"/>
-                  </a:schemeClr>
-                </a:solidFill>
-                <a:latin typeface="Fira Sans Condensed" panose="020B0503050000020004" pitchFamily="34" charset="0"/>
-                <a:cs typeface="Times New Roman" panose="02020603050405020304" pitchFamily="18" charset="0"/>
-              </a:rPr>
-              <a:t>Прототипирование </a:t>
-            </a:r>
-            <a:r>
-              <a:rPr lang="en-US" sz="800" dirty="0">
-                <a:solidFill>
-                  <a:schemeClr val="bg1">
-                    <a:lumMod val="75000"/>
-                  </a:schemeClr>
-                </a:solidFill>
-                <a:latin typeface="Fira Sans Condensed" panose="020B0503050000020004" pitchFamily="34" charset="0"/>
-                <a:cs typeface="Times New Roman" panose="02020603050405020304" pitchFamily="18" charset="0"/>
-              </a:rPr>
-              <a:t>| </a:t>
-            </a:r>
-            <a:r>
-              <a:rPr lang="ru-RU" sz="800" dirty="0">
-                <a:solidFill>
-                  <a:schemeClr val="bg1">
-                    <a:lumMod val="75000"/>
-                  </a:schemeClr>
-                </a:solidFill>
-                <a:latin typeface="Fira Sans Condensed" panose="020B0503050000020004" pitchFamily="34" charset="0"/>
-                <a:cs typeface="Times New Roman" panose="02020603050405020304" pitchFamily="18" charset="0"/>
-              </a:rPr>
-              <a:t>Графическое окно </a:t>
-            </a:r>
-            <a:r>
-              <a:rPr lang="en-US" sz="800" dirty="0">
-                <a:solidFill>
-                  <a:schemeClr val="bg1">
-                    <a:lumMod val="75000"/>
-                  </a:schemeClr>
-                </a:solidFill>
-                <a:latin typeface="Fira Sans Condensed" panose="020B0503050000020004" pitchFamily="34" charset="0"/>
-                <a:cs typeface="Times New Roman" panose="02020603050405020304" pitchFamily="18" charset="0"/>
-              </a:rPr>
-              <a:t>| </a:t>
-            </a:r>
-            <a:r>
-              <a:rPr lang="ru-RU" sz="800" dirty="0">
-                <a:solidFill>
-                  <a:schemeClr val="bg1">
-                    <a:lumMod val="75000"/>
-                  </a:schemeClr>
-                </a:solidFill>
-                <a:latin typeface="Fira Sans Condensed" panose="020B0503050000020004" pitchFamily="34" charset="0"/>
-                <a:cs typeface="Times New Roman" panose="02020603050405020304" pitchFamily="18" charset="0"/>
-              </a:rPr>
-              <a:t>Графический конвейер </a:t>
-            </a:r>
-            <a:r>
-              <a:rPr lang="en-US" sz="800" dirty="0">
-                <a:solidFill>
-                  <a:schemeClr val="bg1">
-                    <a:lumMod val="75000"/>
-                  </a:schemeClr>
-                </a:solidFill>
-                <a:latin typeface="Fira Sans Condensed" panose="020B0503050000020004" pitchFamily="34" charset="0"/>
-                <a:cs typeface="Times New Roman" panose="02020603050405020304" pitchFamily="18" charset="0"/>
-              </a:rPr>
-              <a:t>|</a:t>
-            </a:r>
-            <a:r>
-              <a:rPr lang="ru-RU" sz="800" dirty="0">
-                <a:solidFill>
-                  <a:schemeClr val="bg1">
-                    <a:lumMod val="75000"/>
-                  </a:schemeClr>
-                </a:solidFill>
-                <a:latin typeface="Fira Sans Condensed" panose="020B0503050000020004" pitchFamily="34" charset="0"/>
-                <a:cs typeface="Times New Roman" panose="02020603050405020304" pitchFamily="18" charset="0"/>
-              </a:rPr>
-              <a:t> Системы координат </a:t>
-            </a:r>
-            <a:r>
-              <a:rPr lang="en-US" sz="800" dirty="0">
-                <a:solidFill>
-                  <a:schemeClr val="bg1">
-                    <a:lumMod val="75000"/>
-                  </a:schemeClr>
-                </a:solidFill>
-                <a:latin typeface="Fira Sans Condensed" panose="020B0503050000020004" pitchFamily="34" charset="0"/>
-                <a:cs typeface="Times New Roman" panose="02020603050405020304" pitchFamily="18" charset="0"/>
-              </a:rPr>
-              <a:t>| </a:t>
-            </a:r>
-            <a:r>
-              <a:rPr lang="ru-RU" sz="800" dirty="0">
-                <a:solidFill>
-                  <a:schemeClr val="bg1">
-                    <a:lumMod val="75000"/>
-                  </a:schemeClr>
-                </a:solidFill>
-                <a:latin typeface="Fira Sans Condensed" panose="020B0503050000020004" pitchFamily="34" charset="0"/>
-                <a:cs typeface="Times New Roman" panose="02020603050405020304" pitchFamily="18" charset="0"/>
-              </a:rPr>
-              <a:t>Освещение</a:t>
-            </a:r>
-            <a:r>
-              <a:rPr lang="en-US" sz="800" dirty="0">
-                <a:solidFill>
-                  <a:schemeClr val="bg1">
-                    <a:lumMod val="75000"/>
-                  </a:schemeClr>
-                </a:solidFill>
-                <a:latin typeface="Fira Sans Condensed" panose="020B0503050000020004" pitchFamily="34" charset="0"/>
-                <a:cs typeface="Times New Roman" panose="02020603050405020304" pitchFamily="18" charset="0"/>
-              </a:rPr>
-              <a:t> | </a:t>
-            </a:r>
-            <a:r>
-              <a:rPr lang="ru-RU" sz="800" dirty="0">
-                <a:solidFill>
-                  <a:schemeClr val="bg1">
-                    <a:lumMod val="75000"/>
-                  </a:schemeClr>
-                </a:solidFill>
-                <a:latin typeface="Fira Sans Condensed" panose="020B0503050000020004" pitchFamily="34" charset="0"/>
-                <a:cs typeface="Times New Roman" panose="02020603050405020304" pitchFamily="18" charset="0"/>
-              </a:rPr>
-              <a:t>Система рефлексии </a:t>
-            </a:r>
-            <a:r>
-              <a:rPr lang="en-US" sz="800" dirty="0">
-                <a:solidFill>
-                  <a:schemeClr val="bg1">
-                    <a:lumMod val="75000"/>
-                  </a:schemeClr>
-                </a:solidFill>
-                <a:latin typeface="Fira Sans Condensed" panose="020B0503050000020004" pitchFamily="34" charset="0"/>
-                <a:cs typeface="Times New Roman" panose="02020603050405020304" pitchFamily="18" charset="0"/>
-              </a:rPr>
-              <a:t>|</a:t>
-            </a:r>
-          </a:p>
-          <a:p>
-            <a:pPr algn="just"/>
-            <a:r>
-              <a:rPr lang="ru-RU" sz="800" dirty="0">
-                <a:solidFill>
-                  <a:schemeClr val="bg1">
-                    <a:lumMod val="75000"/>
-                  </a:schemeClr>
-                </a:solidFill>
-                <a:latin typeface="Fira Sans Condensed" panose="020B0503050000020004" pitchFamily="34" charset="0"/>
-                <a:cs typeface="Times New Roman" panose="02020603050405020304" pitchFamily="18" charset="0"/>
-              </a:rPr>
-              <a:t>Сборщик мусора</a:t>
-            </a:r>
-            <a:r>
-              <a:rPr lang="en-US" sz="800" dirty="0">
-                <a:solidFill>
-                  <a:schemeClr val="bg1">
-                    <a:lumMod val="75000"/>
-                  </a:schemeClr>
-                </a:solidFill>
-                <a:latin typeface="Fira Sans Condensed" panose="020B0503050000020004" pitchFamily="34" charset="0"/>
-                <a:cs typeface="Times New Roman" panose="02020603050405020304" pitchFamily="18" charset="0"/>
-              </a:rPr>
-              <a:t> | </a:t>
-            </a:r>
-            <a:r>
-              <a:rPr lang="ru-RU" sz="800" dirty="0">
-                <a:solidFill>
-                  <a:schemeClr val="bg1">
-                    <a:lumMod val="75000"/>
-                  </a:schemeClr>
-                </a:solidFill>
-                <a:latin typeface="Fira Sans Condensed" panose="020B0503050000020004" pitchFamily="34" charset="0"/>
-                <a:cs typeface="Times New Roman" panose="02020603050405020304" pitchFamily="18" charset="0"/>
-              </a:rPr>
-              <a:t>Заключение</a:t>
-            </a:r>
-          </a:p>
-        </p:txBody>
-      </p:sp>
-      <p:cxnSp>
-        <p:nvCxnSpPr>
-          <p:cNvPr id="9" name="Прямая соединительная линия 8">
-            <a:extLst>
-              <a:ext uri="{FF2B5EF4-FFF2-40B4-BE49-F238E27FC236}">
-                <a16:creationId xmlns:a16="http://schemas.microsoft.com/office/drawing/2014/main" id="{15DFC3CF-B111-A4CE-3C17-E25DEAA7304D}"/>
-              </a:ext>
-            </a:extLst>
-          </p:cNvPr>
-          <p:cNvCxnSpPr>
-            <a:cxnSpLocks/>
-          </p:cNvCxnSpPr>
-          <p:nvPr/>
-        </p:nvCxnSpPr>
-        <p:spPr>
-          <a:xfrm>
-            <a:off x="196936" y="763600"/>
-            <a:ext cx="4216227" cy="0"/>
-          </a:xfrm>
-          <a:prstGeom prst="line">
-            <a:avLst/>
-          </a:prstGeom>
-          <a:ln>
-            <a:solidFill>
-              <a:srgbClr val="0070C0"/>
-            </a:solidFill>
-          </a:ln>
-        </p:spPr>
-        <p:style>
-          <a:lnRef idx="1">
-            <a:schemeClr val="accent1"/>
-          </a:lnRef>
-          <a:fillRef idx="0">
-            <a:schemeClr val="accent1"/>
-          </a:fillRef>
-          <a:effectRef idx="0">
-            <a:schemeClr val="accent1"/>
-          </a:effectRef>
-          <a:fontRef idx="minor">
-            <a:schemeClr val="tx1"/>
-          </a:fontRef>
-        </p:style>
-      </p:cxnSp>
-      <p:sp>
-        <p:nvSpPr>
-          <p:cNvPr id="12" name="TextBox 11">
-            <a:extLst>
-              <a:ext uri="{FF2B5EF4-FFF2-40B4-BE49-F238E27FC236}">
-                <a16:creationId xmlns:a16="http://schemas.microsoft.com/office/drawing/2014/main" id="{4D3AB3BE-3404-2D88-6C65-5CE19A2952A6}"/>
-              </a:ext>
-            </a:extLst>
-          </p:cNvPr>
-          <p:cNvSpPr txBox="1"/>
-          <p:nvPr/>
-        </p:nvSpPr>
-        <p:spPr>
-          <a:xfrm>
-            <a:off x="196936" y="763600"/>
-            <a:ext cx="4216227" cy="2144946"/>
-          </a:xfrm>
-          <a:prstGeom prst="rect">
-            <a:avLst/>
-          </a:prstGeom>
-          <a:noFill/>
-        </p:spPr>
-        <p:txBody>
-          <a:bodyPr wrap="square" rtlCol="0">
-            <a:spAutoFit/>
-          </a:bodyPr>
-          <a:lstStyle/>
-          <a:p>
-            <a:pPr marL="342900" indent="-342900" algn="just">
-              <a:lnSpc>
-                <a:spcPct val="150000"/>
-              </a:lnSpc>
-              <a:buFontTx/>
-              <a:buAutoNum type="arabicPeriod"/>
-            </a:pPr>
-            <a:r>
-              <a:rPr lang="ru-RU" sz="900" dirty="0">
-                <a:latin typeface="Fira Sans Condensed" panose="020B0503050000020004" pitchFamily="34" charset="0"/>
-                <a:cs typeface="Times New Roman" panose="02020603050405020304" pitchFamily="18" charset="0"/>
-              </a:rPr>
-              <a:t>Постановка задачи</a:t>
-            </a:r>
-          </a:p>
-          <a:p>
-            <a:pPr marL="342900" indent="-342900" algn="just">
-              <a:lnSpc>
-                <a:spcPct val="150000"/>
-              </a:lnSpc>
-              <a:buAutoNum type="arabicPeriod"/>
-            </a:pPr>
-            <a:r>
-              <a:rPr lang="ru-RU" sz="900" dirty="0">
-                <a:latin typeface="Fira Sans Condensed" panose="020B0503050000020004" pitchFamily="34" charset="0"/>
-                <a:cs typeface="Times New Roman" panose="02020603050405020304" pitchFamily="18" charset="0"/>
-              </a:rPr>
-              <a:t>Актуальность и обзор существующих решений</a:t>
-            </a:r>
-          </a:p>
-          <a:p>
-            <a:pPr marL="342900" indent="-342900" algn="just">
-              <a:lnSpc>
-                <a:spcPct val="150000"/>
-              </a:lnSpc>
-              <a:buAutoNum type="arabicPeriod"/>
-            </a:pPr>
-            <a:r>
-              <a:rPr lang="ru-RU" sz="900" dirty="0">
-                <a:latin typeface="Fira Sans Condensed" panose="020B0503050000020004" pitchFamily="34" charset="0"/>
-                <a:cs typeface="Times New Roman" panose="02020603050405020304" pitchFamily="18" charset="0"/>
-              </a:rPr>
-              <a:t>Прототипирование</a:t>
-            </a:r>
-          </a:p>
-          <a:p>
-            <a:pPr marL="342900" indent="-342900" algn="just">
-              <a:lnSpc>
-                <a:spcPct val="150000"/>
-              </a:lnSpc>
-              <a:buAutoNum type="arabicPeriod"/>
-            </a:pPr>
-            <a:r>
-              <a:rPr lang="ru-RU" sz="900" dirty="0">
-                <a:latin typeface="Fira Sans Condensed" panose="020B0503050000020004" pitchFamily="34" charset="0"/>
-                <a:cs typeface="Times New Roman" panose="02020603050405020304" pitchFamily="18" charset="0"/>
-              </a:rPr>
-              <a:t>Графическое окно</a:t>
-            </a:r>
-          </a:p>
-          <a:p>
-            <a:pPr marL="342900" indent="-342900" algn="just">
-              <a:lnSpc>
-                <a:spcPct val="150000"/>
-              </a:lnSpc>
-              <a:buAutoNum type="arabicPeriod"/>
-            </a:pPr>
-            <a:r>
-              <a:rPr lang="ru-RU" sz="900" dirty="0">
-                <a:latin typeface="Fira Sans Condensed" panose="020B0503050000020004" pitchFamily="34" charset="0"/>
-                <a:cs typeface="Times New Roman" panose="02020603050405020304" pitchFamily="18" charset="0"/>
-              </a:rPr>
-              <a:t>Графический конвейер</a:t>
-            </a:r>
-          </a:p>
-          <a:p>
-            <a:pPr marL="342900" indent="-342900" algn="just">
-              <a:lnSpc>
-                <a:spcPct val="150000"/>
-              </a:lnSpc>
-              <a:buAutoNum type="arabicPeriod"/>
-            </a:pPr>
-            <a:r>
-              <a:rPr lang="ru-RU" sz="900" dirty="0">
-                <a:latin typeface="Fira Sans Condensed" panose="020B0503050000020004" pitchFamily="34" charset="0"/>
-                <a:cs typeface="Times New Roman" panose="02020603050405020304" pitchFamily="18" charset="0"/>
-              </a:rPr>
-              <a:t>Системы координат</a:t>
-            </a:r>
-          </a:p>
-          <a:p>
-            <a:pPr marL="342900" indent="-342900" algn="just">
-              <a:lnSpc>
-                <a:spcPct val="150000"/>
-              </a:lnSpc>
-              <a:buAutoNum type="arabicPeriod"/>
-            </a:pPr>
-            <a:r>
-              <a:rPr lang="ru-RU" sz="900" dirty="0">
-                <a:latin typeface="Fira Sans Condensed" panose="020B0503050000020004" pitchFamily="34" charset="0"/>
-                <a:cs typeface="Times New Roman" panose="02020603050405020304" pitchFamily="18" charset="0"/>
-              </a:rPr>
-              <a:t>Освещение</a:t>
-            </a:r>
-          </a:p>
-          <a:p>
-            <a:pPr marL="342900" indent="-342900" algn="just">
-              <a:lnSpc>
-                <a:spcPct val="150000"/>
-              </a:lnSpc>
-              <a:buAutoNum type="arabicPeriod"/>
-            </a:pPr>
-            <a:r>
-              <a:rPr lang="ru-RU" sz="900" dirty="0">
-                <a:latin typeface="Fira Sans Condensed" panose="020B0503050000020004" pitchFamily="34" charset="0"/>
-                <a:cs typeface="Times New Roman" panose="02020603050405020304" pitchFamily="18" charset="0"/>
-              </a:rPr>
-              <a:t>Система рефлексии</a:t>
-            </a:r>
-          </a:p>
-          <a:p>
-            <a:pPr marL="342900" indent="-342900" algn="just">
-              <a:lnSpc>
-                <a:spcPct val="150000"/>
-              </a:lnSpc>
-              <a:buAutoNum type="arabicPeriod"/>
-            </a:pPr>
-            <a:r>
-              <a:rPr lang="ru-RU" sz="900" dirty="0">
-                <a:latin typeface="Fira Sans Condensed" panose="020B0503050000020004" pitchFamily="34" charset="0"/>
-                <a:cs typeface="Times New Roman" panose="02020603050405020304" pitchFamily="18" charset="0"/>
-              </a:rPr>
-              <a:t>Сборщик мусора</a:t>
-            </a:r>
-          </a:p>
-          <a:p>
-            <a:pPr marL="342900" indent="-342900" algn="just">
-              <a:lnSpc>
-                <a:spcPct val="150000"/>
-              </a:lnSpc>
-              <a:buAutoNum type="arabicPeriod"/>
-            </a:pPr>
-            <a:r>
-              <a:rPr lang="ru-RU" sz="900" dirty="0">
-                <a:latin typeface="Fira Sans Condensed" panose="020B0503050000020004" pitchFamily="34" charset="0"/>
-                <a:cs typeface="Times New Roman" panose="02020603050405020304" pitchFamily="18" charset="0"/>
-              </a:rPr>
-              <a:t>Заключение</a:t>
-            </a:r>
-          </a:p>
-        </p:txBody>
-      </p:sp>
-    </p:spTree>
-    <p:extLst>
-      <p:ext uri="{BB962C8B-B14F-4D97-AF65-F5344CB8AC3E}">
-        <p14:creationId xmlns:p14="http://schemas.microsoft.com/office/powerpoint/2010/main" val="3242378370"/>
-      </p:ext>
-    </p:extLst>
-  </p:cSld>
-  <p:clrMapOvr>
-    <a:masterClrMapping/>
-  </p:clrMapOvr>
-  <p:transition>
-    <p:cut/>
-  </p:transition>
-</p:sld>
-</file>
-
-<file path=ppt/slides/slide3.xml><?xml version="1.0" encoding="utf-8"?>
 <p:sld xmlns:a="http://schemas.openxmlformats.org/drawingml/2006/main" xmlns:r="http://schemas.openxmlformats.org/officeDocument/2006/relationships" xmlns:p="http://schemas.openxmlformats.org/presentationml/2006/main" showMasterSp="0">
   <p:cSld>
     <p:spTree>
@@ -9929,7 +7606,7 @@
                   <a:spcPts val="95"/>
                 </a:spcBef>
               </a:pPr>
-              <a:t>3</a:t>
+              <a:t>2</a:t>
             </a:fld>
             <a:endParaRPr lang="ru-RU" spc="-5" dirty="0">
               <a:solidFill>
@@ -10150,7 +7827,30 @@
                 <a:latin typeface="Fira Sans Condensed" panose="020B0503050000020004" pitchFamily="34" charset="0"/>
                 <a:cs typeface="Times New Roman" panose="02020603050405020304" pitchFamily="18" charset="0"/>
               </a:rPr>
-              <a:t>с возможностью кастомизации</a:t>
+              <a:t>с возможностью </a:t>
+            </a:r>
+            <a:r>
+              <a:rPr lang="ru-RU" sz="900" dirty="0">
+                <a:solidFill>
+                  <a:schemeClr val="tx1"/>
+                </a:solidFill>
+                <a:highlight>
+                  <a:srgbClr val="FF0000"/>
+                </a:highlight>
+                <a:latin typeface="Fira Sans Condensed" panose="020B0503050000020004" pitchFamily="34" charset="0"/>
+                <a:cs typeface="Times New Roman" panose="02020603050405020304" pitchFamily="18" charset="0"/>
+              </a:rPr>
+              <a:t>кастомизации</a:t>
+            </a:r>
+            <a:r>
+              <a:rPr lang="ru-RU" sz="900" dirty="0">
+                <a:solidFill>
+                  <a:schemeClr val="tx1"/>
+                </a:solidFill>
+                <a:latin typeface="Fira Sans Condensed" panose="020B0503050000020004" pitchFamily="34" charset="0"/>
+                <a:cs typeface="Times New Roman" panose="02020603050405020304" pitchFamily="18" charset="0"/>
+              </a:rPr>
+              <a:t>;</a:t>
             </a:r>
           </a:p>
           <a:p>
@@ -10191,7 +7891,30 @@
                 <a:latin typeface="Fira Sans Condensed" panose="020B0503050000020004" pitchFamily="34" charset="0"/>
                 <a:cs typeface="Times New Roman" panose="02020603050405020304" pitchFamily="18" charset="0"/>
               </a:rPr>
-              <a:t>Система рефлексии </a:t>
+              <a:t>Система </a:t>
+            </a:r>
+            <a:r>
+              <a:rPr lang="ru-RU" sz="900" b="1" dirty="0">
+                <a:solidFill>
+                  <a:schemeClr val="tx1"/>
+                </a:solidFill>
+                <a:highlight>
+                  <a:srgbClr val="FFFF00"/>
+                </a:highlight>
+                <a:latin typeface="Fira Sans Condensed" panose="020B0503050000020004" pitchFamily="34" charset="0"/>
+                <a:cs typeface="Times New Roman" panose="02020603050405020304" pitchFamily="18" charset="0"/>
+              </a:rPr>
+              <a:t>рефлексии</a:t>
+            </a:r>
+            <a:r>
+              <a:rPr lang="ru-RU" sz="900" b="1" dirty="0">
+                <a:solidFill>
+                  <a:schemeClr val="tx1"/>
+                </a:solidFill>
+                <a:latin typeface="Fira Sans Condensed" panose="020B0503050000020004" pitchFamily="34" charset="0"/>
+                <a:cs typeface="Times New Roman" panose="02020603050405020304" pitchFamily="18" charset="0"/>
+              </a:rPr>
+              <a:t> </a:t>
             </a:r>
             <a:r>
               <a:rPr lang="ru-RU" sz="900" dirty="0">
@@ -10201,7 +7924,7 @@
                 <a:latin typeface="Fira Sans Condensed" panose="020B0503050000020004" pitchFamily="34" charset="0"/>
                 <a:cs typeface="Times New Roman" panose="02020603050405020304" pitchFamily="18" charset="0"/>
               </a:rPr>
-              <a:t>пользовательских типов данных</a:t>
+              <a:t>пользовательских типов данных;</a:t>
             </a:r>
           </a:p>
           <a:p>
@@ -10239,10 +7962,23 @@
                 <a:solidFill>
                   <a:schemeClr val="tx1"/>
                 </a:solidFill>
-                <a:latin typeface="Fira Sans Condensed" panose="020B0503050000020004" pitchFamily="34" charset="0"/>
-                <a:cs typeface="Times New Roman" panose="02020603050405020304" pitchFamily="18" charset="0"/>
-              </a:rPr>
-              <a:t>Сборщик мусора </a:t>
+                <a:highlight>
+                  <a:srgbClr val="FFFF00"/>
+                </a:highlight>
+                <a:latin typeface="Fira Sans Condensed" panose="020B0503050000020004" pitchFamily="34" charset="0"/>
+                <a:cs typeface="Times New Roman" panose="02020603050405020304" pitchFamily="18" charset="0"/>
+              </a:rPr>
+              <a:t>Сборщик мусора</a:t>
+            </a:r>
+            <a:r>
+              <a:rPr lang="ru-RU" sz="900" b="1" dirty="0">
+                <a:solidFill>
+                  <a:schemeClr val="tx1"/>
+                </a:solidFill>
+                <a:latin typeface="Fira Sans Condensed" panose="020B0503050000020004" pitchFamily="34" charset="0"/>
+                <a:cs typeface="Times New Roman" panose="02020603050405020304" pitchFamily="18" charset="0"/>
+              </a:rPr>
+              <a:t> </a:t>
             </a:r>
             <a:r>
               <a:rPr lang="ru-RU" sz="900" dirty="0">
@@ -10252,7 +7988,7 @@
                 <a:latin typeface="Fira Sans Condensed" panose="020B0503050000020004" pitchFamily="34" charset="0"/>
                 <a:cs typeface="Times New Roman" panose="02020603050405020304" pitchFamily="18" charset="0"/>
               </a:rPr>
-              <a:t>для контроля над пользовательскими  данными</a:t>
+              <a:t>для контроля над пользовательскими  данными.</a:t>
             </a:r>
           </a:p>
         </p:txBody>
@@ -10652,7 +8388,7 @@
 </p:sld>
 </file>
 
-<file path=ppt/slides/slide4.xml><?xml version="1.0" encoding="utf-8"?>
+<file path=ppt/slides/slide3.xml><?xml version="1.0" encoding="utf-8"?>
 <p:sld xmlns:a="http://schemas.openxmlformats.org/drawingml/2006/main" xmlns:r="http://schemas.openxmlformats.org/officeDocument/2006/relationships" xmlns:p="http://schemas.openxmlformats.org/presentationml/2006/main" showMasterSp="0">
   <p:cSld>
     <p:spTree>
@@ -10854,7 +8590,7 @@
                   <a:spcPts val="95"/>
                 </a:spcBef>
               </a:pPr>
-              <a:t>4</a:t>
+              <a:t>3</a:t>
             </a:fld>
             <a:endParaRPr lang="ru-RU" spc="-5" dirty="0">
               <a:solidFill>
@@ -10992,7 +8728,7 @@
                 <a:latin typeface="Fira Sans Condensed" panose="020B0503050000020004" pitchFamily="34" charset="0"/>
                 <a:cs typeface="Times New Roman" panose="02020603050405020304" pitchFamily="18" charset="0"/>
               </a:rPr>
-              <a:t>чественная разработка</a:t>
+              <a:t>чественная разработка;</a:t>
             </a:r>
           </a:p>
           <a:p>
@@ -11014,7 +8750,7 @@
                 <a:latin typeface="Fira Sans Condensed" panose="020B0503050000020004" pitchFamily="34" charset="0"/>
                 <a:cs typeface="Times New Roman" panose="02020603050405020304" pitchFamily="18" charset="0"/>
               </a:rPr>
-              <a:t>Импортозамещение</a:t>
+              <a:t>Импортозамещение.</a:t>
             </a:r>
             <a:endParaRPr lang="en-US" sz="900" dirty="0">
               <a:solidFill>
@@ -11489,6 +9225,17 @@
               </a:rPr>
               <a:t>Unreal Engine</a:t>
             </a:r>
+            <a:r>
+              <a:rPr lang="ru-RU" sz="900" dirty="0">
+                <a:latin typeface="Fira Sans Condensed" panose="020B0503050000020004" pitchFamily="34" charset="0"/>
+                <a:cs typeface="Times New Roman" panose="02020603050405020304" pitchFamily="18" charset="0"/>
+              </a:rPr>
+              <a:t>;</a:t>
+            </a:r>
+            <a:endParaRPr lang="en-US" sz="900" dirty="0">
+              <a:latin typeface="Fira Sans Condensed" panose="020B0503050000020004" pitchFamily="34" charset="0"/>
+              <a:cs typeface="Times New Roman" panose="02020603050405020304" pitchFamily="18" charset="0"/>
+            </a:endParaRPr>
           </a:p>
           <a:p>
             <a:pPr marL="171450" lvl="0" indent="-171450" algn="just" rtl="0">
@@ -11508,6 +9255,17 @@
               </a:rPr>
               <a:t>Unity</a:t>
             </a:r>
+            <a:r>
+              <a:rPr lang="ru-RU" sz="900" dirty="0">
+                <a:latin typeface="Fira Sans Condensed" panose="020B0503050000020004" pitchFamily="34" charset="0"/>
+                <a:cs typeface="Times New Roman" panose="02020603050405020304" pitchFamily="18" charset="0"/>
+              </a:rPr>
+              <a:t>;</a:t>
+            </a:r>
+            <a:endParaRPr lang="en-US" sz="900" dirty="0">
+              <a:latin typeface="Fira Sans Condensed" panose="020B0503050000020004" pitchFamily="34" charset="0"/>
+              <a:cs typeface="Times New Roman" panose="02020603050405020304" pitchFamily="18" charset="0"/>
+            </a:endParaRPr>
           </a:p>
           <a:p>
             <a:pPr marL="171450" lvl="0" indent="-171450" algn="just" rtl="0">
@@ -11530,6 +9288,23 @@
               </a:rPr>
               <a:t>CryEngine</a:t>
             </a:r>
+            <a:r>
+              <a:rPr lang="ru-RU" sz="900" dirty="0">
+                <a:solidFill>
+                  <a:schemeClr val="tx1"/>
+                </a:solidFill>
+                <a:latin typeface="Fira Sans Condensed" panose="020B0503050000020004" pitchFamily="34" charset="0"/>
+                <a:cs typeface="Times New Roman" panose="02020603050405020304" pitchFamily="18" charset="0"/>
+              </a:rPr>
+              <a:t>;</a:t>
+            </a:r>
+            <a:endParaRPr lang="en-US" sz="900" dirty="0">
+              <a:solidFill>
+                <a:schemeClr val="tx1"/>
+              </a:solidFill>
+              <a:latin typeface="Fira Sans Condensed" panose="020B0503050000020004" pitchFamily="34" charset="0"/>
+              <a:cs typeface="Times New Roman" panose="02020603050405020304" pitchFamily="18" charset="0"/>
+            </a:endParaRPr>
           </a:p>
           <a:p>
             <a:pPr marL="171450" lvl="0" indent="-171450" algn="just" rtl="0">
@@ -11548,6 +9323,13 @@
                 <a:cs typeface="Times New Roman" panose="02020603050405020304" pitchFamily="18" charset="0"/>
               </a:rPr>
               <a:t>Godot</a:t>
+            </a:r>
+            <a:r>
+              <a:rPr lang="ru-RU" sz="900" dirty="0">
+                <a:latin typeface="Fira Sans Condensed" panose="020B0503050000020004" pitchFamily="34" charset="0"/>
+                <a:cs typeface="Times New Roman" panose="02020603050405020304" pitchFamily="18" charset="0"/>
+              </a:rPr>
+              <a:t>.</a:t>
             </a:r>
             <a:endParaRPr lang="en-US" sz="900" dirty="0">
               <a:solidFill>
@@ -11669,7 +9451,7 @@
 </p:sld>
 </file>
 
-<file path=ppt/slides/slide5.xml><?xml version="1.0" encoding="utf-8"?>
+<file path=ppt/slides/slide4.xml><?xml version="1.0" encoding="utf-8"?>
 <p:sld xmlns:a="http://schemas.openxmlformats.org/drawingml/2006/main" xmlns:r="http://schemas.openxmlformats.org/officeDocument/2006/relationships" xmlns:p="http://schemas.openxmlformats.org/presentationml/2006/main" showMasterSp="0">
   <p:cSld>
     <p:spTree>
@@ -11871,7 +9653,7 @@
                   <a:spcPts val="95"/>
                 </a:spcBef>
               </a:pPr>
-              <a:t>5</a:t>
+              <a:t>4</a:t>
             </a:fld>
             <a:endParaRPr lang="ru-RU" spc="-5" dirty="0">
               <a:solidFill>
@@ -11970,17 +9752,24 @@
                 <a:latin typeface="Fira Sans Condensed" panose="020B0503050000020004" pitchFamily="34" charset="0"/>
                 <a:cs typeface="Times New Roman" panose="02020603050405020304" pitchFamily="18" charset="0"/>
               </a:rPr>
-              <a:t>Для разработки графического программного обеспечения за пример взят игровой движок </a:t>
-            </a:r>
-            <a:r>
-              <a:rPr lang="ru-RU" sz="900" b="1" dirty="0" err="1">
-                <a:solidFill>
-                  <a:schemeClr val="tx1"/>
-                </a:solidFill>
-                <a:latin typeface="Fira Sans Condensed" panose="020B0503050000020004" pitchFamily="34" charset="0"/>
-                <a:cs typeface="Times New Roman" panose="02020603050405020304" pitchFamily="18" charset="0"/>
-              </a:rPr>
-              <a:t>Unreal</a:t>
+              <a:t>Для разработки графического программного обеспечения за пример взят </a:t>
+            </a:r>
+            <a:r>
+              <a:rPr lang="ru-RU" sz="900" dirty="0">
+                <a:latin typeface="Fira Sans Condensed" panose="020B0503050000020004" pitchFamily="34" charset="0"/>
+                <a:cs typeface="Times New Roman" panose="02020603050405020304" pitchFamily="18" charset="0"/>
+              </a:rPr>
+              <a:t>трёхмерный </a:t>
+            </a:r>
+            <a:r>
+              <a:rPr lang="ru-RU" sz="900" dirty="0">
+                <a:solidFill>
+                  <a:schemeClr val="tx1"/>
+                </a:solidFill>
+                <a:latin typeface="Fira Sans Condensed" panose="020B0503050000020004" pitchFamily="34" charset="0"/>
+                <a:cs typeface="Times New Roman" panose="02020603050405020304" pitchFamily="18" charset="0"/>
+              </a:rPr>
+              <a:t>движок </a:t>
             </a:r>
             <a:r>
               <a:rPr lang="ru-RU" sz="900" b="1" dirty="0">
@@ -11990,7 +9779,7 @@
                 <a:latin typeface="Fira Sans Condensed" panose="020B0503050000020004" pitchFamily="34" charset="0"/>
                 <a:cs typeface="Times New Roman" panose="02020603050405020304" pitchFamily="18" charset="0"/>
               </a:rPr>
-              <a:t> Engine 4</a:t>
+              <a:t>Unreal Engine 4</a:t>
             </a:r>
             <a:r>
               <a:rPr lang="ru-RU" sz="900" dirty="0">
@@ -12038,6 +9827,17 @@
               </a:rPr>
               <a:t>GLFW</a:t>
             </a:r>
+            <a:r>
+              <a:rPr lang="ru-RU" sz="900" b="1" dirty="0">
+                <a:latin typeface="Fira Sans Condensed" panose="020B0503050000020004" pitchFamily="34" charset="0"/>
+                <a:cs typeface="Times New Roman" panose="02020603050405020304" pitchFamily="18" charset="0"/>
+              </a:rPr>
+              <a:t>;</a:t>
+            </a:r>
+            <a:endParaRPr lang="en-US" sz="900" b="1" dirty="0">
+              <a:latin typeface="Fira Sans Condensed" panose="020B0503050000020004" pitchFamily="34" charset="0"/>
+              <a:cs typeface="Times New Roman" panose="02020603050405020304" pitchFamily="18" charset="0"/>
+            </a:endParaRPr>
           </a:p>
           <a:p>
             <a:pPr marL="228600" lvl="0" indent="-228600" algn="just" rtl="0">
@@ -12080,6 +9880,23 @@
               </a:rPr>
               <a:t>OpenGL</a:t>
             </a:r>
+            <a:r>
+              <a:rPr lang="ru-RU" sz="900" b="1" dirty="0">
+                <a:solidFill>
+                  <a:schemeClr val="tx1"/>
+                </a:solidFill>
+                <a:latin typeface="Fira Sans Condensed" panose="020B0503050000020004" pitchFamily="34" charset="0"/>
+                <a:cs typeface="Times New Roman" panose="02020603050405020304" pitchFamily="18" charset="0"/>
+              </a:rPr>
+              <a:t>;</a:t>
+            </a:r>
+            <a:endParaRPr lang="en-US" sz="900" b="1" dirty="0">
+              <a:solidFill>
+                <a:schemeClr val="tx1"/>
+              </a:solidFill>
+              <a:latin typeface="Fira Sans Condensed" panose="020B0503050000020004" pitchFamily="34" charset="0"/>
+              <a:cs typeface="Times New Roman" panose="02020603050405020304" pitchFamily="18" charset="0"/>
+            </a:endParaRPr>
           </a:p>
           <a:p>
             <a:pPr marL="228600" lvl="0" indent="-228600" algn="just" rtl="0">
@@ -12106,6 +9923,13 @@
               </a:rPr>
               <a:t>ImGUI</a:t>
             </a:r>
+            <a:r>
+              <a:rPr lang="ru-RU" sz="900" b="1" dirty="0">
+                <a:latin typeface="Fira Sans Condensed" panose="020B0503050000020004" pitchFamily="34" charset="0"/>
+                <a:cs typeface="Times New Roman" panose="02020603050405020304" pitchFamily="18" charset="0"/>
+              </a:rPr>
+              <a:t>;</a:t>
+            </a:r>
             <a:endParaRPr lang="en-US" sz="900" b="1" dirty="0">
               <a:latin typeface="Fira Sans Condensed" panose="020B0503050000020004" pitchFamily="34" charset="0"/>
               <a:cs typeface="Times New Roman" panose="02020603050405020304" pitchFamily="18" charset="0"/>
@@ -12181,6 +10005,13 @@
               </a:rPr>
               <a:t>Assimp</a:t>
             </a:r>
+            <a:r>
+              <a:rPr lang="ru-RU" sz="900" b="1" dirty="0">
+                <a:latin typeface="Fira Sans Condensed" panose="020B0503050000020004" pitchFamily="34" charset="0"/>
+                <a:cs typeface="Times New Roman" panose="02020603050405020304" pitchFamily="18" charset="0"/>
+              </a:rPr>
+              <a:t>;</a:t>
+            </a:r>
             <a:endParaRPr lang="en-US" sz="900" b="1" dirty="0">
               <a:latin typeface="Fira Sans Condensed" panose="020B0503050000020004" pitchFamily="34" charset="0"/>
               <a:cs typeface="Times New Roman" panose="02020603050405020304" pitchFamily="18" charset="0"/>
@@ -12221,6 +10052,17 @@
               </a:rPr>
               <a:t>LLVM Clang</a:t>
             </a:r>
+            <a:r>
+              <a:rPr lang="ru-RU" sz="900" b="1" dirty="0">
+                <a:latin typeface="Fira Sans Condensed" panose="020B0503050000020004" pitchFamily="34" charset="0"/>
+                <a:cs typeface="Times New Roman" panose="02020603050405020304" pitchFamily="18" charset="0"/>
+              </a:rPr>
+              <a:t>;</a:t>
+            </a:r>
+            <a:endParaRPr lang="en-US" sz="900" b="1" dirty="0">
+              <a:latin typeface="Fira Sans Condensed" panose="020B0503050000020004" pitchFamily="34" charset="0"/>
+              <a:cs typeface="Times New Roman" panose="02020603050405020304" pitchFamily="18" charset="0"/>
+            </a:endParaRPr>
           </a:p>
           <a:p>
             <a:pPr marL="228600" lvl="0" indent="-228600" algn="just" rtl="0">
@@ -12241,7 +10083,7 @@
                 <a:latin typeface="Fira Sans Condensed" panose="020B0503050000020004" pitchFamily="34" charset="0"/>
                 <a:cs typeface="Times New Roman" panose="02020603050405020304" pitchFamily="18" charset="0"/>
               </a:rPr>
-              <a:t>Сборщик мусора</a:t>
+              <a:t>Сборщик мусора.</a:t>
             </a:r>
             <a:endParaRPr lang="en-US" sz="900" dirty="0">
               <a:solidFill>
@@ -12868,7 +10710,7 @@
 </p:sld>
 </file>
 
-<file path=ppt/slides/slide6.xml><?xml version="1.0" encoding="utf-8"?>
+<file path=ppt/slides/slide5.xml><?xml version="1.0" encoding="utf-8"?>
 <p:sld xmlns:a="http://schemas.openxmlformats.org/drawingml/2006/main" xmlns:r="http://schemas.openxmlformats.org/officeDocument/2006/relationships" xmlns:p="http://schemas.openxmlformats.org/presentationml/2006/main" showMasterSp="0">
   <p:cSld>
     <p:spTree>
@@ -13066,7 +10908,7 @@
                   <a:spcPts val="95"/>
                 </a:spcBef>
               </a:pPr>
-              <a:t>6</a:t>
+              <a:t>5</a:t>
             </a:fld>
             <a:endParaRPr lang="ru-RU" spc="-5" dirty="0">
               <a:solidFill>
@@ -13729,7 +11571,7 @@
 </p:sld>
 </file>
 
-<file path=ppt/slides/slide7.xml><?xml version="1.0" encoding="utf-8"?>
+<file path=ppt/slides/slide6.xml><?xml version="1.0" encoding="utf-8"?>
 <p:sld xmlns:a="http://schemas.openxmlformats.org/drawingml/2006/main" xmlns:r="http://schemas.openxmlformats.org/officeDocument/2006/relationships" xmlns:p="http://schemas.openxmlformats.org/presentationml/2006/main" showMasterSp="0">
   <p:cSld>
     <p:spTree>
@@ -13927,7 +11769,7 @@
                   <a:spcPts val="95"/>
                 </a:spcBef>
               </a:pPr>
-              <a:t>7</a:t>
+              <a:t>6</a:t>
             </a:fld>
             <a:endParaRPr lang="ru-RU" spc="-5" dirty="0">
               <a:solidFill>
@@ -14642,7 +12484,7 @@
 </p:sld>
 </file>
 
-<file path=ppt/slides/slide8.xml><?xml version="1.0" encoding="utf-8"?>
+<file path=ppt/slides/slide7.xml><?xml version="1.0" encoding="utf-8"?>
 <p:sld xmlns:a="http://schemas.openxmlformats.org/drawingml/2006/main" xmlns:r="http://schemas.openxmlformats.org/officeDocument/2006/relationships" xmlns:p="http://schemas.openxmlformats.org/presentationml/2006/main" showMasterSp="0">
   <p:cSld>
     <p:spTree>
@@ -14847,7 +12689,7 @@
                   <a:spcPts val="95"/>
                 </a:spcBef>
               </a:pPr>
-              <a:t>8</a:t>
+              <a:t>7</a:t>
             </a:fld>
             <a:endParaRPr lang="ru-RU" spc="-5" dirty="0">
               <a:solidFill>
@@ -15366,8 +13208,8 @@
           </a:p>
         </p:txBody>
       </p:sp>
-      <mc:AlternateContent xmlns:mc="http://schemas.openxmlformats.org/markup-compatibility/2006">
-        <mc:Choice xmlns:a14="http://schemas.microsoft.com/office/drawing/2010/main" Requires="a14">
+      <mc:AlternateContent xmlns:mc="http://schemas.openxmlformats.org/markup-compatibility/2006" xmlns:a14="http://schemas.microsoft.com/office/drawing/2010/main">
+        <mc:Choice Requires="a14">
           <p:sp>
             <p:nvSpPr>
               <p:cNvPr id="14" name="TextBox 13">
@@ -15799,7 +13641,7 @@
             </p:txBody>
           </p:sp>
         </mc:Choice>
-        <mc:Fallback>
+        <mc:Fallback xmlns="">
           <p:sp>
             <p:nvSpPr>
               <p:cNvPr id="14" name="TextBox 13">
@@ -15958,7 +13800,7 @@
 </p:sld>
 </file>
 
-<file path=ppt/slides/slide9.xml><?xml version="1.0" encoding="utf-8"?>
+<file path=ppt/slides/slide8.xml><?xml version="1.0" encoding="utf-8"?>
 <p:sld xmlns:a="http://schemas.openxmlformats.org/drawingml/2006/main" xmlns:r="http://schemas.openxmlformats.org/officeDocument/2006/relationships" xmlns:p="http://schemas.openxmlformats.org/presentationml/2006/main" showMasterSp="0">
   <p:cSld>
     <p:spTree>
@@ -16163,7 +14005,7 @@
                   <a:spcPts val="95"/>
                 </a:spcBef>
               </a:pPr>
-              <a:t>9</a:t>
+              <a:t>8</a:t>
             </a:fld>
             <a:endParaRPr lang="ru-RU" spc="-5" dirty="0">
               <a:solidFill>
@@ -16916,6 +14758,1042 @@
     <p:extLst>
       <p:ext uri="{BB962C8B-B14F-4D97-AF65-F5344CB8AC3E}">
         <p14:creationId xmlns:p14="http://schemas.microsoft.com/office/powerpoint/2010/main" val="2603090865"/>
+      </p:ext>
+    </p:extLst>
+  </p:cSld>
+  <p:clrMapOvr>
+    <a:masterClrMapping/>
+  </p:clrMapOvr>
+  <p:transition>
+    <p:cut/>
+  </p:transition>
+</p:sld>
+</file>
+
+<file path=ppt/slides/slide9.xml><?xml version="1.0" encoding="utf-8"?>
+<p:sld xmlns:a="http://schemas.openxmlformats.org/drawingml/2006/main" xmlns:r="http://schemas.openxmlformats.org/officeDocument/2006/relationships" xmlns:p="http://schemas.openxmlformats.org/presentationml/2006/main" showMasterSp="0">
+  <p:cSld>
+    <p:spTree>
+      <p:nvGrpSpPr>
+        <p:cNvPr id="1" name=""/>
+        <p:cNvGrpSpPr/>
+        <p:nvPr/>
+      </p:nvGrpSpPr>
+      <p:grpSpPr>
+        <a:xfrm>
+          <a:off x="0" y="0"/>
+          <a:ext cx="0" cy="0"/>
+          <a:chOff x="0" y="0"/>
+          <a:chExt cx="0" cy="0"/>
+        </a:xfrm>
+      </p:grpSpPr>
+      <p:sp>
+        <p:nvSpPr>
+          <p:cNvPr id="2" name="object 2"/>
+          <p:cNvSpPr txBox="1">
+            <a:spLocks noGrp="1"/>
+          </p:cNvSpPr>
+          <p:nvPr>
+            <p:ph type="title"/>
+          </p:nvPr>
+        </p:nvSpPr>
+        <p:spPr>
+          <a:xfrm>
+            <a:off x="196935" y="477093"/>
+            <a:ext cx="3896909" cy="196208"/>
+          </a:xfrm>
+          <a:prstGeom prst="rect">
+            <a:avLst/>
+          </a:prstGeom>
+        </p:spPr>
+        <p:txBody>
+          <a:bodyPr vert="horz" wrap="square" lIns="0" tIns="11430" rIns="0" bIns="0" rtlCol="0">
+            <a:spAutoFit/>
+          </a:bodyPr>
+          <a:lstStyle/>
+          <a:p>
+            <a:pPr marL="12700">
+              <a:lnSpc>
+                <a:spcPct val="100000"/>
+              </a:lnSpc>
+              <a:spcBef>
+                <a:spcPts val="90"/>
+              </a:spcBef>
+            </a:pPr>
+            <a:r>
+              <a:rPr lang="ru-RU" sz="1200" dirty="0">
+                <a:solidFill>
+                  <a:schemeClr val="tx1"/>
+                </a:solidFill>
+                <a:latin typeface="Fira Sans Condensed" panose="020B0503050000020004" pitchFamily="34" charset="0"/>
+                <a:cs typeface="Times New Roman" panose="02020603050405020304" pitchFamily="18" charset="0"/>
+              </a:rPr>
+              <a:t>Система рефлексии</a:t>
+            </a:r>
+            <a:endParaRPr lang="ru-RU" sz="1200" spc="-40" dirty="0">
+              <a:latin typeface="Fira Sans Condensed" panose="020B0503050000020004" pitchFamily="34" charset="0"/>
+              <a:cs typeface="Times New Roman" panose="02020603050405020304" pitchFamily="18" charset="0"/>
+            </a:endParaRPr>
+          </a:p>
+        </p:txBody>
+      </p:sp>
+      <p:sp>
+        <p:nvSpPr>
+          <p:cNvPr id="121" name="Номер слайда 8">
+            <a:extLst>
+              <a:ext uri="{FF2B5EF4-FFF2-40B4-BE49-F238E27FC236}">
+                <a16:creationId xmlns:a16="http://schemas.microsoft.com/office/drawing/2014/main" id="{53F84418-E4D6-E2A5-3E0F-A9A56B4FC5BE}"/>
+              </a:ext>
+            </a:extLst>
+          </p:cNvPr>
+          <p:cNvSpPr txBox="1">
+            <a:spLocks/>
+          </p:cNvSpPr>
+          <p:nvPr/>
+        </p:nvSpPr>
+        <p:spPr>
+          <a:xfrm>
+            <a:off x="-20944" y="3319545"/>
+            <a:ext cx="527293" cy="137203"/>
+          </a:xfrm>
+          <a:prstGeom prst="rect">
+            <a:avLst/>
+          </a:prstGeom>
+        </p:spPr>
+        <p:txBody>
+          <a:bodyPr lIns="0" tIns="0" rIns="0" bIns="0"/>
+          <a:lstStyle>
+            <a:defPPr>
+              <a:defRPr lang="ru-RU"/>
+            </a:defPPr>
+            <a:lvl1pPr marL="0" algn="l" defTabSz="914400" rtl="0" eaLnBrk="1" latinLnBrk="0" hangingPunct="1">
+              <a:defRPr sz="800" b="0" i="0" kern="1200">
+                <a:solidFill>
+                  <a:srgbClr val="00B050"/>
+                </a:solidFill>
+                <a:latin typeface="Times New Roman" panose="02020603050405020304" pitchFamily="18" charset="0"/>
+                <a:ea typeface="+mn-ea"/>
+                <a:cs typeface="Times New Roman" panose="02020603050405020304" pitchFamily="18" charset="0"/>
+              </a:defRPr>
+            </a:lvl1pPr>
+            <a:lvl2pPr marL="457200" algn="l" defTabSz="914400" rtl="0" eaLnBrk="1" latinLnBrk="0" hangingPunct="1">
+              <a:defRPr sz="1800" kern="1200">
+                <a:solidFill>
+                  <a:schemeClr val="tx1"/>
+                </a:solidFill>
+                <a:latin typeface="+mn-lt"/>
+                <a:ea typeface="+mn-ea"/>
+                <a:cs typeface="+mn-cs"/>
+              </a:defRPr>
+            </a:lvl2pPr>
+            <a:lvl3pPr marL="914400" algn="l" defTabSz="914400" rtl="0" eaLnBrk="1" latinLnBrk="0" hangingPunct="1">
+              <a:defRPr sz="1800" kern="1200">
+                <a:solidFill>
+                  <a:schemeClr val="tx1"/>
+                </a:solidFill>
+                <a:latin typeface="+mn-lt"/>
+                <a:ea typeface="+mn-ea"/>
+                <a:cs typeface="+mn-cs"/>
+              </a:defRPr>
+            </a:lvl3pPr>
+            <a:lvl4pPr marL="1371600" algn="l" defTabSz="914400" rtl="0" eaLnBrk="1" latinLnBrk="0" hangingPunct="1">
+              <a:defRPr sz="1800" kern="1200">
+                <a:solidFill>
+                  <a:schemeClr val="tx1"/>
+                </a:solidFill>
+                <a:latin typeface="+mn-lt"/>
+                <a:ea typeface="+mn-ea"/>
+                <a:cs typeface="+mn-cs"/>
+              </a:defRPr>
+            </a:lvl4pPr>
+            <a:lvl5pPr marL="1828800" algn="l" defTabSz="914400" rtl="0" eaLnBrk="1" latinLnBrk="0" hangingPunct="1">
+              <a:defRPr sz="1800" kern="1200">
+                <a:solidFill>
+                  <a:schemeClr val="tx1"/>
+                </a:solidFill>
+                <a:latin typeface="+mn-lt"/>
+                <a:ea typeface="+mn-ea"/>
+                <a:cs typeface="+mn-cs"/>
+              </a:defRPr>
+            </a:lvl5pPr>
+            <a:lvl6pPr marL="2286000" algn="l" defTabSz="914400" rtl="0" eaLnBrk="1" latinLnBrk="0" hangingPunct="1">
+              <a:defRPr sz="1800" kern="1200">
+                <a:solidFill>
+                  <a:schemeClr val="tx1"/>
+                </a:solidFill>
+                <a:latin typeface="+mn-lt"/>
+                <a:ea typeface="+mn-ea"/>
+                <a:cs typeface="+mn-cs"/>
+              </a:defRPr>
+            </a:lvl6pPr>
+            <a:lvl7pPr marL="2743200" algn="l" defTabSz="914400" rtl="0" eaLnBrk="1" latinLnBrk="0" hangingPunct="1">
+              <a:defRPr sz="1800" kern="1200">
+                <a:solidFill>
+                  <a:schemeClr val="tx1"/>
+                </a:solidFill>
+                <a:latin typeface="+mn-lt"/>
+                <a:ea typeface="+mn-ea"/>
+                <a:cs typeface="+mn-cs"/>
+              </a:defRPr>
+            </a:lvl7pPr>
+            <a:lvl8pPr marL="3200400" algn="l" defTabSz="914400" rtl="0" eaLnBrk="1" latinLnBrk="0" hangingPunct="1">
+              <a:defRPr sz="1800" kern="1200">
+                <a:solidFill>
+                  <a:schemeClr val="tx1"/>
+                </a:solidFill>
+                <a:latin typeface="+mn-lt"/>
+                <a:ea typeface="+mn-ea"/>
+                <a:cs typeface="+mn-cs"/>
+              </a:defRPr>
+            </a:lvl8pPr>
+            <a:lvl9pPr marL="3657600" algn="l" defTabSz="914400" rtl="0" eaLnBrk="1" latinLnBrk="0" hangingPunct="1">
+              <a:defRPr sz="1800" kern="1200">
+                <a:solidFill>
+                  <a:schemeClr val="tx1"/>
+                </a:solidFill>
+                <a:latin typeface="+mn-lt"/>
+                <a:ea typeface="+mn-ea"/>
+                <a:cs typeface="+mn-cs"/>
+              </a:defRPr>
+            </a:lvl9pPr>
+          </a:lstStyle>
+          <a:p>
+            <a:pPr marL="38100">
+              <a:spcBef>
+                <a:spcPts val="95"/>
+              </a:spcBef>
+            </a:pPr>
+            <a:fld id="{81D60167-4931-47E6-BA6A-407CBD079E47}" type="slidenum">
+              <a:rPr lang="ru-RU" spc="-5" smtClean="0">
+                <a:solidFill>
+                  <a:srgbClr val="0070C0"/>
+                </a:solidFill>
+                <a:latin typeface="Fira Sans Condensed" panose="020B0503050000020004" pitchFamily="34" charset="0"/>
+              </a:rPr>
+              <a:pPr marL="38100">
+                <a:spcBef>
+                  <a:spcPts val="95"/>
+                </a:spcBef>
+              </a:pPr>
+              <a:t>9</a:t>
+            </a:fld>
+            <a:endParaRPr lang="ru-RU" spc="-5" dirty="0">
+              <a:solidFill>
+                <a:srgbClr val="0070C0"/>
+              </a:solidFill>
+              <a:latin typeface="Fira Sans Condensed" panose="020B0503050000020004" pitchFamily="34" charset="0"/>
+            </a:endParaRPr>
+          </a:p>
+        </p:txBody>
+      </p:sp>
+      <p:cxnSp>
+        <p:nvCxnSpPr>
+          <p:cNvPr id="9" name="Прямая соединительная линия 8">
+            <a:extLst>
+              <a:ext uri="{FF2B5EF4-FFF2-40B4-BE49-F238E27FC236}">
+                <a16:creationId xmlns:a16="http://schemas.microsoft.com/office/drawing/2014/main" id="{15DFC3CF-B111-A4CE-3C17-E25DEAA7304D}"/>
+              </a:ext>
+            </a:extLst>
+          </p:cNvPr>
+          <p:cNvCxnSpPr>
+            <a:cxnSpLocks/>
+          </p:cNvCxnSpPr>
+          <p:nvPr/>
+        </p:nvCxnSpPr>
+        <p:spPr>
+          <a:xfrm>
+            <a:off x="196936" y="763600"/>
+            <a:ext cx="4216227" cy="0"/>
+          </a:xfrm>
+          <a:prstGeom prst="line">
+            <a:avLst/>
+          </a:prstGeom>
+          <a:ln>
+            <a:solidFill>
+              <a:srgbClr val="0070C0"/>
+            </a:solidFill>
+          </a:ln>
+        </p:spPr>
+        <p:style>
+          <a:lnRef idx="1">
+            <a:schemeClr val="accent1"/>
+          </a:lnRef>
+          <a:fillRef idx="0">
+            <a:schemeClr val="accent1"/>
+          </a:fillRef>
+          <a:effectRef idx="0">
+            <a:schemeClr val="accent1"/>
+          </a:effectRef>
+          <a:fontRef idx="minor">
+            <a:schemeClr val="tx1"/>
+          </a:fontRef>
+        </p:style>
+      </p:cxnSp>
+      <p:sp>
+        <p:nvSpPr>
+          <p:cNvPr id="4" name="TextBox 3">
+            <a:extLst>
+              <a:ext uri="{FF2B5EF4-FFF2-40B4-BE49-F238E27FC236}">
+                <a16:creationId xmlns:a16="http://schemas.microsoft.com/office/drawing/2014/main" id="{2C524B08-FBDD-4B39-E704-76F62CB0AC59}"/>
+              </a:ext>
+            </a:extLst>
+          </p:cNvPr>
+          <p:cNvSpPr txBox="1"/>
+          <p:nvPr/>
+        </p:nvSpPr>
+        <p:spPr>
+          <a:xfrm>
+            <a:off x="0" y="-2933"/>
+            <a:ext cx="4621079" cy="461665"/>
+          </a:xfrm>
+          <a:prstGeom prst="rect">
+            <a:avLst/>
+          </a:prstGeom>
+          <a:solidFill>
+            <a:schemeClr val="accent1">
+              <a:alpha val="20000"/>
+            </a:schemeClr>
+          </a:solidFill>
+        </p:spPr>
+        <p:txBody>
+          <a:bodyPr wrap="square" rtlCol="0">
+            <a:spAutoFit/>
+          </a:bodyPr>
+          <a:lstStyle/>
+          <a:p>
+            <a:pPr algn="just"/>
+            <a:r>
+              <a:rPr lang="ru-RU" sz="800" dirty="0">
+                <a:solidFill>
+                  <a:schemeClr val="bg1">
+                    <a:lumMod val="75000"/>
+                  </a:schemeClr>
+                </a:solidFill>
+                <a:latin typeface="Fira Sans Condensed" panose="020B0503050000020004" pitchFamily="34" charset="0"/>
+                <a:cs typeface="Times New Roman" panose="02020603050405020304" pitchFamily="18" charset="0"/>
+              </a:rPr>
+              <a:t>Введение</a:t>
+            </a:r>
+            <a:r>
+              <a:rPr lang="ru-RU" sz="800" dirty="0">
+                <a:latin typeface="Fira Sans Condensed" panose="020B0503050000020004" pitchFamily="34" charset="0"/>
+                <a:cs typeface="Times New Roman" panose="02020603050405020304" pitchFamily="18" charset="0"/>
+              </a:rPr>
+              <a:t> </a:t>
+            </a:r>
+            <a:r>
+              <a:rPr lang="en-US" sz="800" dirty="0">
+                <a:solidFill>
+                  <a:schemeClr val="bg1">
+                    <a:lumMod val="75000"/>
+                  </a:schemeClr>
+                </a:solidFill>
+                <a:latin typeface="Fira Sans Condensed" panose="020B0503050000020004" pitchFamily="34" charset="0"/>
+                <a:cs typeface="Times New Roman" panose="02020603050405020304" pitchFamily="18" charset="0"/>
+              </a:rPr>
+              <a:t>| </a:t>
+            </a:r>
+            <a:r>
+              <a:rPr lang="ru-RU" sz="800" dirty="0">
+                <a:solidFill>
+                  <a:schemeClr val="bg1">
+                    <a:lumMod val="75000"/>
+                  </a:schemeClr>
+                </a:solidFill>
+                <a:latin typeface="Fira Sans Condensed" panose="020B0503050000020004" pitchFamily="34" charset="0"/>
+                <a:cs typeface="Times New Roman" panose="02020603050405020304" pitchFamily="18" charset="0"/>
+              </a:rPr>
+              <a:t>Постановка задачи</a:t>
+            </a:r>
+            <a:r>
+              <a:rPr lang="en-US" sz="800" dirty="0">
+                <a:solidFill>
+                  <a:schemeClr val="bg1">
+                    <a:lumMod val="75000"/>
+                  </a:schemeClr>
+                </a:solidFill>
+                <a:latin typeface="Fira Sans Condensed" panose="020B0503050000020004" pitchFamily="34" charset="0"/>
+                <a:cs typeface="Times New Roman" panose="02020603050405020304" pitchFamily="18" charset="0"/>
+              </a:rPr>
+              <a:t> | </a:t>
+            </a:r>
+            <a:r>
+              <a:rPr lang="ru-RU" sz="800" dirty="0">
+                <a:solidFill>
+                  <a:schemeClr val="bg1">
+                    <a:lumMod val="75000"/>
+                  </a:schemeClr>
+                </a:solidFill>
+                <a:latin typeface="Fira Sans Condensed" panose="020B0503050000020004" pitchFamily="34" charset="0"/>
+                <a:cs typeface="Times New Roman" panose="02020603050405020304" pitchFamily="18" charset="0"/>
+              </a:rPr>
+              <a:t>Актуальность и обзор существующих решений </a:t>
+            </a:r>
+            <a:r>
+              <a:rPr lang="en-US" sz="800" dirty="0">
+                <a:solidFill>
+                  <a:schemeClr val="bg1">
+                    <a:lumMod val="75000"/>
+                  </a:schemeClr>
+                </a:solidFill>
+                <a:latin typeface="Fira Sans Condensed" panose="020B0503050000020004" pitchFamily="34" charset="0"/>
+                <a:cs typeface="Times New Roman" panose="02020603050405020304" pitchFamily="18" charset="0"/>
+              </a:rPr>
+              <a:t>| </a:t>
+            </a:r>
+            <a:r>
+              <a:rPr lang="ru-RU" sz="800" dirty="0">
+                <a:solidFill>
+                  <a:schemeClr val="bg1">
+                    <a:lumMod val="75000"/>
+                  </a:schemeClr>
+                </a:solidFill>
+                <a:latin typeface="Fira Sans Condensed" panose="020B0503050000020004" pitchFamily="34" charset="0"/>
+                <a:cs typeface="Times New Roman" panose="02020603050405020304" pitchFamily="18" charset="0"/>
+              </a:rPr>
+              <a:t>Прототипирование </a:t>
+            </a:r>
+            <a:r>
+              <a:rPr lang="en-US" sz="800" dirty="0">
+                <a:solidFill>
+                  <a:schemeClr val="bg1">
+                    <a:lumMod val="75000"/>
+                  </a:schemeClr>
+                </a:solidFill>
+                <a:latin typeface="Fira Sans Condensed" panose="020B0503050000020004" pitchFamily="34" charset="0"/>
+                <a:cs typeface="Times New Roman" panose="02020603050405020304" pitchFamily="18" charset="0"/>
+              </a:rPr>
+              <a:t>| </a:t>
+            </a:r>
+            <a:r>
+              <a:rPr lang="ru-RU" sz="800" dirty="0">
+                <a:solidFill>
+                  <a:schemeClr val="bg1">
+                    <a:lumMod val="75000"/>
+                  </a:schemeClr>
+                </a:solidFill>
+                <a:latin typeface="Fira Sans Condensed" panose="020B0503050000020004" pitchFamily="34" charset="0"/>
+                <a:cs typeface="Times New Roman" panose="02020603050405020304" pitchFamily="18" charset="0"/>
+              </a:rPr>
+              <a:t>Графическое окно </a:t>
+            </a:r>
+            <a:r>
+              <a:rPr lang="en-US" sz="800" dirty="0">
+                <a:solidFill>
+                  <a:schemeClr val="bg1">
+                    <a:lumMod val="75000"/>
+                  </a:schemeClr>
+                </a:solidFill>
+                <a:latin typeface="Fira Sans Condensed" panose="020B0503050000020004" pitchFamily="34" charset="0"/>
+                <a:cs typeface="Times New Roman" panose="02020603050405020304" pitchFamily="18" charset="0"/>
+              </a:rPr>
+              <a:t>| </a:t>
+            </a:r>
+            <a:r>
+              <a:rPr lang="ru-RU" sz="800" dirty="0">
+                <a:solidFill>
+                  <a:schemeClr val="bg1">
+                    <a:lumMod val="75000"/>
+                  </a:schemeClr>
+                </a:solidFill>
+                <a:latin typeface="Fira Sans Condensed" panose="020B0503050000020004" pitchFamily="34" charset="0"/>
+                <a:cs typeface="Times New Roman" panose="02020603050405020304" pitchFamily="18" charset="0"/>
+              </a:rPr>
+              <a:t>Графический конвейер </a:t>
+            </a:r>
+            <a:r>
+              <a:rPr lang="en-US" sz="800" dirty="0">
+                <a:solidFill>
+                  <a:schemeClr val="bg1">
+                    <a:lumMod val="75000"/>
+                  </a:schemeClr>
+                </a:solidFill>
+                <a:latin typeface="Fira Sans Condensed" panose="020B0503050000020004" pitchFamily="34" charset="0"/>
+                <a:cs typeface="Times New Roman" panose="02020603050405020304" pitchFamily="18" charset="0"/>
+              </a:rPr>
+              <a:t>|</a:t>
+            </a:r>
+            <a:r>
+              <a:rPr lang="ru-RU" sz="800" dirty="0">
+                <a:solidFill>
+                  <a:schemeClr val="bg1">
+                    <a:lumMod val="75000"/>
+                  </a:schemeClr>
+                </a:solidFill>
+                <a:latin typeface="Fira Sans Condensed" panose="020B0503050000020004" pitchFamily="34" charset="0"/>
+                <a:cs typeface="Times New Roman" panose="02020603050405020304" pitchFamily="18" charset="0"/>
+              </a:rPr>
+              <a:t> Системы координат </a:t>
+            </a:r>
+            <a:r>
+              <a:rPr lang="en-US" sz="800" dirty="0">
+                <a:solidFill>
+                  <a:schemeClr val="bg1">
+                    <a:lumMod val="75000"/>
+                  </a:schemeClr>
+                </a:solidFill>
+                <a:latin typeface="Fira Sans Condensed" panose="020B0503050000020004" pitchFamily="34" charset="0"/>
+                <a:cs typeface="Times New Roman" panose="02020603050405020304" pitchFamily="18" charset="0"/>
+              </a:rPr>
+              <a:t>| </a:t>
+            </a:r>
+            <a:r>
+              <a:rPr lang="ru-RU" sz="800" dirty="0">
+                <a:solidFill>
+                  <a:schemeClr val="bg1">
+                    <a:lumMod val="75000"/>
+                  </a:schemeClr>
+                </a:solidFill>
+                <a:latin typeface="Fira Sans Condensed" panose="020B0503050000020004" pitchFamily="34" charset="0"/>
+                <a:cs typeface="Times New Roman" panose="02020603050405020304" pitchFamily="18" charset="0"/>
+              </a:rPr>
+              <a:t>Освещение</a:t>
+            </a:r>
+            <a:r>
+              <a:rPr lang="en-US" sz="800" dirty="0">
+                <a:solidFill>
+                  <a:schemeClr val="bg1">
+                    <a:lumMod val="75000"/>
+                  </a:schemeClr>
+                </a:solidFill>
+                <a:latin typeface="Fira Sans Condensed" panose="020B0503050000020004" pitchFamily="34" charset="0"/>
+                <a:cs typeface="Times New Roman" panose="02020603050405020304" pitchFamily="18" charset="0"/>
+              </a:rPr>
+              <a:t> | </a:t>
+            </a:r>
+            <a:r>
+              <a:rPr lang="ru-RU" sz="800" dirty="0">
+                <a:latin typeface="Fira Sans Condensed" panose="020B0503050000020004" pitchFamily="34" charset="0"/>
+                <a:cs typeface="Times New Roman" panose="02020603050405020304" pitchFamily="18" charset="0"/>
+              </a:rPr>
+              <a:t>Система рефлексии </a:t>
+            </a:r>
+            <a:r>
+              <a:rPr lang="en-US" sz="800" dirty="0">
+                <a:solidFill>
+                  <a:schemeClr val="bg1">
+                    <a:lumMod val="75000"/>
+                  </a:schemeClr>
+                </a:solidFill>
+                <a:latin typeface="Fira Sans Condensed" panose="020B0503050000020004" pitchFamily="34" charset="0"/>
+                <a:cs typeface="Times New Roman" panose="02020603050405020304" pitchFamily="18" charset="0"/>
+              </a:rPr>
+              <a:t>|</a:t>
+            </a:r>
+          </a:p>
+          <a:p>
+            <a:pPr algn="just"/>
+            <a:r>
+              <a:rPr lang="ru-RU" sz="800" dirty="0">
+                <a:solidFill>
+                  <a:schemeClr val="bg1">
+                    <a:lumMod val="75000"/>
+                  </a:schemeClr>
+                </a:solidFill>
+                <a:latin typeface="Fira Sans Condensed" panose="020B0503050000020004" pitchFamily="34" charset="0"/>
+                <a:cs typeface="Times New Roman" panose="02020603050405020304" pitchFamily="18" charset="0"/>
+              </a:rPr>
+              <a:t>Сборщик мусора</a:t>
+            </a:r>
+            <a:r>
+              <a:rPr lang="en-US" sz="800" dirty="0">
+                <a:solidFill>
+                  <a:schemeClr val="bg1">
+                    <a:lumMod val="75000"/>
+                  </a:schemeClr>
+                </a:solidFill>
+                <a:latin typeface="Fira Sans Condensed" panose="020B0503050000020004" pitchFamily="34" charset="0"/>
+                <a:cs typeface="Times New Roman" panose="02020603050405020304" pitchFamily="18" charset="0"/>
+              </a:rPr>
+              <a:t> | </a:t>
+            </a:r>
+            <a:r>
+              <a:rPr lang="ru-RU" sz="800" dirty="0">
+                <a:solidFill>
+                  <a:schemeClr val="bg1">
+                    <a:lumMod val="75000"/>
+                  </a:schemeClr>
+                </a:solidFill>
+                <a:latin typeface="Fira Sans Condensed" panose="020B0503050000020004" pitchFamily="34" charset="0"/>
+                <a:cs typeface="Times New Roman" panose="02020603050405020304" pitchFamily="18" charset="0"/>
+              </a:rPr>
+              <a:t>Заключение</a:t>
+            </a:r>
+          </a:p>
+        </p:txBody>
+      </p:sp>
+      <p:sp>
+        <p:nvSpPr>
+          <p:cNvPr id="8" name="Прямоугольник 7">
+            <a:extLst>
+              <a:ext uri="{FF2B5EF4-FFF2-40B4-BE49-F238E27FC236}">
+                <a16:creationId xmlns:a16="http://schemas.microsoft.com/office/drawing/2014/main" id="{A00478A3-6CA7-120E-285F-834241BED90B}"/>
+              </a:ext>
+            </a:extLst>
+          </p:cNvPr>
+          <p:cNvSpPr/>
+          <p:nvPr/>
+        </p:nvSpPr>
+        <p:spPr>
+          <a:xfrm>
+            <a:off x="1" y="3295813"/>
+            <a:ext cx="4610100" cy="164937"/>
+          </a:xfrm>
+          <a:prstGeom prst="rect">
+            <a:avLst/>
+          </a:prstGeom>
+          <a:solidFill>
+            <a:schemeClr val="accent1">
+              <a:alpha val="20000"/>
+            </a:schemeClr>
+          </a:solidFill>
+          <a:ln>
+            <a:noFill/>
+          </a:ln>
+        </p:spPr>
+        <p:style>
+          <a:lnRef idx="2">
+            <a:schemeClr val="accent1">
+              <a:shade val="15000"/>
+            </a:schemeClr>
+          </a:lnRef>
+          <a:fillRef idx="1">
+            <a:schemeClr val="accent1"/>
+          </a:fillRef>
+          <a:effectRef idx="0">
+            <a:schemeClr val="accent1"/>
+          </a:effectRef>
+          <a:fontRef idx="minor">
+            <a:schemeClr val="lt1"/>
+          </a:fontRef>
+        </p:style>
+        <p:txBody>
+          <a:bodyPr rtlCol="0" anchor="ctr"/>
+          <a:lstStyle/>
+          <a:p>
+            <a:pPr algn="r"/>
+            <a:r>
+              <a:rPr lang="ru-RU" sz="800" b="1" dirty="0">
+                <a:solidFill>
+                  <a:schemeClr val="bg1">
+                    <a:lumMod val="50000"/>
+                  </a:schemeClr>
+                </a:solidFill>
+                <a:latin typeface="Fira Sans Condensed" panose="020B0503050000020004" pitchFamily="34" charset="0"/>
+                <a:cs typeface="Times New Roman" panose="02020603050405020304" pitchFamily="18" charset="0"/>
+              </a:rPr>
+              <a:t>Разработка графического программного обеспечения для визуализации трехмерных объектов</a:t>
+            </a:r>
+            <a:endParaRPr lang="ru-RU" sz="800" dirty="0">
+              <a:solidFill>
+                <a:schemeClr val="bg1">
+                  <a:lumMod val="50000"/>
+                </a:schemeClr>
+              </a:solidFill>
+              <a:latin typeface="Fira Sans Condensed" panose="020B0503050000020004" pitchFamily="34" charset="0"/>
+            </a:endParaRPr>
+          </a:p>
+        </p:txBody>
+      </p:sp>
+      <p:sp>
+        <p:nvSpPr>
+          <p:cNvPr id="11" name="TextBox 10">
+            <a:extLst>
+              <a:ext uri="{FF2B5EF4-FFF2-40B4-BE49-F238E27FC236}">
+                <a16:creationId xmlns:a16="http://schemas.microsoft.com/office/drawing/2014/main" id="{BA079DC1-3E76-4720-33B2-87A24BA3E57A}"/>
+              </a:ext>
+            </a:extLst>
+          </p:cNvPr>
+          <p:cNvSpPr txBox="1"/>
+          <p:nvPr/>
+        </p:nvSpPr>
+        <p:spPr>
+          <a:xfrm>
+            <a:off x="196936" y="763600"/>
+            <a:ext cx="4216227" cy="1061829"/>
+          </a:xfrm>
+          <a:prstGeom prst="rect">
+            <a:avLst/>
+          </a:prstGeom>
+          <a:noFill/>
+        </p:spPr>
+        <p:txBody>
+          <a:bodyPr wrap="square" rtlCol="0">
+            <a:spAutoFit/>
+          </a:bodyPr>
+          <a:lstStyle/>
+          <a:p>
+            <a:pPr marL="0" lvl="0" indent="0" algn="just" rtl="0">
+              <a:spcBef>
+                <a:spcPts val="0"/>
+              </a:spcBef>
+              <a:spcAft>
+                <a:spcPts val="0"/>
+              </a:spcAft>
+              <a:buNone/>
+            </a:pPr>
+            <a:r>
+              <a:rPr lang="ru-RU" sz="900" b="1" dirty="0">
+                <a:latin typeface="Fira Sans Condensed" panose="020B0503050000020004" pitchFamily="34" charset="0"/>
+                <a:cs typeface="Times New Roman" panose="02020603050405020304" pitchFamily="18" charset="0"/>
+              </a:rPr>
+              <a:t>Система рефлексии</a:t>
+            </a:r>
+            <a:r>
+              <a:rPr lang="en-US" sz="900" b="1" dirty="0">
+                <a:latin typeface="Fira Sans Condensed" panose="020B0503050000020004" pitchFamily="34" charset="0"/>
+                <a:cs typeface="Times New Roman" panose="02020603050405020304" pitchFamily="18" charset="0"/>
+              </a:rPr>
+              <a:t> </a:t>
+            </a:r>
+            <a:r>
+              <a:rPr lang="ru-RU" sz="900" dirty="0">
+                <a:solidFill>
+                  <a:schemeClr val="tx1"/>
+                </a:solidFill>
+                <a:latin typeface="Fira Sans Condensed" panose="020B0503050000020004" pitchFamily="34" charset="0"/>
+                <a:cs typeface="Times New Roman" panose="02020603050405020304" pitchFamily="18" charset="0"/>
+              </a:rPr>
+              <a:t>— это механизм, позволяющий программе анализировать и взаимодействовать с собственными типами данных, функциями и структурами во время выполнения. C++ не имеет встроенной поддержки рефлексии, поэтому её реализация требует ручного подхода. Одним, из которых является обработка абстрактного синтаксического дерева</a:t>
+            </a:r>
+            <a:r>
+              <a:rPr lang="en-US" sz="900" dirty="0">
+                <a:solidFill>
+                  <a:schemeClr val="tx1"/>
+                </a:solidFill>
+                <a:latin typeface="Fira Sans Condensed" panose="020B0503050000020004" pitchFamily="34" charset="0"/>
+                <a:cs typeface="Times New Roman" panose="02020603050405020304" pitchFamily="18" charset="0"/>
+              </a:rPr>
+              <a:t> (</a:t>
+            </a:r>
+            <a:r>
+              <a:rPr lang="en-US" sz="900" b="1" dirty="0">
+                <a:solidFill>
+                  <a:schemeClr val="tx1"/>
+                </a:solidFill>
+                <a:latin typeface="Fira Sans Condensed" panose="020B0503050000020004" pitchFamily="34" charset="0"/>
+                <a:cs typeface="Times New Roman" panose="02020603050405020304" pitchFamily="18" charset="0"/>
+              </a:rPr>
+              <a:t>AST</a:t>
+            </a:r>
+            <a:r>
+              <a:rPr lang="en-US" sz="900" dirty="0">
+                <a:solidFill>
+                  <a:schemeClr val="tx1"/>
+                </a:solidFill>
+                <a:latin typeface="Fira Sans Condensed" panose="020B0503050000020004" pitchFamily="34" charset="0"/>
+                <a:cs typeface="Times New Roman" panose="02020603050405020304" pitchFamily="18" charset="0"/>
+              </a:rPr>
+              <a:t>)</a:t>
+            </a:r>
+            <a:r>
+              <a:rPr lang="ru-RU" sz="900" dirty="0">
+                <a:solidFill>
+                  <a:schemeClr val="tx1"/>
+                </a:solidFill>
+                <a:latin typeface="Fira Sans Condensed" panose="020B0503050000020004" pitchFamily="34" charset="0"/>
+                <a:cs typeface="Times New Roman" panose="02020603050405020304" pitchFamily="18" charset="0"/>
+              </a:rPr>
+              <a:t>, которая предоставляет библиотека </a:t>
+            </a:r>
+            <a:r>
+              <a:rPr lang="en-US" sz="900" b="1" dirty="0">
+                <a:solidFill>
+                  <a:schemeClr val="tx1"/>
+                </a:solidFill>
+                <a:latin typeface="Fira Sans Condensed" panose="020B0503050000020004" pitchFamily="34" charset="0"/>
+                <a:cs typeface="Times New Roman" panose="02020603050405020304" pitchFamily="18" charset="0"/>
+              </a:rPr>
+              <a:t>LLVM Clang</a:t>
+            </a:r>
+            <a:r>
+              <a:rPr lang="en-US" sz="900" dirty="0">
+                <a:solidFill>
+                  <a:schemeClr val="tx1"/>
+                </a:solidFill>
+                <a:latin typeface="Fira Sans Condensed" panose="020B0503050000020004" pitchFamily="34" charset="0"/>
+                <a:cs typeface="Times New Roman" panose="02020603050405020304" pitchFamily="18" charset="0"/>
+              </a:rPr>
+              <a:t>.</a:t>
+            </a:r>
+            <a:r>
+              <a:rPr lang="ru-RU" sz="900" dirty="0">
+                <a:solidFill>
+                  <a:schemeClr val="tx1"/>
+                </a:solidFill>
+                <a:latin typeface="Fira Sans Condensed" panose="020B0503050000020004" pitchFamily="34" charset="0"/>
+                <a:cs typeface="Times New Roman" panose="02020603050405020304" pitchFamily="18" charset="0"/>
+              </a:rPr>
+              <a:t> AST содержит полную информацию о структуре программы, включая типы данных, функции, классы, поля и методы. </a:t>
+            </a:r>
+          </a:p>
+        </p:txBody>
+      </p:sp>
+      <p:pic>
+        <p:nvPicPr>
+          <p:cNvPr id="13" name="Рисунок 12">
+            <a:extLst>
+              <a:ext uri="{FF2B5EF4-FFF2-40B4-BE49-F238E27FC236}">
+                <a16:creationId xmlns:a16="http://schemas.microsoft.com/office/drawing/2014/main" id="{2CF8B5C7-644F-B3A5-4292-BCB99CF4F33E}"/>
+              </a:ext>
+            </a:extLst>
+          </p:cNvPr>
+          <p:cNvPicPr>
+            <a:picLocks noChangeAspect="1"/>
+          </p:cNvPicPr>
+          <p:nvPr/>
+        </p:nvPicPr>
+        <p:blipFill>
+          <a:blip r:embed="rId3"/>
+          <a:stretch>
+            <a:fillRect/>
+          </a:stretch>
+        </p:blipFill>
+        <p:spPr>
+          <a:xfrm>
+            <a:off x="505521" y="1858996"/>
+            <a:ext cx="664456" cy="1131948"/>
+          </a:xfrm>
+          <a:prstGeom prst="rect">
+            <a:avLst/>
+          </a:prstGeom>
+        </p:spPr>
+      </p:pic>
+      <p:sp>
+        <p:nvSpPr>
+          <p:cNvPr id="14" name="Google Shape;74;p15">
+            <a:extLst>
+              <a:ext uri="{FF2B5EF4-FFF2-40B4-BE49-F238E27FC236}">
+                <a16:creationId xmlns:a16="http://schemas.microsoft.com/office/drawing/2014/main" id="{F7A6D848-B764-E0C6-6C35-D21C4A97A4D8}"/>
+              </a:ext>
+            </a:extLst>
+          </p:cNvPr>
+          <p:cNvSpPr txBox="1"/>
+          <p:nvPr/>
+        </p:nvSpPr>
+        <p:spPr>
+          <a:xfrm>
+            <a:off x="192794" y="2983657"/>
+            <a:ext cx="1299988" cy="307746"/>
+          </a:xfrm>
+          <a:prstGeom prst="rect">
+            <a:avLst/>
+          </a:prstGeom>
+          <a:noFill/>
+          <a:ln>
+            <a:noFill/>
+          </a:ln>
+        </p:spPr>
+        <p:txBody>
+          <a:bodyPr spcFirstLastPara="1" wrap="square" lIns="91425" tIns="91425" rIns="91425" bIns="91425" anchor="t" anchorCtr="0">
+            <a:spAutoFit/>
+          </a:bodyPr>
+          <a:lstStyle/>
+          <a:p>
+            <a:pPr marL="0" lvl="0" indent="0" algn="ctr" rtl="0">
+              <a:spcBef>
+                <a:spcPts val="0"/>
+              </a:spcBef>
+              <a:spcAft>
+                <a:spcPts val="0"/>
+              </a:spcAft>
+              <a:buNone/>
+            </a:pPr>
+            <a:r>
+              <a:rPr lang="ru-RU" sz="800" dirty="0">
+                <a:latin typeface="Fira Sans Condensed" panose="020B0503050000020004" pitchFamily="34" charset="0"/>
+                <a:cs typeface="Times New Roman" panose="02020603050405020304" pitchFamily="18" charset="0"/>
+              </a:rPr>
+              <a:t>Первый класс</a:t>
+            </a:r>
+            <a:endParaRPr lang="ru-RU" sz="800" dirty="0">
+              <a:solidFill>
+                <a:schemeClr val="tx1"/>
+              </a:solidFill>
+              <a:latin typeface="Fira Sans Condensed" panose="020B0503050000020004" pitchFamily="34" charset="0"/>
+              <a:cs typeface="Times New Roman" panose="02020603050405020304" pitchFamily="18" charset="0"/>
+            </a:endParaRPr>
+          </a:p>
+        </p:txBody>
+      </p:sp>
+      <p:sp>
+        <p:nvSpPr>
+          <p:cNvPr id="16" name="Google Shape;74;p15">
+            <a:extLst>
+              <a:ext uri="{FF2B5EF4-FFF2-40B4-BE49-F238E27FC236}">
+                <a16:creationId xmlns:a16="http://schemas.microsoft.com/office/drawing/2014/main" id="{E8D7E2B0-5A88-486F-9CE8-7A420122B571}"/>
+              </a:ext>
+            </a:extLst>
+          </p:cNvPr>
+          <p:cNvSpPr txBox="1"/>
+          <p:nvPr/>
+        </p:nvSpPr>
+        <p:spPr>
+          <a:xfrm>
+            <a:off x="1492782" y="2983657"/>
+            <a:ext cx="1299988" cy="307746"/>
+          </a:xfrm>
+          <a:prstGeom prst="rect">
+            <a:avLst/>
+          </a:prstGeom>
+          <a:noFill/>
+          <a:ln>
+            <a:noFill/>
+          </a:ln>
+        </p:spPr>
+        <p:txBody>
+          <a:bodyPr spcFirstLastPara="1" wrap="square" lIns="91425" tIns="91425" rIns="91425" bIns="91425" anchor="t" anchorCtr="0">
+            <a:spAutoFit/>
+          </a:bodyPr>
+          <a:lstStyle/>
+          <a:p>
+            <a:pPr marL="0" lvl="0" indent="0" algn="ctr" rtl="0">
+              <a:spcBef>
+                <a:spcPts val="0"/>
+              </a:spcBef>
+              <a:spcAft>
+                <a:spcPts val="0"/>
+              </a:spcAft>
+              <a:buNone/>
+            </a:pPr>
+            <a:r>
+              <a:rPr lang="ru-RU" sz="800" dirty="0">
+                <a:latin typeface="Fira Sans Condensed" panose="020B0503050000020004" pitchFamily="34" charset="0"/>
+                <a:cs typeface="Times New Roman" panose="02020603050405020304" pitchFamily="18" charset="0"/>
+              </a:rPr>
+              <a:t>Второй класс</a:t>
+            </a:r>
+            <a:endParaRPr lang="ru-RU" sz="800" dirty="0">
+              <a:solidFill>
+                <a:schemeClr val="tx1"/>
+              </a:solidFill>
+              <a:latin typeface="Fira Sans Condensed" panose="020B0503050000020004" pitchFamily="34" charset="0"/>
+              <a:cs typeface="Times New Roman" panose="02020603050405020304" pitchFamily="18" charset="0"/>
+            </a:endParaRPr>
+          </a:p>
+        </p:txBody>
+      </p:sp>
+      <p:pic>
+        <p:nvPicPr>
+          <p:cNvPr id="18" name="Рисунок 17">
+            <a:extLst>
+              <a:ext uri="{FF2B5EF4-FFF2-40B4-BE49-F238E27FC236}">
+                <a16:creationId xmlns:a16="http://schemas.microsoft.com/office/drawing/2014/main" id="{34194F32-E8A6-EA50-E105-4AA32CCD8ACB}"/>
+              </a:ext>
+            </a:extLst>
+          </p:cNvPr>
+          <p:cNvPicPr>
+            <a:picLocks noChangeAspect="1"/>
+          </p:cNvPicPr>
+          <p:nvPr/>
+        </p:nvPicPr>
+        <p:blipFill>
+          <a:blip r:embed="rId4"/>
+          <a:stretch>
+            <a:fillRect/>
+          </a:stretch>
+        </p:blipFill>
+        <p:spPr>
+          <a:xfrm>
+            <a:off x="1724970" y="1857083"/>
+            <a:ext cx="808680" cy="1124451"/>
+          </a:xfrm>
+          <a:prstGeom prst="rect">
+            <a:avLst/>
+          </a:prstGeom>
+        </p:spPr>
+      </p:pic>
+      <p:pic>
+        <p:nvPicPr>
+          <p:cNvPr id="20" name="Рисунок 19">
+            <a:extLst>
+              <a:ext uri="{FF2B5EF4-FFF2-40B4-BE49-F238E27FC236}">
+                <a16:creationId xmlns:a16="http://schemas.microsoft.com/office/drawing/2014/main" id="{8AA596BF-6CB3-C90D-CED7-00A8F68D1844}"/>
+              </a:ext>
+            </a:extLst>
+          </p:cNvPr>
+          <p:cNvPicPr>
+            <a:picLocks noChangeAspect="1"/>
+          </p:cNvPicPr>
+          <p:nvPr/>
+        </p:nvPicPr>
+        <p:blipFill>
+          <a:blip r:embed="rId5"/>
+          <a:stretch>
+            <a:fillRect/>
+          </a:stretch>
+        </p:blipFill>
+        <p:spPr>
+          <a:xfrm>
+            <a:off x="3094035" y="1857083"/>
+            <a:ext cx="1127426" cy="1124452"/>
+          </a:xfrm>
+          <a:prstGeom prst="rect">
+            <a:avLst/>
+          </a:prstGeom>
+        </p:spPr>
+      </p:pic>
+      <p:sp>
+        <p:nvSpPr>
+          <p:cNvPr id="21" name="Google Shape;74;p15">
+            <a:extLst>
+              <a:ext uri="{FF2B5EF4-FFF2-40B4-BE49-F238E27FC236}">
+                <a16:creationId xmlns:a16="http://schemas.microsoft.com/office/drawing/2014/main" id="{EAC5BDD0-F867-DB00-3D2D-4BBC4923CD5A}"/>
+              </a:ext>
+            </a:extLst>
+          </p:cNvPr>
+          <p:cNvSpPr txBox="1"/>
+          <p:nvPr/>
+        </p:nvSpPr>
+        <p:spPr>
+          <a:xfrm>
+            <a:off x="2914650" y="2983657"/>
+            <a:ext cx="1524000" cy="307746"/>
+          </a:xfrm>
+          <a:prstGeom prst="rect">
+            <a:avLst/>
+          </a:prstGeom>
+          <a:noFill/>
+          <a:ln>
+            <a:noFill/>
+          </a:ln>
+        </p:spPr>
+        <p:txBody>
+          <a:bodyPr spcFirstLastPara="1" wrap="square" lIns="91425" tIns="91425" rIns="91425" bIns="91425" anchor="t" anchorCtr="0">
+            <a:spAutoFit/>
+          </a:bodyPr>
+          <a:lstStyle/>
+          <a:p>
+            <a:pPr marL="0" lvl="0" indent="0" algn="ctr" rtl="0">
+              <a:spcBef>
+                <a:spcPts val="0"/>
+              </a:spcBef>
+              <a:spcAft>
+                <a:spcPts val="0"/>
+              </a:spcAft>
+              <a:buNone/>
+            </a:pPr>
+            <a:r>
+              <a:rPr lang="ru-RU" sz="800" dirty="0">
+                <a:latin typeface="Fira Sans Condensed" panose="020B0503050000020004" pitchFamily="34" charset="0"/>
+                <a:cs typeface="Times New Roman" panose="02020603050405020304" pitchFamily="18" charset="0"/>
+              </a:rPr>
+              <a:t>Вывод информации классов</a:t>
+            </a:r>
+            <a:endParaRPr lang="ru-RU" sz="800" dirty="0">
+              <a:solidFill>
+                <a:schemeClr val="tx1"/>
+              </a:solidFill>
+              <a:latin typeface="Fira Sans Condensed" panose="020B0503050000020004" pitchFamily="34" charset="0"/>
+              <a:cs typeface="Times New Roman" panose="02020603050405020304" pitchFamily="18" charset="0"/>
+            </a:endParaRPr>
+          </a:p>
+        </p:txBody>
+      </p:sp>
+    </p:spTree>
+    <p:extLst>
+      <p:ext uri="{BB962C8B-B14F-4D97-AF65-F5344CB8AC3E}">
+        <p14:creationId xmlns:p14="http://schemas.microsoft.com/office/powerpoint/2010/main" val="2254894112"/>
       </p:ext>
     </p:extLst>
   </p:cSld>
